--- a/23-0712 - WED - Supervised Machine Learning/23-0712 Supervised Learning.pptx
+++ b/23-0712 - WED - Supervised Machine Learning/23-0712 Supervised Learning.pptx
@@ -13085,7 +13085,7 @@
               <a:rPr lang="en-US" altLang="en-US" sz="2000" dirty="0" err="1">
                 <a:latin typeface="+mj-lt"/>
               </a:rPr>
-              <a:t>Colabs</a:t>
+              <a:t>Colab</a:t>
             </a:r>
             <a:r>
               <a:rPr lang="en-US" altLang="en-US" sz="2000" dirty="0">

--- a/23-0712 - WED - Supervised Machine Learning/23-0712 Supervised Learning.pptx
+++ b/23-0712 - WED - Supervised Machine Learning/23-0712 Supervised Learning.pptx
@@ -5,10 +5,10 @@
     <p:sldMasterId id="2147483648" r:id="rId1"/>
   </p:sldMasterIdLst>
   <p:notesMasterIdLst>
-    <p:notesMasterId r:id="rId45"/>
+    <p:notesMasterId r:id="rId48"/>
   </p:notesMasterIdLst>
   <p:handoutMasterIdLst>
-    <p:handoutMasterId r:id="rId46"/>
+    <p:handoutMasterId r:id="rId49"/>
   </p:handoutMasterIdLst>
   <p:sldIdLst>
     <p:sldId id="268" r:id="rId2"/>
@@ -26,34 +26,37 @@
     <p:sldId id="398" r:id="rId14"/>
     <p:sldId id="402" r:id="rId15"/>
     <p:sldId id="400" r:id="rId16"/>
-    <p:sldId id="406" r:id="rId17"/>
-    <p:sldId id="409" r:id="rId18"/>
-    <p:sldId id="410" r:id="rId19"/>
-    <p:sldId id="449" r:id="rId20"/>
-    <p:sldId id="412" r:id="rId21"/>
-    <p:sldId id="413" r:id="rId22"/>
+    <p:sldId id="451" r:id="rId17"/>
+    <p:sldId id="406" r:id="rId18"/>
+    <p:sldId id="409" r:id="rId19"/>
+    <p:sldId id="453" r:id="rId20"/>
+    <p:sldId id="413" r:id="rId21"/>
+    <p:sldId id="454" r:id="rId22"/>
     <p:sldId id="414" r:id="rId23"/>
-    <p:sldId id="450" r:id="rId24"/>
-    <p:sldId id="407" r:id="rId25"/>
-    <p:sldId id="419" r:id="rId26"/>
-    <p:sldId id="441" r:id="rId27"/>
-    <p:sldId id="442" r:id="rId28"/>
-    <p:sldId id="443" r:id="rId29"/>
-    <p:sldId id="444" r:id="rId30"/>
-    <p:sldId id="445" r:id="rId31"/>
-    <p:sldId id="420" r:id="rId32"/>
-    <p:sldId id="421" r:id="rId33"/>
-    <p:sldId id="408" r:id="rId34"/>
-    <p:sldId id="429" r:id="rId35"/>
-    <p:sldId id="430" r:id="rId36"/>
-    <p:sldId id="431" r:id="rId37"/>
-    <p:sldId id="432" r:id="rId38"/>
-    <p:sldId id="433" r:id="rId39"/>
-    <p:sldId id="434" r:id="rId40"/>
-    <p:sldId id="435" r:id="rId41"/>
-    <p:sldId id="436" r:id="rId42"/>
-    <p:sldId id="437" r:id="rId43"/>
-    <p:sldId id="438" r:id="rId44"/>
+    <p:sldId id="410" r:id="rId24"/>
+    <p:sldId id="449" r:id="rId25"/>
+    <p:sldId id="412" r:id="rId26"/>
+    <p:sldId id="450" r:id="rId27"/>
+    <p:sldId id="407" r:id="rId28"/>
+    <p:sldId id="419" r:id="rId29"/>
+    <p:sldId id="441" r:id="rId30"/>
+    <p:sldId id="442" r:id="rId31"/>
+    <p:sldId id="443" r:id="rId32"/>
+    <p:sldId id="444" r:id="rId33"/>
+    <p:sldId id="445" r:id="rId34"/>
+    <p:sldId id="420" r:id="rId35"/>
+    <p:sldId id="421" r:id="rId36"/>
+    <p:sldId id="408" r:id="rId37"/>
+    <p:sldId id="429" r:id="rId38"/>
+    <p:sldId id="430" r:id="rId39"/>
+    <p:sldId id="431" r:id="rId40"/>
+    <p:sldId id="432" r:id="rId41"/>
+    <p:sldId id="433" r:id="rId42"/>
+    <p:sldId id="434" r:id="rId43"/>
+    <p:sldId id="435" r:id="rId44"/>
+    <p:sldId id="436" r:id="rId45"/>
+    <p:sldId id="437" r:id="rId46"/>
+    <p:sldId id="438" r:id="rId47"/>
   </p:sldIdLst>
   <p:sldSz cx="12192000" cy="6858000"/>
   <p:notesSz cx="7010400" cy="9296400"/>
@@ -226,92 +229,103 @@
     </mc:Fallback>
   </mc:AlternateContent>
   <c:chart>
-    <c:autoTitleDeleted val="0"/>
+    <c:autoTitleDeleted val="1"/>
     <c:plotArea>
       <c:layout/>
-      <c:scatterChart>
-        <c:scatterStyle val="lineMarker"/>
+      <c:bubbleChart>
         <c:varyColors val="0"/>
         <c:ser>
           <c:idx val="0"/>
           <c:order val="0"/>
           <c:tx>
-            <c:v>Loan Default</c:v>
+            <c:v>Loan Default - Yes</c:v>
           </c:tx>
           <c:spPr>
-            <a:ln w="19050" cap="rnd">
+            <a:solidFill>
+              <a:schemeClr val="bg2"/>
+            </a:solidFill>
+            <a:ln>
               <a:noFill/>
-              <a:round/>
             </a:ln>
             <a:effectLst/>
           </c:spPr>
-          <c:marker>
-            <c:symbol val="circle"/>
-            <c:size val="5"/>
-            <c:spPr>
-              <a:solidFill>
-                <a:schemeClr val="accent1"/>
-              </a:solidFill>
-              <a:ln w="9525">
-                <a:solidFill>
-                  <a:schemeClr val="accent1"/>
-                </a:solidFill>
-              </a:ln>
-              <a:effectLst/>
-            </c:spPr>
-          </c:marker>
+          <c:invertIfNegative val="0"/>
           <c:xVal>
             <c:numRef>
-              <c:f>Sheet1!$H$4:$H$8</c:f>
+              <c:f>Sheet1!$A$2:$A$6</c:f>
               <c:numCache>
-                <c:formatCode>0.00</c:formatCode>
+                <c:formatCode>General</c:formatCode>
                 <c:ptCount val="5"/>
                 <c:pt idx="0">
-                  <c:v>-0.60916707737801867</c:v>
+                  <c:v>38</c:v>
                 </c:pt>
                 <c:pt idx="1">
-                  <c:v>-0.30261212419911288</c:v>
+                  <c:v>35</c:v>
                 </c:pt>
                 <c:pt idx="2">
-                  <c:v>-0.2528339083292262</c:v>
+                  <c:v>47</c:v>
                 </c:pt>
                 <c:pt idx="3">
-                  <c:v>-0.56628881222276983</c:v>
+                  <c:v>48</c:v>
                 </c:pt>
                 <c:pt idx="4">
-                  <c:v>-0.57269590931493342</c:v>
+                  <c:v>40</c:v>
                 </c:pt>
               </c:numCache>
             </c:numRef>
           </c:xVal>
           <c:yVal>
             <c:numRef>
-              <c:f>Sheet1!$I$4:$I$8</c:f>
+              <c:f>Sheet1!$B$2:$B$6</c:f>
               <c:numCache>
-                <c:formatCode>0.00</c:formatCode>
+                <c:formatCode>General</c:formatCode>
                 <c:ptCount val="5"/>
                 <c:pt idx="0">
-                  <c:v>-1.9607843137255183E-2</c:v>
+                  <c:v>49</c:v>
                 </c:pt>
                 <c:pt idx="1">
-                  <c:v>-1.1960784313725494</c:v>
+                  <c:v>671</c:v>
                 </c:pt>
                 <c:pt idx="2">
-                  <c:v>0.86274509803921551</c:v>
+                  <c:v>772</c:v>
                 </c:pt>
                 <c:pt idx="3">
-                  <c:v>0.96078431372549</c:v>
+                  <c:v>136</c:v>
                 </c:pt>
                 <c:pt idx="4">
-                  <c:v>0.17647058823529385</c:v>
+                  <c:v>123</c:v>
                 </c:pt>
               </c:numCache>
             </c:numRef>
           </c:yVal>
-          <c:smooth val="0"/>
+          <c:bubbleSize>
+            <c:numRef>
+              <c:f>Sheet1!$C$2:$C$6</c:f>
+              <c:numCache>
+                <c:formatCode>General</c:formatCode>
+                <c:ptCount val="5"/>
+                <c:pt idx="0">
+                  <c:v>0.25</c:v>
+                </c:pt>
+                <c:pt idx="1">
+                  <c:v>0.25</c:v>
+                </c:pt>
+                <c:pt idx="2">
+                  <c:v>0.25</c:v>
+                </c:pt>
+                <c:pt idx="3">
+                  <c:v>0.25</c:v>
+                </c:pt>
+                <c:pt idx="4">
+                  <c:v>0.25</c:v>
+                </c:pt>
+              </c:numCache>
+            </c:numRef>
+          </c:bubbleSize>
+          <c:bubble3D val="0"/>
           <c:extLst>
             <c:ext xmlns:c16="http://schemas.microsoft.com/office/drawing/2014/chart" uri="{C3380CC4-5D6E-409C-BE32-E72D297353CC}">
-              <c16:uniqueId val="{00000000-36AB-4FD8-80AF-13F7928D5AF7}"/>
+              <c16:uniqueId val="{00000000-0F1D-4640-8CA4-E92C60723C30}"/>
             </c:ext>
           </c:extLst>
         </c:ser>
@@ -319,82 +333,94 @@
           <c:idx val="1"/>
           <c:order val="1"/>
           <c:tx>
-            <c:v>No Default</c:v>
+            <c:v>Loan Default - No</c:v>
           </c:tx>
           <c:spPr>
-            <a:ln w="25400" cap="rnd">
+            <a:solidFill>
+              <a:srgbClr val="00B050"/>
+            </a:solidFill>
+            <a:ln w="25400">
               <a:noFill/>
-              <a:round/>
             </a:ln>
             <a:effectLst/>
           </c:spPr>
-          <c:marker>
-            <c:symbol val="circle"/>
-            <c:size val="5"/>
-            <c:spPr>
-              <a:solidFill>
-                <a:schemeClr val="accent2"/>
-              </a:solidFill>
-              <a:ln w="9525">
-                <a:solidFill>
-                  <a:schemeClr val="accent2"/>
-                </a:solidFill>
-              </a:ln>
-              <a:effectLst/>
-            </c:spPr>
-          </c:marker>
+          <c:invertIfNegative val="0"/>
           <c:xVal>
             <c:numRef>
-              <c:f>Sheet1!$H$9:$H$13</c:f>
+              <c:f>Sheet1!$A$7:$A$11</c:f>
               <c:numCache>
-                <c:formatCode>0.00</c:formatCode>
+                <c:formatCode>General</c:formatCode>
                 <c:ptCount val="5"/>
                 <c:pt idx="0">
-                  <c:v>-0.61557417447018237</c:v>
+                  <c:v>29</c:v>
                 </c:pt>
                 <c:pt idx="1">
-                  <c:v>-0.53868900936421882</c:v>
+                  <c:v>38</c:v>
                 </c:pt>
                 <c:pt idx="2">
-                  <c:v>2.6067028092656481</c:v>
+                  <c:v>35</c:v>
                 </c:pt>
                 <c:pt idx="3">
-                  <c:v>0.45096106456382457</c:v>
+                  <c:v>58</c:v>
                 </c:pt>
                 <c:pt idx="4">
-                  <c:v>0.40167570231641203</c:v>
+                  <c:v>30</c:v>
                 </c:pt>
               </c:numCache>
             </c:numRef>
           </c:xVal>
           <c:yVal>
             <c:numRef>
-              <c:f>Sheet1!$I$9:$I$13</c:f>
+              <c:f>Sheet1!$B$7:$B$11</c:f>
               <c:numCache>
-                <c:formatCode>0.00</c:formatCode>
+                <c:formatCode>#,##0</c:formatCode>
                 <c:ptCount val="5"/>
-                <c:pt idx="0">
-                  <c:v>-0.90196078431372584</c:v>
+                <c:pt idx="0" formatCode="General">
+                  <c:v>900</c:v>
                 </c:pt>
                 <c:pt idx="1">
-                  <c:v>-0.70588235294117685</c:v>
+                  <c:v>1500</c:v>
                 </c:pt>
                 <c:pt idx="2">
-                  <c:v>-0.3137254901960787</c:v>
+                  <c:v>2300</c:v>
                 </c:pt>
                 <c:pt idx="3">
-                  <c:v>1.9411764705882351</c:v>
+                  <c:v>2200</c:v>
                 </c:pt>
                 <c:pt idx="4">
-                  <c:v>-0.80392156862745134</c:v>
+                  <c:v>2100</c:v>
                 </c:pt>
               </c:numCache>
             </c:numRef>
           </c:yVal>
-          <c:smooth val="0"/>
+          <c:bubbleSize>
+            <c:numRef>
+              <c:f>Sheet1!$C$7:$C$11</c:f>
+              <c:numCache>
+                <c:formatCode>General</c:formatCode>
+                <c:ptCount val="5"/>
+                <c:pt idx="0">
+                  <c:v>0.25</c:v>
+                </c:pt>
+                <c:pt idx="1">
+                  <c:v>0.25</c:v>
+                </c:pt>
+                <c:pt idx="2">
+                  <c:v>0.25</c:v>
+                </c:pt>
+                <c:pt idx="3">
+                  <c:v>0.25</c:v>
+                </c:pt>
+                <c:pt idx="4">
+                  <c:v>0.25</c:v>
+                </c:pt>
+              </c:numCache>
+            </c:numRef>
+          </c:bubbleSize>
+          <c:bubble3D val="0"/>
           <c:extLst>
             <c:ext xmlns:c16="http://schemas.microsoft.com/office/drawing/2014/chart" uri="{C3380CC4-5D6E-409C-BE32-E72D297353CC}">
-              <c16:uniqueId val="{00000001-36AB-4FD8-80AF-13F7928D5AF7}"/>
+              <c16:uniqueId val="{00000000-EBA8-4B14-8E8C-360A3BA277F7}"/>
             </c:ext>
           </c:extLst>
         </c:ser>
@@ -406,11 +432,13 @@
           <c:showPercent val="0"/>
           <c:showBubbleSize val="0"/>
         </c:dLbls>
-        <c:axId val="487558943"/>
-        <c:axId val="487559359"/>
-      </c:scatterChart>
+        <c:bubbleScale val="20"/>
+        <c:showNegBubbles val="0"/>
+        <c:axId val="375898495"/>
+        <c:axId val="375903487"/>
+      </c:bubbleChart>
       <c:valAx>
-        <c:axId val="487558943"/>
+        <c:axId val="375898495"/>
         <c:scaling>
           <c:orientation val="minMax"/>
         </c:scaling>
@@ -437,7 +465,7 @@
               <a:lstStyle/>
               <a:p>
                 <a:pPr>
-                  <a:defRPr sz="1000" b="0" i="0" u="none" strike="noStrike" kern="1200" baseline="0">
+                  <a:defRPr sz="1330" b="0" i="0" u="none" strike="noStrike" kern="1200" baseline="0">
                     <a:solidFill>
                       <a:schemeClr val="tx1">
                         <a:lumMod val="65000"/>
@@ -450,8 +478,8 @@
                   </a:defRPr>
                 </a:pPr>
                 <a:r>
-                  <a:rPr lang="en-US"/>
-                  <a:t>Average Balance z-Score</a:t>
+                  <a:rPr lang="en-US" dirty="0"/>
+                  <a:t>Age</a:t>
                 </a:r>
               </a:p>
             </c:rich>
@@ -469,7 +497,7 @@
             <a:lstStyle/>
             <a:p>
               <a:pPr>
-                <a:defRPr sz="1000" b="0" i="0" u="none" strike="noStrike" kern="1200" baseline="0">
+                <a:defRPr sz="1330" b="0" i="0" u="none" strike="noStrike" kern="1200" baseline="0">
                   <a:solidFill>
                     <a:schemeClr val="tx1">
                       <a:lumMod val="65000"/>
@@ -485,7 +513,7 @@
             </a:p>
           </c:txPr>
         </c:title>
-        <c:numFmt formatCode="0.00" sourceLinked="1"/>
+        <c:numFmt formatCode="General" sourceLinked="1"/>
         <c:majorTickMark val="none"/>
         <c:minorTickMark val="none"/>
         <c:tickLblPos val="nextTo"/>
@@ -507,7 +535,7 @@
           <a:lstStyle/>
           <a:p>
             <a:pPr>
-              <a:defRPr sz="900" b="0" i="0" u="none" strike="noStrike" kern="1200" baseline="0">
+              <a:defRPr sz="1197" b="0" i="0" u="none" strike="noStrike" kern="1200" baseline="0">
                 <a:solidFill>
                   <a:schemeClr val="tx1">
                     <a:lumMod val="65000"/>
@@ -522,14 +550,16 @@
             <a:endParaRPr lang="en-US"/>
           </a:p>
         </c:txPr>
-        <c:crossAx val="487559359"/>
+        <c:crossAx val="375903487"/>
         <c:crosses val="autoZero"/>
         <c:crossBetween val="midCat"/>
       </c:valAx>
       <c:valAx>
-        <c:axId val="487559359"/>
+        <c:axId val="375903487"/>
         <c:scaling>
           <c:orientation val="minMax"/>
+          <c:max val="2500"/>
+          <c:min val="0"/>
         </c:scaling>
         <c:delete val="0"/>
         <c:axPos val="l"/>
@@ -554,7 +584,7 @@
               <a:lstStyle/>
               <a:p>
                 <a:pPr>
-                  <a:defRPr sz="1000" b="0" i="0" u="none" strike="noStrike" kern="1200" baseline="0">
+                  <a:defRPr sz="1330" b="0" i="0" u="none" strike="noStrike" kern="1200" baseline="0">
                     <a:solidFill>
                       <a:schemeClr val="tx1">
                         <a:lumMod val="65000"/>
@@ -567,9 +597,14 @@
                   </a:defRPr>
                 </a:pPr>
                 <a:r>
-                  <a:rPr lang="en-US"/>
-                  <a:t>Age z-Score</a:t>
+                  <a:rPr lang="en-US" dirty="0"/>
+                  <a:t>Average Account</a:t>
                 </a:r>
+                <a:r>
+                  <a:rPr lang="en-US" baseline="0" dirty="0"/>
+                  <a:t> Balance</a:t>
+                </a:r>
+                <a:endParaRPr lang="en-US" dirty="0"/>
               </a:p>
             </c:rich>
           </c:tx>
@@ -586,7 +621,7 @@
             <a:lstStyle/>
             <a:p>
               <a:pPr>
-                <a:defRPr sz="1000" b="0" i="0" u="none" strike="noStrike" kern="1200" baseline="0">
+                <a:defRPr sz="1330" b="0" i="0" u="none" strike="noStrike" kern="1200" baseline="0">
                   <a:solidFill>
                     <a:schemeClr val="tx1">
                       <a:lumMod val="65000"/>
@@ -602,10 +637,10 @@
             </a:p>
           </c:txPr>
         </c:title>
-        <c:numFmt formatCode="0.00" sourceLinked="1"/>
+        <c:numFmt formatCode="General" sourceLinked="1"/>
         <c:majorTickMark val="none"/>
         <c:minorTickMark val="none"/>
-        <c:tickLblPos val="low"/>
+        <c:tickLblPos val="nextTo"/>
         <c:spPr>
           <a:noFill/>
           <a:ln w="9525" cap="flat" cmpd="sng" algn="ctr">
@@ -624,7 +659,7 @@
           <a:lstStyle/>
           <a:p>
             <a:pPr>
-              <a:defRPr sz="900" b="0" i="0" u="none" strike="noStrike" kern="1200" baseline="0">
+              <a:defRPr sz="1197" b="0" i="0" u="none" strike="noStrike" kern="1200" baseline="0">
                 <a:solidFill>
                   <a:schemeClr val="tx1">
                     <a:lumMod val="65000"/>
@@ -639,8 +674,8 @@
             <a:endParaRPr lang="en-US"/>
           </a:p>
         </c:txPr>
-        <c:crossAx val="487558943"/>
-        <c:crossesAt val="0"/>
+        <c:crossAx val="375898495"/>
+        <c:crosses val="autoZero"/>
         <c:crossBetween val="midCat"/>
       </c:valAx>
       <c:spPr>
@@ -652,7 +687,7 @@
       </c:spPr>
     </c:plotArea>
     <c:legend>
-      <c:legendPos val="t"/>
+      <c:legendPos val="r"/>
       <c:overlay val="0"/>
       <c:spPr>
         <a:noFill/>
@@ -666,7 +701,7 @@
         <a:lstStyle/>
         <a:p>
           <a:pPr>
-            <a:defRPr sz="900" b="0" i="0" u="none" strike="noStrike" kern="1200" baseline="0">
+            <a:defRPr sz="1197" b="0" i="0" u="none" strike="noStrike" kern="1200" baseline="0">
               <a:solidFill>
                 <a:schemeClr val="tx1">
                   <a:lumMod val="65000"/>
@@ -730,92 +765,103 @@
     </mc:Fallback>
   </mc:AlternateContent>
   <c:chart>
-    <c:autoTitleDeleted val="0"/>
+    <c:autoTitleDeleted val="1"/>
     <c:plotArea>
       <c:layout/>
-      <c:scatterChart>
-        <c:scatterStyle val="lineMarker"/>
+      <c:bubbleChart>
         <c:varyColors val="0"/>
         <c:ser>
           <c:idx val="0"/>
           <c:order val="0"/>
           <c:tx>
-            <c:v>Loan Default</c:v>
+            <c:v>Loan Default - Yes</c:v>
           </c:tx>
           <c:spPr>
-            <a:ln w="19050" cap="rnd">
+            <a:solidFill>
+              <a:schemeClr val="bg2"/>
+            </a:solidFill>
+            <a:ln>
               <a:noFill/>
-              <a:round/>
             </a:ln>
             <a:effectLst/>
           </c:spPr>
-          <c:marker>
-            <c:symbol val="circle"/>
-            <c:size val="5"/>
-            <c:spPr>
-              <a:solidFill>
-                <a:schemeClr val="accent1"/>
-              </a:solidFill>
-              <a:ln w="9525">
-                <a:solidFill>
-                  <a:schemeClr val="accent1"/>
-                </a:solidFill>
-              </a:ln>
-              <a:effectLst/>
-            </c:spPr>
-          </c:marker>
+          <c:invertIfNegative val="0"/>
           <c:xVal>
             <c:numRef>
-              <c:f>Sheet1!$H$4:$H$8</c:f>
+              <c:f>Sheet1!$A$2:$A$6</c:f>
               <c:numCache>
-                <c:formatCode>0.00</c:formatCode>
+                <c:formatCode>General</c:formatCode>
                 <c:ptCount val="5"/>
                 <c:pt idx="0">
-                  <c:v>-0.60916707737801867</c:v>
+                  <c:v>38</c:v>
                 </c:pt>
                 <c:pt idx="1">
-                  <c:v>-0.30261212419911288</c:v>
+                  <c:v>35</c:v>
                 </c:pt>
                 <c:pt idx="2">
-                  <c:v>-0.2528339083292262</c:v>
+                  <c:v>47</c:v>
                 </c:pt>
                 <c:pt idx="3">
-                  <c:v>-0.56628881222276983</c:v>
+                  <c:v>48</c:v>
                 </c:pt>
                 <c:pt idx="4">
-                  <c:v>-0.57269590931493342</c:v>
+                  <c:v>40</c:v>
                 </c:pt>
               </c:numCache>
             </c:numRef>
           </c:xVal>
           <c:yVal>
             <c:numRef>
-              <c:f>Sheet1!$I$4:$I$8</c:f>
+              <c:f>Sheet1!$B$2:$B$6</c:f>
               <c:numCache>
-                <c:formatCode>0.00</c:formatCode>
+                <c:formatCode>General</c:formatCode>
                 <c:ptCount val="5"/>
                 <c:pt idx="0">
-                  <c:v>-1.9607843137255183E-2</c:v>
+                  <c:v>49</c:v>
                 </c:pt>
                 <c:pt idx="1">
-                  <c:v>-1.1960784313725494</c:v>
+                  <c:v>671</c:v>
                 </c:pt>
                 <c:pt idx="2">
-                  <c:v>0.86274509803921551</c:v>
+                  <c:v>772</c:v>
                 </c:pt>
                 <c:pt idx="3">
-                  <c:v>0.96078431372549</c:v>
+                  <c:v>136</c:v>
                 </c:pt>
                 <c:pt idx="4">
-                  <c:v>0.17647058823529385</c:v>
+                  <c:v>123</c:v>
                 </c:pt>
               </c:numCache>
             </c:numRef>
           </c:yVal>
-          <c:smooth val="0"/>
+          <c:bubbleSize>
+            <c:numRef>
+              <c:f>Sheet1!$C$2:$C$6</c:f>
+              <c:numCache>
+                <c:formatCode>General</c:formatCode>
+                <c:ptCount val="5"/>
+                <c:pt idx="0">
+                  <c:v>0.25</c:v>
+                </c:pt>
+                <c:pt idx="1">
+                  <c:v>0.25</c:v>
+                </c:pt>
+                <c:pt idx="2">
+                  <c:v>0.25</c:v>
+                </c:pt>
+                <c:pt idx="3">
+                  <c:v>0.25</c:v>
+                </c:pt>
+                <c:pt idx="4">
+                  <c:v>0.25</c:v>
+                </c:pt>
+              </c:numCache>
+            </c:numRef>
+          </c:bubbleSize>
+          <c:bubble3D val="0"/>
           <c:extLst>
             <c:ext xmlns:c16="http://schemas.microsoft.com/office/drawing/2014/chart" uri="{C3380CC4-5D6E-409C-BE32-E72D297353CC}">
-              <c16:uniqueId val="{00000000-D500-4504-B8E8-C76354B04FAE}"/>
+              <c16:uniqueId val="{00000000-0F1D-4640-8CA4-E92C60723C30}"/>
             </c:ext>
           </c:extLst>
         </c:ser>
@@ -823,153 +869,94 @@
           <c:idx val="1"/>
           <c:order val="1"/>
           <c:tx>
-            <c:v>No Default</c:v>
+            <c:v>Loan Default - No</c:v>
           </c:tx>
           <c:spPr>
-            <a:ln w="25400" cap="rnd">
+            <a:solidFill>
+              <a:srgbClr val="00B050"/>
+            </a:solidFill>
+            <a:ln w="25400">
               <a:noFill/>
-              <a:round/>
             </a:ln>
             <a:effectLst/>
           </c:spPr>
-          <c:marker>
-            <c:symbol val="circle"/>
-            <c:size val="5"/>
-            <c:spPr>
-              <a:solidFill>
-                <a:schemeClr val="accent2"/>
-              </a:solidFill>
-              <a:ln w="9525">
-                <a:solidFill>
-                  <a:schemeClr val="accent2"/>
-                </a:solidFill>
-              </a:ln>
-              <a:effectLst/>
-            </c:spPr>
-          </c:marker>
+          <c:invertIfNegative val="0"/>
           <c:xVal>
             <c:numRef>
-              <c:f>Sheet1!$H$9:$H$13</c:f>
+              <c:f>Sheet1!$A$7:$A$11</c:f>
               <c:numCache>
-                <c:formatCode>0.00</c:formatCode>
+                <c:formatCode>General</c:formatCode>
                 <c:ptCount val="5"/>
                 <c:pt idx="0">
-                  <c:v>-0.61557417447018237</c:v>
+                  <c:v>29</c:v>
                 </c:pt>
                 <c:pt idx="1">
-                  <c:v>-0.53868900936421882</c:v>
+                  <c:v>38</c:v>
                 </c:pt>
                 <c:pt idx="2">
-                  <c:v>2.6067028092656481</c:v>
+                  <c:v>35</c:v>
                 </c:pt>
                 <c:pt idx="3">
-                  <c:v>0.45096106456382457</c:v>
+                  <c:v>58</c:v>
                 </c:pt>
                 <c:pt idx="4">
-                  <c:v>0.40167570231641203</c:v>
+                  <c:v>30</c:v>
                 </c:pt>
               </c:numCache>
             </c:numRef>
           </c:xVal>
           <c:yVal>
             <c:numRef>
-              <c:f>Sheet1!$I$9:$I$13</c:f>
+              <c:f>Sheet1!$B$7:$B$11</c:f>
               <c:numCache>
-                <c:formatCode>0.00</c:formatCode>
+                <c:formatCode>#,##0</c:formatCode>
                 <c:ptCount val="5"/>
-                <c:pt idx="0">
-                  <c:v>-0.90196078431372584</c:v>
+                <c:pt idx="0" formatCode="General">
+                  <c:v>900</c:v>
                 </c:pt>
                 <c:pt idx="1">
-                  <c:v>-0.70588235294117685</c:v>
+                  <c:v>1500</c:v>
                 </c:pt>
                 <c:pt idx="2">
-                  <c:v>-0.3137254901960787</c:v>
+                  <c:v>2300</c:v>
                 </c:pt>
                 <c:pt idx="3">
-                  <c:v>1.9411764705882351</c:v>
+                  <c:v>2200</c:v>
                 </c:pt>
                 <c:pt idx="4">
-                  <c:v>-0.80392156862745134</c:v>
+                  <c:v>2100</c:v>
                 </c:pt>
               </c:numCache>
             </c:numRef>
           </c:yVal>
-          <c:smooth val="0"/>
-          <c:extLst>
-            <c:ext xmlns:c16="http://schemas.microsoft.com/office/drawing/2014/chart" uri="{C3380CC4-5D6E-409C-BE32-E72D297353CC}">
-              <c16:uniqueId val="{00000001-D500-4504-B8E8-C76354B04FAE}"/>
-            </c:ext>
-          </c:extLst>
-        </c:ser>
-        <c:ser>
-          <c:idx val="2"/>
-          <c:order val="2"/>
-          <c:tx>
-            <c:v>Prospective Customers</c:v>
-          </c:tx>
-          <c:spPr>
-            <a:ln w="25400" cap="rnd">
-              <a:noFill/>
-              <a:round/>
-            </a:ln>
-            <a:effectLst/>
-          </c:spPr>
-          <c:marker>
-            <c:symbol val="circle"/>
-            <c:size val="5"/>
-            <c:spPr>
-              <a:solidFill>
-                <a:srgbClr val="7030A0"/>
-              </a:solidFill>
-              <a:ln w="9525">
-                <a:solidFill>
-                  <a:srgbClr val="7030A0"/>
-                </a:solidFill>
-              </a:ln>
-              <a:effectLst/>
-            </c:spPr>
-          </c:marker>
-          <c:xVal>
+          <c:bubbleSize>
             <c:numRef>
-              <c:f>Sheet1!$H$14:$H$16</c:f>
+              <c:f>Sheet1!$C$7:$C$11</c:f>
               <c:numCache>
-                <c:formatCode>0.00</c:formatCode>
-                <c:ptCount val="3"/>
+                <c:formatCode>General</c:formatCode>
+                <c:ptCount val="5"/>
                 <c:pt idx="0">
-                  <c:v>-0.62345983242976832</c:v>
+                  <c:v>0.25</c:v>
                 </c:pt>
                 <c:pt idx="1">
-                  <c:v>-0.28831936914736322</c:v>
+                  <c:v>0.25</c:v>
                 </c:pt>
                 <c:pt idx="2">
-                  <c:v>-0.54706752094627897</c:v>
+                  <c:v>0.25</c:v>
+                </c:pt>
+                <c:pt idx="3">
+                  <c:v>0.25</c:v>
+                </c:pt>
+                <c:pt idx="4">
+                  <c:v>0.25</c:v>
                 </c:pt>
               </c:numCache>
             </c:numRef>
-          </c:xVal>
-          <c:yVal>
-            <c:numRef>
-              <c:f>Sheet1!$I$14:$I$16</c:f>
-              <c:numCache>
-                <c:formatCode>0.00</c:formatCode>
-                <c:ptCount val="3"/>
-                <c:pt idx="0">
-                  <c:v>1.1568627450980391</c:v>
-                </c:pt>
-                <c:pt idx="1">
-                  <c:v>0.17647058823529385</c:v>
-                </c:pt>
-                <c:pt idx="2">
-                  <c:v>-1.0000000000000004</c:v>
-                </c:pt>
-              </c:numCache>
-            </c:numRef>
-          </c:yVal>
-          <c:smooth val="0"/>
+          </c:bubbleSize>
+          <c:bubble3D val="0"/>
           <c:extLst>
             <c:ext xmlns:c16="http://schemas.microsoft.com/office/drawing/2014/chart" uri="{C3380CC4-5D6E-409C-BE32-E72D297353CC}">
-              <c16:uniqueId val="{00000002-D500-4504-B8E8-C76354B04FAE}"/>
+              <c16:uniqueId val="{00000000-EBA8-4B14-8E8C-360A3BA277F7}"/>
             </c:ext>
           </c:extLst>
         </c:ser>
@@ -981,11 +968,13 @@
           <c:showPercent val="0"/>
           <c:showBubbleSize val="0"/>
         </c:dLbls>
-        <c:axId val="487558943"/>
-        <c:axId val="487559359"/>
-      </c:scatterChart>
+        <c:bubbleScale val="20"/>
+        <c:showNegBubbles val="0"/>
+        <c:axId val="375898495"/>
+        <c:axId val="375903487"/>
+      </c:bubbleChart>
       <c:valAx>
-        <c:axId val="487558943"/>
+        <c:axId val="375898495"/>
         <c:scaling>
           <c:orientation val="minMax"/>
         </c:scaling>
@@ -1012,7 +1001,7 @@
               <a:lstStyle/>
               <a:p>
                 <a:pPr>
-                  <a:defRPr sz="1000" b="0" i="0" u="none" strike="noStrike" kern="1200" baseline="0">
+                  <a:defRPr sz="1330" b="0" i="0" u="none" strike="noStrike" kern="1200" baseline="0">
                     <a:solidFill>
                       <a:schemeClr val="tx1">
                         <a:lumMod val="65000"/>
@@ -1025,8 +1014,8 @@
                   </a:defRPr>
                 </a:pPr>
                 <a:r>
-                  <a:rPr lang="en-US"/>
-                  <a:t>Average Balance z-Score</a:t>
+                  <a:rPr lang="en-US" dirty="0"/>
+                  <a:t>Age</a:t>
                 </a:r>
               </a:p>
             </c:rich>
@@ -1044,7 +1033,7 @@
             <a:lstStyle/>
             <a:p>
               <a:pPr>
-                <a:defRPr sz="1000" b="0" i="0" u="none" strike="noStrike" kern="1200" baseline="0">
+                <a:defRPr sz="1330" b="0" i="0" u="none" strike="noStrike" kern="1200" baseline="0">
                   <a:solidFill>
                     <a:schemeClr val="tx1">
                       <a:lumMod val="65000"/>
@@ -1060,7 +1049,7 @@
             </a:p>
           </c:txPr>
         </c:title>
-        <c:numFmt formatCode="0.00" sourceLinked="1"/>
+        <c:numFmt formatCode="General" sourceLinked="1"/>
         <c:majorTickMark val="none"/>
         <c:minorTickMark val="none"/>
         <c:tickLblPos val="nextTo"/>
@@ -1082,7 +1071,7 @@
           <a:lstStyle/>
           <a:p>
             <a:pPr>
-              <a:defRPr sz="900" b="0" i="0" u="none" strike="noStrike" kern="1200" baseline="0">
+              <a:defRPr sz="1197" b="0" i="0" u="none" strike="noStrike" kern="1200" baseline="0">
                 <a:solidFill>
                   <a:schemeClr val="tx1">
                     <a:lumMod val="65000"/>
@@ -1097,14 +1086,16 @@
             <a:endParaRPr lang="en-US"/>
           </a:p>
         </c:txPr>
-        <c:crossAx val="487559359"/>
+        <c:crossAx val="375903487"/>
         <c:crosses val="autoZero"/>
         <c:crossBetween val="midCat"/>
       </c:valAx>
       <c:valAx>
-        <c:axId val="487559359"/>
+        <c:axId val="375903487"/>
         <c:scaling>
           <c:orientation val="minMax"/>
+          <c:max val="2500"/>
+          <c:min val="0"/>
         </c:scaling>
         <c:delete val="0"/>
         <c:axPos val="l"/>
@@ -1129,7 +1120,7 @@
               <a:lstStyle/>
               <a:p>
                 <a:pPr>
-                  <a:defRPr sz="1000" b="0" i="0" u="none" strike="noStrike" kern="1200" baseline="0">
+                  <a:defRPr sz="1330" b="0" i="0" u="none" strike="noStrike" kern="1200" baseline="0">
                     <a:solidFill>
                       <a:schemeClr val="tx1">
                         <a:lumMod val="65000"/>
@@ -1142,9 +1133,14 @@
                   </a:defRPr>
                 </a:pPr>
                 <a:r>
-                  <a:rPr lang="en-US"/>
-                  <a:t>Age z-Score</a:t>
+                  <a:rPr lang="en-US" dirty="0"/>
+                  <a:t>Average Account</a:t>
                 </a:r>
+                <a:r>
+                  <a:rPr lang="en-US" baseline="0" dirty="0"/>
+                  <a:t> Balance</a:t>
+                </a:r>
+                <a:endParaRPr lang="en-US" dirty="0"/>
               </a:p>
             </c:rich>
           </c:tx>
@@ -1161,7 +1157,7 @@
             <a:lstStyle/>
             <a:p>
               <a:pPr>
-                <a:defRPr sz="1000" b="0" i="0" u="none" strike="noStrike" kern="1200" baseline="0">
+                <a:defRPr sz="1330" b="0" i="0" u="none" strike="noStrike" kern="1200" baseline="0">
                   <a:solidFill>
                     <a:schemeClr val="tx1">
                       <a:lumMod val="65000"/>
@@ -1177,10 +1173,10 @@
             </a:p>
           </c:txPr>
         </c:title>
-        <c:numFmt formatCode="0.00" sourceLinked="1"/>
+        <c:numFmt formatCode="General" sourceLinked="1"/>
         <c:majorTickMark val="none"/>
         <c:minorTickMark val="none"/>
-        <c:tickLblPos val="low"/>
+        <c:tickLblPos val="nextTo"/>
         <c:spPr>
           <a:noFill/>
           <a:ln w="9525" cap="flat" cmpd="sng" algn="ctr">
@@ -1199,7 +1195,7 @@
           <a:lstStyle/>
           <a:p>
             <a:pPr>
-              <a:defRPr sz="900" b="0" i="0" u="none" strike="noStrike" kern="1200" baseline="0">
+              <a:defRPr sz="1197" b="0" i="0" u="none" strike="noStrike" kern="1200" baseline="0">
                 <a:solidFill>
                   <a:schemeClr val="tx1">
                     <a:lumMod val="65000"/>
@@ -1214,8 +1210,8 @@
             <a:endParaRPr lang="en-US"/>
           </a:p>
         </c:txPr>
-        <c:crossAx val="487558943"/>
-        <c:crossesAt val="0"/>
+        <c:crossAx val="375898495"/>
+        <c:crosses val="autoZero"/>
         <c:crossBetween val="midCat"/>
       </c:valAx>
       <c:spPr>
@@ -1227,7 +1223,7 @@
       </c:spPr>
     </c:plotArea>
     <c:legend>
-      <c:legendPos val="t"/>
+      <c:legendPos val="r"/>
       <c:overlay val="0"/>
       <c:spPr>
         <a:noFill/>
@@ -1241,7 +1237,1296 @@
         <a:lstStyle/>
         <a:p>
           <a:pPr>
-            <a:defRPr sz="900" b="0" i="0" u="none" strike="noStrike" kern="1200" baseline="0">
+            <a:defRPr sz="1197" b="0" i="0" u="none" strike="noStrike" kern="1200" baseline="0">
+              <a:solidFill>
+                <a:schemeClr val="tx1">
+                  <a:lumMod val="65000"/>
+                  <a:lumOff val="35000"/>
+                </a:schemeClr>
+              </a:solidFill>
+              <a:latin typeface="+mn-lt"/>
+              <a:ea typeface="+mn-ea"/>
+              <a:cs typeface="+mn-cs"/>
+            </a:defRPr>
+          </a:pPr>
+          <a:endParaRPr lang="en-US"/>
+        </a:p>
+      </c:txPr>
+    </c:legend>
+    <c:plotVisOnly val="1"/>
+    <c:dispBlanksAs val="gap"/>
+    <c:extLst>
+      <c:ext xmlns:c16r3="http://schemas.microsoft.com/office/drawing/2017/03/chart" uri="{56B9EC1D-385E-4148-901F-78D8002777C0}">
+        <c16r3:dataDisplayOptions16>
+          <c16r3:dispNaAsBlank val="1"/>
+        </c16r3:dataDisplayOptions16>
+      </c:ext>
+    </c:extLst>
+    <c:showDLblsOverMax val="0"/>
+  </c:chart>
+  <c:spPr>
+    <a:noFill/>
+    <a:ln>
+      <a:noFill/>
+    </a:ln>
+    <a:effectLst/>
+  </c:spPr>
+  <c:txPr>
+    <a:bodyPr/>
+    <a:lstStyle/>
+    <a:p>
+      <a:pPr>
+        <a:defRPr/>
+      </a:pPr>
+      <a:endParaRPr lang="en-US"/>
+    </a:p>
+  </c:txPr>
+  <c:externalData r:id="rId3">
+    <c:autoUpdate val="0"/>
+  </c:externalData>
+</c:chartSpace>
+</file>
+
+<file path=ppt/charts/chart3.xml><?xml version="1.0" encoding="utf-8"?>
+<c:chartSpace xmlns:c="http://schemas.openxmlformats.org/drawingml/2006/chart" xmlns:a="http://schemas.openxmlformats.org/drawingml/2006/main" xmlns:r="http://schemas.openxmlformats.org/officeDocument/2006/relationships" xmlns:c16r2="http://schemas.microsoft.com/office/drawing/2015/06/chart">
+  <c:date1904 val="0"/>
+  <c:lang val="en-US"/>
+  <c:roundedCorners val="0"/>
+  <mc:AlternateContent xmlns:mc="http://schemas.openxmlformats.org/markup-compatibility/2006">
+    <mc:Choice xmlns:c14="http://schemas.microsoft.com/office/drawing/2007/8/2/chart" Requires="c14">
+      <c14:style val="102"/>
+    </mc:Choice>
+    <mc:Fallback>
+      <c:style val="2"/>
+    </mc:Fallback>
+  </mc:AlternateContent>
+  <c:chart>
+    <c:autoTitleDeleted val="1"/>
+    <c:plotArea>
+      <c:layout/>
+      <c:bubbleChart>
+        <c:varyColors val="0"/>
+        <c:ser>
+          <c:idx val="0"/>
+          <c:order val="0"/>
+          <c:tx>
+            <c:v>Loan Default - Yes</c:v>
+          </c:tx>
+          <c:spPr>
+            <a:solidFill>
+              <a:schemeClr val="bg2"/>
+            </a:solidFill>
+            <a:ln>
+              <a:noFill/>
+            </a:ln>
+            <a:effectLst/>
+          </c:spPr>
+          <c:invertIfNegative val="0"/>
+          <c:xVal>
+            <c:numRef>
+              <c:f>Sheet1!$A$2:$A$6</c:f>
+              <c:numCache>
+                <c:formatCode>General</c:formatCode>
+                <c:ptCount val="5"/>
+                <c:pt idx="0">
+                  <c:v>38</c:v>
+                </c:pt>
+                <c:pt idx="1">
+                  <c:v>35</c:v>
+                </c:pt>
+                <c:pt idx="2">
+                  <c:v>47</c:v>
+                </c:pt>
+                <c:pt idx="3">
+                  <c:v>48</c:v>
+                </c:pt>
+                <c:pt idx="4">
+                  <c:v>40</c:v>
+                </c:pt>
+              </c:numCache>
+            </c:numRef>
+          </c:xVal>
+          <c:yVal>
+            <c:numRef>
+              <c:f>Sheet1!$B$2:$B$6</c:f>
+              <c:numCache>
+                <c:formatCode>General</c:formatCode>
+                <c:ptCount val="5"/>
+                <c:pt idx="0">
+                  <c:v>49</c:v>
+                </c:pt>
+                <c:pt idx="1">
+                  <c:v>671</c:v>
+                </c:pt>
+                <c:pt idx="2">
+                  <c:v>772</c:v>
+                </c:pt>
+                <c:pt idx="3">
+                  <c:v>136</c:v>
+                </c:pt>
+                <c:pt idx="4">
+                  <c:v>123</c:v>
+                </c:pt>
+              </c:numCache>
+            </c:numRef>
+          </c:yVal>
+          <c:bubbleSize>
+            <c:numRef>
+              <c:f>Sheet1!$C$2:$C$6</c:f>
+              <c:numCache>
+                <c:formatCode>General</c:formatCode>
+                <c:ptCount val="5"/>
+                <c:pt idx="0">
+                  <c:v>0.25</c:v>
+                </c:pt>
+                <c:pt idx="1">
+                  <c:v>0.25</c:v>
+                </c:pt>
+                <c:pt idx="2">
+                  <c:v>0.25</c:v>
+                </c:pt>
+                <c:pt idx="3">
+                  <c:v>0.25</c:v>
+                </c:pt>
+                <c:pt idx="4">
+                  <c:v>0.25</c:v>
+                </c:pt>
+              </c:numCache>
+            </c:numRef>
+          </c:bubbleSize>
+          <c:bubble3D val="0"/>
+          <c:extLst>
+            <c:ext xmlns:c16="http://schemas.microsoft.com/office/drawing/2014/chart" uri="{C3380CC4-5D6E-409C-BE32-E72D297353CC}">
+              <c16:uniqueId val="{00000000-0F1D-4640-8CA4-E92C60723C30}"/>
+            </c:ext>
+          </c:extLst>
+        </c:ser>
+        <c:ser>
+          <c:idx val="1"/>
+          <c:order val="1"/>
+          <c:tx>
+            <c:v>Loan Default - No</c:v>
+          </c:tx>
+          <c:spPr>
+            <a:solidFill>
+              <a:srgbClr val="00B050"/>
+            </a:solidFill>
+            <a:ln w="25400">
+              <a:noFill/>
+            </a:ln>
+            <a:effectLst/>
+          </c:spPr>
+          <c:invertIfNegative val="0"/>
+          <c:xVal>
+            <c:numRef>
+              <c:f>Sheet1!$A$7:$A$11</c:f>
+              <c:numCache>
+                <c:formatCode>General</c:formatCode>
+                <c:ptCount val="5"/>
+                <c:pt idx="0">
+                  <c:v>29</c:v>
+                </c:pt>
+                <c:pt idx="1">
+                  <c:v>38</c:v>
+                </c:pt>
+                <c:pt idx="2">
+                  <c:v>35</c:v>
+                </c:pt>
+                <c:pt idx="3">
+                  <c:v>58</c:v>
+                </c:pt>
+                <c:pt idx="4">
+                  <c:v>30</c:v>
+                </c:pt>
+              </c:numCache>
+            </c:numRef>
+          </c:xVal>
+          <c:yVal>
+            <c:numRef>
+              <c:f>Sheet1!$B$7:$B$11</c:f>
+              <c:numCache>
+                <c:formatCode>#,##0</c:formatCode>
+                <c:ptCount val="5"/>
+                <c:pt idx="0" formatCode="General">
+                  <c:v>900</c:v>
+                </c:pt>
+                <c:pt idx="1">
+                  <c:v>1500</c:v>
+                </c:pt>
+                <c:pt idx="2">
+                  <c:v>2300</c:v>
+                </c:pt>
+                <c:pt idx="3">
+                  <c:v>2200</c:v>
+                </c:pt>
+                <c:pt idx="4">
+                  <c:v>2100</c:v>
+                </c:pt>
+              </c:numCache>
+            </c:numRef>
+          </c:yVal>
+          <c:bubbleSize>
+            <c:numRef>
+              <c:f>Sheet1!$C$7:$C$11</c:f>
+              <c:numCache>
+                <c:formatCode>General</c:formatCode>
+                <c:ptCount val="5"/>
+                <c:pt idx="0">
+                  <c:v>0.25</c:v>
+                </c:pt>
+                <c:pt idx="1">
+                  <c:v>0.25</c:v>
+                </c:pt>
+                <c:pt idx="2">
+                  <c:v>0.25</c:v>
+                </c:pt>
+                <c:pt idx="3">
+                  <c:v>0.25</c:v>
+                </c:pt>
+                <c:pt idx="4">
+                  <c:v>0.25</c:v>
+                </c:pt>
+              </c:numCache>
+            </c:numRef>
+          </c:bubbleSize>
+          <c:bubble3D val="0"/>
+          <c:extLst>
+            <c:ext xmlns:c16="http://schemas.microsoft.com/office/drawing/2014/chart" uri="{C3380CC4-5D6E-409C-BE32-E72D297353CC}">
+              <c16:uniqueId val="{00000000-EBA8-4B14-8E8C-360A3BA277F7}"/>
+            </c:ext>
+          </c:extLst>
+        </c:ser>
+        <c:ser>
+          <c:idx val="2"/>
+          <c:order val="2"/>
+          <c:tx>
+            <c:v>Customer 1</c:v>
+          </c:tx>
+          <c:spPr>
+            <a:solidFill>
+              <a:srgbClr val="FF0000"/>
+            </a:solidFill>
+            <a:ln w="25400">
+              <a:noFill/>
+            </a:ln>
+            <a:effectLst/>
+          </c:spPr>
+          <c:invertIfNegative val="0"/>
+          <c:xVal>
+            <c:numRef>
+              <c:f>Sheet1!$A$12</c:f>
+              <c:numCache>
+                <c:formatCode>General</c:formatCode>
+                <c:ptCount val="1"/>
+                <c:pt idx="0">
+                  <c:v>50</c:v>
+                </c:pt>
+              </c:numCache>
+            </c:numRef>
+          </c:xVal>
+          <c:yVal>
+            <c:numRef>
+              <c:f>Sheet1!$B$12</c:f>
+              <c:numCache>
+                <c:formatCode>General</c:formatCode>
+                <c:ptCount val="1"/>
+                <c:pt idx="0">
+                  <c:v>20</c:v>
+                </c:pt>
+              </c:numCache>
+            </c:numRef>
+          </c:yVal>
+          <c:bubbleSize>
+            <c:numRef>
+              <c:f>Sheet1!$C$12</c:f>
+              <c:numCache>
+                <c:formatCode>General</c:formatCode>
+                <c:ptCount val="1"/>
+                <c:pt idx="0">
+                  <c:v>0.25</c:v>
+                </c:pt>
+              </c:numCache>
+            </c:numRef>
+          </c:bubbleSize>
+          <c:bubble3D val="0"/>
+          <c:extLst>
+            <c:ext xmlns:c16="http://schemas.microsoft.com/office/drawing/2014/chart" uri="{C3380CC4-5D6E-409C-BE32-E72D297353CC}">
+              <c16:uniqueId val="{00000002-EBA8-4B14-8E8C-360A3BA277F7}"/>
+            </c:ext>
+          </c:extLst>
+        </c:ser>
+        <c:ser>
+          <c:idx val="3"/>
+          <c:order val="3"/>
+          <c:tx>
+            <c:v>Customer 2</c:v>
+          </c:tx>
+          <c:spPr>
+            <a:solidFill>
+              <a:srgbClr val="FFC000"/>
+            </a:solidFill>
+            <a:ln w="25400">
+              <a:noFill/>
+            </a:ln>
+            <a:effectLst/>
+          </c:spPr>
+          <c:invertIfNegative val="0"/>
+          <c:xVal>
+            <c:numRef>
+              <c:f>Sheet1!$A$13</c:f>
+              <c:numCache>
+                <c:formatCode>General</c:formatCode>
+                <c:ptCount val="1"/>
+                <c:pt idx="0">
+                  <c:v>40</c:v>
+                </c:pt>
+              </c:numCache>
+            </c:numRef>
+          </c:xVal>
+          <c:yVal>
+            <c:numRef>
+              <c:f>Sheet1!$B$13</c:f>
+              <c:numCache>
+                <c:formatCode>General</c:formatCode>
+                <c:ptCount val="1"/>
+                <c:pt idx="0">
+                  <c:v>700</c:v>
+                </c:pt>
+              </c:numCache>
+            </c:numRef>
+          </c:yVal>
+          <c:bubbleSize>
+            <c:numRef>
+              <c:f>Sheet1!$C$13</c:f>
+              <c:numCache>
+                <c:formatCode>General</c:formatCode>
+                <c:ptCount val="1"/>
+                <c:pt idx="0">
+                  <c:v>0.25</c:v>
+                </c:pt>
+              </c:numCache>
+            </c:numRef>
+          </c:bubbleSize>
+          <c:bubble3D val="0"/>
+          <c:extLst>
+            <c:ext xmlns:c16="http://schemas.microsoft.com/office/drawing/2014/chart" uri="{C3380CC4-5D6E-409C-BE32-E72D297353CC}">
+              <c16:uniqueId val="{00000003-EBA8-4B14-8E8C-360A3BA277F7}"/>
+            </c:ext>
+          </c:extLst>
+        </c:ser>
+        <c:ser>
+          <c:idx val="4"/>
+          <c:order val="4"/>
+          <c:tx>
+            <c:v>Customer 3</c:v>
+          </c:tx>
+          <c:spPr>
+            <a:solidFill>
+              <a:srgbClr val="00B0F0"/>
+            </a:solidFill>
+            <a:ln w="25400">
+              <a:noFill/>
+            </a:ln>
+            <a:effectLst/>
+          </c:spPr>
+          <c:invertIfNegative val="0"/>
+          <c:xVal>
+            <c:numRef>
+              <c:f>Sheet1!$A$14</c:f>
+              <c:numCache>
+                <c:formatCode>General</c:formatCode>
+                <c:ptCount val="1"/>
+                <c:pt idx="0">
+                  <c:v>28</c:v>
+                </c:pt>
+              </c:numCache>
+            </c:numRef>
+          </c:xVal>
+          <c:yVal>
+            <c:numRef>
+              <c:f>Sheet1!$B$14</c:f>
+              <c:numCache>
+                <c:formatCode>General</c:formatCode>
+                <c:ptCount val="1"/>
+                <c:pt idx="0">
+                  <c:v>175</c:v>
+                </c:pt>
+              </c:numCache>
+            </c:numRef>
+          </c:yVal>
+          <c:bubbleSize>
+            <c:numRef>
+              <c:f>Sheet1!$C$14</c:f>
+              <c:numCache>
+                <c:formatCode>General</c:formatCode>
+                <c:ptCount val="1"/>
+                <c:pt idx="0">
+                  <c:v>0.25</c:v>
+                </c:pt>
+              </c:numCache>
+            </c:numRef>
+          </c:bubbleSize>
+          <c:bubble3D val="0"/>
+          <c:extLst>
+            <c:ext xmlns:c16="http://schemas.microsoft.com/office/drawing/2014/chart" uri="{C3380CC4-5D6E-409C-BE32-E72D297353CC}">
+              <c16:uniqueId val="{00000004-EBA8-4B14-8E8C-360A3BA277F7}"/>
+            </c:ext>
+          </c:extLst>
+        </c:ser>
+        <c:dLbls>
+          <c:showLegendKey val="0"/>
+          <c:showVal val="0"/>
+          <c:showCatName val="0"/>
+          <c:showSerName val="0"/>
+          <c:showPercent val="0"/>
+          <c:showBubbleSize val="0"/>
+        </c:dLbls>
+        <c:bubbleScale val="20"/>
+        <c:showNegBubbles val="0"/>
+        <c:axId val="375898495"/>
+        <c:axId val="375903487"/>
+      </c:bubbleChart>
+      <c:valAx>
+        <c:axId val="375898495"/>
+        <c:scaling>
+          <c:orientation val="minMax"/>
+        </c:scaling>
+        <c:delete val="0"/>
+        <c:axPos val="b"/>
+        <c:majorGridlines>
+          <c:spPr>
+            <a:ln w="9525" cap="flat" cmpd="sng" algn="ctr">
+              <a:solidFill>
+                <a:schemeClr val="tx1">
+                  <a:lumMod val="15000"/>
+                  <a:lumOff val="85000"/>
+                </a:schemeClr>
+              </a:solidFill>
+              <a:round/>
+            </a:ln>
+            <a:effectLst/>
+          </c:spPr>
+        </c:majorGridlines>
+        <c:title>
+          <c:tx>
+            <c:rich>
+              <a:bodyPr rot="0" spcFirstLastPara="1" vertOverflow="ellipsis" vert="horz" wrap="square" anchor="ctr" anchorCtr="1"/>
+              <a:lstStyle/>
+              <a:p>
+                <a:pPr>
+                  <a:defRPr sz="1330" b="0" i="0" u="none" strike="noStrike" kern="1200" baseline="0">
+                    <a:solidFill>
+                      <a:schemeClr val="tx1">
+                        <a:lumMod val="65000"/>
+                        <a:lumOff val="35000"/>
+                      </a:schemeClr>
+                    </a:solidFill>
+                    <a:latin typeface="+mn-lt"/>
+                    <a:ea typeface="+mn-ea"/>
+                    <a:cs typeface="+mn-cs"/>
+                  </a:defRPr>
+                </a:pPr>
+                <a:r>
+                  <a:rPr lang="en-US" dirty="0"/>
+                  <a:t>Age</a:t>
+                </a:r>
+              </a:p>
+            </c:rich>
+          </c:tx>
+          <c:overlay val="0"/>
+          <c:spPr>
+            <a:noFill/>
+            <a:ln>
+              <a:noFill/>
+            </a:ln>
+            <a:effectLst/>
+          </c:spPr>
+          <c:txPr>
+            <a:bodyPr rot="0" spcFirstLastPara="1" vertOverflow="ellipsis" vert="horz" wrap="square" anchor="ctr" anchorCtr="1"/>
+            <a:lstStyle/>
+            <a:p>
+              <a:pPr>
+                <a:defRPr sz="1330" b="0" i="0" u="none" strike="noStrike" kern="1200" baseline="0">
+                  <a:solidFill>
+                    <a:schemeClr val="tx1">
+                      <a:lumMod val="65000"/>
+                      <a:lumOff val="35000"/>
+                    </a:schemeClr>
+                  </a:solidFill>
+                  <a:latin typeface="+mn-lt"/>
+                  <a:ea typeface="+mn-ea"/>
+                  <a:cs typeface="+mn-cs"/>
+                </a:defRPr>
+              </a:pPr>
+              <a:endParaRPr lang="en-US"/>
+            </a:p>
+          </c:txPr>
+        </c:title>
+        <c:numFmt formatCode="General" sourceLinked="1"/>
+        <c:majorTickMark val="none"/>
+        <c:minorTickMark val="none"/>
+        <c:tickLblPos val="nextTo"/>
+        <c:spPr>
+          <a:noFill/>
+          <a:ln w="9525" cap="flat" cmpd="sng" algn="ctr">
+            <a:solidFill>
+              <a:schemeClr val="tx1">
+                <a:lumMod val="25000"/>
+                <a:lumOff val="75000"/>
+              </a:schemeClr>
+            </a:solidFill>
+            <a:round/>
+          </a:ln>
+          <a:effectLst/>
+        </c:spPr>
+        <c:txPr>
+          <a:bodyPr rot="-60000000" spcFirstLastPara="1" vertOverflow="ellipsis" vert="horz" wrap="square" anchor="ctr" anchorCtr="1"/>
+          <a:lstStyle/>
+          <a:p>
+            <a:pPr>
+              <a:defRPr sz="1197" b="0" i="0" u="none" strike="noStrike" kern="1200" baseline="0">
+                <a:solidFill>
+                  <a:schemeClr val="tx1">
+                    <a:lumMod val="65000"/>
+                    <a:lumOff val="35000"/>
+                  </a:schemeClr>
+                </a:solidFill>
+                <a:latin typeface="+mn-lt"/>
+                <a:ea typeface="+mn-ea"/>
+                <a:cs typeface="+mn-cs"/>
+              </a:defRPr>
+            </a:pPr>
+            <a:endParaRPr lang="en-US"/>
+          </a:p>
+        </c:txPr>
+        <c:crossAx val="375903487"/>
+        <c:crosses val="autoZero"/>
+        <c:crossBetween val="midCat"/>
+      </c:valAx>
+      <c:valAx>
+        <c:axId val="375903487"/>
+        <c:scaling>
+          <c:orientation val="minMax"/>
+          <c:max val="2500"/>
+          <c:min val="0"/>
+        </c:scaling>
+        <c:delete val="0"/>
+        <c:axPos val="l"/>
+        <c:majorGridlines>
+          <c:spPr>
+            <a:ln w="9525" cap="flat" cmpd="sng" algn="ctr">
+              <a:solidFill>
+                <a:schemeClr val="tx1">
+                  <a:lumMod val="15000"/>
+                  <a:lumOff val="85000"/>
+                </a:schemeClr>
+              </a:solidFill>
+              <a:round/>
+            </a:ln>
+            <a:effectLst/>
+          </c:spPr>
+        </c:majorGridlines>
+        <c:title>
+          <c:tx>
+            <c:rich>
+              <a:bodyPr rot="-5400000" spcFirstLastPara="1" vertOverflow="ellipsis" vert="horz" wrap="square" anchor="ctr" anchorCtr="1"/>
+              <a:lstStyle/>
+              <a:p>
+                <a:pPr>
+                  <a:defRPr sz="1330" b="0" i="0" u="none" strike="noStrike" kern="1200" baseline="0">
+                    <a:solidFill>
+                      <a:schemeClr val="tx1">
+                        <a:lumMod val="65000"/>
+                        <a:lumOff val="35000"/>
+                      </a:schemeClr>
+                    </a:solidFill>
+                    <a:latin typeface="+mn-lt"/>
+                    <a:ea typeface="+mn-ea"/>
+                    <a:cs typeface="+mn-cs"/>
+                  </a:defRPr>
+                </a:pPr>
+                <a:r>
+                  <a:rPr lang="en-US" dirty="0"/>
+                  <a:t>Average Account</a:t>
+                </a:r>
+                <a:r>
+                  <a:rPr lang="en-US" baseline="0" dirty="0"/>
+                  <a:t> Balance</a:t>
+                </a:r>
+                <a:endParaRPr lang="en-US" dirty="0"/>
+              </a:p>
+            </c:rich>
+          </c:tx>
+          <c:overlay val="0"/>
+          <c:spPr>
+            <a:noFill/>
+            <a:ln>
+              <a:noFill/>
+            </a:ln>
+            <a:effectLst/>
+          </c:spPr>
+          <c:txPr>
+            <a:bodyPr rot="-5400000" spcFirstLastPara="1" vertOverflow="ellipsis" vert="horz" wrap="square" anchor="ctr" anchorCtr="1"/>
+            <a:lstStyle/>
+            <a:p>
+              <a:pPr>
+                <a:defRPr sz="1330" b="0" i="0" u="none" strike="noStrike" kern="1200" baseline="0">
+                  <a:solidFill>
+                    <a:schemeClr val="tx1">
+                      <a:lumMod val="65000"/>
+                      <a:lumOff val="35000"/>
+                    </a:schemeClr>
+                  </a:solidFill>
+                  <a:latin typeface="+mn-lt"/>
+                  <a:ea typeface="+mn-ea"/>
+                  <a:cs typeface="+mn-cs"/>
+                </a:defRPr>
+              </a:pPr>
+              <a:endParaRPr lang="en-US"/>
+            </a:p>
+          </c:txPr>
+        </c:title>
+        <c:numFmt formatCode="General" sourceLinked="1"/>
+        <c:majorTickMark val="none"/>
+        <c:minorTickMark val="none"/>
+        <c:tickLblPos val="nextTo"/>
+        <c:spPr>
+          <a:noFill/>
+          <a:ln w="9525" cap="flat" cmpd="sng" algn="ctr">
+            <a:solidFill>
+              <a:schemeClr val="tx1">
+                <a:lumMod val="25000"/>
+                <a:lumOff val="75000"/>
+              </a:schemeClr>
+            </a:solidFill>
+            <a:round/>
+          </a:ln>
+          <a:effectLst/>
+        </c:spPr>
+        <c:txPr>
+          <a:bodyPr rot="-60000000" spcFirstLastPara="1" vertOverflow="ellipsis" vert="horz" wrap="square" anchor="ctr" anchorCtr="1"/>
+          <a:lstStyle/>
+          <a:p>
+            <a:pPr>
+              <a:defRPr sz="1197" b="0" i="0" u="none" strike="noStrike" kern="1200" baseline="0">
+                <a:solidFill>
+                  <a:schemeClr val="tx1">
+                    <a:lumMod val="65000"/>
+                    <a:lumOff val="35000"/>
+                  </a:schemeClr>
+                </a:solidFill>
+                <a:latin typeface="+mn-lt"/>
+                <a:ea typeface="+mn-ea"/>
+                <a:cs typeface="+mn-cs"/>
+              </a:defRPr>
+            </a:pPr>
+            <a:endParaRPr lang="en-US"/>
+          </a:p>
+        </c:txPr>
+        <c:crossAx val="375898495"/>
+        <c:crosses val="autoZero"/>
+        <c:crossBetween val="midCat"/>
+      </c:valAx>
+      <c:spPr>
+        <a:noFill/>
+        <a:ln>
+          <a:noFill/>
+        </a:ln>
+        <a:effectLst/>
+      </c:spPr>
+    </c:plotArea>
+    <c:legend>
+      <c:legendPos val="r"/>
+      <c:overlay val="0"/>
+      <c:spPr>
+        <a:noFill/>
+        <a:ln>
+          <a:noFill/>
+        </a:ln>
+        <a:effectLst/>
+      </c:spPr>
+      <c:txPr>
+        <a:bodyPr rot="0" spcFirstLastPara="1" vertOverflow="ellipsis" vert="horz" wrap="square" anchor="ctr" anchorCtr="1"/>
+        <a:lstStyle/>
+        <a:p>
+          <a:pPr>
+            <a:defRPr sz="1197" b="0" i="0" u="none" strike="noStrike" kern="1200" baseline="0">
+              <a:solidFill>
+                <a:schemeClr val="tx1">
+                  <a:lumMod val="65000"/>
+                  <a:lumOff val="35000"/>
+                </a:schemeClr>
+              </a:solidFill>
+              <a:latin typeface="+mn-lt"/>
+              <a:ea typeface="+mn-ea"/>
+              <a:cs typeface="+mn-cs"/>
+            </a:defRPr>
+          </a:pPr>
+          <a:endParaRPr lang="en-US"/>
+        </a:p>
+      </c:txPr>
+    </c:legend>
+    <c:plotVisOnly val="1"/>
+    <c:dispBlanksAs val="gap"/>
+    <c:extLst>
+      <c:ext xmlns:c16r3="http://schemas.microsoft.com/office/drawing/2017/03/chart" uri="{56B9EC1D-385E-4148-901F-78D8002777C0}">
+        <c16r3:dataDisplayOptions16>
+          <c16r3:dispNaAsBlank val="1"/>
+        </c16r3:dataDisplayOptions16>
+      </c:ext>
+    </c:extLst>
+    <c:showDLblsOverMax val="0"/>
+  </c:chart>
+  <c:spPr>
+    <a:noFill/>
+    <a:ln>
+      <a:noFill/>
+    </a:ln>
+    <a:effectLst/>
+  </c:spPr>
+  <c:txPr>
+    <a:bodyPr/>
+    <a:lstStyle/>
+    <a:p>
+      <a:pPr>
+        <a:defRPr/>
+      </a:pPr>
+      <a:endParaRPr lang="en-US"/>
+    </a:p>
+  </c:txPr>
+  <c:externalData r:id="rId3">
+    <c:autoUpdate val="0"/>
+  </c:externalData>
+</c:chartSpace>
+</file>
+
+<file path=ppt/charts/chart4.xml><?xml version="1.0" encoding="utf-8"?>
+<c:chartSpace xmlns:c="http://schemas.openxmlformats.org/drawingml/2006/chart" xmlns:a="http://schemas.openxmlformats.org/drawingml/2006/main" xmlns:r="http://schemas.openxmlformats.org/officeDocument/2006/relationships" xmlns:c16r2="http://schemas.microsoft.com/office/drawing/2015/06/chart">
+  <c:date1904 val="0"/>
+  <c:lang val="en-US"/>
+  <c:roundedCorners val="0"/>
+  <mc:AlternateContent xmlns:mc="http://schemas.openxmlformats.org/markup-compatibility/2006">
+    <mc:Choice xmlns:c14="http://schemas.microsoft.com/office/drawing/2007/8/2/chart" Requires="c14">
+      <c14:style val="102"/>
+    </mc:Choice>
+    <mc:Fallback>
+      <c:style val="2"/>
+    </mc:Fallback>
+  </mc:AlternateContent>
+  <c:chart>
+    <c:autoTitleDeleted val="0"/>
+    <c:plotArea>
+      <c:layout>
+        <c:manualLayout>
+          <c:layoutTarget val="inner"/>
+          <c:xMode val="edge"/>
+          <c:yMode val="edge"/>
+          <c:x val="9.7526328740157472E-2"/>
+          <c:y val="0.10275180949592508"/>
+          <c:w val="0.85659178149606297"/>
+          <c:h val="0.76518996600834743"/>
+        </c:manualLayout>
+      </c:layout>
+      <c:bubbleChart>
+        <c:varyColors val="0"/>
+        <c:ser>
+          <c:idx val="0"/>
+          <c:order val="0"/>
+          <c:tx>
+            <c:v>Loan Default - Yes</c:v>
+          </c:tx>
+          <c:spPr>
+            <a:solidFill>
+              <a:schemeClr val="accent1">
+                <a:alpha val="75000"/>
+              </a:schemeClr>
+            </a:solidFill>
+            <a:ln>
+              <a:noFill/>
+            </a:ln>
+            <a:effectLst/>
+          </c:spPr>
+          <c:invertIfNegative val="0"/>
+          <c:xVal>
+            <c:numRef>
+              <c:f>Sheet1!$A$2:$A$6</c:f>
+              <c:numCache>
+                <c:formatCode>General</c:formatCode>
+                <c:ptCount val="5"/>
+                <c:pt idx="0">
+                  <c:v>-0.124</c:v>
+                </c:pt>
+                <c:pt idx="1">
+                  <c:v>-0.46600000000000003</c:v>
+                </c:pt>
+                <c:pt idx="2">
+                  <c:v>0.90100000000000002</c:v>
+                </c:pt>
+                <c:pt idx="3">
+                  <c:v>1.0149999999999999</c:v>
+                </c:pt>
+                <c:pt idx="4">
+                  <c:v>0.104</c:v>
+                </c:pt>
+              </c:numCache>
+            </c:numRef>
+          </c:xVal>
+          <c:yVal>
+            <c:numRef>
+              <c:f>Sheet1!$B$2:$B$6</c:f>
+              <c:numCache>
+                <c:formatCode>General</c:formatCode>
+                <c:ptCount val="5"/>
+                <c:pt idx="0">
+                  <c:v>-1.2470000000000001</c:v>
+                </c:pt>
+                <c:pt idx="1">
+                  <c:v>-0.51900000000000002</c:v>
+                </c:pt>
+                <c:pt idx="2">
+                  <c:v>-0.4</c:v>
+                </c:pt>
+                <c:pt idx="3">
+                  <c:v>-1.145</c:v>
+                </c:pt>
+                <c:pt idx="4">
+                  <c:v>-1.161</c:v>
+                </c:pt>
+              </c:numCache>
+            </c:numRef>
+          </c:yVal>
+          <c:bubbleSize>
+            <c:numRef>
+              <c:f>Sheet1!$C$2:$C$6</c:f>
+              <c:numCache>
+                <c:formatCode>General</c:formatCode>
+                <c:ptCount val="5"/>
+                <c:pt idx="0">
+                  <c:v>0.25</c:v>
+                </c:pt>
+                <c:pt idx="1">
+                  <c:v>0.25</c:v>
+                </c:pt>
+                <c:pt idx="2">
+                  <c:v>0.25</c:v>
+                </c:pt>
+                <c:pt idx="3">
+                  <c:v>0.25</c:v>
+                </c:pt>
+                <c:pt idx="4">
+                  <c:v>0.25</c:v>
+                </c:pt>
+              </c:numCache>
+            </c:numRef>
+          </c:bubbleSize>
+          <c:bubble3D val="0"/>
+          <c:extLst>
+            <c:ext xmlns:c16="http://schemas.microsoft.com/office/drawing/2014/chart" uri="{C3380CC4-5D6E-409C-BE32-E72D297353CC}">
+              <c16:uniqueId val="{00000000-B44A-4B1F-9ECC-23F04B923EB8}"/>
+            </c:ext>
+          </c:extLst>
+        </c:ser>
+        <c:ser>
+          <c:idx val="1"/>
+          <c:order val="1"/>
+          <c:tx>
+            <c:v>Loan Default - No</c:v>
+          </c:tx>
+          <c:spPr>
+            <a:solidFill>
+              <a:schemeClr val="accent2">
+                <a:alpha val="75000"/>
+              </a:schemeClr>
+            </a:solidFill>
+            <a:ln w="25400">
+              <a:noFill/>
+            </a:ln>
+            <a:effectLst/>
+          </c:spPr>
+          <c:invertIfNegative val="0"/>
+          <c:xVal>
+            <c:numRef>
+              <c:f>Sheet1!$D$2:$D$6</c:f>
+              <c:numCache>
+                <c:formatCode>General</c:formatCode>
+                <c:ptCount val="5"/>
+                <c:pt idx="0">
+                  <c:v>-1.149</c:v>
+                </c:pt>
+                <c:pt idx="1">
+                  <c:v>-0.124</c:v>
+                </c:pt>
+                <c:pt idx="2">
+                  <c:v>-0.46600000000000003</c:v>
+                </c:pt>
+                <c:pt idx="3">
+                  <c:v>2.1539999999999999</c:v>
+                </c:pt>
+                <c:pt idx="4">
+                  <c:v>-1.0349999999999999</c:v>
+                </c:pt>
+              </c:numCache>
+            </c:numRef>
+          </c:xVal>
+          <c:yVal>
+            <c:numRef>
+              <c:f>Sheet1!$E$2:$E$6</c:f>
+              <c:numCache>
+                <c:formatCode>General</c:formatCode>
+                <c:ptCount val="5"/>
+                <c:pt idx="0">
+                  <c:v>-0.25</c:v>
+                </c:pt>
+                <c:pt idx="1">
+                  <c:v>0.45200000000000001</c:v>
+                </c:pt>
+                <c:pt idx="2">
+                  <c:v>1.39</c:v>
+                </c:pt>
+                <c:pt idx="3">
+                  <c:v>1.272</c:v>
+                </c:pt>
+                <c:pt idx="4">
+                  <c:v>1.155</c:v>
+                </c:pt>
+              </c:numCache>
+            </c:numRef>
+          </c:yVal>
+          <c:bubbleSize>
+            <c:numRef>
+              <c:f>Sheet1!$F$2:$F$6</c:f>
+              <c:numCache>
+                <c:formatCode>General</c:formatCode>
+                <c:ptCount val="5"/>
+                <c:pt idx="0">
+                  <c:v>0.25</c:v>
+                </c:pt>
+                <c:pt idx="1">
+                  <c:v>0.25</c:v>
+                </c:pt>
+                <c:pt idx="2">
+                  <c:v>0.25</c:v>
+                </c:pt>
+                <c:pt idx="3">
+                  <c:v>0.25</c:v>
+                </c:pt>
+                <c:pt idx="4">
+                  <c:v>0.25</c:v>
+                </c:pt>
+              </c:numCache>
+            </c:numRef>
+          </c:bubbleSize>
+          <c:bubble3D val="0"/>
+          <c:extLst>
+            <c:ext xmlns:c16="http://schemas.microsoft.com/office/drawing/2014/chart" uri="{C3380CC4-5D6E-409C-BE32-E72D297353CC}">
+              <c16:uniqueId val="{00000002-B44A-4B1F-9ECC-23F04B923EB8}"/>
+            </c:ext>
+          </c:extLst>
+        </c:ser>
+        <c:dLbls>
+          <c:showLegendKey val="0"/>
+          <c:showVal val="0"/>
+          <c:showCatName val="0"/>
+          <c:showSerName val="0"/>
+          <c:showPercent val="0"/>
+          <c:showBubbleSize val="0"/>
+        </c:dLbls>
+        <c:bubbleScale val="20"/>
+        <c:showNegBubbles val="0"/>
+        <c:axId val="173618367"/>
+        <c:axId val="173605471"/>
+      </c:bubbleChart>
+      <c:valAx>
+        <c:axId val="173618367"/>
+        <c:scaling>
+          <c:orientation val="minMax"/>
+          <c:max val="3"/>
+          <c:min val="-3"/>
+        </c:scaling>
+        <c:delete val="0"/>
+        <c:axPos val="b"/>
+        <c:majorGridlines>
+          <c:spPr>
+            <a:ln w="9525" cap="flat" cmpd="sng" algn="ctr">
+              <a:solidFill>
+                <a:schemeClr val="tx1">
+                  <a:lumMod val="15000"/>
+                  <a:lumOff val="85000"/>
+                </a:schemeClr>
+              </a:solidFill>
+              <a:round/>
+            </a:ln>
+            <a:effectLst/>
+          </c:spPr>
+        </c:majorGridlines>
+        <c:title>
+          <c:tx>
+            <c:rich>
+              <a:bodyPr rot="0" spcFirstLastPara="1" vertOverflow="ellipsis" vert="horz" wrap="square" anchor="ctr" anchorCtr="1"/>
+              <a:lstStyle/>
+              <a:p>
+                <a:pPr>
+                  <a:defRPr sz="1330" b="0" i="0" u="none" strike="noStrike" kern="1200" baseline="0">
+                    <a:solidFill>
+                      <a:schemeClr val="tx1">
+                        <a:lumMod val="65000"/>
+                        <a:lumOff val="35000"/>
+                      </a:schemeClr>
+                    </a:solidFill>
+                    <a:latin typeface="+mn-lt"/>
+                    <a:ea typeface="+mn-ea"/>
+                    <a:cs typeface="+mn-cs"/>
+                  </a:defRPr>
+                </a:pPr>
+                <a:r>
+                  <a:rPr lang="en-US" sz="1330" b="0" i="0" u="none" strike="noStrike" baseline="0" dirty="0"/>
+                  <a:t>Age – Z Score </a:t>
+                </a:r>
+                <a:endParaRPr lang="en-US" dirty="0"/>
+              </a:p>
+            </c:rich>
+          </c:tx>
+          <c:layout>
+            <c:manualLayout>
+              <c:xMode val="edge"/>
+              <c:yMode val="edge"/>
+              <c:x val="0.42859276574803151"/>
+              <c:y val="0.93572737834000264"/>
+            </c:manualLayout>
+          </c:layout>
+          <c:overlay val="0"/>
+          <c:spPr>
+            <a:noFill/>
+            <a:ln>
+              <a:noFill/>
+            </a:ln>
+            <a:effectLst/>
+          </c:spPr>
+          <c:txPr>
+            <a:bodyPr rot="0" spcFirstLastPara="1" vertOverflow="ellipsis" vert="horz" wrap="square" anchor="ctr" anchorCtr="1"/>
+            <a:lstStyle/>
+            <a:p>
+              <a:pPr>
+                <a:defRPr sz="1330" b="0" i="0" u="none" strike="noStrike" kern="1200" baseline="0">
+                  <a:solidFill>
+                    <a:schemeClr val="tx1">
+                      <a:lumMod val="65000"/>
+                      <a:lumOff val="35000"/>
+                    </a:schemeClr>
+                  </a:solidFill>
+                  <a:latin typeface="+mn-lt"/>
+                  <a:ea typeface="+mn-ea"/>
+                  <a:cs typeface="+mn-cs"/>
+                </a:defRPr>
+              </a:pPr>
+              <a:endParaRPr lang="en-US"/>
+            </a:p>
+          </c:txPr>
+        </c:title>
+        <c:numFmt formatCode="General" sourceLinked="1"/>
+        <c:majorTickMark val="none"/>
+        <c:minorTickMark val="none"/>
+        <c:tickLblPos val="nextTo"/>
+        <c:spPr>
+          <a:noFill/>
+          <a:ln w="9525" cap="flat" cmpd="sng" algn="ctr">
+            <a:solidFill>
+              <a:schemeClr val="tx1">
+                <a:lumMod val="25000"/>
+                <a:lumOff val="75000"/>
+              </a:schemeClr>
+            </a:solidFill>
+            <a:round/>
+          </a:ln>
+          <a:effectLst/>
+        </c:spPr>
+        <c:txPr>
+          <a:bodyPr rot="-60000000" spcFirstLastPara="1" vertOverflow="ellipsis" vert="horz" wrap="square" anchor="ctr" anchorCtr="1"/>
+          <a:lstStyle/>
+          <a:p>
+            <a:pPr>
+              <a:defRPr sz="1197" b="0" i="0" u="none" strike="noStrike" kern="1200" baseline="0">
+                <a:solidFill>
+                  <a:schemeClr val="tx1">
+                    <a:lumMod val="65000"/>
+                    <a:lumOff val="35000"/>
+                  </a:schemeClr>
+                </a:solidFill>
+                <a:latin typeface="+mn-lt"/>
+                <a:ea typeface="+mn-ea"/>
+                <a:cs typeface="+mn-cs"/>
+              </a:defRPr>
+            </a:pPr>
+            <a:endParaRPr lang="en-US"/>
+          </a:p>
+        </c:txPr>
+        <c:crossAx val="173605471"/>
+        <c:crossesAt val="-3"/>
+        <c:crossBetween val="midCat"/>
+        <c:majorUnit val="0.5"/>
+      </c:valAx>
+      <c:valAx>
+        <c:axId val="173605471"/>
+        <c:scaling>
+          <c:orientation val="minMax"/>
+          <c:max val="3"/>
+          <c:min val="-3"/>
+        </c:scaling>
+        <c:delete val="0"/>
+        <c:axPos val="l"/>
+        <c:majorGridlines>
+          <c:spPr>
+            <a:ln w="9525" cap="flat" cmpd="sng" algn="ctr">
+              <a:solidFill>
+                <a:schemeClr val="tx1">
+                  <a:lumMod val="15000"/>
+                  <a:lumOff val="85000"/>
+                </a:schemeClr>
+              </a:solidFill>
+              <a:round/>
+            </a:ln>
+            <a:effectLst/>
+          </c:spPr>
+        </c:majorGridlines>
+        <c:title>
+          <c:tx>
+            <c:rich>
+              <a:bodyPr rot="-5400000" spcFirstLastPara="1" vertOverflow="ellipsis" vert="horz" wrap="square" anchor="ctr" anchorCtr="1"/>
+              <a:lstStyle/>
+              <a:p>
+                <a:pPr>
+                  <a:defRPr sz="1330" b="0" i="0" u="none" strike="noStrike" kern="1200" baseline="0">
+                    <a:solidFill>
+                      <a:schemeClr val="tx1">
+                        <a:lumMod val="65000"/>
+                        <a:lumOff val="35000"/>
+                      </a:schemeClr>
+                    </a:solidFill>
+                    <a:latin typeface="+mn-lt"/>
+                    <a:ea typeface="+mn-ea"/>
+                    <a:cs typeface="+mn-cs"/>
+                  </a:defRPr>
+                </a:pPr>
+                <a:r>
+                  <a:rPr lang="en-US" dirty="0"/>
+                  <a:t>Average Balance – Z Score</a:t>
+                </a:r>
+              </a:p>
+            </c:rich>
+          </c:tx>
+          <c:layout>
+            <c:manualLayout>
+              <c:xMode val="edge"/>
+              <c:yMode val="edge"/>
+              <c:x val="7.8125E-3"/>
+              <c:y val="0.25498709177746226"/>
+            </c:manualLayout>
+          </c:layout>
+          <c:overlay val="0"/>
+          <c:spPr>
+            <a:noFill/>
+            <a:ln>
+              <a:noFill/>
+            </a:ln>
+            <a:effectLst/>
+          </c:spPr>
+          <c:txPr>
+            <a:bodyPr rot="-5400000" spcFirstLastPara="1" vertOverflow="ellipsis" vert="horz" wrap="square" anchor="ctr" anchorCtr="1"/>
+            <a:lstStyle/>
+            <a:p>
+              <a:pPr>
+                <a:defRPr sz="1330" b="0" i="0" u="none" strike="noStrike" kern="1200" baseline="0">
+                  <a:solidFill>
+                    <a:schemeClr val="tx1">
+                      <a:lumMod val="65000"/>
+                      <a:lumOff val="35000"/>
+                    </a:schemeClr>
+                  </a:solidFill>
+                  <a:latin typeface="+mn-lt"/>
+                  <a:ea typeface="+mn-ea"/>
+                  <a:cs typeface="+mn-cs"/>
+                </a:defRPr>
+              </a:pPr>
+              <a:endParaRPr lang="en-US"/>
+            </a:p>
+          </c:txPr>
+        </c:title>
+        <c:numFmt formatCode="General" sourceLinked="1"/>
+        <c:majorTickMark val="none"/>
+        <c:minorTickMark val="none"/>
+        <c:tickLblPos val="nextTo"/>
+        <c:spPr>
+          <a:noFill/>
+          <a:ln w="9525" cap="flat" cmpd="sng" algn="ctr">
+            <a:solidFill>
+              <a:schemeClr val="tx1">
+                <a:lumMod val="25000"/>
+                <a:lumOff val="75000"/>
+              </a:schemeClr>
+            </a:solidFill>
+            <a:round/>
+          </a:ln>
+          <a:effectLst/>
+        </c:spPr>
+        <c:txPr>
+          <a:bodyPr rot="-60000000" spcFirstLastPara="1" vertOverflow="ellipsis" vert="horz" wrap="square" anchor="ctr" anchorCtr="1"/>
+          <a:lstStyle/>
+          <a:p>
+            <a:pPr>
+              <a:defRPr sz="1197" b="0" i="0" u="none" strike="noStrike" kern="1200" baseline="0">
+                <a:solidFill>
+                  <a:schemeClr val="tx1">
+                    <a:lumMod val="65000"/>
+                    <a:lumOff val="35000"/>
+                  </a:schemeClr>
+                </a:solidFill>
+                <a:latin typeface="+mn-lt"/>
+                <a:ea typeface="+mn-ea"/>
+                <a:cs typeface="+mn-cs"/>
+              </a:defRPr>
+            </a:pPr>
+            <a:endParaRPr lang="en-US"/>
+          </a:p>
+        </c:txPr>
+        <c:crossAx val="173618367"/>
+        <c:crossesAt val="-3"/>
+        <c:crossBetween val="midCat"/>
+        <c:majorUnit val="0.5"/>
+      </c:valAx>
+      <c:spPr>
+        <a:noFill/>
+        <a:ln>
+          <a:noFill/>
+        </a:ln>
+        <a:effectLst/>
+      </c:spPr>
+    </c:plotArea>
+    <c:legend>
+      <c:legendPos val="r"/>
+      <c:layout>
+        <c:manualLayout>
+          <c:xMode val="edge"/>
+          <c:yMode val="edge"/>
+          <c:x val="0.30287696850393703"/>
+          <c:y val="8.3423820385597827E-4"/>
+          <c:w val="0.36899803149606297"/>
+          <c:h val="0.10177977752780902"/>
+        </c:manualLayout>
+      </c:layout>
+      <c:overlay val="0"/>
+      <c:spPr>
+        <a:noFill/>
+        <a:ln>
+          <a:noFill/>
+        </a:ln>
+        <a:effectLst/>
+      </c:spPr>
+      <c:txPr>
+        <a:bodyPr rot="0" spcFirstLastPara="1" vertOverflow="ellipsis" vert="horz" wrap="square" anchor="ctr" anchorCtr="1"/>
+        <a:lstStyle/>
+        <a:p>
+          <a:pPr>
+            <a:defRPr sz="1197" b="0" i="0" u="none" strike="noStrike" kern="1200" baseline="0">
               <a:solidFill>
                 <a:schemeClr val="tx1">
                   <a:lumMod val="65000"/>
@@ -1371,8 +2656,88 @@
 </cs:colorStyle>
 </file>
 
+<file path=ppt/charts/colors3.xml><?xml version="1.0" encoding="utf-8"?>
+<cs:colorStyle xmlns:cs="http://schemas.microsoft.com/office/drawing/2012/chartStyle" xmlns:a="http://schemas.openxmlformats.org/drawingml/2006/main" meth="cycle" id="10">
+  <a:schemeClr val="accent1"/>
+  <a:schemeClr val="accent2"/>
+  <a:schemeClr val="accent3"/>
+  <a:schemeClr val="accent4"/>
+  <a:schemeClr val="accent5"/>
+  <a:schemeClr val="accent6"/>
+  <cs:variation/>
+  <cs:variation>
+    <a:lumMod val="60000"/>
+  </cs:variation>
+  <cs:variation>
+    <a:lumMod val="80000"/>
+    <a:lumOff val="20000"/>
+  </cs:variation>
+  <cs:variation>
+    <a:lumMod val="80000"/>
+  </cs:variation>
+  <cs:variation>
+    <a:lumMod val="60000"/>
+    <a:lumOff val="40000"/>
+  </cs:variation>
+  <cs:variation>
+    <a:lumMod val="50000"/>
+  </cs:variation>
+  <cs:variation>
+    <a:lumMod val="70000"/>
+    <a:lumOff val="30000"/>
+  </cs:variation>
+  <cs:variation>
+    <a:lumMod val="70000"/>
+  </cs:variation>
+  <cs:variation>
+    <a:lumMod val="50000"/>
+    <a:lumOff val="50000"/>
+  </cs:variation>
+</cs:colorStyle>
+</file>
+
+<file path=ppt/charts/colors4.xml><?xml version="1.0" encoding="utf-8"?>
+<cs:colorStyle xmlns:cs="http://schemas.microsoft.com/office/drawing/2012/chartStyle" xmlns:a="http://schemas.openxmlformats.org/drawingml/2006/main" meth="cycle" id="10">
+  <a:schemeClr val="accent1"/>
+  <a:schemeClr val="accent2"/>
+  <a:schemeClr val="accent3"/>
+  <a:schemeClr val="accent4"/>
+  <a:schemeClr val="accent5"/>
+  <a:schemeClr val="accent6"/>
+  <cs:variation/>
+  <cs:variation>
+    <a:lumMod val="60000"/>
+  </cs:variation>
+  <cs:variation>
+    <a:lumMod val="80000"/>
+    <a:lumOff val="20000"/>
+  </cs:variation>
+  <cs:variation>
+    <a:lumMod val="80000"/>
+  </cs:variation>
+  <cs:variation>
+    <a:lumMod val="60000"/>
+    <a:lumOff val="40000"/>
+  </cs:variation>
+  <cs:variation>
+    <a:lumMod val="50000"/>
+  </cs:variation>
+  <cs:variation>
+    <a:lumMod val="70000"/>
+    <a:lumOff val="30000"/>
+  </cs:variation>
+  <cs:variation>
+    <a:lumMod val="70000"/>
+  </cs:variation>
+  <cs:variation>
+    <a:lumMod val="50000"/>
+    <a:lumOff val="50000"/>
+  </cs:variation>
+</cs:colorStyle>
+</file>
+
 <file path=ppt/charts/style1.xml><?xml version="1.0" encoding="utf-8"?>
-<cs:chartStyle xmlns:cs="http://schemas.microsoft.com/office/drawing/2012/chartStyle" xmlns:a="http://schemas.openxmlformats.org/drawingml/2006/main" id="240">
+<cs:chartStyle xmlns:cs="http://schemas.microsoft.com/office/drawing/2012/chartStyle" xmlns:a="http://schemas.openxmlformats.org/drawingml/2006/main" id="269">
   <cs:axisTitle>
     <cs:lnRef idx="0"/>
     <cs:fillRef idx="0"/>
@@ -1383,7 +2748,7 @@
         <a:lumOff val="35000"/>
       </a:schemeClr>
     </cs:fontRef>
-    <cs:defRPr sz="1000" kern="1200"/>
+    <cs:defRPr sz="1330" kern="1200"/>
   </cs:axisTitle>
   <cs:categoryAxis>
     <cs:lnRef idx="0"/>
@@ -1406,7 +2771,7 @@
         <a:round/>
       </a:ln>
     </cs:spPr>
-    <cs:defRPr sz="900" kern="1200"/>
+    <cs:defRPr sz="1197" kern="1200"/>
   </cs:categoryAxis>
   <cs:chartArea mods="allowNoFillOverride allowNoLineOverride">
     <cs:lnRef idx="0"/>
@@ -1429,7 +2794,7 @@
         <a:round/>
       </a:ln>
     </cs:spPr>
-    <cs:defRPr sz="1000" kern="1200"/>
+    <cs:defRPr sz="1330" kern="1200"/>
   </cs:chartArea>
   <cs:dataLabel>
     <cs:lnRef idx="0"/>
@@ -1441,7 +2806,7 @@
         <a:lumOff val="25000"/>
       </a:schemeClr>
     </cs:fontRef>
-    <cs:defRPr sz="900" kern="1200"/>
+    <cs:defRPr sz="1197" kern="1200"/>
   </cs:dataLabel>
   <cs:dataLabelCallout>
     <cs:lnRef idx="0"/>
@@ -1466,7 +2831,7 @@
         </a:solidFill>
       </a:ln>
     </cs:spPr>
-    <cs:defRPr sz="900" kern="1200"/>
+    <cs:defRPr sz="1197" kern="1200"/>
     <cs:bodyPr rot="0" spcFirstLastPara="1" vertOverflow="clip" horzOverflow="clip" vert="horz" wrap="square" lIns="36576" tIns="18288" rIns="36576" bIns="18288" anchor="ctr" anchorCtr="1">
       <a:spAutoFit/>
     </cs:bodyPr>
@@ -1480,6 +2845,13 @@
     <cs:fontRef idx="minor">
       <a:schemeClr val="tx1"/>
     </cs:fontRef>
+    <cs:spPr>
+      <a:solidFill>
+        <a:schemeClr val="phClr">
+          <a:alpha val="75000"/>
+        </a:schemeClr>
+      </a:solidFill>
+    </cs:spPr>
   </cs:dataPoint>
   <cs:dataPoint3D>
     <cs:lnRef idx="0"/>
@@ -1490,6 +2862,13 @@
     <cs:fontRef idx="minor">
       <a:schemeClr val="tx1"/>
     </cs:fontRef>
+    <cs:spPr>
+      <a:solidFill>
+        <a:schemeClr val="phClr">
+          <a:alpha val="75000"/>
+        </a:schemeClr>
+      </a:solidFill>
+    </cs:spPr>
   </cs:dataPoint3D>
   <cs:dataPointLine>
     <cs:lnRef idx="0">
@@ -1503,7 +2882,9 @@
     <cs:spPr>
       <a:ln w="19050" cap="rnd">
         <a:solidFill>
-          <a:schemeClr val="phClr"/>
+          <a:schemeClr val="phClr">
+            <a:alpha val="50000"/>
+          </a:schemeClr>
         </a:solidFill>
         <a:round/>
       </a:ln>
@@ -1521,6 +2902,9 @@
       <a:schemeClr val="tx1"/>
     </cs:fontRef>
     <cs:spPr>
+      <a:solidFill>
+        <a:schemeClr val="phClr"/>
+      </a:solidFill>
       <a:ln w="9525">
         <a:solidFill>
           <a:schemeClr val="phClr"/>
@@ -1569,7 +2953,7 @@
         <a:round/>
       </a:ln>
     </cs:spPr>
-    <cs:defRPr sz="900" kern="1200"/>
+    <cs:defRPr sz="1197" kern="1200"/>
   </cs:dataTable>
   <cs:downBar>
     <cs:lnRef idx="0"/>
@@ -1734,7 +3118,7 @@
         <a:lumOff val="35000"/>
       </a:schemeClr>
     </cs:fontRef>
-    <cs:defRPr sz="900" kern="1200"/>
+    <cs:defRPr sz="1197" kern="1200"/>
   </cs:legend>
   <cs:plotArea mods="allowNoFillOverride allowNoLineOverride">
     <cs:lnRef idx="0"/>
@@ -1762,7 +3146,7 @@
         <a:lumOff val="35000"/>
       </a:schemeClr>
     </cs:fontRef>
-    <cs:defRPr sz="900" kern="1200"/>
+    <cs:defRPr sz="1197" kern="1200"/>
   </cs:seriesAxis>
   <cs:seriesLine>
     <cs:lnRef idx="0"/>
@@ -1793,7 +3177,7 @@
         <a:lumOff val="35000"/>
       </a:schemeClr>
     </cs:fontRef>
-    <cs:defRPr sz="1400" b="0" kern="1200" spc="0" baseline="0"/>
+    <cs:defRPr sz="1862" b="0" kern="1200" spc="0" baseline="0"/>
   </cs:title>
   <cs:trendline>
     <cs:lnRef idx="0">
@@ -1823,7 +3207,7 @@
         <a:lumOff val="35000"/>
       </a:schemeClr>
     </cs:fontRef>
-    <cs:defRPr sz="900" kern="1200"/>
+    <cs:defRPr sz="1197" kern="1200"/>
   </cs:trendlineLabel>
   <cs:upBar>
     <cs:lnRef idx="0"/>
@@ -1868,7 +3252,7 @@
         <a:round/>
       </a:ln>
     </cs:spPr>
-    <cs:defRPr sz="900" kern="1200"/>
+    <cs:defRPr sz="1197" kern="1200"/>
   </cs:valueAxis>
   <cs:wall>
     <cs:lnRef idx="0"/>
@@ -1888,7 +3272,7 @@
 </file>
 
 <file path=ppt/charts/style2.xml><?xml version="1.0" encoding="utf-8"?>
-<cs:chartStyle xmlns:cs="http://schemas.microsoft.com/office/drawing/2012/chartStyle" xmlns:a="http://schemas.openxmlformats.org/drawingml/2006/main" id="240">
+<cs:chartStyle xmlns:cs="http://schemas.microsoft.com/office/drawing/2012/chartStyle" xmlns:a="http://schemas.openxmlformats.org/drawingml/2006/main" id="269">
   <cs:axisTitle>
     <cs:lnRef idx="0"/>
     <cs:fillRef idx="0"/>
@@ -1899,7 +3283,7 @@
         <a:lumOff val="35000"/>
       </a:schemeClr>
     </cs:fontRef>
-    <cs:defRPr sz="1000" kern="1200"/>
+    <cs:defRPr sz="1330" kern="1200"/>
   </cs:axisTitle>
   <cs:categoryAxis>
     <cs:lnRef idx="0"/>
@@ -1922,7 +3306,7 @@
         <a:round/>
       </a:ln>
     </cs:spPr>
-    <cs:defRPr sz="900" kern="1200"/>
+    <cs:defRPr sz="1197" kern="1200"/>
   </cs:categoryAxis>
   <cs:chartArea mods="allowNoFillOverride allowNoLineOverride">
     <cs:lnRef idx="0"/>
@@ -1945,7 +3329,7 @@
         <a:round/>
       </a:ln>
     </cs:spPr>
-    <cs:defRPr sz="1000" kern="1200"/>
+    <cs:defRPr sz="1330" kern="1200"/>
   </cs:chartArea>
   <cs:dataLabel>
     <cs:lnRef idx="0"/>
@@ -1957,7 +3341,7 @@
         <a:lumOff val="25000"/>
       </a:schemeClr>
     </cs:fontRef>
-    <cs:defRPr sz="900" kern="1200"/>
+    <cs:defRPr sz="1197" kern="1200"/>
   </cs:dataLabel>
   <cs:dataLabelCallout>
     <cs:lnRef idx="0"/>
@@ -1982,7 +3366,7 @@
         </a:solidFill>
       </a:ln>
     </cs:spPr>
-    <cs:defRPr sz="900" kern="1200"/>
+    <cs:defRPr sz="1197" kern="1200"/>
     <cs:bodyPr rot="0" spcFirstLastPara="1" vertOverflow="clip" horzOverflow="clip" vert="horz" wrap="square" lIns="36576" tIns="18288" rIns="36576" bIns="18288" anchor="ctr" anchorCtr="1">
       <a:spAutoFit/>
     </cs:bodyPr>
@@ -1996,6 +3380,13 @@
     <cs:fontRef idx="minor">
       <a:schemeClr val="tx1"/>
     </cs:fontRef>
+    <cs:spPr>
+      <a:solidFill>
+        <a:schemeClr val="phClr">
+          <a:alpha val="75000"/>
+        </a:schemeClr>
+      </a:solidFill>
+    </cs:spPr>
   </cs:dataPoint>
   <cs:dataPoint3D>
     <cs:lnRef idx="0"/>
@@ -2006,6 +3397,13 @@
     <cs:fontRef idx="minor">
       <a:schemeClr val="tx1"/>
     </cs:fontRef>
+    <cs:spPr>
+      <a:solidFill>
+        <a:schemeClr val="phClr">
+          <a:alpha val="75000"/>
+        </a:schemeClr>
+      </a:solidFill>
+    </cs:spPr>
   </cs:dataPoint3D>
   <cs:dataPointLine>
     <cs:lnRef idx="0">
@@ -2019,7 +3417,9 @@
     <cs:spPr>
       <a:ln w="19050" cap="rnd">
         <a:solidFill>
-          <a:schemeClr val="phClr"/>
+          <a:schemeClr val="phClr">
+            <a:alpha val="50000"/>
+          </a:schemeClr>
         </a:solidFill>
         <a:round/>
       </a:ln>
@@ -2037,6 +3437,9 @@
       <a:schemeClr val="tx1"/>
     </cs:fontRef>
     <cs:spPr>
+      <a:solidFill>
+        <a:schemeClr val="phClr"/>
+      </a:solidFill>
       <a:ln w="9525">
         <a:solidFill>
           <a:schemeClr val="phClr"/>
@@ -2085,7 +3488,7 @@
         <a:round/>
       </a:ln>
     </cs:spPr>
-    <cs:defRPr sz="900" kern="1200"/>
+    <cs:defRPr sz="1197" kern="1200"/>
   </cs:dataTable>
   <cs:downBar>
     <cs:lnRef idx="0"/>
@@ -2250,7 +3653,7 @@
         <a:lumOff val="35000"/>
       </a:schemeClr>
     </cs:fontRef>
-    <cs:defRPr sz="900" kern="1200"/>
+    <cs:defRPr sz="1197" kern="1200"/>
   </cs:legend>
   <cs:plotArea mods="allowNoFillOverride allowNoLineOverride">
     <cs:lnRef idx="0"/>
@@ -2278,7 +3681,7 @@
         <a:lumOff val="35000"/>
       </a:schemeClr>
     </cs:fontRef>
-    <cs:defRPr sz="900" kern="1200"/>
+    <cs:defRPr sz="1197" kern="1200"/>
   </cs:seriesAxis>
   <cs:seriesLine>
     <cs:lnRef idx="0"/>
@@ -2309,7 +3712,7 @@
         <a:lumOff val="35000"/>
       </a:schemeClr>
     </cs:fontRef>
-    <cs:defRPr sz="1400" b="0" kern="1200" spc="0" baseline="0"/>
+    <cs:defRPr sz="1862" b="0" kern="1200" spc="0" baseline="0"/>
   </cs:title>
   <cs:trendline>
     <cs:lnRef idx="0">
@@ -2339,7 +3742,7 @@
         <a:lumOff val="35000"/>
       </a:schemeClr>
     </cs:fontRef>
-    <cs:defRPr sz="900" kern="1200"/>
+    <cs:defRPr sz="1197" kern="1200"/>
   </cs:trendlineLabel>
   <cs:upBar>
     <cs:lnRef idx="0"/>
@@ -2384,7 +3787,1077 @@
         <a:round/>
       </a:ln>
     </cs:spPr>
-    <cs:defRPr sz="900" kern="1200"/>
+    <cs:defRPr sz="1197" kern="1200"/>
+  </cs:valueAxis>
+  <cs:wall>
+    <cs:lnRef idx="0"/>
+    <cs:fillRef idx="0"/>
+    <cs:effectRef idx="0"/>
+    <cs:fontRef idx="minor">
+      <a:schemeClr val="tx1"/>
+    </cs:fontRef>
+    <cs:spPr>
+      <a:noFill/>
+      <a:ln>
+        <a:noFill/>
+      </a:ln>
+    </cs:spPr>
+  </cs:wall>
+</cs:chartStyle>
+</file>
+
+<file path=ppt/charts/style3.xml><?xml version="1.0" encoding="utf-8"?>
+<cs:chartStyle xmlns:cs="http://schemas.microsoft.com/office/drawing/2012/chartStyle" xmlns:a="http://schemas.openxmlformats.org/drawingml/2006/main" id="269">
+  <cs:axisTitle>
+    <cs:lnRef idx="0"/>
+    <cs:fillRef idx="0"/>
+    <cs:effectRef idx="0"/>
+    <cs:fontRef idx="minor">
+      <a:schemeClr val="tx1">
+        <a:lumMod val="65000"/>
+        <a:lumOff val="35000"/>
+      </a:schemeClr>
+    </cs:fontRef>
+    <cs:defRPr sz="1330" kern="1200"/>
+  </cs:axisTitle>
+  <cs:categoryAxis>
+    <cs:lnRef idx="0"/>
+    <cs:fillRef idx="0"/>
+    <cs:effectRef idx="0"/>
+    <cs:fontRef idx="minor">
+      <a:schemeClr val="tx1">
+        <a:lumMod val="65000"/>
+        <a:lumOff val="35000"/>
+      </a:schemeClr>
+    </cs:fontRef>
+    <cs:spPr>
+      <a:ln w="9525" cap="flat" cmpd="sng" algn="ctr">
+        <a:solidFill>
+          <a:schemeClr val="tx1">
+            <a:lumMod val="25000"/>
+            <a:lumOff val="75000"/>
+          </a:schemeClr>
+        </a:solidFill>
+        <a:round/>
+      </a:ln>
+    </cs:spPr>
+    <cs:defRPr sz="1197" kern="1200"/>
+  </cs:categoryAxis>
+  <cs:chartArea mods="allowNoFillOverride allowNoLineOverride">
+    <cs:lnRef idx="0"/>
+    <cs:fillRef idx="0"/>
+    <cs:effectRef idx="0"/>
+    <cs:fontRef idx="minor">
+      <a:schemeClr val="tx1"/>
+    </cs:fontRef>
+    <cs:spPr>
+      <a:solidFill>
+        <a:schemeClr val="bg1"/>
+      </a:solidFill>
+      <a:ln w="9525" cap="flat" cmpd="sng" algn="ctr">
+        <a:solidFill>
+          <a:schemeClr val="tx1">
+            <a:lumMod val="15000"/>
+            <a:lumOff val="85000"/>
+          </a:schemeClr>
+        </a:solidFill>
+        <a:round/>
+      </a:ln>
+    </cs:spPr>
+    <cs:defRPr sz="1330" kern="1200"/>
+  </cs:chartArea>
+  <cs:dataLabel>
+    <cs:lnRef idx="0"/>
+    <cs:fillRef idx="0"/>
+    <cs:effectRef idx="0"/>
+    <cs:fontRef idx="minor">
+      <a:schemeClr val="tx1">
+        <a:lumMod val="75000"/>
+        <a:lumOff val="25000"/>
+      </a:schemeClr>
+    </cs:fontRef>
+    <cs:defRPr sz="1197" kern="1200"/>
+  </cs:dataLabel>
+  <cs:dataLabelCallout>
+    <cs:lnRef idx="0"/>
+    <cs:fillRef idx="0"/>
+    <cs:effectRef idx="0"/>
+    <cs:fontRef idx="minor">
+      <a:schemeClr val="dk1">
+        <a:lumMod val="65000"/>
+        <a:lumOff val="35000"/>
+      </a:schemeClr>
+    </cs:fontRef>
+    <cs:spPr>
+      <a:solidFill>
+        <a:schemeClr val="lt1"/>
+      </a:solidFill>
+      <a:ln>
+        <a:solidFill>
+          <a:schemeClr val="dk1">
+            <a:lumMod val="25000"/>
+            <a:lumOff val="75000"/>
+          </a:schemeClr>
+        </a:solidFill>
+      </a:ln>
+    </cs:spPr>
+    <cs:defRPr sz="1197" kern="1200"/>
+    <cs:bodyPr rot="0" spcFirstLastPara="1" vertOverflow="clip" horzOverflow="clip" vert="horz" wrap="square" lIns="36576" tIns="18288" rIns="36576" bIns="18288" anchor="ctr" anchorCtr="1">
+      <a:spAutoFit/>
+    </cs:bodyPr>
+  </cs:dataLabelCallout>
+  <cs:dataPoint>
+    <cs:lnRef idx="0"/>
+    <cs:fillRef idx="1">
+      <cs:styleClr val="auto"/>
+    </cs:fillRef>
+    <cs:effectRef idx="0"/>
+    <cs:fontRef idx="minor">
+      <a:schemeClr val="tx1"/>
+    </cs:fontRef>
+    <cs:spPr>
+      <a:solidFill>
+        <a:schemeClr val="phClr">
+          <a:alpha val="75000"/>
+        </a:schemeClr>
+      </a:solidFill>
+    </cs:spPr>
+  </cs:dataPoint>
+  <cs:dataPoint3D>
+    <cs:lnRef idx="0"/>
+    <cs:fillRef idx="1">
+      <cs:styleClr val="auto"/>
+    </cs:fillRef>
+    <cs:effectRef idx="0"/>
+    <cs:fontRef idx="minor">
+      <a:schemeClr val="tx1"/>
+    </cs:fontRef>
+    <cs:spPr>
+      <a:solidFill>
+        <a:schemeClr val="phClr">
+          <a:alpha val="75000"/>
+        </a:schemeClr>
+      </a:solidFill>
+    </cs:spPr>
+  </cs:dataPoint3D>
+  <cs:dataPointLine>
+    <cs:lnRef idx="0">
+      <cs:styleClr val="auto"/>
+    </cs:lnRef>
+    <cs:fillRef idx="1"/>
+    <cs:effectRef idx="0"/>
+    <cs:fontRef idx="minor">
+      <a:schemeClr val="tx1"/>
+    </cs:fontRef>
+    <cs:spPr>
+      <a:ln w="19050" cap="rnd">
+        <a:solidFill>
+          <a:schemeClr val="phClr">
+            <a:alpha val="50000"/>
+          </a:schemeClr>
+        </a:solidFill>
+        <a:round/>
+      </a:ln>
+    </cs:spPr>
+  </cs:dataPointLine>
+  <cs:dataPointMarker>
+    <cs:lnRef idx="0">
+      <cs:styleClr val="auto"/>
+    </cs:lnRef>
+    <cs:fillRef idx="1">
+      <cs:styleClr val="auto"/>
+    </cs:fillRef>
+    <cs:effectRef idx="0"/>
+    <cs:fontRef idx="minor">
+      <a:schemeClr val="tx1"/>
+    </cs:fontRef>
+    <cs:spPr>
+      <a:solidFill>
+        <a:schemeClr val="phClr"/>
+      </a:solidFill>
+      <a:ln w="9525">
+        <a:solidFill>
+          <a:schemeClr val="phClr"/>
+        </a:solidFill>
+      </a:ln>
+    </cs:spPr>
+  </cs:dataPointMarker>
+  <cs:dataPointMarkerLayout symbol="circle" size="5"/>
+  <cs:dataPointWireframe>
+    <cs:lnRef idx="0">
+      <cs:styleClr val="auto"/>
+    </cs:lnRef>
+    <cs:fillRef idx="0"/>
+    <cs:effectRef idx="0"/>
+    <cs:fontRef idx="minor">
+      <a:schemeClr val="dk1"/>
+    </cs:fontRef>
+    <cs:spPr>
+      <a:ln w="9525" cap="rnd">
+        <a:solidFill>
+          <a:schemeClr val="phClr"/>
+        </a:solidFill>
+        <a:round/>
+      </a:ln>
+    </cs:spPr>
+  </cs:dataPointWireframe>
+  <cs:dataTable>
+    <cs:lnRef idx="0"/>
+    <cs:fillRef idx="0"/>
+    <cs:effectRef idx="0"/>
+    <cs:fontRef idx="minor">
+      <a:schemeClr val="tx1">
+        <a:lumMod val="65000"/>
+        <a:lumOff val="35000"/>
+      </a:schemeClr>
+    </cs:fontRef>
+    <cs:spPr>
+      <a:noFill/>
+      <a:ln w="9525" cap="flat" cmpd="sng" algn="ctr">
+        <a:solidFill>
+          <a:schemeClr val="tx1">
+            <a:lumMod val="15000"/>
+            <a:lumOff val="85000"/>
+          </a:schemeClr>
+        </a:solidFill>
+        <a:round/>
+      </a:ln>
+    </cs:spPr>
+    <cs:defRPr sz="1197" kern="1200"/>
+  </cs:dataTable>
+  <cs:downBar>
+    <cs:lnRef idx="0"/>
+    <cs:fillRef idx="0"/>
+    <cs:effectRef idx="0"/>
+    <cs:fontRef idx="minor">
+      <a:schemeClr val="tx1"/>
+    </cs:fontRef>
+    <cs:spPr>
+      <a:solidFill>
+        <a:schemeClr val="dk1">
+          <a:lumMod val="75000"/>
+          <a:lumOff val="25000"/>
+        </a:schemeClr>
+      </a:solidFill>
+      <a:ln w="9525" cap="flat" cmpd="sng" algn="ctr">
+        <a:solidFill>
+          <a:schemeClr val="tx1">
+            <a:lumMod val="65000"/>
+            <a:lumOff val="35000"/>
+          </a:schemeClr>
+        </a:solidFill>
+        <a:round/>
+      </a:ln>
+    </cs:spPr>
+  </cs:downBar>
+  <cs:dropLine>
+    <cs:lnRef idx="0"/>
+    <cs:fillRef idx="0"/>
+    <cs:effectRef idx="0"/>
+    <cs:fontRef idx="minor">
+      <a:schemeClr val="tx1"/>
+    </cs:fontRef>
+    <cs:spPr>
+      <a:ln w="9525" cap="flat" cmpd="sng" algn="ctr">
+        <a:solidFill>
+          <a:schemeClr val="tx1">
+            <a:lumMod val="35000"/>
+            <a:lumOff val="65000"/>
+          </a:schemeClr>
+        </a:solidFill>
+        <a:round/>
+      </a:ln>
+    </cs:spPr>
+  </cs:dropLine>
+  <cs:errorBar>
+    <cs:lnRef idx="0"/>
+    <cs:fillRef idx="0"/>
+    <cs:effectRef idx="0"/>
+    <cs:fontRef idx="minor">
+      <a:schemeClr val="tx1"/>
+    </cs:fontRef>
+    <cs:spPr>
+      <a:ln w="9525" cap="flat" cmpd="sng" algn="ctr">
+        <a:solidFill>
+          <a:schemeClr val="tx1">
+            <a:lumMod val="65000"/>
+            <a:lumOff val="35000"/>
+          </a:schemeClr>
+        </a:solidFill>
+        <a:round/>
+      </a:ln>
+    </cs:spPr>
+  </cs:errorBar>
+  <cs:floor>
+    <cs:lnRef idx="0"/>
+    <cs:fillRef idx="0"/>
+    <cs:effectRef idx="0"/>
+    <cs:fontRef idx="minor">
+      <a:schemeClr val="tx1"/>
+    </cs:fontRef>
+    <cs:spPr>
+      <a:noFill/>
+      <a:ln>
+        <a:noFill/>
+      </a:ln>
+    </cs:spPr>
+  </cs:floor>
+  <cs:gridlineMajor>
+    <cs:lnRef idx="0"/>
+    <cs:fillRef idx="0"/>
+    <cs:effectRef idx="0"/>
+    <cs:fontRef idx="minor">
+      <a:schemeClr val="tx1"/>
+    </cs:fontRef>
+    <cs:spPr>
+      <a:ln w="9525" cap="flat" cmpd="sng" algn="ctr">
+        <a:solidFill>
+          <a:schemeClr val="tx1">
+            <a:lumMod val="15000"/>
+            <a:lumOff val="85000"/>
+          </a:schemeClr>
+        </a:solidFill>
+        <a:round/>
+      </a:ln>
+    </cs:spPr>
+  </cs:gridlineMajor>
+  <cs:gridlineMinor>
+    <cs:lnRef idx="0"/>
+    <cs:fillRef idx="0"/>
+    <cs:effectRef idx="0"/>
+    <cs:fontRef idx="minor">
+      <a:schemeClr val="tx1"/>
+    </cs:fontRef>
+    <cs:spPr>
+      <a:ln w="9525" cap="flat" cmpd="sng" algn="ctr">
+        <a:solidFill>
+          <a:schemeClr val="tx1">
+            <a:lumMod val="5000"/>
+            <a:lumOff val="95000"/>
+          </a:schemeClr>
+        </a:solidFill>
+        <a:round/>
+      </a:ln>
+    </cs:spPr>
+  </cs:gridlineMinor>
+  <cs:hiLoLine>
+    <cs:lnRef idx="0"/>
+    <cs:fillRef idx="0"/>
+    <cs:effectRef idx="0"/>
+    <cs:fontRef idx="minor">
+      <a:schemeClr val="tx1"/>
+    </cs:fontRef>
+    <cs:spPr>
+      <a:ln w="9525" cap="flat" cmpd="sng" algn="ctr">
+        <a:solidFill>
+          <a:schemeClr val="tx1">
+            <a:lumMod val="50000"/>
+            <a:lumOff val="50000"/>
+          </a:schemeClr>
+        </a:solidFill>
+        <a:round/>
+      </a:ln>
+    </cs:spPr>
+  </cs:hiLoLine>
+  <cs:leaderLine>
+    <cs:lnRef idx="0"/>
+    <cs:fillRef idx="0"/>
+    <cs:effectRef idx="0"/>
+    <cs:fontRef idx="minor">
+      <a:schemeClr val="tx1"/>
+    </cs:fontRef>
+    <cs:spPr>
+      <a:ln w="9525" cap="flat" cmpd="sng" algn="ctr">
+        <a:solidFill>
+          <a:schemeClr val="tx1">
+            <a:lumMod val="35000"/>
+            <a:lumOff val="65000"/>
+          </a:schemeClr>
+        </a:solidFill>
+        <a:round/>
+      </a:ln>
+    </cs:spPr>
+  </cs:leaderLine>
+  <cs:legend>
+    <cs:lnRef idx="0"/>
+    <cs:fillRef idx="0"/>
+    <cs:effectRef idx="0"/>
+    <cs:fontRef idx="minor">
+      <a:schemeClr val="tx1">
+        <a:lumMod val="65000"/>
+        <a:lumOff val="35000"/>
+      </a:schemeClr>
+    </cs:fontRef>
+    <cs:defRPr sz="1197" kern="1200"/>
+  </cs:legend>
+  <cs:plotArea mods="allowNoFillOverride allowNoLineOverride">
+    <cs:lnRef idx="0"/>
+    <cs:fillRef idx="0"/>
+    <cs:effectRef idx="0"/>
+    <cs:fontRef idx="minor">
+      <a:schemeClr val="tx1"/>
+    </cs:fontRef>
+  </cs:plotArea>
+  <cs:plotArea3D mods="allowNoFillOverride allowNoLineOverride">
+    <cs:lnRef idx="0"/>
+    <cs:fillRef idx="0"/>
+    <cs:effectRef idx="0"/>
+    <cs:fontRef idx="minor">
+      <a:schemeClr val="tx1"/>
+    </cs:fontRef>
+  </cs:plotArea3D>
+  <cs:seriesAxis>
+    <cs:lnRef idx="0"/>
+    <cs:fillRef idx="0"/>
+    <cs:effectRef idx="0"/>
+    <cs:fontRef idx="minor">
+      <a:schemeClr val="tx1">
+        <a:lumMod val="65000"/>
+        <a:lumOff val="35000"/>
+      </a:schemeClr>
+    </cs:fontRef>
+    <cs:defRPr sz="1197" kern="1200"/>
+  </cs:seriesAxis>
+  <cs:seriesLine>
+    <cs:lnRef idx="0"/>
+    <cs:fillRef idx="0"/>
+    <cs:effectRef idx="0"/>
+    <cs:fontRef idx="minor">
+      <a:schemeClr val="tx1"/>
+    </cs:fontRef>
+    <cs:spPr>
+      <a:ln w="9525" cap="flat" cmpd="sng" algn="ctr">
+        <a:solidFill>
+          <a:schemeClr val="tx1">
+            <a:lumMod val="35000"/>
+            <a:lumOff val="65000"/>
+          </a:schemeClr>
+        </a:solidFill>
+        <a:round/>
+      </a:ln>
+    </cs:spPr>
+  </cs:seriesLine>
+  <cs:title>
+    <cs:lnRef idx="0"/>
+    <cs:fillRef idx="0"/>
+    <cs:effectRef idx="0"/>
+    <cs:fontRef idx="minor">
+      <a:schemeClr val="tx1">
+        <a:lumMod val="65000"/>
+        <a:lumOff val="35000"/>
+      </a:schemeClr>
+    </cs:fontRef>
+    <cs:defRPr sz="1862" b="0" kern="1200" spc="0" baseline="0"/>
+  </cs:title>
+  <cs:trendline>
+    <cs:lnRef idx="0">
+      <cs:styleClr val="auto"/>
+    </cs:lnRef>
+    <cs:fillRef idx="0"/>
+    <cs:effectRef idx="0"/>
+    <cs:fontRef idx="minor">
+      <a:schemeClr val="tx1"/>
+    </cs:fontRef>
+    <cs:spPr>
+      <a:ln w="19050" cap="rnd">
+        <a:solidFill>
+          <a:schemeClr val="phClr"/>
+        </a:solidFill>
+        <a:prstDash val="sysDot"/>
+      </a:ln>
+    </cs:spPr>
+  </cs:trendline>
+  <cs:trendlineLabel>
+    <cs:lnRef idx="0"/>
+    <cs:fillRef idx="0"/>
+    <cs:effectRef idx="0"/>
+    <cs:fontRef idx="minor">
+      <a:schemeClr val="tx1">
+        <a:lumMod val="65000"/>
+        <a:lumOff val="35000"/>
+      </a:schemeClr>
+    </cs:fontRef>
+    <cs:defRPr sz="1197" kern="1200"/>
+  </cs:trendlineLabel>
+  <cs:upBar>
+    <cs:lnRef idx="0"/>
+    <cs:fillRef idx="0"/>
+    <cs:effectRef idx="0"/>
+    <cs:fontRef idx="minor">
+      <a:schemeClr val="tx1"/>
+    </cs:fontRef>
+    <cs:spPr>
+      <a:solidFill>
+        <a:schemeClr val="lt1"/>
+      </a:solidFill>
+      <a:ln w="9525" cap="flat" cmpd="sng" algn="ctr">
+        <a:solidFill>
+          <a:schemeClr val="tx1">
+            <a:lumMod val="65000"/>
+            <a:lumOff val="35000"/>
+          </a:schemeClr>
+        </a:solidFill>
+        <a:round/>
+      </a:ln>
+    </cs:spPr>
+  </cs:upBar>
+  <cs:valueAxis>
+    <cs:lnRef idx="0"/>
+    <cs:fillRef idx="0"/>
+    <cs:effectRef idx="0"/>
+    <cs:fontRef idx="minor">
+      <a:schemeClr val="tx1">
+        <a:lumMod val="65000"/>
+        <a:lumOff val="35000"/>
+      </a:schemeClr>
+    </cs:fontRef>
+    <cs:spPr>
+      <a:ln w="9525" cap="flat" cmpd="sng" algn="ctr">
+        <a:solidFill>
+          <a:schemeClr val="tx1">
+            <a:lumMod val="25000"/>
+            <a:lumOff val="75000"/>
+          </a:schemeClr>
+        </a:solidFill>
+        <a:round/>
+      </a:ln>
+    </cs:spPr>
+    <cs:defRPr sz="1197" kern="1200"/>
+  </cs:valueAxis>
+  <cs:wall>
+    <cs:lnRef idx="0"/>
+    <cs:fillRef idx="0"/>
+    <cs:effectRef idx="0"/>
+    <cs:fontRef idx="minor">
+      <a:schemeClr val="tx1"/>
+    </cs:fontRef>
+    <cs:spPr>
+      <a:noFill/>
+      <a:ln>
+        <a:noFill/>
+      </a:ln>
+    </cs:spPr>
+  </cs:wall>
+</cs:chartStyle>
+</file>
+
+<file path=ppt/charts/style4.xml><?xml version="1.0" encoding="utf-8"?>
+<cs:chartStyle xmlns:cs="http://schemas.microsoft.com/office/drawing/2012/chartStyle" xmlns:a="http://schemas.openxmlformats.org/drawingml/2006/main" id="269">
+  <cs:axisTitle>
+    <cs:lnRef idx="0"/>
+    <cs:fillRef idx="0"/>
+    <cs:effectRef idx="0"/>
+    <cs:fontRef idx="minor">
+      <a:schemeClr val="tx1">
+        <a:lumMod val="65000"/>
+        <a:lumOff val="35000"/>
+      </a:schemeClr>
+    </cs:fontRef>
+    <cs:defRPr sz="1330" kern="1200"/>
+  </cs:axisTitle>
+  <cs:categoryAxis>
+    <cs:lnRef idx="0"/>
+    <cs:fillRef idx="0"/>
+    <cs:effectRef idx="0"/>
+    <cs:fontRef idx="minor">
+      <a:schemeClr val="tx1">
+        <a:lumMod val="65000"/>
+        <a:lumOff val="35000"/>
+      </a:schemeClr>
+    </cs:fontRef>
+    <cs:spPr>
+      <a:ln w="9525" cap="flat" cmpd="sng" algn="ctr">
+        <a:solidFill>
+          <a:schemeClr val="tx1">
+            <a:lumMod val="25000"/>
+            <a:lumOff val="75000"/>
+          </a:schemeClr>
+        </a:solidFill>
+        <a:round/>
+      </a:ln>
+    </cs:spPr>
+    <cs:defRPr sz="1197" kern="1200"/>
+  </cs:categoryAxis>
+  <cs:chartArea mods="allowNoFillOverride allowNoLineOverride">
+    <cs:lnRef idx="0"/>
+    <cs:fillRef idx="0"/>
+    <cs:effectRef idx="0"/>
+    <cs:fontRef idx="minor">
+      <a:schemeClr val="tx1"/>
+    </cs:fontRef>
+    <cs:spPr>
+      <a:solidFill>
+        <a:schemeClr val="bg1"/>
+      </a:solidFill>
+      <a:ln w="9525" cap="flat" cmpd="sng" algn="ctr">
+        <a:solidFill>
+          <a:schemeClr val="tx1">
+            <a:lumMod val="15000"/>
+            <a:lumOff val="85000"/>
+          </a:schemeClr>
+        </a:solidFill>
+        <a:round/>
+      </a:ln>
+    </cs:spPr>
+    <cs:defRPr sz="1330" kern="1200"/>
+  </cs:chartArea>
+  <cs:dataLabel>
+    <cs:lnRef idx="0"/>
+    <cs:fillRef idx="0"/>
+    <cs:effectRef idx="0"/>
+    <cs:fontRef idx="minor">
+      <a:schemeClr val="tx1">
+        <a:lumMod val="75000"/>
+        <a:lumOff val="25000"/>
+      </a:schemeClr>
+    </cs:fontRef>
+    <cs:defRPr sz="1197" kern="1200"/>
+  </cs:dataLabel>
+  <cs:dataLabelCallout>
+    <cs:lnRef idx="0"/>
+    <cs:fillRef idx="0"/>
+    <cs:effectRef idx="0"/>
+    <cs:fontRef idx="minor">
+      <a:schemeClr val="dk1">
+        <a:lumMod val="65000"/>
+        <a:lumOff val="35000"/>
+      </a:schemeClr>
+    </cs:fontRef>
+    <cs:spPr>
+      <a:solidFill>
+        <a:schemeClr val="lt1"/>
+      </a:solidFill>
+      <a:ln>
+        <a:solidFill>
+          <a:schemeClr val="dk1">
+            <a:lumMod val="25000"/>
+            <a:lumOff val="75000"/>
+          </a:schemeClr>
+        </a:solidFill>
+      </a:ln>
+    </cs:spPr>
+    <cs:defRPr sz="1197" kern="1200"/>
+    <cs:bodyPr rot="0" spcFirstLastPara="1" vertOverflow="clip" horzOverflow="clip" vert="horz" wrap="square" lIns="36576" tIns="18288" rIns="36576" bIns="18288" anchor="ctr" anchorCtr="1">
+      <a:spAutoFit/>
+    </cs:bodyPr>
+  </cs:dataLabelCallout>
+  <cs:dataPoint>
+    <cs:lnRef idx="0"/>
+    <cs:fillRef idx="1">
+      <cs:styleClr val="auto"/>
+    </cs:fillRef>
+    <cs:effectRef idx="0"/>
+    <cs:fontRef idx="minor">
+      <a:schemeClr val="tx1"/>
+    </cs:fontRef>
+    <cs:spPr>
+      <a:solidFill>
+        <a:schemeClr val="phClr">
+          <a:alpha val="75000"/>
+        </a:schemeClr>
+      </a:solidFill>
+    </cs:spPr>
+  </cs:dataPoint>
+  <cs:dataPoint3D>
+    <cs:lnRef idx="0"/>
+    <cs:fillRef idx="1">
+      <cs:styleClr val="auto"/>
+    </cs:fillRef>
+    <cs:effectRef idx="0"/>
+    <cs:fontRef idx="minor">
+      <a:schemeClr val="tx1"/>
+    </cs:fontRef>
+    <cs:spPr>
+      <a:solidFill>
+        <a:schemeClr val="phClr">
+          <a:alpha val="75000"/>
+        </a:schemeClr>
+      </a:solidFill>
+    </cs:spPr>
+  </cs:dataPoint3D>
+  <cs:dataPointLine>
+    <cs:lnRef idx="0">
+      <cs:styleClr val="auto"/>
+    </cs:lnRef>
+    <cs:fillRef idx="1"/>
+    <cs:effectRef idx="0"/>
+    <cs:fontRef idx="minor">
+      <a:schemeClr val="tx1"/>
+    </cs:fontRef>
+    <cs:spPr>
+      <a:ln w="19050" cap="rnd">
+        <a:solidFill>
+          <a:schemeClr val="phClr">
+            <a:alpha val="50000"/>
+          </a:schemeClr>
+        </a:solidFill>
+        <a:round/>
+      </a:ln>
+    </cs:spPr>
+  </cs:dataPointLine>
+  <cs:dataPointMarker>
+    <cs:lnRef idx="0">
+      <cs:styleClr val="auto"/>
+    </cs:lnRef>
+    <cs:fillRef idx="1">
+      <cs:styleClr val="auto"/>
+    </cs:fillRef>
+    <cs:effectRef idx="0"/>
+    <cs:fontRef idx="minor">
+      <a:schemeClr val="tx1"/>
+    </cs:fontRef>
+    <cs:spPr>
+      <a:solidFill>
+        <a:schemeClr val="phClr"/>
+      </a:solidFill>
+      <a:ln w="9525">
+        <a:solidFill>
+          <a:schemeClr val="phClr"/>
+        </a:solidFill>
+      </a:ln>
+    </cs:spPr>
+  </cs:dataPointMarker>
+  <cs:dataPointMarkerLayout symbol="circle" size="5"/>
+  <cs:dataPointWireframe>
+    <cs:lnRef idx="0">
+      <cs:styleClr val="auto"/>
+    </cs:lnRef>
+    <cs:fillRef idx="0"/>
+    <cs:effectRef idx="0"/>
+    <cs:fontRef idx="minor">
+      <a:schemeClr val="dk1"/>
+    </cs:fontRef>
+    <cs:spPr>
+      <a:ln w="9525" cap="rnd">
+        <a:solidFill>
+          <a:schemeClr val="phClr"/>
+        </a:solidFill>
+        <a:round/>
+      </a:ln>
+    </cs:spPr>
+  </cs:dataPointWireframe>
+  <cs:dataTable>
+    <cs:lnRef idx="0"/>
+    <cs:fillRef idx="0"/>
+    <cs:effectRef idx="0"/>
+    <cs:fontRef idx="minor">
+      <a:schemeClr val="tx1">
+        <a:lumMod val="65000"/>
+        <a:lumOff val="35000"/>
+      </a:schemeClr>
+    </cs:fontRef>
+    <cs:spPr>
+      <a:noFill/>
+      <a:ln w="9525" cap="flat" cmpd="sng" algn="ctr">
+        <a:solidFill>
+          <a:schemeClr val="tx1">
+            <a:lumMod val="15000"/>
+            <a:lumOff val="85000"/>
+          </a:schemeClr>
+        </a:solidFill>
+        <a:round/>
+      </a:ln>
+    </cs:spPr>
+    <cs:defRPr sz="1197" kern="1200"/>
+  </cs:dataTable>
+  <cs:downBar>
+    <cs:lnRef idx="0"/>
+    <cs:fillRef idx="0"/>
+    <cs:effectRef idx="0"/>
+    <cs:fontRef idx="minor">
+      <a:schemeClr val="tx1"/>
+    </cs:fontRef>
+    <cs:spPr>
+      <a:solidFill>
+        <a:schemeClr val="dk1">
+          <a:lumMod val="75000"/>
+          <a:lumOff val="25000"/>
+        </a:schemeClr>
+      </a:solidFill>
+      <a:ln w="9525" cap="flat" cmpd="sng" algn="ctr">
+        <a:solidFill>
+          <a:schemeClr val="tx1">
+            <a:lumMod val="65000"/>
+            <a:lumOff val="35000"/>
+          </a:schemeClr>
+        </a:solidFill>
+        <a:round/>
+      </a:ln>
+    </cs:spPr>
+  </cs:downBar>
+  <cs:dropLine>
+    <cs:lnRef idx="0"/>
+    <cs:fillRef idx="0"/>
+    <cs:effectRef idx="0"/>
+    <cs:fontRef idx="minor">
+      <a:schemeClr val="tx1"/>
+    </cs:fontRef>
+    <cs:spPr>
+      <a:ln w="9525" cap="flat" cmpd="sng" algn="ctr">
+        <a:solidFill>
+          <a:schemeClr val="tx1">
+            <a:lumMod val="35000"/>
+            <a:lumOff val="65000"/>
+          </a:schemeClr>
+        </a:solidFill>
+        <a:round/>
+      </a:ln>
+    </cs:spPr>
+  </cs:dropLine>
+  <cs:errorBar>
+    <cs:lnRef idx="0"/>
+    <cs:fillRef idx="0"/>
+    <cs:effectRef idx="0"/>
+    <cs:fontRef idx="minor">
+      <a:schemeClr val="tx1"/>
+    </cs:fontRef>
+    <cs:spPr>
+      <a:ln w="9525" cap="flat" cmpd="sng" algn="ctr">
+        <a:solidFill>
+          <a:schemeClr val="tx1">
+            <a:lumMod val="65000"/>
+            <a:lumOff val="35000"/>
+          </a:schemeClr>
+        </a:solidFill>
+        <a:round/>
+      </a:ln>
+    </cs:spPr>
+  </cs:errorBar>
+  <cs:floor>
+    <cs:lnRef idx="0"/>
+    <cs:fillRef idx="0"/>
+    <cs:effectRef idx="0"/>
+    <cs:fontRef idx="minor">
+      <a:schemeClr val="tx1"/>
+    </cs:fontRef>
+    <cs:spPr>
+      <a:noFill/>
+      <a:ln>
+        <a:noFill/>
+      </a:ln>
+    </cs:spPr>
+  </cs:floor>
+  <cs:gridlineMajor>
+    <cs:lnRef idx="0"/>
+    <cs:fillRef idx="0"/>
+    <cs:effectRef idx="0"/>
+    <cs:fontRef idx="minor">
+      <a:schemeClr val="tx1"/>
+    </cs:fontRef>
+    <cs:spPr>
+      <a:ln w="9525" cap="flat" cmpd="sng" algn="ctr">
+        <a:solidFill>
+          <a:schemeClr val="tx1">
+            <a:lumMod val="15000"/>
+            <a:lumOff val="85000"/>
+          </a:schemeClr>
+        </a:solidFill>
+        <a:round/>
+      </a:ln>
+    </cs:spPr>
+  </cs:gridlineMajor>
+  <cs:gridlineMinor>
+    <cs:lnRef idx="0"/>
+    <cs:fillRef idx="0"/>
+    <cs:effectRef idx="0"/>
+    <cs:fontRef idx="minor">
+      <a:schemeClr val="tx1"/>
+    </cs:fontRef>
+    <cs:spPr>
+      <a:ln w="9525" cap="flat" cmpd="sng" algn="ctr">
+        <a:solidFill>
+          <a:schemeClr val="tx1">
+            <a:lumMod val="5000"/>
+            <a:lumOff val="95000"/>
+          </a:schemeClr>
+        </a:solidFill>
+        <a:round/>
+      </a:ln>
+    </cs:spPr>
+  </cs:gridlineMinor>
+  <cs:hiLoLine>
+    <cs:lnRef idx="0"/>
+    <cs:fillRef idx="0"/>
+    <cs:effectRef idx="0"/>
+    <cs:fontRef idx="minor">
+      <a:schemeClr val="tx1"/>
+    </cs:fontRef>
+    <cs:spPr>
+      <a:ln w="9525" cap="flat" cmpd="sng" algn="ctr">
+        <a:solidFill>
+          <a:schemeClr val="tx1">
+            <a:lumMod val="50000"/>
+            <a:lumOff val="50000"/>
+          </a:schemeClr>
+        </a:solidFill>
+        <a:round/>
+      </a:ln>
+    </cs:spPr>
+  </cs:hiLoLine>
+  <cs:leaderLine>
+    <cs:lnRef idx="0"/>
+    <cs:fillRef idx="0"/>
+    <cs:effectRef idx="0"/>
+    <cs:fontRef idx="minor">
+      <a:schemeClr val="tx1"/>
+    </cs:fontRef>
+    <cs:spPr>
+      <a:ln w="9525" cap="flat" cmpd="sng" algn="ctr">
+        <a:solidFill>
+          <a:schemeClr val="tx1">
+            <a:lumMod val="35000"/>
+            <a:lumOff val="65000"/>
+          </a:schemeClr>
+        </a:solidFill>
+        <a:round/>
+      </a:ln>
+    </cs:spPr>
+  </cs:leaderLine>
+  <cs:legend>
+    <cs:lnRef idx="0"/>
+    <cs:fillRef idx="0"/>
+    <cs:effectRef idx="0"/>
+    <cs:fontRef idx="minor">
+      <a:schemeClr val="tx1">
+        <a:lumMod val="65000"/>
+        <a:lumOff val="35000"/>
+      </a:schemeClr>
+    </cs:fontRef>
+    <cs:defRPr sz="1197" kern="1200"/>
+  </cs:legend>
+  <cs:plotArea mods="allowNoFillOverride allowNoLineOverride">
+    <cs:lnRef idx="0"/>
+    <cs:fillRef idx="0"/>
+    <cs:effectRef idx="0"/>
+    <cs:fontRef idx="minor">
+      <a:schemeClr val="tx1"/>
+    </cs:fontRef>
+  </cs:plotArea>
+  <cs:plotArea3D mods="allowNoFillOverride allowNoLineOverride">
+    <cs:lnRef idx="0"/>
+    <cs:fillRef idx="0"/>
+    <cs:effectRef idx="0"/>
+    <cs:fontRef idx="minor">
+      <a:schemeClr val="tx1"/>
+    </cs:fontRef>
+  </cs:plotArea3D>
+  <cs:seriesAxis>
+    <cs:lnRef idx="0"/>
+    <cs:fillRef idx="0"/>
+    <cs:effectRef idx="0"/>
+    <cs:fontRef idx="minor">
+      <a:schemeClr val="tx1">
+        <a:lumMod val="65000"/>
+        <a:lumOff val="35000"/>
+      </a:schemeClr>
+    </cs:fontRef>
+    <cs:defRPr sz="1197" kern="1200"/>
+  </cs:seriesAxis>
+  <cs:seriesLine>
+    <cs:lnRef idx="0"/>
+    <cs:fillRef idx="0"/>
+    <cs:effectRef idx="0"/>
+    <cs:fontRef idx="minor">
+      <a:schemeClr val="tx1"/>
+    </cs:fontRef>
+    <cs:spPr>
+      <a:ln w="9525" cap="flat" cmpd="sng" algn="ctr">
+        <a:solidFill>
+          <a:schemeClr val="tx1">
+            <a:lumMod val="35000"/>
+            <a:lumOff val="65000"/>
+          </a:schemeClr>
+        </a:solidFill>
+        <a:round/>
+      </a:ln>
+    </cs:spPr>
+  </cs:seriesLine>
+  <cs:title>
+    <cs:lnRef idx="0"/>
+    <cs:fillRef idx="0"/>
+    <cs:effectRef idx="0"/>
+    <cs:fontRef idx="minor">
+      <a:schemeClr val="tx1">
+        <a:lumMod val="65000"/>
+        <a:lumOff val="35000"/>
+      </a:schemeClr>
+    </cs:fontRef>
+    <cs:defRPr sz="1862" b="0" kern="1200" spc="0" baseline="0"/>
+  </cs:title>
+  <cs:trendline>
+    <cs:lnRef idx="0">
+      <cs:styleClr val="auto"/>
+    </cs:lnRef>
+    <cs:fillRef idx="0"/>
+    <cs:effectRef idx="0"/>
+    <cs:fontRef idx="minor">
+      <a:schemeClr val="tx1"/>
+    </cs:fontRef>
+    <cs:spPr>
+      <a:ln w="19050" cap="rnd">
+        <a:solidFill>
+          <a:schemeClr val="phClr"/>
+        </a:solidFill>
+        <a:prstDash val="sysDot"/>
+      </a:ln>
+    </cs:spPr>
+  </cs:trendline>
+  <cs:trendlineLabel>
+    <cs:lnRef idx="0"/>
+    <cs:fillRef idx="0"/>
+    <cs:effectRef idx="0"/>
+    <cs:fontRef idx="minor">
+      <a:schemeClr val="tx1">
+        <a:lumMod val="65000"/>
+        <a:lumOff val="35000"/>
+      </a:schemeClr>
+    </cs:fontRef>
+    <cs:defRPr sz="1197" kern="1200"/>
+  </cs:trendlineLabel>
+  <cs:upBar>
+    <cs:lnRef idx="0"/>
+    <cs:fillRef idx="0"/>
+    <cs:effectRef idx="0"/>
+    <cs:fontRef idx="minor">
+      <a:schemeClr val="tx1"/>
+    </cs:fontRef>
+    <cs:spPr>
+      <a:solidFill>
+        <a:schemeClr val="lt1"/>
+      </a:solidFill>
+      <a:ln w="9525" cap="flat" cmpd="sng" algn="ctr">
+        <a:solidFill>
+          <a:schemeClr val="tx1">
+            <a:lumMod val="65000"/>
+            <a:lumOff val="35000"/>
+          </a:schemeClr>
+        </a:solidFill>
+        <a:round/>
+      </a:ln>
+    </cs:spPr>
+  </cs:upBar>
+  <cs:valueAxis>
+    <cs:lnRef idx="0"/>
+    <cs:fillRef idx="0"/>
+    <cs:effectRef idx="0"/>
+    <cs:fontRef idx="minor">
+      <a:schemeClr val="tx1">
+        <a:lumMod val="65000"/>
+        <a:lumOff val="35000"/>
+      </a:schemeClr>
+    </cs:fontRef>
+    <cs:spPr>
+      <a:ln w="9525" cap="flat" cmpd="sng" algn="ctr">
+        <a:solidFill>
+          <a:schemeClr val="tx1">
+            <a:lumMod val="25000"/>
+            <a:lumOff val="75000"/>
+          </a:schemeClr>
+        </a:solidFill>
+        <a:round/>
+      </a:ln>
+    </cs:spPr>
+    <cs:defRPr sz="1197" kern="1200"/>
   </cs:valueAxis>
   <cs:wall>
     <cs:lnRef idx="0"/>
@@ -8131,52 +10604,80 @@
           <a:bodyPr/>
           <a:lstStyle/>
           <a:p>
-            <a:pPr eaLnBrk="1" hangingPunct="1">
-              <a:lnSpc>
-                <a:spcPct val="90000"/>
-              </a:lnSpc>
-            </a:pPr>
-            <a:endParaRPr lang="en-US" altLang="en-US" sz="2400" dirty="0">
-              <a:latin typeface="+mj-lt"/>
-            </a:endParaRPr>
-          </a:p>
-          <a:p>
-            <a:pPr eaLnBrk="1" hangingPunct="1">
-              <a:lnSpc>
-                <a:spcPct val="90000"/>
-              </a:lnSpc>
-            </a:pPr>
-            <a:r>
-              <a:rPr lang="en-US" altLang="en-US" sz="2400" dirty="0">
-                <a:latin typeface="+mj-lt"/>
-              </a:rPr>
-              <a:t>Apply basic calculations of a classification algorithm, specifically k-NN</a:t>
-            </a:r>
-          </a:p>
-          <a:p>
-            <a:pPr lvl="1" eaLnBrk="1" hangingPunct="1">
-              <a:lnSpc>
-                <a:spcPct val="90000"/>
-              </a:lnSpc>
-            </a:pPr>
-            <a:r>
-              <a:rPr lang="en-US" altLang="en-US" sz="2000" dirty="0">
-                <a:latin typeface="+mj-lt"/>
-              </a:rPr>
-              <a:t>NN = Nearest Neighbors</a:t>
-            </a:r>
-          </a:p>
-          <a:p>
-            <a:pPr eaLnBrk="1" hangingPunct="1">
-              <a:lnSpc>
-                <a:spcPct val="90000"/>
-              </a:lnSpc>
-            </a:pPr>
-            <a:r>
-              <a:rPr lang="en-US" altLang="en-US" sz="2400" dirty="0">
-                <a:latin typeface="+mj-lt"/>
-              </a:rPr>
-              <a:t>Use two features and one target</a:t>
+            <a:pPr marL="0" indent="0">
+              <a:buNone/>
+            </a:pPr>
+            <a:r>
+              <a:rPr lang="en-US" dirty="0"/>
+              <a:t>Classifying Categorical Outcomes with </a:t>
+            </a:r>
+            <a:r>
+              <a:rPr lang="en-US" i="1" dirty="0"/>
+              <a:t>k</a:t>
+            </a:r>
+            <a:r>
+              <a:rPr lang="en-US" dirty="0"/>
+              <a:t>-Nearest Neighbors:</a:t>
+            </a:r>
+          </a:p>
+          <a:p>
+            <a:pPr marL="404813" indent="-404813"/>
+            <a:r>
+              <a:rPr lang="en-US" sz="2600" dirty="0"/>
+              <a:t>A nearest-neighbor classifier is a “lazy learner” that directly uses the entire training set to classify observations in the validation and test sets.</a:t>
+            </a:r>
+          </a:p>
+          <a:p>
+            <a:pPr marL="404813" indent="-404813"/>
+            <a:r>
+              <a:rPr lang="en-US" sz="2600" dirty="0"/>
+              <a:t>The value of </a:t>
+            </a:r>
+            <a:r>
+              <a:rPr lang="en-US" sz="2600" i="1" dirty="0"/>
+              <a:t>k</a:t>
+            </a:r>
+            <a:r>
+              <a:rPr lang="en-US" sz="2600" dirty="0"/>
+              <a:t> can plausibly range from 1 to </a:t>
+            </a:r>
+            <a:r>
+              <a:rPr lang="en-US" sz="2600" i="1" dirty="0"/>
+              <a:t>n</a:t>
+            </a:r>
+            <a:r>
+              <a:rPr lang="en-US" sz="2600" dirty="0"/>
+              <a:t>, the number of observations in the training set.</a:t>
+            </a:r>
+          </a:p>
+          <a:p>
+            <a:pPr marL="862013" lvl="1" indent="-404813"/>
+            <a:r>
+              <a:rPr lang="en-US" dirty="0"/>
+              <a:t>If </a:t>
+            </a:r>
+            <a:r>
+              <a:rPr lang="en-US" i="1" dirty="0"/>
+              <a:t>k</a:t>
+            </a:r>
+            <a:r>
+              <a:rPr lang="en-US" dirty="0"/>
+              <a:t> = 1, then the classification of a new observation is set to be equal to the class of the single most similar observation from the training set.</a:t>
+            </a:r>
+          </a:p>
+          <a:p>
+            <a:pPr marL="862013" lvl="1" indent="-404813"/>
+            <a:r>
+              <a:rPr lang="en-US" dirty="0"/>
+              <a:t>If </a:t>
+            </a:r>
+            <a:r>
+              <a:rPr lang="en-US" i="1" dirty="0"/>
+              <a:t>k = n</a:t>
+            </a:r>
+            <a:r>
+              <a:rPr lang="en-US" dirty="0"/>
+              <a:t>, then the new observation’s class is naïvely assigned to the most common class in the training set.</a:t>
             </a:r>
           </a:p>
           <a:p>
@@ -8206,7 +10707,7 @@
     </p:spTree>
     <p:extLst>
       <p:ext uri="{BB962C8B-B14F-4D97-AF65-F5344CB8AC3E}">
-        <p14:creationId xmlns:p14="http://schemas.microsoft.com/office/powerpoint/2010/main" val="2205842819"/>
+        <p14:creationId xmlns:p14="http://schemas.microsoft.com/office/powerpoint/2010/main" val="247636850"/>
       </p:ext>
     </p:extLst>
   </p:cSld>
@@ -8290,6 +10791,190 @@
                 </a:solidFill>
                 <a:latin typeface="Arial" panose="020B0604020202020204" pitchFamily="34" charset="0"/>
               </a:rPr>
+              <a:t>Part 2: The Plan</a:t>
+            </a:r>
+          </a:p>
+        </p:txBody>
+      </p:sp>
+      <p:sp>
+        <p:nvSpPr>
+          <p:cNvPr id="17411" name="Content Placeholder 2"/>
+          <p:cNvSpPr>
+            <a:spLocks noGrp="1"/>
+          </p:cNvSpPr>
+          <p:nvPr>
+            <p:ph idx="1"/>
+          </p:nvPr>
+        </p:nvSpPr>
+        <p:spPr>
+          <a:xfrm>
+            <a:off x="419100" y="1676400"/>
+            <a:ext cx="11353800" cy="2667000"/>
+          </a:xfrm>
+        </p:spPr>
+        <p:txBody>
+          <a:bodyPr/>
+          <a:lstStyle/>
+          <a:p>
+            <a:pPr eaLnBrk="1" hangingPunct="1">
+              <a:lnSpc>
+                <a:spcPct val="90000"/>
+              </a:lnSpc>
+            </a:pPr>
+            <a:endParaRPr lang="en-US" altLang="en-US" sz="2400" dirty="0">
+              <a:latin typeface="+mj-lt"/>
+            </a:endParaRPr>
+          </a:p>
+          <a:p>
+            <a:pPr eaLnBrk="1" hangingPunct="1">
+              <a:lnSpc>
+                <a:spcPct val="90000"/>
+              </a:lnSpc>
+            </a:pPr>
+            <a:r>
+              <a:rPr lang="en-US" altLang="en-US" sz="2400" dirty="0">
+                <a:latin typeface="+mj-lt"/>
+              </a:rPr>
+              <a:t>Apply basic calculations of a classification algorithm, specifically k-NN</a:t>
+            </a:r>
+          </a:p>
+          <a:p>
+            <a:pPr lvl="1" eaLnBrk="1" hangingPunct="1">
+              <a:lnSpc>
+                <a:spcPct val="90000"/>
+              </a:lnSpc>
+            </a:pPr>
+            <a:r>
+              <a:rPr lang="en-US" altLang="en-US" sz="2000" dirty="0">
+                <a:latin typeface="+mj-lt"/>
+              </a:rPr>
+              <a:t>NN = Nearest Neighbors</a:t>
+            </a:r>
+          </a:p>
+          <a:p>
+            <a:pPr eaLnBrk="1" hangingPunct="1">
+              <a:lnSpc>
+                <a:spcPct val="90000"/>
+              </a:lnSpc>
+            </a:pPr>
+            <a:r>
+              <a:rPr lang="en-US" altLang="en-US" sz="2400" dirty="0">
+                <a:latin typeface="+mj-lt"/>
+              </a:rPr>
+              <a:t>Use two features and one target</a:t>
+            </a:r>
+          </a:p>
+          <a:p>
+            <a:pPr marL="0" indent="0" eaLnBrk="1" hangingPunct="1">
+              <a:lnSpc>
+                <a:spcPct val="90000"/>
+              </a:lnSpc>
+              <a:buNone/>
+            </a:pPr>
+            <a:endParaRPr lang="en-US" altLang="en-US" sz="2400" dirty="0">
+              <a:latin typeface="+mj-lt"/>
+            </a:endParaRPr>
+          </a:p>
+          <a:p>
+            <a:pPr marL="0" indent="0" eaLnBrk="1" hangingPunct="1">
+              <a:lnSpc>
+                <a:spcPct val="90000"/>
+              </a:lnSpc>
+              <a:buNone/>
+            </a:pPr>
+            <a:endParaRPr lang="en-US" altLang="en-US" sz="2400" dirty="0">
+              <a:latin typeface="+mj-lt"/>
+            </a:endParaRPr>
+          </a:p>
+        </p:txBody>
+      </p:sp>
+    </p:spTree>
+    <p:extLst>
+      <p:ext uri="{BB962C8B-B14F-4D97-AF65-F5344CB8AC3E}">
+        <p14:creationId xmlns:p14="http://schemas.microsoft.com/office/powerpoint/2010/main" val="2205842819"/>
+      </p:ext>
+    </p:extLst>
+  </p:cSld>
+  <p:clrMapOvr>
+    <a:masterClrMapping/>
+  </p:clrMapOvr>
+</p:sld>
+</file>
+
+<file path=ppt/slides/slide18.xml><?xml version="1.0" encoding="utf-8"?>
+<p:sld xmlns:a="http://schemas.openxmlformats.org/drawingml/2006/main" xmlns:r="http://schemas.openxmlformats.org/officeDocument/2006/relationships" xmlns:p="http://schemas.openxmlformats.org/presentationml/2006/main">
+  <p:cSld>
+    <p:spTree>
+      <p:nvGrpSpPr>
+        <p:cNvPr id="1" name=""/>
+        <p:cNvGrpSpPr/>
+        <p:nvPr/>
+      </p:nvGrpSpPr>
+      <p:grpSpPr>
+        <a:xfrm>
+          <a:off x="0" y="0"/>
+          <a:ext cx="0" cy="0"/>
+          <a:chOff x="0" y="0"/>
+          <a:chExt cx="0" cy="0"/>
+        </a:xfrm>
+      </p:grpSpPr>
+      <p:sp>
+        <p:nvSpPr>
+          <p:cNvPr id="17410" name="Title 1"/>
+          <p:cNvSpPr>
+            <a:spLocks noGrp="1"/>
+          </p:cNvSpPr>
+          <p:nvPr>
+            <p:ph type="title" idx="4294967295"/>
+          </p:nvPr>
+        </p:nvSpPr>
+        <p:spPr bwMode="auto">
+          <a:xfrm>
+            <a:off x="76200" y="76200"/>
+            <a:ext cx="12039600" cy="685800"/>
+          </a:xfrm>
+          <a:prstGeom prst="rect">
+            <a:avLst/>
+          </a:prstGeom>
+          <a:noFill/>
+          <a:extLst>
+            <a:ext uri="{909E8E84-426E-40DD-AFC4-6F175D3DCCD1}">
+              <a14:hiddenFill xmlns:a14="http://schemas.microsoft.com/office/drawing/2010/main">
+                <a:solidFill>
+                  <a:srgbClr val="FFFFFF"/>
+                </a:solidFill>
+              </a14:hiddenFill>
+            </a:ext>
+            <a:ext uri="{91240B29-F687-4F45-9708-019B960494DF}">
+              <a14:hiddenLine xmlns:a14="http://schemas.microsoft.com/office/drawing/2010/main" w="9525">
+                <a:solidFill>
+                  <a:srgbClr val="000000"/>
+                </a:solidFill>
+                <a:miter lim="800000"/>
+                <a:headEnd/>
+                <a:tailEnd/>
+              </a14:hiddenLine>
+            </a:ext>
+          </a:extLst>
+        </p:spPr>
+        <p:txBody>
+          <a:bodyPr vert="horz" wrap="square" lIns="91440" tIns="45720" rIns="91440" bIns="45720" numCol="1" anchor="t" anchorCtr="0" compatLnSpc="1">
+            <a:prstTxWarp prst="textNoShape">
+              <a:avLst/>
+            </a:prstTxWarp>
+          </a:bodyPr>
+          <a:lstStyle/>
+          <a:p>
+            <a:pPr>
+              <a:defRPr/>
+            </a:pPr>
+            <a:r>
+              <a:rPr lang="en-US" altLang="en-US" sz="3600" dirty="0">
+                <a:solidFill>
+                  <a:schemeClr val="accent3"/>
+                </a:solidFill>
+                <a:latin typeface="Arial" panose="020B0604020202020204" pitchFamily="34" charset="0"/>
+              </a:rPr>
               <a:t>Data Set</a:t>
             </a:r>
           </a:p>
@@ -8310,7 +10995,7 @@
           <p:nvPr>
             <p:extLst>
               <p:ext uri="{D42A27DB-BD31-4B8C-83A1-F6EECF244321}">
-                <p14:modId xmlns:p14="http://schemas.microsoft.com/office/powerpoint/2010/main" val="2802244054"/>
+                <p14:modId xmlns:p14="http://schemas.microsoft.com/office/powerpoint/2010/main" val="3112574676"/>
               </p:ext>
             </p:extLst>
           </p:nvPr>
@@ -8518,7 +11203,7 @@
                       <a:pPr algn="ctr"/>
                       <a:r>
                         <a:rPr lang="en-US" dirty="0"/>
-                        <a:t>26</a:t>
+                        <a:t>35</a:t>
                       </a:r>
                     </a:p>
                   </a:txBody>
@@ -8756,7 +11441,7 @@
                       <a:pPr algn="ctr"/>
                       <a:r>
                         <a:rPr lang="en-US" dirty="0"/>
-                        <a:t>36</a:t>
+                        <a:t>900</a:t>
                       </a:r>
                     </a:p>
                   </a:txBody>
@@ -8819,7 +11504,7 @@
                       <a:pPr algn="ctr"/>
                       <a:r>
                         <a:rPr lang="en-US" dirty="0"/>
-                        <a:t>192</a:t>
+                        <a:t>1,500</a:t>
                       </a:r>
                     </a:p>
                   </a:txBody>
@@ -8833,7 +11518,7 @@
                       <a:pPr algn="ctr"/>
                       <a:r>
                         <a:rPr lang="en-US" dirty="0"/>
-                        <a:t>31</a:t>
+                        <a:t>38</a:t>
                       </a:r>
                     </a:p>
                   </a:txBody>
@@ -8882,7 +11567,7 @@
                       <a:pPr algn="ctr"/>
                       <a:r>
                         <a:rPr lang="en-US" dirty="0"/>
-                        <a:t>6,574</a:t>
+                        <a:t>2,300</a:t>
                       </a:r>
                     </a:p>
                   </a:txBody>
@@ -9169,184 +11854,6 @@
 </p:sld>
 </file>
 
-<file path=ppt/slides/slide18.xml><?xml version="1.0" encoding="utf-8"?>
-<p:sld xmlns:a="http://schemas.openxmlformats.org/drawingml/2006/main" xmlns:r="http://schemas.openxmlformats.org/officeDocument/2006/relationships" xmlns:p="http://schemas.openxmlformats.org/presentationml/2006/main">
-  <p:cSld>
-    <p:spTree>
-      <p:nvGrpSpPr>
-        <p:cNvPr id="1" name=""/>
-        <p:cNvGrpSpPr/>
-        <p:nvPr/>
-      </p:nvGrpSpPr>
-      <p:grpSpPr>
-        <a:xfrm>
-          <a:off x="0" y="0"/>
-          <a:ext cx="0" cy="0"/>
-          <a:chOff x="0" y="0"/>
-          <a:chExt cx="0" cy="0"/>
-        </a:xfrm>
-      </p:grpSpPr>
-      <p:sp>
-        <p:nvSpPr>
-          <p:cNvPr id="17410" name="Title 1"/>
-          <p:cNvSpPr>
-            <a:spLocks noGrp="1"/>
-          </p:cNvSpPr>
-          <p:nvPr>
-            <p:ph type="title" idx="4294967295"/>
-          </p:nvPr>
-        </p:nvSpPr>
-        <p:spPr bwMode="auto">
-          <a:xfrm>
-            <a:off x="76200" y="76200"/>
-            <a:ext cx="12039600" cy="685800"/>
-          </a:xfrm>
-          <a:prstGeom prst="rect">
-            <a:avLst/>
-          </a:prstGeom>
-          <a:noFill/>
-          <a:extLst>
-            <a:ext uri="{909E8E84-426E-40DD-AFC4-6F175D3DCCD1}">
-              <a14:hiddenFill xmlns:a14="http://schemas.microsoft.com/office/drawing/2010/main">
-                <a:solidFill>
-                  <a:srgbClr val="FFFFFF"/>
-                </a:solidFill>
-              </a14:hiddenFill>
-            </a:ext>
-            <a:ext uri="{91240B29-F687-4F45-9708-019B960494DF}">
-              <a14:hiddenLine xmlns:a14="http://schemas.microsoft.com/office/drawing/2010/main" w="9525">
-                <a:solidFill>
-                  <a:srgbClr val="000000"/>
-                </a:solidFill>
-                <a:miter lim="800000"/>
-                <a:headEnd/>
-                <a:tailEnd/>
-              </a14:hiddenLine>
-            </a:ext>
-          </a:extLst>
-        </p:spPr>
-        <p:txBody>
-          <a:bodyPr vert="horz" wrap="square" lIns="91440" tIns="45720" rIns="91440" bIns="45720" numCol="1" anchor="t" anchorCtr="0" compatLnSpc="1">
-            <a:prstTxWarp prst="textNoShape">
-              <a:avLst/>
-            </a:prstTxWarp>
-          </a:bodyPr>
-          <a:lstStyle/>
-          <a:p>
-            <a:pPr>
-              <a:defRPr/>
-            </a:pPr>
-            <a:r>
-              <a:rPr lang="en-US" altLang="en-US" sz="3600" dirty="0">
-                <a:solidFill>
-                  <a:schemeClr val="accent3"/>
-                </a:solidFill>
-                <a:latin typeface="Arial" panose="020B0604020202020204" pitchFamily="34" charset="0"/>
-              </a:rPr>
-              <a:t>Z Score Calculation (Standardization)</a:t>
-            </a:r>
-          </a:p>
-        </p:txBody>
-      </p:sp>
-      <p:sp>
-        <p:nvSpPr>
-          <p:cNvPr id="17411" name="Content Placeholder 2"/>
-          <p:cNvSpPr>
-            <a:spLocks noGrp="1"/>
-          </p:cNvSpPr>
-          <p:nvPr>
-            <p:ph idx="1"/>
-          </p:nvPr>
-        </p:nvSpPr>
-        <p:spPr>
-          <a:xfrm>
-            <a:off x="419100" y="1676400"/>
-            <a:ext cx="11353800" cy="2667000"/>
-          </a:xfrm>
-        </p:spPr>
-        <p:txBody>
-          <a:bodyPr/>
-          <a:lstStyle/>
-          <a:p>
-            <a:pPr eaLnBrk="1" hangingPunct="1">
-              <a:lnSpc>
-                <a:spcPct val="90000"/>
-              </a:lnSpc>
-            </a:pPr>
-            <a:endParaRPr lang="en-US" altLang="en-US" sz="2400" dirty="0">
-              <a:latin typeface="+mj-lt"/>
-            </a:endParaRPr>
-          </a:p>
-          <a:p>
-            <a:pPr eaLnBrk="1" hangingPunct="1">
-              <a:lnSpc>
-                <a:spcPct val="90000"/>
-              </a:lnSpc>
-            </a:pPr>
-            <a:r>
-              <a:rPr lang="en-US" altLang="en-US" sz="2400" dirty="0">
-                <a:latin typeface="+mj-lt"/>
-              </a:rPr>
-              <a:t>Calculation = xi – </a:t>
-            </a:r>
-            <a:r>
-              <a:rPr lang="en-US" altLang="en-US" sz="2400" dirty="0" err="1">
-                <a:latin typeface="+mj-lt"/>
-              </a:rPr>
-              <a:t>xbar</a:t>
-            </a:r>
-            <a:r>
-              <a:rPr lang="en-US" altLang="en-US" sz="2400" dirty="0">
-                <a:latin typeface="+mj-lt"/>
-              </a:rPr>
-              <a:t> / </a:t>
-            </a:r>
-            <a:r>
-              <a:rPr lang="en-US" altLang="en-US" sz="2400" dirty="0" err="1">
-                <a:latin typeface="+mj-lt"/>
-              </a:rPr>
-              <a:t>stdev.s</a:t>
-            </a:r>
-            <a:endParaRPr lang="en-US" altLang="en-US" sz="2400" dirty="0">
-              <a:latin typeface="+mj-lt"/>
-            </a:endParaRPr>
-          </a:p>
-          <a:p>
-            <a:pPr eaLnBrk="1" hangingPunct="1">
-              <a:lnSpc>
-                <a:spcPct val="90000"/>
-              </a:lnSpc>
-            </a:pPr>
-            <a:endParaRPr lang="en-US" altLang="en-US" sz="2400" dirty="0">
-              <a:latin typeface="+mj-lt"/>
-            </a:endParaRPr>
-          </a:p>
-          <a:p>
-            <a:pPr marL="0" indent="0" eaLnBrk="1" hangingPunct="1">
-              <a:lnSpc>
-                <a:spcPct val="90000"/>
-              </a:lnSpc>
-              <a:buNone/>
-            </a:pPr>
-            <a:endParaRPr lang="en-US" altLang="en-US" sz="2400" dirty="0">
-              <a:latin typeface="+mj-lt"/>
-            </a:endParaRPr>
-          </a:p>
-        </p:txBody>
-      </p:sp>
-    </p:spTree>
-    <p:extLst>
-      <p:ext uri="{BB962C8B-B14F-4D97-AF65-F5344CB8AC3E}">
-        <p14:creationId xmlns:p14="http://schemas.microsoft.com/office/powerpoint/2010/main" val="81457343"/>
-      </p:ext>
-    </p:extLst>
-  </p:cSld>
-  <p:clrMapOvr>
-    <a:masterClrMapping/>
-  </p:clrMapOvr>
-</p:sld>
-</file>
-
 <file path=ppt/slides/slide19.xml><?xml version="1.0" encoding="utf-8"?>
 <p:sld xmlns:a="http://schemas.openxmlformats.org/drawingml/2006/main" xmlns:r="http://schemas.openxmlformats.org/officeDocument/2006/relationships" xmlns:p="http://schemas.openxmlformats.org/presentationml/2006/main">
   <p:cSld>
@@ -9421,6 +11928,1801 @@
                 </a:solidFill>
                 <a:latin typeface="Arial" panose="020B0604020202020204" pitchFamily="34" charset="0"/>
               </a:rPr>
+              <a:t>Loan Default – Yes/No</a:t>
+            </a:r>
+          </a:p>
+        </p:txBody>
+      </p:sp>
+      <p:graphicFrame>
+        <p:nvGraphicFramePr>
+          <p:cNvPr id="4" name="Chart 3">
+            <a:extLst>
+              <a:ext uri="{FF2B5EF4-FFF2-40B4-BE49-F238E27FC236}">
+                <a16:creationId xmlns:a16="http://schemas.microsoft.com/office/drawing/2014/main" id="{E3B8E79E-EB4E-8D7E-FFF0-14E3104FC845}"/>
+              </a:ext>
+            </a:extLst>
+          </p:cNvPr>
+          <p:cNvGraphicFramePr/>
+          <p:nvPr>
+            <p:extLst>
+              <p:ext uri="{D42A27DB-BD31-4B8C-83A1-F6EECF244321}">
+                <p14:modId xmlns:p14="http://schemas.microsoft.com/office/powerpoint/2010/main" val="74472750"/>
+              </p:ext>
+            </p:extLst>
+          </p:nvPr>
+        </p:nvGraphicFramePr>
+        <p:xfrm>
+          <a:off x="2032000" y="719666"/>
+          <a:ext cx="8128000" cy="5418667"/>
+        </p:xfrm>
+        <a:graphic>
+          <a:graphicData uri="http://schemas.openxmlformats.org/drawingml/2006/chart">
+            <c:chart xmlns:c="http://schemas.openxmlformats.org/drawingml/2006/chart" xmlns:r="http://schemas.openxmlformats.org/officeDocument/2006/relationships" r:id="rId2"/>
+          </a:graphicData>
+        </a:graphic>
+      </p:graphicFrame>
+    </p:spTree>
+    <p:extLst>
+      <p:ext uri="{BB962C8B-B14F-4D97-AF65-F5344CB8AC3E}">
+        <p14:creationId xmlns:p14="http://schemas.microsoft.com/office/powerpoint/2010/main" val="3582795101"/>
+      </p:ext>
+    </p:extLst>
+  </p:cSld>
+  <p:clrMapOvr>
+    <a:masterClrMapping/>
+  </p:clrMapOvr>
+</p:sld>
+</file>
+
+<file path=ppt/slides/slide2.xml><?xml version="1.0" encoding="utf-8"?>
+<p:sld xmlns:a="http://schemas.openxmlformats.org/drawingml/2006/main" xmlns:r="http://schemas.openxmlformats.org/officeDocument/2006/relationships" xmlns:p="http://schemas.openxmlformats.org/presentationml/2006/main">
+  <p:cSld>
+    <p:spTree>
+      <p:nvGrpSpPr>
+        <p:cNvPr id="1" name=""/>
+        <p:cNvGrpSpPr/>
+        <p:nvPr/>
+      </p:nvGrpSpPr>
+      <p:grpSpPr>
+        <a:xfrm>
+          <a:off x="0" y="0"/>
+          <a:ext cx="0" cy="0"/>
+          <a:chOff x="0" y="0"/>
+          <a:chExt cx="0" cy="0"/>
+        </a:xfrm>
+      </p:grpSpPr>
+      <p:sp>
+        <p:nvSpPr>
+          <p:cNvPr id="17410" name="Title 1"/>
+          <p:cNvSpPr>
+            <a:spLocks noGrp="1"/>
+          </p:cNvSpPr>
+          <p:nvPr>
+            <p:ph type="title" idx="4294967295"/>
+          </p:nvPr>
+        </p:nvSpPr>
+        <p:spPr bwMode="auto">
+          <a:xfrm>
+            <a:off x="76200" y="76200"/>
+            <a:ext cx="12039600" cy="685800"/>
+          </a:xfrm>
+          <a:prstGeom prst="rect">
+            <a:avLst/>
+          </a:prstGeom>
+          <a:noFill/>
+          <a:extLst>
+            <a:ext uri="{909E8E84-426E-40DD-AFC4-6F175D3DCCD1}">
+              <a14:hiddenFill xmlns:a14="http://schemas.microsoft.com/office/drawing/2010/main">
+                <a:solidFill>
+                  <a:srgbClr val="FFFFFF"/>
+                </a:solidFill>
+              </a14:hiddenFill>
+            </a:ext>
+            <a:ext uri="{91240B29-F687-4F45-9708-019B960494DF}">
+              <a14:hiddenLine xmlns:a14="http://schemas.microsoft.com/office/drawing/2010/main" w="9525">
+                <a:solidFill>
+                  <a:srgbClr val="000000"/>
+                </a:solidFill>
+                <a:miter lim="800000"/>
+                <a:headEnd/>
+                <a:tailEnd/>
+              </a14:hiddenLine>
+            </a:ext>
+          </a:extLst>
+        </p:spPr>
+        <p:txBody>
+          <a:bodyPr vert="horz" wrap="square" lIns="91440" tIns="45720" rIns="91440" bIns="45720" numCol="1" anchor="t" anchorCtr="0" compatLnSpc="1">
+            <a:prstTxWarp prst="textNoShape">
+              <a:avLst/>
+            </a:prstTxWarp>
+          </a:bodyPr>
+          <a:lstStyle/>
+          <a:p>
+            <a:pPr>
+              <a:defRPr/>
+            </a:pPr>
+            <a:r>
+              <a:rPr lang="en-US" altLang="en-US" sz="3600" dirty="0">
+                <a:solidFill>
+                  <a:schemeClr val="accent3"/>
+                </a:solidFill>
+                <a:latin typeface="Arial" panose="020B0604020202020204" pitchFamily="34" charset="0"/>
+              </a:rPr>
+              <a:t>Time Planning</a:t>
+            </a:r>
+          </a:p>
+        </p:txBody>
+      </p:sp>
+      <p:sp>
+        <p:nvSpPr>
+          <p:cNvPr id="17411" name="Content Placeholder 2"/>
+          <p:cNvSpPr>
+            <a:spLocks noGrp="1"/>
+          </p:cNvSpPr>
+          <p:nvPr>
+            <p:ph idx="1"/>
+          </p:nvPr>
+        </p:nvSpPr>
+        <p:spPr>
+          <a:xfrm>
+            <a:off x="419100" y="1676400"/>
+            <a:ext cx="11353800" cy="2667000"/>
+          </a:xfrm>
+        </p:spPr>
+        <p:txBody>
+          <a:bodyPr/>
+          <a:lstStyle/>
+          <a:p>
+            <a:pPr eaLnBrk="1" hangingPunct="1">
+              <a:lnSpc>
+                <a:spcPct val="90000"/>
+              </a:lnSpc>
+            </a:pPr>
+            <a:endParaRPr lang="en-US" altLang="en-US" sz="2400" dirty="0">
+              <a:latin typeface="+mj-lt"/>
+            </a:endParaRPr>
+          </a:p>
+          <a:p>
+            <a:pPr marL="0" indent="0" eaLnBrk="1" hangingPunct="1">
+              <a:lnSpc>
+                <a:spcPct val="90000"/>
+              </a:lnSpc>
+              <a:buNone/>
+            </a:pPr>
+            <a:r>
+              <a:rPr lang="en-US" altLang="en-US" sz="2400" dirty="0">
+                <a:latin typeface="+mj-lt"/>
+              </a:rPr>
+              <a:t>Part 1: 08:30-09:45 (1.25) [Supervised Machine Learning]</a:t>
+            </a:r>
+          </a:p>
+          <a:p>
+            <a:pPr marL="0" indent="0" eaLnBrk="1" hangingPunct="1">
+              <a:lnSpc>
+                <a:spcPct val="90000"/>
+              </a:lnSpc>
+              <a:buNone/>
+            </a:pPr>
+            <a:r>
+              <a:rPr lang="en-US" altLang="en-US" sz="2400" dirty="0">
+                <a:latin typeface="+mj-lt"/>
+              </a:rPr>
+              <a:t>Part 2: 10:00-11:00 (1.00) [Classification Exercise]</a:t>
+            </a:r>
+          </a:p>
+          <a:p>
+            <a:pPr marL="0" indent="0" eaLnBrk="1" hangingPunct="1">
+              <a:lnSpc>
+                <a:spcPct val="90000"/>
+              </a:lnSpc>
+              <a:buNone/>
+            </a:pPr>
+            <a:r>
+              <a:rPr lang="en-US" altLang="en-US" sz="2400" dirty="0">
+                <a:latin typeface="+mj-lt"/>
+              </a:rPr>
+              <a:t>Part 3: 11:15-12:00 (0.75) [Analytic Software Introduction]</a:t>
+            </a:r>
+          </a:p>
+          <a:p>
+            <a:pPr marL="0" indent="0" eaLnBrk="1" hangingPunct="1">
+              <a:lnSpc>
+                <a:spcPct val="90000"/>
+              </a:lnSpc>
+              <a:buNone/>
+            </a:pPr>
+            <a:r>
+              <a:rPr lang="en-US" altLang="en-US" sz="2400" dirty="0">
+                <a:latin typeface="+mj-lt"/>
+              </a:rPr>
+              <a:t>Lunch: 12:00-13:00</a:t>
+            </a:r>
+          </a:p>
+          <a:p>
+            <a:pPr marL="0" indent="0" eaLnBrk="1" hangingPunct="1">
+              <a:lnSpc>
+                <a:spcPct val="90000"/>
+              </a:lnSpc>
+              <a:buNone/>
+            </a:pPr>
+            <a:r>
+              <a:rPr lang="en-US" altLang="en-US" sz="2400" dirty="0">
+                <a:latin typeface="+mj-lt"/>
+              </a:rPr>
+              <a:t>Part 4: 13:30-14:30 (1.00) [Model Refinement &amp; Performance Evaluation]</a:t>
+            </a:r>
+          </a:p>
+          <a:p>
+            <a:pPr marL="0" indent="0" eaLnBrk="1" hangingPunct="1">
+              <a:lnSpc>
+                <a:spcPct val="90000"/>
+              </a:lnSpc>
+              <a:buNone/>
+            </a:pPr>
+            <a:endParaRPr lang="en-US" altLang="en-US" sz="2400" dirty="0">
+              <a:latin typeface="+mj-lt"/>
+            </a:endParaRPr>
+          </a:p>
+        </p:txBody>
+      </p:sp>
+    </p:spTree>
+  </p:cSld>
+  <p:clrMapOvr>
+    <a:masterClrMapping/>
+  </p:clrMapOvr>
+</p:sld>
+</file>
+
+<file path=ppt/slides/slide20.xml><?xml version="1.0" encoding="utf-8"?>
+<p:sld xmlns:a="http://schemas.openxmlformats.org/drawingml/2006/main" xmlns:r="http://schemas.openxmlformats.org/officeDocument/2006/relationships" xmlns:p="http://schemas.openxmlformats.org/presentationml/2006/main">
+  <p:cSld>
+    <p:spTree>
+      <p:nvGrpSpPr>
+        <p:cNvPr id="1" name=""/>
+        <p:cNvGrpSpPr/>
+        <p:nvPr/>
+      </p:nvGrpSpPr>
+      <p:grpSpPr>
+        <a:xfrm>
+          <a:off x="0" y="0"/>
+          <a:ext cx="0" cy="0"/>
+          <a:chOff x="0" y="0"/>
+          <a:chExt cx="0" cy="0"/>
+        </a:xfrm>
+      </p:grpSpPr>
+      <p:sp>
+        <p:nvSpPr>
+          <p:cNvPr id="17410" name="Title 1"/>
+          <p:cNvSpPr>
+            <a:spLocks noGrp="1"/>
+          </p:cNvSpPr>
+          <p:nvPr>
+            <p:ph type="title" idx="4294967295"/>
+          </p:nvPr>
+        </p:nvSpPr>
+        <p:spPr bwMode="auto">
+          <a:xfrm>
+            <a:off x="76200" y="76200"/>
+            <a:ext cx="12039600" cy="685800"/>
+          </a:xfrm>
+          <a:prstGeom prst="rect">
+            <a:avLst/>
+          </a:prstGeom>
+          <a:noFill/>
+          <a:extLst>
+            <a:ext uri="{909E8E84-426E-40DD-AFC4-6F175D3DCCD1}">
+              <a14:hiddenFill xmlns:a14="http://schemas.microsoft.com/office/drawing/2010/main">
+                <a:solidFill>
+                  <a:srgbClr val="FFFFFF"/>
+                </a:solidFill>
+              </a14:hiddenFill>
+            </a:ext>
+            <a:ext uri="{91240B29-F687-4F45-9708-019B960494DF}">
+              <a14:hiddenLine xmlns:a14="http://schemas.microsoft.com/office/drawing/2010/main" w="9525">
+                <a:solidFill>
+                  <a:srgbClr val="000000"/>
+                </a:solidFill>
+                <a:miter lim="800000"/>
+                <a:headEnd/>
+                <a:tailEnd/>
+              </a14:hiddenLine>
+            </a:ext>
+          </a:extLst>
+        </p:spPr>
+        <p:txBody>
+          <a:bodyPr vert="horz" wrap="square" lIns="91440" tIns="45720" rIns="91440" bIns="45720" numCol="1" anchor="t" anchorCtr="0" compatLnSpc="1">
+            <a:prstTxWarp prst="textNoShape">
+              <a:avLst/>
+            </a:prstTxWarp>
+          </a:bodyPr>
+          <a:lstStyle/>
+          <a:p>
+            <a:pPr>
+              <a:defRPr/>
+            </a:pPr>
+            <a:r>
+              <a:rPr lang="en-US" altLang="en-US" sz="3600" dirty="0">
+                <a:solidFill>
+                  <a:schemeClr val="accent3"/>
+                </a:solidFill>
+                <a:latin typeface="Arial" panose="020B0604020202020204" pitchFamily="34" charset="0"/>
+              </a:rPr>
+              <a:t>Questions/Application</a:t>
+            </a:r>
+          </a:p>
+        </p:txBody>
+      </p:sp>
+      <p:sp>
+        <p:nvSpPr>
+          <p:cNvPr id="17411" name="Content Placeholder 2"/>
+          <p:cNvSpPr>
+            <a:spLocks noGrp="1"/>
+          </p:cNvSpPr>
+          <p:nvPr>
+            <p:ph idx="1"/>
+          </p:nvPr>
+        </p:nvSpPr>
+        <p:spPr>
+          <a:xfrm>
+            <a:off x="419100" y="1676400"/>
+            <a:ext cx="11353800" cy="2667000"/>
+          </a:xfrm>
+        </p:spPr>
+        <p:txBody>
+          <a:bodyPr/>
+          <a:lstStyle/>
+          <a:p>
+            <a:pPr eaLnBrk="1" hangingPunct="1">
+              <a:lnSpc>
+                <a:spcPct val="90000"/>
+              </a:lnSpc>
+            </a:pPr>
+            <a:endParaRPr lang="en-US" altLang="en-US" sz="2400" dirty="0">
+              <a:latin typeface="+mj-lt"/>
+            </a:endParaRPr>
+          </a:p>
+          <a:p>
+            <a:pPr eaLnBrk="1" hangingPunct="1">
+              <a:lnSpc>
+                <a:spcPct val="90000"/>
+              </a:lnSpc>
+            </a:pPr>
+            <a:r>
+              <a:rPr lang="en-US" altLang="en-US" sz="2400" dirty="0">
+                <a:latin typeface="+mj-lt"/>
+              </a:rPr>
+              <a:t>Create the coordinates for the following customers:</a:t>
+            </a:r>
+          </a:p>
+          <a:p>
+            <a:pPr lvl="1" eaLnBrk="1" hangingPunct="1">
+              <a:lnSpc>
+                <a:spcPct val="90000"/>
+              </a:lnSpc>
+            </a:pPr>
+            <a:r>
+              <a:rPr lang="en-US" altLang="en-US" sz="2000" dirty="0">
+                <a:latin typeface="+mj-lt"/>
+              </a:rPr>
+              <a:t>Cust #1: Avg Bal = 20, Age = 50</a:t>
+            </a:r>
+          </a:p>
+          <a:p>
+            <a:pPr lvl="1" eaLnBrk="1" hangingPunct="1">
+              <a:lnSpc>
+                <a:spcPct val="90000"/>
+              </a:lnSpc>
+            </a:pPr>
+            <a:r>
+              <a:rPr lang="en-US" altLang="en-US" sz="2000" dirty="0">
+                <a:latin typeface="+mj-lt"/>
+              </a:rPr>
+              <a:t>Cust #2: Avg Bal = 700, Age = 40</a:t>
+            </a:r>
+          </a:p>
+          <a:p>
+            <a:pPr lvl="1" eaLnBrk="1" hangingPunct="1">
+              <a:lnSpc>
+                <a:spcPct val="90000"/>
+              </a:lnSpc>
+            </a:pPr>
+            <a:r>
+              <a:rPr lang="en-US" altLang="en-US" sz="2000" dirty="0">
+                <a:latin typeface="+mj-lt"/>
+              </a:rPr>
+              <a:t>Cust #3: Avg Bal = 175, Age 28</a:t>
+            </a:r>
+          </a:p>
+          <a:p>
+            <a:pPr marL="400050" eaLnBrk="1" hangingPunct="1">
+              <a:lnSpc>
+                <a:spcPct val="90000"/>
+              </a:lnSpc>
+            </a:pPr>
+            <a:r>
+              <a:rPr lang="en-US" altLang="en-US" sz="2400" dirty="0">
+                <a:latin typeface="+mj-lt"/>
+              </a:rPr>
+              <a:t>Based on 1,2,3 k-</a:t>
+            </a:r>
+            <a:r>
+              <a:rPr lang="en-US" altLang="en-US" sz="2400" dirty="0" err="1">
+                <a:latin typeface="+mj-lt"/>
+              </a:rPr>
+              <a:t>nn</a:t>
+            </a:r>
+            <a:r>
+              <a:rPr lang="en-US" altLang="en-US" sz="2400" dirty="0">
+                <a:latin typeface="+mj-lt"/>
+              </a:rPr>
+              <a:t>, is Cust 1, 2, and 3 most likely to default or not default on their loan.</a:t>
+            </a:r>
+          </a:p>
+          <a:p>
+            <a:pPr marL="400050" eaLnBrk="1" hangingPunct="1">
+              <a:lnSpc>
+                <a:spcPct val="90000"/>
+              </a:lnSpc>
+            </a:pPr>
+            <a:r>
+              <a:rPr lang="en-US" altLang="en-US" sz="2400" dirty="0">
+                <a:latin typeface="+mj-lt"/>
+              </a:rPr>
+              <a:t>Which k-</a:t>
+            </a:r>
+            <a:r>
+              <a:rPr lang="en-US" altLang="en-US" sz="2400" dirty="0" err="1">
+                <a:latin typeface="+mj-lt"/>
+              </a:rPr>
+              <a:t>nn</a:t>
+            </a:r>
+            <a:r>
+              <a:rPr lang="en-US" altLang="en-US" sz="2400" dirty="0">
+                <a:latin typeface="+mj-lt"/>
+              </a:rPr>
+              <a:t> do you think is most appropriate to apply for the Customers? Explain why.</a:t>
+            </a:r>
+          </a:p>
+          <a:p>
+            <a:pPr eaLnBrk="1" hangingPunct="1">
+              <a:lnSpc>
+                <a:spcPct val="90000"/>
+              </a:lnSpc>
+            </a:pPr>
+            <a:endParaRPr lang="en-US" altLang="en-US" sz="2400" dirty="0">
+              <a:latin typeface="+mj-lt"/>
+            </a:endParaRPr>
+          </a:p>
+          <a:p>
+            <a:pPr marL="0" indent="0" eaLnBrk="1" hangingPunct="1">
+              <a:lnSpc>
+                <a:spcPct val="90000"/>
+              </a:lnSpc>
+              <a:buNone/>
+            </a:pPr>
+            <a:endParaRPr lang="en-US" altLang="en-US" sz="2400" dirty="0">
+              <a:latin typeface="+mj-lt"/>
+            </a:endParaRPr>
+          </a:p>
+        </p:txBody>
+      </p:sp>
+    </p:spTree>
+    <p:extLst>
+      <p:ext uri="{BB962C8B-B14F-4D97-AF65-F5344CB8AC3E}">
+        <p14:creationId xmlns:p14="http://schemas.microsoft.com/office/powerpoint/2010/main" val="2203419151"/>
+      </p:ext>
+    </p:extLst>
+  </p:cSld>
+  <p:clrMapOvr>
+    <a:masterClrMapping/>
+  </p:clrMapOvr>
+</p:sld>
+</file>
+
+<file path=ppt/slides/slide21.xml><?xml version="1.0" encoding="utf-8"?>
+<p:sld xmlns:a="http://schemas.openxmlformats.org/drawingml/2006/main" xmlns:r="http://schemas.openxmlformats.org/officeDocument/2006/relationships" xmlns:p="http://schemas.openxmlformats.org/presentationml/2006/main">
+  <p:cSld>
+    <p:spTree>
+      <p:nvGrpSpPr>
+        <p:cNvPr id="1" name=""/>
+        <p:cNvGrpSpPr/>
+        <p:nvPr/>
+      </p:nvGrpSpPr>
+      <p:grpSpPr>
+        <a:xfrm>
+          <a:off x="0" y="0"/>
+          <a:ext cx="0" cy="0"/>
+          <a:chOff x="0" y="0"/>
+          <a:chExt cx="0" cy="0"/>
+        </a:xfrm>
+      </p:grpSpPr>
+      <p:sp>
+        <p:nvSpPr>
+          <p:cNvPr id="17410" name="Title 1"/>
+          <p:cNvSpPr>
+            <a:spLocks noGrp="1"/>
+          </p:cNvSpPr>
+          <p:nvPr>
+            <p:ph type="title" idx="4294967295"/>
+          </p:nvPr>
+        </p:nvSpPr>
+        <p:spPr bwMode="auto">
+          <a:xfrm>
+            <a:off x="76200" y="76200"/>
+            <a:ext cx="12039600" cy="685800"/>
+          </a:xfrm>
+          <a:prstGeom prst="rect">
+            <a:avLst/>
+          </a:prstGeom>
+          <a:noFill/>
+          <a:extLst>
+            <a:ext uri="{909E8E84-426E-40DD-AFC4-6F175D3DCCD1}">
+              <a14:hiddenFill xmlns:a14="http://schemas.microsoft.com/office/drawing/2010/main">
+                <a:solidFill>
+                  <a:srgbClr val="FFFFFF"/>
+                </a:solidFill>
+              </a14:hiddenFill>
+            </a:ext>
+            <a:ext uri="{91240B29-F687-4F45-9708-019B960494DF}">
+              <a14:hiddenLine xmlns:a14="http://schemas.microsoft.com/office/drawing/2010/main" w="9525">
+                <a:solidFill>
+                  <a:srgbClr val="000000"/>
+                </a:solidFill>
+                <a:miter lim="800000"/>
+                <a:headEnd/>
+                <a:tailEnd/>
+              </a14:hiddenLine>
+            </a:ext>
+          </a:extLst>
+        </p:spPr>
+        <p:txBody>
+          <a:bodyPr vert="horz" wrap="square" lIns="91440" tIns="45720" rIns="91440" bIns="45720" numCol="1" anchor="t" anchorCtr="0" compatLnSpc="1">
+            <a:prstTxWarp prst="textNoShape">
+              <a:avLst/>
+            </a:prstTxWarp>
+          </a:bodyPr>
+          <a:lstStyle/>
+          <a:p>
+            <a:pPr>
+              <a:defRPr/>
+            </a:pPr>
+            <a:r>
+              <a:rPr lang="en-US" altLang="en-US" sz="3600" dirty="0">
+                <a:solidFill>
+                  <a:schemeClr val="accent3"/>
+                </a:solidFill>
+                <a:latin typeface="Arial" panose="020B0604020202020204" pitchFamily="34" charset="0"/>
+              </a:rPr>
+              <a:t>Where might Customers 1, 2, and 3 be?</a:t>
+            </a:r>
+          </a:p>
+        </p:txBody>
+      </p:sp>
+      <p:graphicFrame>
+        <p:nvGraphicFramePr>
+          <p:cNvPr id="4" name="Chart 3">
+            <a:extLst>
+              <a:ext uri="{FF2B5EF4-FFF2-40B4-BE49-F238E27FC236}">
+                <a16:creationId xmlns:a16="http://schemas.microsoft.com/office/drawing/2014/main" id="{E3B8E79E-EB4E-8D7E-FFF0-14E3104FC845}"/>
+              </a:ext>
+            </a:extLst>
+          </p:cNvPr>
+          <p:cNvGraphicFramePr/>
+          <p:nvPr/>
+        </p:nvGraphicFramePr>
+        <p:xfrm>
+          <a:off x="2032000" y="719666"/>
+          <a:ext cx="8128000" cy="5418667"/>
+        </p:xfrm>
+        <a:graphic>
+          <a:graphicData uri="http://schemas.openxmlformats.org/drawingml/2006/chart">
+            <c:chart xmlns:c="http://schemas.openxmlformats.org/drawingml/2006/chart" xmlns:r="http://schemas.openxmlformats.org/officeDocument/2006/relationships" r:id="rId2"/>
+          </a:graphicData>
+        </a:graphic>
+      </p:graphicFrame>
+    </p:spTree>
+    <p:extLst>
+      <p:ext uri="{BB962C8B-B14F-4D97-AF65-F5344CB8AC3E}">
+        <p14:creationId xmlns:p14="http://schemas.microsoft.com/office/powerpoint/2010/main" val="3781261471"/>
+      </p:ext>
+    </p:extLst>
+  </p:cSld>
+  <p:clrMapOvr>
+    <a:masterClrMapping/>
+  </p:clrMapOvr>
+</p:sld>
+</file>
+
+<file path=ppt/slides/slide22.xml><?xml version="1.0" encoding="utf-8"?>
+<p:sld xmlns:a="http://schemas.openxmlformats.org/drawingml/2006/main" xmlns:r="http://schemas.openxmlformats.org/officeDocument/2006/relationships" xmlns:p="http://schemas.openxmlformats.org/presentationml/2006/main">
+  <p:cSld>
+    <p:spTree>
+      <p:nvGrpSpPr>
+        <p:cNvPr id="1" name=""/>
+        <p:cNvGrpSpPr/>
+        <p:nvPr/>
+      </p:nvGrpSpPr>
+      <p:grpSpPr>
+        <a:xfrm>
+          <a:off x="0" y="0"/>
+          <a:ext cx="0" cy="0"/>
+          <a:chOff x="0" y="0"/>
+          <a:chExt cx="0" cy="0"/>
+        </a:xfrm>
+      </p:grpSpPr>
+      <p:sp>
+        <p:nvSpPr>
+          <p:cNvPr id="17410" name="Title 1"/>
+          <p:cNvSpPr>
+            <a:spLocks noGrp="1"/>
+          </p:cNvSpPr>
+          <p:nvPr>
+            <p:ph type="title" idx="4294967295"/>
+          </p:nvPr>
+        </p:nvSpPr>
+        <p:spPr bwMode="auto">
+          <a:xfrm>
+            <a:off x="76200" y="76200"/>
+            <a:ext cx="12039600" cy="685800"/>
+          </a:xfrm>
+          <a:prstGeom prst="rect">
+            <a:avLst/>
+          </a:prstGeom>
+          <a:noFill/>
+          <a:extLst>
+            <a:ext uri="{909E8E84-426E-40DD-AFC4-6F175D3DCCD1}">
+              <a14:hiddenFill xmlns:a14="http://schemas.microsoft.com/office/drawing/2010/main">
+                <a:solidFill>
+                  <a:srgbClr val="FFFFFF"/>
+                </a:solidFill>
+              </a14:hiddenFill>
+            </a:ext>
+            <a:ext uri="{91240B29-F687-4F45-9708-019B960494DF}">
+              <a14:hiddenLine xmlns:a14="http://schemas.microsoft.com/office/drawing/2010/main" w="9525">
+                <a:solidFill>
+                  <a:srgbClr val="000000"/>
+                </a:solidFill>
+                <a:miter lim="800000"/>
+                <a:headEnd/>
+                <a:tailEnd/>
+              </a14:hiddenLine>
+            </a:ext>
+          </a:extLst>
+        </p:spPr>
+        <p:txBody>
+          <a:bodyPr vert="horz" wrap="square" lIns="91440" tIns="45720" rIns="91440" bIns="45720" numCol="1" anchor="t" anchorCtr="0" compatLnSpc="1">
+            <a:prstTxWarp prst="textNoShape">
+              <a:avLst/>
+            </a:prstTxWarp>
+          </a:bodyPr>
+          <a:lstStyle/>
+          <a:p>
+            <a:pPr>
+              <a:defRPr/>
+            </a:pPr>
+            <a:r>
+              <a:rPr lang="en-US" altLang="en-US" sz="3600" dirty="0">
+                <a:solidFill>
+                  <a:schemeClr val="accent3"/>
+                </a:solidFill>
+                <a:latin typeface="Arial" panose="020B0604020202020204" pitchFamily="34" charset="0"/>
+              </a:rPr>
+              <a:t>What do you think about Customers 1, 2, and 3?</a:t>
+            </a:r>
+          </a:p>
+        </p:txBody>
+      </p:sp>
+      <p:graphicFrame>
+        <p:nvGraphicFramePr>
+          <p:cNvPr id="4" name="Chart 3">
+            <a:extLst>
+              <a:ext uri="{FF2B5EF4-FFF2-40B4-BE49-F238E27FC236}">
+                <a16:creationId xmlns:a16="http://schemas.microsoft.com/office/drawing/2014/main" id="{E3B8E79E-EB4E-8D7E-FFF0-14E3104FC845}"/>
+              </a:ext>
+            </a:extLst>
+          </p:cNvPr>
+          <p:cNvGraphicFramePr/>
+          <p:nvPr>
+            <p:extLst>
+              <p:ext uri="{D42A27DB-BD31-4B8C-83A1-F6EECF244321}">
+                <p14:modId xmlns:p14="http://schemas.microsoft.com/office/powerpoint/2010/main" val="756549573"/>
+              </p:ext>
+            </p:extLst>
+          </p:nvPr>
+        </p:nvGraphicFramePr>
+        <p:xfrm>
+          <a:off x="2032000" y="719666"/>
+          <a:ext cx="8128000" cy="5418667"/>
+        </p:xfrm>
+        <a:graphic>
+          <a:graphicData uri="http://schemas.openxmlformats.org/drawingml/2006/chart">
+            <c:chart xmlns:c="http://schemas.openxmlformats.org/drawingml/2006/chart" xmlns:r="http://schemas.openxmlformats.org/officeDocument/2006/relationships" r:id="rId2"/>
+          </a:graphicData>
+        </a:graphic>
+      </p:graphicFrame>
+    </p:spTree>
+    <p:extLst>
+      <p:ext uri="{BB962C8B-B14F-4D97-AF65-F5344CB8AC3E}">
+        <p14:creationId xmlns:p14="http://schemas.microsoft.com/office/powerpoint/2010/main" val="1621580683"/>
+      </p:ext>
+    </p:extLst>
+  </p:cSld>
+  <p:clrMapOvr>
+    <a:masterClrMapping/>
+  </p:clrMapOvr>
+</p:sld>
+</file>
+
+<file path=ppt/slides/slide23.xml><?xml version="1.0" encoding="utf-8"?>
+<p:sld xmlns:a="http://schemas.openxmlformats.org/drawingml/2006/main" xmlns:r="http://schemas.openxmlformats.org/officeDocument/2006/relationships" xmlns:p="http://schemas.openxmlformats.org/presentationml/2006/main">
+  <p:cSld>
+    <p:spTree>
+      <p:nvGrpSpPr>
+        <p:cNvPr id="1" name=""/>
+        <p:cNvGrpSpPr/>
+        <p:nvPr/>
+      </p:nvGrpSpPr>
+      <p:grpSpPr>
+        <a:xfrm>
+          <a:off x="0" y="0"/>
+          <a:ext cx="0" cy="0"/>
+          <a:chOff x="0" y="0"/>
+          <a:chExt cx="0" cy="0"/>
+        </a:xfrm>
+      </p:grpSpPr>
+      <p:sp>
+        <p:nvSpPr>
+          <p:cNvPr id="17410" name="Title 1"/>
+          <p:cNvSpPr>
+            <a:spLocks noGrp="1"/>
+          </p:cNvSpPr>
+          <p:nvPr>
+            <p:ph type="title" idx="4294967295"/>
+          </p:nvPr>
+        </p:nvSpPr>
+        <p:spPr bwMode="auto">
+          <a:xfrm>
+            <a:off x="76200" y="76200"/>
+            <a:ext cx="12039600" cy="685800"/>
+          </a:xfrm>
+          <a:prstGeom prst="rect">
+            <a:avLst/>
+          </a:prstGeom>
+          <a:noFill/>
+          <a:extLst>
+            <a:ext uri="{909E8E84-426E-40DD-AFC4-6F175D3DCCD1}">
+              <a14:hiddenFill xmlns:a14="http://schemas.microsoft.com/office/drawing/2010/main">
+                <a:solidFill>
+                  <a:srgbClr val="FFFFFF"/>
+                </a:solidFill>
+              </a14:hiddenFill>
+            </a:ext>
+            <a:ext uri="{91240B29-F687-4F45-9708-019B960494DF}">
+              <a14:hiddenLine xmlns:a14="http://schemas.microsoft.com/office/drawing/2010/main" w="9525">
+                <a:solidFill>
+                  <a:srgbClr val="000000"/>
+                </a:solidFill>
+                <a:miter lim="800000"/>
+                <a:headEnd/>
+                <a:tailEnd/>
+              </a14:hiddenLine>
+            </a:ext>
+          </a:extLst>
+        </p:spPr>
+        <p:txBody>
+          <a:bodyPr vert="horz" wrap="square" lIns="91440" tIns="45720" rIns="91440" bIns="45720" numCol="1" anchor="t" anchorCtr="0" compatLnSpc="1">
+            <a:prstTxWarp prst="textNoShape">
+              <a:avLst/>
+            </a:prstTxWarp>
+          </a:bodyPr>
+          <a:lstStyle/>
+          <a:p>
+            <a:pPr>
+              <a:defRPr/>
+            </a:pPr>
+            <a:r>
+              <a:rPr lang="en-US" altLang="en-US" sz="3600" dirty="0">
+                <a:solidFill>
+                  <a:schemeClr val="accent3"/>
+                </a:solidFill>
+                <a:latin typeface="Arial" panose="020B0604020202020204" pitchFamily="34" charset="0"/>
+              </a:rPr>
+              <a:t>Feature Scaling Methods</a:t>
+            </a:r>
+          </a:p>
+        </p:txBody>
+      </p:sp>
+      <mc:AlternateContent xmlns:mc="http://schemas.openxmlformats.org/markup-compatibility/2006" xmlns:a14="http://schemas.microsoft.com/office/drawing/2010/main">
+        <mc:Choice Requires="a14">
+          <p:sp>
+            <p:nvSpPr>
+              <p:cNvPr id="17411" name="Content Placeholder 2"/>
+              <p:cNvSpPr>
+                <a:spLocks noGrp="1"/>
+              </p:cNvSpPr>
+              <p:nvPr>
+                <p:ph idx="1"/>
+              </p:nvPr>
+            </p:nvSpPr>
+            <p:spPr>
+              <a:xfrm>
+                <a:off x="419100" y="1676400"/>
+                <a:ext cx="11353800" cy="4267200"/>
+              </a:xfrm>
+            </p:spPr>
+            <p:txBody>
+              <a:bodyPr/>
+              <a:lstStyle/>
+              <a:p>
+                <a:pPr marL="0" indent="0">
+                  <a:buNone/>
+                </a:pPr>
+                <a:r>
+                  <a:rPr lang="en-US" sz="2400" baseline="0" dirty="0"/>
+                  <a:t>Min-Max: </a:t>
+                </a:r>
+                <a14:m>
+                  <m:oMath xmlns:m="http://schemas.openxmlformats.org/officeDocument/2006/math">
+                    <m:r>
+                      <a:rPr lang="en-US" sz="2400" i="1" baseline="0">
+                        <a:latin typeface="Cambria Math" panose="02040503050406030204" pitchFamily="18" charset="0"/>
+                      </a:rPr>
+                      <m:t>=</m:t>
+                    </m:r>
+                    <m:f>
+                      <m:fPr>
+                        <m:ctrlPr>
+                          <a:rPr lang="en-US" sz="2400" i="1" baseline="0">
+                            <a:latin typeface="Cambria Math" panose="02040503050406030204" pitchFamily="18" charset="0"/>
+                          </a:rPr>
+                        </m:ctrlPr>
+                      </m:fPr>
+                      <m:num>
+                        <m:r>
+                          <a:rPr lang="en-US" sz="2400" b="0" i="1" baseline="0">
+                            <a:latin typeface="Cambria Math" panose="02040503050406030204" pitchFamily="18" charset="0"/>
+                          </a:rPr>
+                          <m:t>𝑥</m:t>
+                        </m:r>
+                        <m:r>
+                          <a:rPr lang="en-US" sz="2400" b="0" i="1" baseline="0">
+                            <a:latin typeface="Cambria Math" panose="02040503050406030204" pitchFamily="18" charset="0"/>
+                          </a:rPr>
+                          <m:t> −</m:t>
+                        </m:r>
+                        <m:r>
+                          <a:rPr lang="en-US" sz="2400" b="0" i="1" baseline="0">
+                            <a:latin typeface="Cambria Math" panose="02040503050406030204" pitchFamily="18" charset="0"/>
+                          </a:rPr>
+                          <m:t>𝑀𝑖𝑛</m:t>
+                        </m:r>
+                        <m:r>
+                          <a:rPr lang="en-US" sz="2400" b="0" i="1" baseline="0">
+                            <a:latin typeface="Cambria Math" panose="02040503050406030204" pitchFamily="18" charset="0"/>
+                          </a:rPr>
+                          <m:t>[</m:t>
+                        </m:r>
+                        <m:r>
+                          <a:rPr lang="en-US" sz="2400" b="0" i="1" baseline="0">
+                            <a:latin typeface="Cambria Math" panose="02040503050406030204" pitchFamily="18" charset="0"/>
+                          </a:rPr>
+                          <m:t>𝑋</m:t>
+                        </m:r>
+                        <m:r>
+                          <a:rPr lang="en-US" sz="2400" b="0" i="1" baseline="0">
+                            <a:latin typeface="Cambria Math" panose="02040503050406030204" pitchFamily="18" charset="0"/>
+                          </a:rPr>
+                          <m:t>]</m:t>
+                        </m:r>
+                      </m:num>
+                      <m:den>
+                        <m:r>
+                          <a:rPr lang="en-US" sz="2400" b="0" i="1" baseline="0">
+                            <a:latin typeface="Cambria Math" panose="02040503050406030204" pitchFamily="18" charset="0"/>
+                          </a:rPr>
+                          <m:t>𝑀𝑎𝑥</m:t>
+                        </m:r>
+                        <m:d>
+                          <m:dPr>
+                            <m:begChr m:val="["/>
+                            <m:endChr m:val="]"/>
+                            <m:ctrlPr>
+                              <a:rPr lang="en-US" sz="2400" b="0" i="1" baseline="0">
+                                <a:latin typeface="Cambria Math" panose="02040503050406030204" pitchFamily="18" charset="0"/>
+                              </a:rPr>
+                            </m:ctrlPr>
+                          </m:dPr>
+                          <m:e>
+                            <m:r>
+                              <a:rPr lang="en-US" sz="2400" b="0" i="1" baseline="0">
+                                <a:latin typeface="Cambria Math" panose="02040503050406030204" pitchFamily="18" charset="0"/>
+                              </a:rPr>
+                              <m:t>𝑋</m:t>
+                            </m:r>
+                          </m:e>
+                        </m:d>
+                        <m:r>
+                          <a:rPr lang="en-US" sz="2400" b="0" i="1" baseline="0">
+                            <a:latin typeface="Cambria Math" panose="02040503050406030204" pitchFamily="18" charset="0"/>
+                          </a:rPr>
+                          <m:t>−</m:t>
+                        </m:r>
+                        <m:r>
+                          <a:rPr lang="en-US" sz="2400" b="0" i="1" baseline="0">
+                            <a:latin typeface="Cambria Math" panose="02040503050406030204" pitchFamily="18" charset="0"/>
+                          </a:rPr>
+                          <m:t>𝑀𝑖𝑛</m:t>
+                        </m:r>
+                        <m:r>
+                          <a:rPr lang="en-US" sz="2400" b="0" i="1" baseline="0">
+                            <a:latin typeface="Cambria Math" panose="02040503050406030204" pitchFamily="18" charset="0"/>
+                          </a:rPr>
+                          <m:t>[</m:t>
+                        </m:r>
+                        <m:r>
+                          <a:rPr lang="en-US" sz="2400" b="0" i="1" baseline="0">
+                            <a:latin typeface="Cambria Math" panose="02040503050406030204" pitchFamily="18" charset="0"/>
+                          </a:rPr>
+                          <m:t>𝑋</m:t>
+                        </m:r>
+                        <m:r>
+                          <a:rPr lang="en-US" sz="2400" b="0" i="1" baseline="0">
+                            <a:latin typeface="Cambria Math" panose="02040503050406030204" pitchFamily="18" charset="0"/>
+                          </a:rPr>
+                          <m:t>]</m:t>
+                        </m:r>
+                      </m:den>
+                    </m:f>
+                  </m:oMath>
+                </a14:m>
+                <a:endParaRPr lang="en-US" sz="2400" baseline="0" dirty="0"/>
+              </a:p>
+              <a:p>
+                <a:pPr marL="0" indent="0">
+                  <a:buNone/>
+                </a:pPr>
+                <a:r>
+                  <a:rPr lang="en-US" sz="1600" dirty="0"/>
+                  <a:t>Note:</a:t>
+                </a:r>
+                <a:r>
+                  <a:rPr lang="en-US" sz="1600" baseline="0" dirty="0"/>
+                  <a:t> Simplest but least accurate</a:t>
+                </a:r>
+              </a:p>
+              <a:p>
+                <a:pPr marL="0" indent="0" eaLnBrk="1" hangingPunct="1">
+                  <a:lnSpc>
+                    <a:spcPct val="90000"/>
+                  </a:lnSpc>
+                  <a:buNone/>
+                </a:pPr>
+                <a:endParaRPr lang="en-US" altLang="en-US" sz="2400" dirty="0">
+                  <a:latin typeface="+mj-lt"/>
+                </a:endParaRPr>
+              </a:p>
+              <a:p>
+                <a:pPr marL="0" indent="0" eaLnBrk="1" hangingPunct="1">
+                  <a:lnSpc>
+                    <a:spcPct val="90000"/>
+                  </a:lnSpc>
+                  <a:buNone/>
+                </a:pPr>
+                <a:r>
+                  <a:rPr lang="en-US" sz="2400" baseline="0" dirty="0">
+                    <a:solidFill>
+                      <a:schemeClr val="dk1"/>
+                    </a:solidFill>
+                    <a:effectLst/>
+                    <a:latin typeface="+mn-lt"/>
+                    <a:ea typeface="+mn-ea"/>
+                    <a:cs typeface="+mn-cs"/>
+                  </a:rPr>
+                  <a:t>Mean Normalization: </a:t>
+                </a:r>
+                <a14:m>
+                  <m:oMath xmlns:m="http://schemas.openxmlformats.org/officeDocument/2006/math">
+                    <m:r>
+                      <a:rPr lang="en-US" sz="2400" i="1" baseline="0">
+                        <a:solidFill>
+                          <a:schemeClr val="dk1"/>
+                        </a:solidFill>
+                        <a:effectLst/>
+                        <a:latin typeface="Cambria Math" panose="02040503050406030204" pitchFamily="18" charset="0"/>
+                        <a:ea typeface="+mn-ea"/>
+                        <a:cs typeface="+mn-cs"/>
+                      </a:rPr>
+                      <m:t>=</m:t>
+                    </m:r>
+                    <m:f>
+                      <m:fPr>
+                        <m:ctrlPr>
+                          <a:rPr lang="en-US" sz="2400" i="1" baseline="0">
+                            <a:solidFill>
+                              <a:schemeClr val="dk1"/>
+                            </a:solidFill>
+                            <a:effectLst/>
+                            <a:latin typeface="Cambria Math" panose="02040503050406030204" pitchFamily="18" charset="0"/>
+                            <a:ea typeface="+mn-ea"/>
+                            <a:cs typeface="+mn-cs"/>
+                          </a:rPr>
+                        </m:ctrlPr>
+                      </m:fPr>
+                      <m:num>
+                        <m:r>
+                          <a:rPr lang="en-US" sz="2400" b="0" i="1" baseline="0">
+                            <a:solidFill>
+                              <a:schemeClr val="dk1"/>
+                            </a:solidFill>
+                            <a:effectLst/>
+                            <a:latin typeface="Cambria Math" panose="02040503050406030204" pitchFamily="18" charset="0"/>
+                            <a:ea typeface="+mn-ea"/>
+                            <a:cs typeface="+mn-cs"/>
+                          </a:rPr>
+                          <m:t>𝑥</m:t>
+                        </m:r>
+                        <m:r>
+                          <a:rPr lang="en-US" sz="2400" b="0" i="1" baseline="0">
+                            <a:solidFill>
+                              <a:schemeClr val="dk1"/>
+                            </a:solidFill>
+                            <a:effectLst/>
+                            <a:latin typeface="Cambria Math" panose="02040503050406030204" pitchFamily="18" charset="0"/>
+                            <a:ea typeface="+mn-ea"/>
+                            <a:cs typeface="+mn-cs"/>
+                          </a:rPr>
+                          <m:t> −</m:t>
+                        </m:r>
+                        <m:r>
+                          <a:rPr lang="en-US" sz="2400" b="0" i="1" baseline="0">
+                            <a:solidFill>
+                              <a:schemeClr val="dk1"/>
+                            </a:solidFill>
+                            <a:effectLst/>
+                            <a:latin typeface="Cambria Math" panose="02040503050406030204" pitchFamily="18" charset="0"/>
+                            <a:ea typeface="+mn-ea"/>
+                            <a:cs typeface="+mn-cs"/>
+                          </a:rPr>
+                          <m:t>𝐴𝑣𝑒𝑟𝑎𝑔𝑒</m:t>
+                        </m:r>
+                        <m:r>
+                          <a:rPr lang="en-US" sz="2400" b="0" i="1" baseline="0">
+                            <a:solidFill>
+                              <a:schemeClr val="dk1"/>
+                            </a:solidFill>
+                            <a:effectLst/>
+                            <a:latin typeface="Cambria Math" panose="02040503050406030204" pitchFamily="18" charset="0"/>
+                            <a:ea typeface="+mn-ea"/>
+                            <a:cs typeface="+mn-cs"/>
+                          </a:rPr>
+                          <m:t>[</m:t>
+                        </m:r>
+                        <m:r>
+                          <a:rPr lang="en-US" sz="2400" b="0" i="1" baseline="0">
+                            <a:solidFill>
+                              <a:schemeClr val="dk1"/>
+                            </a:solidFill>
+                            <a:effectLst/>
+                            <a:latin typeface="Cambria Math" panose="02040503050406030204" pitchFamily="18" charset="0"/>
+                            <a:ea typeface="+mn-ea"/>
+                            <a:cs typeface="+mn-cs"/>
+                          </a:rPr>
+                          <m:t>𝑋</m:t>
+                        </m:r>
+                        <m:r>
+                          <a:rPr lang="en-US" sz="2400" b="0" i="1" baseline="0">
+                            <a:solidFill>
+                              <a:schemeClr val="dk1"/>
+                            </a:solidFill>
+                            <a:effectLst/>
+                            <a:latin typeface="Cambria Math" panose="02040503050406030204" pitchFamily="18" charset="0"/>
+                            <a:ea typeface="+mn-ea"/>
+                            <a:cs typeface="+mn-cs"/>
+                          </a:rPr>
+                          <m:t>]</m:t>
+                        </m:r>
+                      </m:num>
+                      <m:den>
+                        <m:r>
+                          <a:rPr lang="en-US" sz="2400" b="0" i="1" baseline="0">
+                            <a:solidFill>
+                              <a:schemeClr val="dk1"/>
+                            </a:solidFill>
+                            <a:effectLst/>
+                            <a:latin typeface="Cambria Math" panose="02040503050406030204" pitchFamily="18" charset="0"/>
+                            <a:ea typeface="+mn-ea"/>
+                            <a:cs typeface="+mn-cs"/>
+                          </a:rPr>
+                          <m:t>𝑀𝑎𝑥</m:t>
+                        </m:r>
+                        <m:d>
+                          <m:dPr>
+                            <m:begChr m:val="["/>
+                            <m:endChr m:val="]"/>
+                            <m:ctrlPr>
+                              <a:rPr lang="en-US" sz="2400" b="0" i="1" baseline="0">
+                                <a:solidFill>
+                                  <a:schemeClr val="dk1"/>
+                                </a:solidFill>
+                                <a:effectLst/>
+                                <a:latin typeface="Cambria Math" panose="02040503050406030204" pitchFamily="18" charset="0"/>
+                                <a:ea typeface="+mn-ea"/>
+                                <a:cs typeface="+mn-cs"/>
+                              </a:rPr>
+                            </m:ctrlPr>
+                          </m:dPr>
+                          <m:e>
+                            <m:r>
+                              <a:rPr lang="en-US" sz="2400" b="0" i="1" baseline="0">
+                                <a:solidFill>
+                                  <a:schemeClr val="dk1"/>
+                                </a:solidFill>
+                                <a:effectLst/>
+                                <a:latin typeface="Cambria Math" panose="02040503050406030204" pitchFamily="18" charset="0"/>
+                                <a:ea typeface="+mn-ea"/>
+                                <a:cs typeface="+mn-cs"/>
+                              </a:rPr>
+                              <m:t>𝑋</m:t>
+                            </m:r>
+                          </m:e>
+                        </m:d>
+                        <m:r>
+                          <a:rPr lang="en-US" sz="2400" b="0" i="1" baseline="0">
+                            <a:solidFill>
+                              <a:schemeClr val="dk1"/>
+                            </a:solidFill>
+                            <a:effectLst/>
+                            <a:latin typeface="Cambria Math" panose="02040503050406030204" pitchFamily="18" charset="0"/>
+                            <a:ea typeface="+mn-ea"/>
+                            <a:cs typeface="+mn-cs"/>
+                          </a:rPr>
+                          <m:t>−</m:t>
+                        </m:r>
+                        <m:r>
+                          <a:rPr lang="en-US" sz="2400" b="0" i="1" baseline="0">
+                            <a:solidFill>
+                              <a:schemeClr val="dk1"/>
+                            </a:solidFill>
+                            <a:effectLst/>
+                            <a:latin typeface="Cambria Math" panose="02040503050406030204" pitchFamily="18" charset="0"/>
+                            <a:ea typeface="+mn-ea"/>
+                            <a:cs typeface="+mn-cs"/>
+                          </a:rPr>
+                          <m:t>𝑀𝑖𝑛</m:t>
+                        </m:r>
+                        <m:r>
+                          <a:rPr lang="en-US" sz="2400" b="0" i="1" baseline="0">
+                            <a:solidFill>
+                              <a:schemeClr val="dk1"/>
+                            </a:solidFill>
+                            <a:effectLst/>
+                            <a:latin typeface="Cambria Math" panose="02040503050406030204" pitchFamily="18" charset="0"/>
+                            <a:ea typeface="+mn-ea"/>
+                            <a:cs typeface="+mn-cs"/>
+                          </a:rPr>
+                          <m:t>[</m:t>
+                        </m:r>
+                        <m:r>
+                          <a:rPr lang="en-US" sz="2400" b="0" i="1" baseline="0">
+                            <a:solidFill>
+                              <a:schemeClr val="dk1"/>
+                            </a:solidFill>
+                            <a:effectLst/>
+                            <a:latin typeface="Cambria Math" panose="02040503050406030204" pitchFamily="18" charset="0"/>
+                            <a:ea typeface="+mn-ea"/>
+                            <a:cs typeface="+mn-cs"/>
+                          </a:rPr>
+                          <m:t>𝑋</m:t>
+                        </m:r>
+                        <m:r>
+                          <a:rPr lang="en-US" sz="2400" b="0" i="1" baseline="0">
+                            <a:solidFill>
+                              <a:schemeClr val="dk1"/>
+                            </a:solidFill>
+                            <a:effectLst/>
+                            <a:latin typeface="Cambria Math" panose="02040503050406030204" pitchFamily="18" charset="0"/>
+                            <a:ea typeface="+mn-ea"/>
+                            <a:cs typeface="+mn-cs"/>
+                          </a:rPr>
+                          <m:t>]</m:t>
+                        </m:r>
+                      </m:den>
+                    </m:f>
+                  </m:oMath>
+                </a14:m>
+                <a:endParaRPr lang="en-US" altLang="en-US" sz="2400" dirty="0">
+                  <a:latin typeface="+mj-lt"/>
+                </a:endParaRPr>
+              </a:p>
+              <a:p>
+                <a:pPr marL="0" indent="0" eaLnBrk="1" hangingPunct="1">
+                  <a:lnSpc>
+                    <a:spcPct val="90000"/>
+                  </a:lnSpc>
+                  <a:buNone/>
+                </a:pPr>
+                <a:endParaRPr lang="en-US" altLang="en-US" sz="2400" dirty="0">
+                  <a:latin typeface="+mj-lt"/>
+                </a:endParaRPr>
+              </a:p>
+              <a:p>
+                <a:pPr marL="0" indent="0" eaLnBrk="1" hangingPunct="1">
+                  <a:lnSpc>
+                    <a:spcPct val="90000"/>
+                  </a:lnSpc>
+                  <a:buNone/>
+                </a:pPr>
+                <a:r>
+                  <a:rPr lang="en-US" sz="2400" baseline="0" dirty="0">
+                    <a:solidFill>
+                      <a:schemeClr val="dk1"/>
+                    </a:solidFill>
+                    <a:effectLst/>
+                    <a:latin typeface="+mn-lt"/>
+                    <a:ea typeface="+mn-ea"/>
+                    <a:cs typeface="+mn-cs"/>
+                  </a:rPr>
+                  <a:t>Standardization (Z score): </a:t>
+                </a:r>
+                <a14:m>
+                  <m:oMath xmlns:m="http://schemas.openxmlformats.org/officeDocument/2006/math">
+                    <m:r>
+                      <a:rPr lang="en-US" sz="2400" i="1" baseline="0">
+                        <a:solidFill>
+                          <a:schemeClr val="dk1"/>
+                        </a:solidFill>
+                        <a:effectLst/>
+                        <a:latin typeface="Cambria Math" panose="02040503050406030204" pitchFamily="18" charset="0"/>
+                        <a:ea typeface="+mn-ea"/>
+                        <a:cs typeface="+mn-cs"/>
+                      </a:rPr>
+                      <m:t>=</m:t>
+                    </m:r>
+                    <m:f>
+                      <m:fPr>
+                        <m:ctrlPr>
+                          <a:rPr lang="en-US" sz="2400" i="1" baseline="0">
+                            <a:solidFill>
+                              <a:schemeClr val="dk1"/>
+                            </a:solidFill>
+                            <a:effectLst/>
+                            <a:latin typeface="Cambria Math" panose="02040503050406030204" pitchFamily="18" charset="0"/>
+                            <a:ea typeface="+mn-ea"/>
+                            <a:cs typeface="+mn-cs"/>
+                          </a:rPr>
+                        </m:ctrlPr>
+                      </m:fPr>
+                      <m:num>
+                        <m:r>
+                          <a:rPr lang="en-US" sz="2400" b="0" i="1" baseline="0">
+                            <a:solidFill>
+                              <a:schemeClr val="dk1"/>
+                            </a:solidFill>
+                            <a:effectLst/>
+                            <a:latin typeface="Cambria Math" panose="02040503050406030204" pitchFamily="18" charset="0"/>
+                            <a:ea typeface="+mn-ea"/>
+                            <a:cs typeface="+mn-cs"/>
+                          </a:rPr>
+                          <m:t>𝑥</m:t>
+                        </m:r>
+                        <m:r>
+                          <a:rPr lang="en-US" sz="2400" b="0" i="1" baseline="0">
+                            <a:solidFill>
+                              <a:schemeClr val="dk1"/>
+                            </a:solidFill>
+                            <a:effectLst/>
+                            <a:latin typeface="Cambria Math" panose="02040503050406030204" pitchFamily="18" charset="0"/>
+                            <a:ea typeface="+mn-ea"/>
+                            <a:cs typeface="+mn-cs"/>
+                          </a:rPr>
+                          <m:t> −</m:t>
+                        </m:r>
+                        <m:r>
+                          <a:rPr lang="en-US" sz="2400" b="0" i="1" baseline="0">
+                            <a:solidFill>
+                              <a:schemeClr val="dk1"/>
+                            </a:solidFill>
+                            <a:effectLst/>
+                            <a:latin typeface="Cambria Math" panose="02040503050406030204" pitchFamily="18" charset="0"/>
+                            <a:ea typeface="+mn-ea"/>
+                            <a:cs typeface="+mn-cs"/>
+                          </a:rPr>
+                          <m:t>𝐴𝑣𝑒𝑟𝑎𝑔𝑒</m:t>
+                        </m:r>
+                        <m:r>
+                          <a:rPr lang="en-US" sz="2400" b="0" i="1" baseline="0">
+                            <a:solidFill>
+                              <a:schemeClr val="dk1"/>
+                            </a:solidFill>
+                            <a:effectLst/>
+                            <a:latin typeface="Cambria Math" panose="02040503050406030204" pitchFamily="18" charset="0"/>
+                            <a:ea typeface="+mn-ea"/>
+                            <a:cs typeface="+mn-cs"/>
+                          </a:rPr>
+                          <m:t>[</m:t>
+                        </m:r>
+                        <m:r>
+                          <a:rPr lang="en-US" sz="2400" b="0" i="1" baseline="0">
+                            <a:solidFill>
+                              <a:schemeClr val="dk1"/>
+                            </a:solidFill>
+                            <a:effectLst/>
+                            <a:latin typeface="Cambria Math" panose="02040503050406030204" pitchFamily="18" charset="0"/>
+                            <a:ea typeface="+mn-ea"/>
+                            <a:cs typeface="+mn-cs"/>
+                          </a:rPr>
+                          <m:t>𝑋</m:t>
+                        </m:r>
+                        <m:r>
+                          <a:rPr lang="en-US" sz="2400" b="0" i="1" baseline="0">
+                            <a:solidFill>
+                              <a:schemeClr val="dk1"/>
+                            </a:solidFill>
+                            <a:effectLst/>
+                            <a:latin typeface="Cambria Math" panose="02040503050406030204" pitchFamily="18" charset="0"/>
+                            <a:ea typeface="+mn-ea"/>
+                            <a:cs typeface="+mn-cs"/>
+                          </a:rPr>
+                          <m:t>]</m:t>
+                        </m:r>
+                      </m:num>
+                      <m:den>
+                        <m:r>
+                          <a:rPr lang="en-US" sz="2400" b="0" i="1" baseline="0">
+                            <a:solidFill>
+                              <a:schemeClr val="dk1"/>
+                            </a:solidFill>
+                            <a:effectLst/>
+                            <a:latin typeface="Cambria Math" panose="02040503050406030204" pitchFamily="18" charset="0"/>
+                            <a:ea typeface="+mn-ea"/>
+                            <a:cs typeface="+mn-cs"/>
+                          </a:rPr>
+                          <m:t>𝑆𝑡𝑎𝑛𝑑𝑎𝑟𝑑</m:t>
+                        </m:r>
+                        <m:r>
+                          <a:rPr lang="en-US" sz="2400" b="0" i="1" baseline="0">
+                            <a:solidFill>
+                              <a:schemeClr val="dk1"/>
+                            </a:solidFill>
+                            <a:effectLst/>
+                            <a:latin typeface="Cambria Math" panose="02040503050406030204" pitchFamily="18" charset="0"/>
+                            <a:ea typeface="+mn-ea"/>
+                            <a:cs typeface="+mn-cs"/>
+                          </a:rPr>
+                          <m:t> </m:t>
+                        </m:r>
+                        <m:r>
+                          <a:rPr lang="en-US" sz="2400" b="0" i="1" baseline="0">
+                            <a:solidFill>
+                              <a:schemeClr val="dk1"/>
+                            </a:solidFill>
+                            <a:effectLst/>
+                            <a:latin typeface="Cambria Math" panose="02040503050406030204" pitchFamily="18" charset="0"/>
+                            <a:ea typeface="+mn-ea"/>
+                            <a:cs typeface="+mn-cs"/>
+                          </a:rPr>
+                          <m:t>𝐷𝑒𝑣𝑖𝑎𝑡𝑖𝑜𝑛</m:t>
+                        </m:r>
+                        <m:r>
+                          <a:rPr lang="en-US" sz="2400" b="0" i="1" baseline="0">
+                            <a:solidFill>
+                              <a:schemeClr val="dk1"/>
+                            </a:solidFill>
+                            <a:effectLst/>
+                            <a:latin typeface="Cambria Math" panose="02040503050406030204" pitchFamily="18" charset="0"/>
+                            <a:ea typeface="+mn-ea"/>
+                            <a:cs typeface="+mn-cs"/>
+                          </a:rPr>
+                          <m:t> [</m:t>
+                        </m:r>
+                        <m:r>
+                          <a:rPr lang="en-US" sz="2400" b="0" i="1" baseline="0">
+                            <a:solidFill>
+                              <a:schemeClr val="dk1"/>
+                            </a:solidFill>
+                            <a:effectLst/>
+                            <a:latin typeface="Cambria Math" panose="02040503050406030204" pitchFamily="18" charset="0"/>
+                            <a:ea typeface="+mn-ea"/>
+                            <a:cs typeface="+mn-cs"/>
+                          </a:rPr>
+                          <m:t>𝑋</m:t>
+                        </m:r>
+                        <m:r>
+                          <a:rPr lang="en-US" sz="2400" b="0" i="1" baseline="0">
+                            <a:solidFill>
+                              <a:schemeClr val="dk1"/>
+                            </a:solidFill>
+                            <a:effectLst/>
+                            <a:latin typeface="Cambria Math" panose="02040503050406030204" pitchFamily="18" charset="0"/>
+                            <a:ea typeface="+mn-ea"/>
+                            <a:cs typeface="+mn-cs"/>
+                          </a:rPr>
+                          <m:t>]</m:t>
+                        </m:r>
+                      </m:den>
+                    </m:f>
+                  </m:oMath>
+                </a14:m>
+                <a:endParaRPr lang="en-US" altLang="en-US" sz="2400" dirty="0">
+                  <a:latin typeface="+mj-lt"/>
+                </a:endParaRPr>
+              </a:p>
+              <a:p>
+                <a:pPr marL="0" indent="0" eaLnBrk="1" hangingPunct="1">
+                  <a:lnSpc>
+                    <a:spcPct val="90000"/>
+                  </a:lnSpc>
+                  <a:buNone/>
+                </a:pPr>
+                <a:r>
+                  <a:rPr lang="en-US" sz="1600" dirty="0"/>
+                  <a:t>Note:</a:t>
+                </a:r>
+                <a:r>
+                  <a:rPr lang="en-US" sz="1600" baseline="0" dirty="0"/>
+                  <a:t> Most Common</a:t>
+                </a:r>
+              </a:p>
+              <a:p>
+                <a:pPr marL="0" indent="0" eaLnBrk="1" hangingPunct="1">
+                  <a:lnSpc>
+                    <a:spcPct val="90000"/>
+                  </a:lnSpc>
+                  <a:buNone/>
+                </a:pPr>
+                <a:endParaRPr lang="en-US" altLang="en-US" sz="2400" dirty="0">
+                  <a:latin typeface="+mj-lt"/>
+                </a:endParaRPr>
+              </a:p>
+              <a:p>
+                <a:pPr marL="0" indent="0" eaLnBrk="1" hangingPunct="1">
+                  <a:lnSpc>
+                    <a:spcPct val="90000"/>
+                  </a:lnSpc>
+                  <a:buNone/>
+                </a:pPr>
+                <a:r>
+                  <a:rPr lang="en-US" sz="2400" baseline="0" dirty="0">
+                    <a:solidFill>
+                      <a:schemeClr val="dk1"/>
+                    </a:solidFill>
+                    <a:effectLst/>
+                    <a:latin typeface="+mn-lt"/>
+                    <a:ea typeface="+mn-ea"/>
+                    <a:cs typeface="+mn-cs"/>
+                  </a:rPr>
+                  <a:t>S</a:t>
+                </a:r>
+                <a14:m>
+                  <m:oMath xmlns:m="http://schemas.openxmlformats.org/officeDocument/2006/math">
+                    <m:r>
+                      <m:rPr>
+                        <m:sty m:val="p"/>
+                      </m:rPr>
+                      <a:rPr lang="en-US" sz="2400" b="0" i="0" baseline="0">
+                        <a:solidFill>
+                          <a:schemeClr val="dk1"/>
+                        </a:solidFill>
+                        <a:effectLst/>
+                        <a:latin typeface="Cambria Math" panose="02040503050406030204" pitchFamily="18" charset="0"/>
+                        <a:ea typeface="+mn-ea"/>
+                        <a:cs typeface="+mn-cs"/>
+                      </a:rPr>
+                      <m:t>cale</m:t>
+                    </m:r>
+                    <m:r>
+                      <a:rPr lang="en-US" sz="2400" b="0" i="0" baseline="0">
+                        <a:solidFill>
+                          <a:schemeClr val="dk1"/>
+                        </a:solidFill>
+                        <a:effectLst/>
+                        <a:latin typeface="Cambria Math" panose="02040503050406030204" pitchFamily="18" charset="0"/>
+                        <a:ea typeface="+mn-ea"/>
+                        <a:cs typeface="+mn-cs"/>
+                      </a:rPr>
+                      <m:t> </m:t>
+                    </m:r>
+                    <m:r>
+                      <m:rPr>
+                        <m:sty m:val="p"/>
+                      </m:rPr>
+                      <a:rPr lang="en-US" sz="2400" b="0" i="0" baseline="0">
+                        <a:solidFill>
+                          <a:schemeClr val="dk1"/>
+                        </a:solidFill>
+                        <a:effectLst/>
+                        <a:latin typeface="Cambria Math" panose="02040503050406030204" pitchFamily="18" charset="0"/>
+                        <a:ea typeface="+mn-ea"/>
+                        <a:cs typeface="+mn-cs"/>
+                      </a:rPr>
+                      <m:t>to</m:t>
+                    </m:r>
+                    <m:r>
+                      <a:rPr lang="en-US" sz="2400" b="0" i="0" baseline="0">
+                        <a:solidFill>
+                          <a:schemeClr val="dk1"/>
+                        </a:solidFill>
+                        <a:effectLst/>
+                        <a:latin typeface="Cambria Math" panose="02040503050406030204" pitchFamily="18" charset="0"/>
+                        <a:ea typeface="+mn-ea"/>
+                        <a:cs typeface="+mn-cs"/>
+                      </a:rPr>
+                      <m:t> </m:t>
+                    </m:r>
+                    <m:r>
+                      <m:rPr>
+                        <m:sty m:val="p"/>
+                      </m:rPr>
+                      <a:rPr lang="en-US" sz="2400" b="0" i="0" baseline="0">
+                        <a:solidFill>
+                          <a:schemeClr val="dk1"/>
+                        </a:solidFill>
+                        <a:effectLst/>
+                        <a:latin typeface="Cambria Math" panose="02040503050406030204" pitchFamily="18" charset="0"/>
+                        <a:ea typeface="+mn-ea"/>
+                        <a:cs typeface="+mn-cs"/>
+                      </a:rPr>
+                      <m:t>unit</m:t>
+                    </m:r>
+                    <m:r>
+                      <a:rPr lang="en-US" sz="2400" b="0" i="0" baseline="0">
+                        <a:solidFill>
+                          <a:schemeClr val="dk1"/>
+                        </a:solidFill>
+                        <a:effectLst/>
+                        <a:latin typeface="Cambria Math" panose="02040503050406030204" pitchFamily="18" charset="0"/>
+                        <a:ea typeface="+mn-ea"/>
+                        <a:cs typeface="+mn-cs"/>
+                      </a:rPr>
+                      <m:t> </m:t>
+                    </m:r>
+                    <m:r>
+                      <m:rPr>
+                        <m:sty m:val="p"/>
+                      </m:rPr>
+                      <a:rPr lang="en-US" sz="2400" b="0" i="0" baseline="0">
+                        <a:solidFill>
+                          <a:schemeClr val="dk1"/>
+                        </a:solidFill>
+                        <a:effectLst/>
+                        <a:latin typeface="Cambria Math" panose="02040503050406030204" pitchFamily="18" charset="0"/>
+                        <a:ea typeface="+mn-ea"/>
+                        <a:cs typeface="+mn-cs"/>
+                      </a:rPr>
+                      <m:t>length</m:t>
+                    </m:r>
+                    <m:r>
+                      <a:rPr lang="en-US" sz="2400" i="1" baseline="0">
+                        <a:solidFill>
+                          <a:schemeClr val="dk1"/>
+                        </a:solidFill>
+                        <a:effectLst/>
+                        <a:latin typeface="Cambria Math" panose="02040503050406030204" pitchFamily="18" charset="0"/>
+                        <a:ea typeface="+mn-ea"/>
+                        <a:cs typeface="+mn-cs"/>
+                      </a:rPr>
+                      <m:t>=</m:t>
+                    </m:r>
+                    <m:f>
+                      <m:fPr>
+                        <m:ctrlPr>
+                          <a:rPr lang="en-US" sz="2400" i="1" baseline="0">
+                            <a:solidFill>
+                              <a:schemeClr val="dk1"/>
+                            </a:solidFill>
+                            <a:effectLst/>
+                            <a:latin typeface="Cambria Math" panose="02040503050406030204" pitchFamily="18" charset="0"/>
+                            <a:ea typeface="+mn-ea"/>
+                            <a:cs typeface="+mn-cs"/>
+                          </a:rPr>
+                        </m:ctrlPr>
+                      </m:fPr>
+                      <m:num>
+                        <m:r>
+                          <a:rPr lang="en-US" sz="2400" b="0" i="1" baseline="0">
+                            <a:solidFill>
+                              <a:schemeClr val="dk1"/>
+                            </a:solidFill>
+                            <a:effectLst/>
+                            <a:latin typeface="Cambria Math" panose="02040503050406030204" pitchFamily="18" charset="0"/>
+                            <a:ea typeface="+mn-ea"/>
+                            <a:cs typeface="+mn-cs"/>
+                          </a:rPr>
+                          <m:t>𝑥</m:t>
+                        </m:r>
+                      </m:num>
+                      <m:den>
+                        <m:r>
+                          <a:rPr lang="en-US" sz="2400" b="0" i="1" baseline="0">
+                            <a:solidFill>
+                              <a:schemeClr val="dk1"/>
+                            </a:solidFill>
+                            <a:effectLst/>
+                            <a:latin typeface="Cambria Math" panose="02040503050406030204" pitchFamily="18" charset="0"/>
+                            <a:ea typeface="+mn-ea"/>
+                            <a:cs typeface="+mn-cs"/>
+                          </a:rPr>
+                          <m:t>𝐿𝑒𝑛𝑔𝑡h</m:t>
+                        </m:r>
+                        <m:d>
+                          <m:dPr>
+                            <m:begChr m:val="["/>
+                            <m:endChr m:val="]"/>
+                            <m:ctrlPr>
+                              <a:rPr lang="en-US" sz="2400" b="0" i="1" baseline="0">
+                                <a:solidFill>
+                                  <a:schemeClr val="dk1"/>
+                                </a:solidFill>
+                                <a:effectLst/>
+                                <a:latin typeface="Cambria Math" panose="02040503050406030204" pitchFamily="18" charset="0"/>
+                                <a:ea typeface="+mn-ea"/>
+                                <a:cs typeface="+mn-cs"/>
+                              </a:rPr>
+                            </m:ctrlPr>
+                          </m:dPr>
+                          <m:e>
+                            <m:r>
+                              <a:rPr lang="en-US" sz="2400" b="0" i="1" baseline="0">
+                                <a:solidFill>
+                                  <a:schemeClr val="dk1"/>
+                                </a:solidFill>
+                                <a:effectLst/>
+                                <a:latin typeface="Cambria Math" panose="02040503050406030204" pitchFamily="18" charset="0"/>
+                                <a:ea typeface="+mn-ea"/>
+                                <a:cs typeface="+mn-cs"/>
+                              </a:rPr>
+                              <m:t>𝑋</m:t>
+                            </m:r>
+                          </m:e>
+                        </m:d>
+                        <m:r>
+                          <a:rPr lang="en-US" sz="2400" b="0" i="1" baseline="0">
+                            <a:solidFill>
+                              <a:schemeClr val="dk1"/>
+                            </a:solidFill>
+                            <a:effectLst/>
+                            <a:latin typeface="Cambria Math" panose="02040503050406030204" pitchFamily="18" charset="0"/>
+                            <a:ea typeface="+mn-ea"/>
+                            <a:cs typeface="+mn-cs"/>
+                          </a:rPr>
+                          <m:t>𝑛</m:t>
+                        </m:r>
+                      </m:den>
+                    </m:f>
+                  </m:oMath>
+                </a14:m>
+                <a:endParaRPr lang="en-US" altLang="en-US" sz="2400" dirty="0">
+                  <a:latin typeface="+mj-lt"/>
+                </a:endParaRPr>
+              </a:p>
+            </p:txBody>
+          </p:sp>
+        </mc:Choice>
+        <mc:Fallback xmlns="">
+          <p:sp>
+            <p:nvSpPr>
+              <p:cNvPr id="17411" name="Content Placeholder 2"/>
+              <p:cNvSpPr>
+                <a:spLocks noGrp="1" noRot="1" noChangeAspect="1" noMove="1" noResize="1" noEditPoints="1" noAdjustHandles="1" noChangeArrowheads="1" noChangeShapeType="1" noTextEdit="1"/>
+              </p:cNvSpPr>
+              <p:nvPr>
+                <p:ph idx="1"/>
+              </p:nvPr>
+            </p:nvSpPr>
+            <p:spPr>
+              <a:xfrm>
+                <a:off x="419100" y="1676400"/>
+                <a:ext cx="11353800" cy="4267200"/>
+              </a:xfrm>
+              <a:blipFill>
+                <a:blip r:embed="rId2"/>
+                <a:stretch>
+                  <a:fillRect l="-859" b="-1714"/>
+                </a:stretch>
+              </a:blipFill>
+            </p:spPr>
+            <p:txBody>
+              <a:bodyPr/>
+              <a:lstStyle/>
+              <a:p>
+                <a:r>
+                  <a:rPr lang="en-US">
+                    <a:noFill/>
+                  </a:rPr>
+                  <a:t> </a:t>
+                </a:r>
+              </a:p>
+            </p:txBody>
+          </p:sp>
+        </mc:Fallback>
+      </mc:AlternateContent>
+    </p:spTree>
+    <p:extLst>
+      <p:ext uri="{BB962C8B-B14F-4D97-AF65-F5344CB8AC3E}">
+        <p14:creationId xmlns:p14="http://schemas.microsoft.com/office/powerpoint/2010/main" val="81457343"/>
+      </p:ext>
+    </p:extLst>
+  </p:cSld>
+  <p:clrMapOvr>
+    <a:masterClrMapping/>
+  </p:clrMapOvr>
+</p:sld>
+</file>
+
+<file path=ppt/slides/slide24.xml><?xml version="1.0" encoding="utf-8"?>
+<p:sld xmlns:a="http://schemas.openxmlformats.org/drawingml/2006/main" xmlns:r="http://schemas.openxmlformats.org/officeDocument/2006/relationships" xmlns:p="http://schemas.openxmlformats.org/presentationml/2006/main">
+  <p:cSld>
+    <p:spTree>
+      <p:nvGrpSpPr>
+        <p:cNvPr id="1" name=""/>
+        <p:cNvGrpSpPr/>
+        <p:nvPr/>
+      </p:nvGrpSpPr>
+      <p:grpSpPr>
+        <a:xfrm>
+          <a:off x="0" y="0"/>
+          <a:ext cx="0" cy="0"/>
+          <a:chOff x="0" y="0"/>
+          <a:chExt cx="0" cy="0"/>
+        </a:xfrm>
+      </p:grpSpPr>
+      <p:sp>
+        <p:nvSpPr>
+          <p:cNvPr id="17410" name="Title 1"/>
+          <p:cNvSpPr>
+            <a:spLocks noGrp="1"/>
+          </p:cNvSpPr>
+          <p:nvPr>
+            <p:ph type="title" idx="4294967295"/>
+          </p:nvPr>
+        </p:nvSpPr>
+        <p:spPr bwMode="auto">
+          <a:xfrm>
+            <a:off x="76200" y="76200"/>
+            <a:ext cx="12039600" cy="685800"/>
+          </a:xfrm>
+          <a:prstGeom prst="rect">
+            <a:avLst/>
+          </a:prstGeom>
+          <a:noFill/>
+          <a:extLst>
+            <a:ext uri="{909E8E84-426E-40DD-AFC4-6F175D3DCCD1}">
+              <a14:hiddenFill xmlns:a14="http://schemas.microsoft.com/office/drawing/2010/main">
+                <a:solidFill>
+                  <a:srgbClr val="FFFFFF"/>
+                </a:solidFill>
+              </a14:hiddenFill>
+            </a:ext>
+            <a:ext uri="{91240B29-F687-4F45-9708-019B960494DF}">
+              <a14:hiddenLine xmlns:a14="http://schemas.microsoft.com/office/drawing/2010/main" w="9525">
+                <a:solidFill>
+                  <a:srgbClr val="000000"/>
+                </a:solidFill>
+                <a:miter lim="800000"/>
+                <a:headEnd/>
+                <a:tailEnd/>
+              </a14:hiddenLine>
+            </a:ext>
+          </a:extLst>
+        </p:spPr>
+        <p:txBody>
+          <a:bodyPr vert="horz" wrap="square" lIns="91440" tIns="45720" rIns="91440" bIns="45720" numCol="1" anchor="t" anchorCtr="0" compatLnSpc="1">
+            <a:prstTxWarp prst="textNoShape">
+              <a:avLst/>
+            </a:prstTxWarp>
+          </a:bodyPr>
+          <a:lstStyle/>
+          <a:p>
+            <a:pPr>
+              <a:defRPr/>
+            </a:pPr>
+            <a:r>
+              <a:rPr lang="en-US" altLang="en-US" sz="3600" dirty="0">
+                <a:solidFill>
+                  <a:schemeClr val="accent3"/>
+                </a:solidFill>
+                <a:latin typeface="Arial" panose="020B0604020202020204" pitchFamily="34" charset="0"/>
+              </a:rPr>
               <a:t>Z Values for Coordinates</a:t>
             </a:r>
           </a:p>
@@ -9441,7 +13743,7 @@
           <p:nvPr>
             <p:extLst>
               <p:ext uri="{D42A27DB-BD31-4B8C-83A1-F6EECF244321}">
-                <p14:modId xmlns:p14="http://schemas.microsoft.com/office/powerpoint/2010/main" val="2859187387"/>
+                <p14:modId xmlns:p14="http://schemas.microsoft.com/office/powerpoint/2010/main" val="2823178147"/>
               </p:ext>
             </p:extLst>
           </p:nvPr>
@@ -9578,7 +13880,7 @@
                           <a:effectLst/>
                           <a:latin typeface="+mj-lt"/>
                         </a:rPr>
-                        <a:t>-0.61</a:t>
+                        <a:t>-1.247</a:t>
                       </a:r>
                     </a:p>
                   </a:txBody>
@@ -9591,18 +13893,18 @@
                     <a:p>
                       <a:pPr algn="ctr" fontAlgn="b"/>
                       <a:r>
-                        <a:rPr lang="en-US" sz="1800" b="0" i="0" u="none" strike="noStrike">
+                        <a:rPr lang="en-US" sz="1800" b="0" i="0" u="none" strike="noStrike" dirty="0">
                           <a:solidFill>
                             <a:srgbClr val="000000"/>
                           </a:solidFill>
                           <a:effectLst/>
                           <a:latin typeface="+mj-lt"/>
                         </a:rPr>
-                        <a:t>-0.02</a:t>
+                        <a:t>-0.124</a:t>
                       </a:r>
                     </a:p>
                   </a:txBody>
-                  <a:tcPr marL="5443" marR="5443" marT="5443" marB="0" anchor="b"/>
+                  <a:tcPr marL="0" marR="0" marT="0" marB="0" anchor="b"/>
                 </a:tc>
                 <a:tc>
                   <a:txBody>
@@ -9653,7 +13955,7 @@
                           <a:effectLst/>
                           <a:latin typeface="+mj-lt"/>
                         </a:rPr>
-                        <a:t>-0.30</a:t>
+                        <a:t>-0.519</a:t>
                       </a:r>
                     </a:p>
                   </a:txBody>
@@ -9666,18 +13968,18 @@
                     <a:p>
                       <a:pPr algn="ctr" fontAlgn="b"/>
                       <a:r>
-                        <a:rPr lang="en-US" sz="1800" b="0" i="0" u="none" strike="noStrike">
+                        <a:rPr lang="en-US" sz="1800" b="0" i="0" u="none" strike="noStrike" dirty="0">
                           <a:solidFill>
                             <a:srgbClr val="000000"/>
                           </a:solidFill>
                           <a:effectLst/>
                           <a:latin typeface="+mj-lt"/>
                         </a:rPr>
-                        <a:t>-1.20</a:t>
+                        <a:t>-0.466</a:t>
                       </a:r>
                     </a:p>
                   </a:txBody>
-                  <a:tcPr marL="5443" marR="5443" marT="5443" marB="0" anchor="b"/>
+                  <a:tcPr marL="0" marR="0" marT="0" marB="0" anchor="b"/>
                 </a:tc>
                 <a:tc>
                   <a:txBody>
@@ -9728,7 +14030,7 @@
                           <a:effectLst/>
                           <a:latin typeface="+mj-lt"/>
                         </a:rPr>
-                        <a:t>-0.25</a:t>
+                        <a:t>-0.400</a:t>
                       </a:r>
                     </a:p>
                   </a:txBody>
@@ -9741,18 +14043,18 @@
                     <a:p>
                       <a:pPr algn="ctr" fontAlgn="b"/>
                       <a:r>
-                        <a:rPr lang="en-US" sz="1800" b="0" i="0" u="none" strike="noStrike">
+                        <a:rPr lang="en-US" sz="1800" b="0" i="0" u="none" strike="noStrike" dirty="0">
                           <a:solidFill>
                             <a:srgbClr val="000000"/>
                           </a:solidFill>
                           <a:effectLst/>
                           <a:latin typeface="+mj-lt"/>
                         </a:rPr>
-                        <a:t>0.86</a:t>
+                        <a:t> 0.901</a:t>
                       </a:r>
                     </a:p>
                   </a:txBody>
-                  <a:tcPr marL="5443" marR="5443" marT="5443" marB="0" anchor="b"/>
+                  <a:tcPr marL="0" marR="0" marT="0" marB="0" anchor="b"/>
                 </a:tc>
                 <a:tc>
                   <a:txBody>
@@ -9803,7 +14105,7 @@
                           <a:effectLst/>
                           <a:latin typeface="+mj-lt"/>
                         </a:rPr>
-                        <a:t>-0.57</a:t>
+                        <a:t>-1.145</a:t>
                       </a:r>
                     </a:p>
                   </a:txBody>
@@ -9823,11 +14125,11 @@
                           <a:effectLst/>
                           <a:latin typeface="+mj-lt"/>
                         </a:rPr>
-                        <a:t>0.96</a:t>
+                        <a:t> 1.015</a:t>
                       </a:r>
                     </a:p>
                   </a:txBody>
-                  <a:tcPr marL="5443" marR="5443" marT="5443" marB="0" anchor="b"/>
+                  <a:tcPr marL="0" marR="0" marT="0" marB="0" anchor="b"/>
                 </a:tc>
                 <a:tc>
                   <a:txBody>
@@ -9878,7 +14180,7 @@
                           <a:effectLst/>
                           <a:latin typeface="+mj-lt"/>
                         </a:rPr>
-                        <a:t>-0.57</a:t>
+                        <a:t>-1.161</a:t>
                       </a:r>
                     </a:p>
                   </a:txBody>
@@ -9898,11 +14200,11 @@
                           <a:effectLst/>
                           <a:latin typeface="+mj-lt"/>
                         </a:rPr>
-                        <a:t>0.18</a:t>
+                        <a:t> 0.104</a:t>
                       </a:r>
                     </a:p>
                   </a:txBody>
-                  <a:tcPr marL="5443" marR="5443" marT="5443" marB="0" anchor="b"/>
+                  <a:tcPr marL="0" marR="0" marT="0" marB="0" anchor="b"/>
                 </a:tc>
                 <a:tc>
                   <a:txBody>
@@ -9953,7 +14255,7 @@
                           <a:effectLst/>
                           <a:latin typeface="+mj-lt"/>
                         </a:rPr>
-                        <a:t>-0.62</a:t>
+                        <a:t>-0.250</a:t>
                       </a:r>
                     </a:p>
                   </a:txBody>
@@ -9973,11 +14275,11 @@
                           <a:effectLst/>
                           <a:latin typeface="+mj-lt"/>
                         </a:rPr>
-                        <a:t>-0.90</a:t>
+                        <a:t>-1.149</a:t>
                       </a:r>
                     </a:p>
                   </a:txBody>
-                  <a:tcPr marL="5443" marR="5443" marT="5443" marB="0" anchor="b"/>
+                  <a:tcPr marL="0" marR="0" marT="0" marB="0" anchor="b"/>
                 </a:tc>
                 <a:tc>
                   <a:txBody>
@@ -10028,7 +14330,7 @@
                           <a:effectLst/>
                           <a:latin typeface="+mj-lt"/>
                         </a:rPr>
-                        <a:t>-0.54</a:t>
+                        <a:t> 0.452</a:t>
                       </a:r>
                     </a:p>
                   </a:txBody>
@@ -10048,11 +14350,11 @@
                           <a:effectLst/>
                           <a:latin typeface="+mj-lt"/>
                         </a:rPr>
-                        <a:t>-0.71</a:t>
+                        <a:t>-0.124</a:t>
                       </a:r>
                     </a:p>
                   </a:txBody>
-                  <a:tcPr marL="5443" marR="5443" marT="5443" marB="0" anchor="b"/>
+                  <a:tcPr marL="0" marR="0" marT="0" marB="0" anchor="b"/>
                 </a:tc>
                 <a:tc>
                   <a:txBody>
@@ -10103,7 +14405,7 @@
                           <a:effectLst/>
                           <a:latin typeface="+mj-lt"/>
                         </a:rPr>
-                        <a:t>2.61</a:t>
+                        <a:t> 1.390</a:t>
                       </a:r>
                     </a:p>
                   </a:txBody>
@@ -10123,11 +14425,11 @@
                           <a:effectLst/>
                           <a:latin typeface="+mj-lt"/>
                         </a:rPr>
-                        <a:t>-0.31</a:t>
+                        <a:t>-0.466</a:t>
                       </a:r>
                     </a:p>
                   </a:txBody>
-                  <a:tcPr marL="5443" marR="5443" marT="5443" marB="0" anchor="b"/>
+                  <a:tcPr marL="0" marR="0" marT="0" marB="0" anchor="b"/>
                 </a:tc>
                 <a:tc>
                   <a:txBody>
@@ -10178,7 +14480,7 @@
                           <a:effectLst/>
                           <a:latin typeface="+mj-lt"/>
                         </a:rPr>
-                        <a:t>0.45</a:t>
+                        <a:t> 1.272</a:t>
                       </a:r>
                     </a:p>
                   </a:txBody>
@@ -10198,11 +14500,11 @@
                           <a:effectLst/>
                           <a:latin typeface="+mj-lt"/>
                         </a:rPr>
-                        <a:t>1.94</a:t>
+                        <a:t>  2.154</a:t>
                       </a:r>
                     </a:p>
                   </a:txBody>
-                  <a:tcPr marL="5443" marR="5443" marT="5443" marB="0" anchor="b"/>
+                  <a:tcPr marL="0" marR="0" marT="0" marB="0" anchor="b"/>
                 </a:tc>
                 <a:tc>
                   <a:txBody>
@@ -10253,7 +14555,7 @@
                           <a:effectLst/>
                           <a:latin typeface="+mj-lt"/>
                         </a:rPr>
-                        <a:t>0.40</a:t>
+                        <a:t> 1.155</a:t>
                       </a:r>
                     </a:p>
                   </a:txBody>
@@ -10273,11 +14575,11 @@
                           <a:effectLst/>
                           <a:latin typeface="+mj-lt"/>
                         </a:rPr>
-                        <a:t>-0.80</a:t>
+                        <a:t>-1.035</a:t>
                       </a:r>
                     </a:p>
                   </a:txBody>
-                  <a:tcPr marL="5443" marR="5443" marT="5443" marB="0" anchor="b"/>
+                  <a:tcPr marL="0" marR="0" marT="0" marB="0" anchor="b"/>
                 </a:tc>
                 <a:tc>
                   <a:txBody>
@@ -10316,7 +14618,7 @@
 </p:sld>
 </file>
 
-<file path=ppt/slides/slide2.xml><?xml version="1.0" encoding="utf-8"?>
+<file path=ppt/slides/slide25.xml><?xml version="1.0" encoding="utf-8"?>
 <p:sld xmlns:a="http://schemas.openxmlformats.org/drawingml/2006/main" xmlns:r="http://schemas.openxmlformats.org/officeDocument/2006/relationships" xmlns:p="http://schemas.openxmlformats.org/presentationml/2006/main">
   <p:cSld>
     <p:spTree>
@@ -10390,124 +14692,45 @@
                 </a:solidFill>
                 <a:latin typeface="Arial" panose="020B0604020202020204" pitchFamily="34" charset="0"/>
               </a:rPr>
-              <a:t>Time Planning</a:t>
+              <a:t>Z Score Plot</a:t>
             </a:r>
           </a:p>
         </p:txBody>
       </p:sp>
-      <p:sp>
-        <p:nvSpPr>
-          <p:cNvPr id="17411" name="Content Placeholder 2"/>
-          <p:cNvSpPr>
-            <a:spLocks noGrp="1"/>
-          </p:cNvSpPr>
+      <p:graphicFrame>
+        <p:nvGraphicFramePr>
+          <p:cNvPr id="4" name="Chart 3">
+            <a:extLst>
+              <a:ext uri="{FF2B5EF4-FFF2-40B4-BE49-F238E27FC236}">
+                <a16:creationId xmlns:a16="http://schemas.microsoft.com/office/drawing/2014/main" id="{1C03325C-4FAB-5A9E-75CE-00093BEB0A18}"/>
+              </a:ext>
+            </a:extLst>
+          </p:cNvPr>
+          <p:cNvGraphicFramePr/>
           <p:nvPr>
-            <p:ph idx="1"/>
+            <p:extLst>
+              <p:ext uri="{D42A27DB-BD31-4B8C-83A1-F6EECF244321}">
+                <p14:modId xmlns:p14="http://schemas.microsoft.com/office/powerpoint/2010/main" val="1950240412"/>
+              </p:ext>
+            </p:extLst>
           </p:nvPr>
-        </p:nvSpPr>
-        <p:spPr>
-          <a:xfrm>
-            <a:off x="419100" y="1676400"/>
-            <a:ext cx="11353800" cy="2667000"/>
-          </a:xfrm>
-        </p:spPr>
-        <p:txBody>
-          <a:bodyPr/>
-          <a:lstStyle/>
-          <a:p>
-            <a:pPr eaLnBrk="1" hangingPunct="1">
-              <a:lnSpc>
-                <a:spcPct val="90000"/>
-              </a:lnSpc>
-            </a:pPr>
-            <a:endParaRPr lang="en-US" altLang="en-US" sz="2400" dirty="0">
-              <a:latin typeface="+mj-lt"/>
-            </a:endParaRPr>
-          </a:p>
-          <a:p>
-            <a:pPr marL="0" indent="0" eaLnBrk="1" hangingPunct="1">
-              <a:lnSpc>
-                <a:spcPct val="90000"/>
-              </a:lnSpc>
-              <a:buNone/>
-            </a:pPr>
-            <a:r>
-              <a:rPr lang="en-US" altLang="en-US" sz="2400" dirty="0">
-                <a:latin typeface="+mj-lt"/>
-              </a:rPr>
-              <a:t>Part 1: 08:30-09:45 (1.25) [Supervised Machine Learning]</a:t>
-            </a:r>
-          </a:p>
-          <a:p>
-            <a:pPr marL="0" indent="0" eaLnBrk="1" hangingPunct="1">
-              <a:lnSpc>
-                <a:spcPct val="90000"/>
-              </a:lnSpc>
-              <a:buNone/>
-            </a:pPr>
-            <a:r>
-              <a:rPr lang="en-US" altLang="en-US" sz="2400" dirty="0">
-                <a:latin typeface="+mj-lt"/>
-              </a:rPr>
-              <a:t>Part 2: 10:00-11:00 (1.00) [Classification Exercise]</a:t>
-            </a:r>
-          </a:p>
-          <a:p>
-            <a:pPr marL="0" indent="0" eaLnBrk="1" hangingPunct="1">
-              <a:lnSpc>
-                <a:spcPct val="90000"/>
-              </a:lnSpc>
-              <a:buNone/>
-            </a:pPr>
-            <a:r>
-              <a:rPr lang="en-US" altLang="en-US" sz="2400" dirty="0">
-                <a:latin typeface="+mj-lt"/>
-              </a:rPr>
-              <a:t>Part 3: 11:15-12:00 (0.75) [Analytic Software Introduction]</a:t>
-            </a:r>
-          </a:p>
-          <a:p>
-            <a:pPr marL="0" indent="0" eaLnBrk="1" hangingPunct="1">
-              <a:lnSpc>
-                <a:spcPct val="90000"/>
-              </a:lnSpc>
-              <a:buNone/>
-            </a:pPr>
-            <a:r>
-              <a:rPr lang="en-US" altLang="en-US" sz="2400" dirty="0">
-                <a:latin typeface="+mj-lt"/>
-              </a:rPr>
-              <a:t>Lunch: 12:00-13:00</a:t>
-            </a:r>
-          </a:p>
-          <a:p>
-            <a:pPr marL="0" indent="0" eaLnBrk="1" hangingPunct="1">
-              <a:lnSpc>
-                <a:spcPct val="90000"/>
-              </a:lnSpc>
-              <a:buNone/>
-            </a:pPr>
-            <a:r>
-              <a:rPr lang="en-US" altLang="en-US" sz="2400" dirty="0">
-                <a:latin typeface="+mj-lt"/>
-              </a:rPr>
-              <a:t>Part 4: 13:30-14:30 (1.00) [Model Refinement &amp; Performance Evaluation]</a:t>
-            </a:r>
-          </a:p>
-          <a:p>
-            <a:pPr marL="0" indent="0" eaLnBrk="1" hangingPunct="1">
-              <a:lnSpc>
-                <a:spcPct val="90000"/>
-              </a:lnSpc>
-              <a:buNone/>
-            </a:pPr>
-            <a:endParaRPr lang="en-US" altLang="en-US" sz="2400" dirty="0">
-              <a:latin typeface="+mj-lt"/>
-            </a:endParaRPr>
-          </a:p>
-        </p:txBody>
-      </p:sp>
+        </p:nvGraphicFramePr>
+        <p:xfrm>
+          <a:off x="2032000" y="1295401"/>
+          <a:ext cx="8128000" cy="4648200"/>
+        </p:xfrm>
+        <a:graphic>
+          <a:graphicData uri="http://schemas.openxmlformats.org/drawingml/2006/chart">
+            <c:chart xmlns:c="http://schemas.openxmlformats.org/drawingml/2006/chart" xmlns:r="http://schemas.openxmlformats.org/officeDocument/2006/relationships" r:id="rId2"/>
+          </a:graphicData>
+        </a:graphic>
+      </p:graphicFrame>
     </p:spTree>
+    <p:extLst>
+      <p:ext uri="{BB962C8B-B14F-4D97-AF65-F5344CB8AC3E}">
+        <p14:creationId xmlns:p14="http://schemas.microsoft.com/office/powerpoint/2010/main" val="1235785976"/>
+      </p:ext>
+    </p:extLst>
   </p:cSld>
   <p:clrMapOvr>
     <a:masterClrMapping/>
@@ -10515,7 +14738,7 @@
 </p:sld>
 </file>
 
-<file path=ppt/slides/slide20.xml><?xml version="1.0" encoding="utf-8"?>
+<file path=ppt/slides/slide26.xml><?xml version="1.0" encoding="utf-8"?>
 <p:sld xmlns:a="http://schemas.openxmlformats.org/drawingml/2006/main" xmlns:r="http://schemas.openxmlformats.org/officeDocument/2006/relationships" xmlns:p="http://schemas.openxmlformats.org/presentationml/2006/main">
   <p:cSld>
     <p:spTree>
@@ -10582,496 +14805,6 @@
             <a:pPr>
               <a:defRPr/>
             </a:pPr>
-            <a:r>
-              <a:rPr lang="en-US" altLang="en-US" sz="3600" dirty="0">
-                <a:solidFill>
-                  <a:schemeClr val="accent3"/>
-                </a:solidFill>
-                <a:latin typeface="Arial" panose="020B0604020202020204" pitchFamily="34" charset="0"/>
-              </a:rPr>
-              <a:t>Plot in Excel</a:t>
-            </a:r>
-          </a:p>
-        </p:txBody>
-      </p:sp>
-      <p:graphicFrame>
-        <p:nvGraphicFramePr>
-          <p:cNvPr id="5" name="Chart 4">
-            <a:extLst>
-              <a:ext uri="{FF2B5EF4-FFF2-40B4-BE49-F238E27FC236}">
-                <a16:creationId xmlns:a16="http://schemas.microsoft.com/office/drawing/2014/main" id="{BA2590CC-4AF5-BB45-235D-41A555C8BE84}"/>
-              </a:ext>
-            </a:extLst>
-          </p:cNvPr>
-          <p:cNvGraphicFramePr>
-            <a:graphicFrameLocks/>
-          </p:cNvGraphicFramePr>
-          <p:nvPr>
-            <p:extLst>
-              <p:ext uri="{D42A27DB-BD31-4B8C-83A1-F6EECF244321}">
-                <p14:modId xmlns:p14="http://schemas.microsoft.com/office/powerpoint/2010/main" val="4247745776"/>
-              </p:ext>
-            </p:extLst>
-          </p:nvPr>
-        </p:nvGraphicFramePr>
-        <p:xfrm>
-          <a:off x="2743200" y="1409700"/>
-          <a:ext cx="6705600" cy="4038600"/>
-        </p:xfrm>
-        <a:graphic>
-          <a:graphicData uri="http://schemas.openxmlformats.org/drawingml/2006/chart">
-            <c:chart xmlns:c="http://schemas.openxmlformats.org/drawingml/2006/chart" xmlns:r="http://schemas.openxmlformats.org/officeDocument/2006/relationships" r:id="rId2"/>
-          </a:graphicData>
-        </a:graphic>
-      </p:graphicFrame>
-    </p:spTree>
-    <p:extLst>
-      <p:ext uri="{BB962C8B-B14F-4D97-AF65-F5344CB8AC3E}">
-        <p14:creationId xmlns:p14="http://schemas.microsoft.com/office/powerpoint/2010/main" val="1235785976"/>
-      </p:ext>
-    </p:extLst>
-  </p:cSld>
-  <p:clrMapOvr>
-    <a:masterClrMapping/>
-  </p:clrMapOvr>
-</p:sld>
-</file>
-
-<file path=ppt/slides/slide21.xml><?xml version="1.0" encoding="utf-8"?>
-<p:sld xmlns:a="http://schemas.openxmlformats.org/drawingml/2006/main" xmlns:r="http://schemas.openxmlformats.org/officeDocument/2006/relationships" xmlns:p="http://schemas.openxmlformats.org/presentationml/2006/main">
-  <p:cSld>
-    <p:spTree>
-      <p:nvGrpSpPr>
-        <p:cNvPr id="1" name=""/>
-        <p:cNvGrpSpPr/>
-        <p:nvPr/>
-      </p:nvGrpSpPr>
-      <p:grpSpPr>
-        <a:xfrm>
-          <a:off x="0" y="0"/>
-          <a:ext cx="0" cy="0"/>
-          <a:chOff x="0" y="0"/>
-          <a:chExt cx="0" cy="0"/>
-        </a:xfrm>
-      </p:grpSpPr>
-      <p:sp>
-        <p:nvSpPr>
-          <p:cNvPr id="17410" name="Title 1"/>
-          <p:cNvSpPr>
-            <a:spLocks noGrp="1"/>
-          </p:cNvSpPr>
-          <p:nvPr>
-            <p:ph type="title" idx="4294967295"/>
-          </p:nvPr>
-        </p:nvSpPr>
-        <p:spPr bwMode="auto">
-          <a:xfrm>
-            <a:off x="76200" y="76200"/>
-            <a:ext cx="12039600" cy="685800"/>
-          </a:xfrm>
-          <a:prstGeom prst="rect">
-            <a:avLst/>
-          </a:prstGeom>
-          <a:noFill/>
-          <a:extLst>
-            <a:ext uri="{909E8E84-426E-40DD-AFC4-6F175D3DCCD1}">
-              <a14:hiddenFill xmlns:a14="http://schemas.microsoft.com/office/drawing/2010/main">
-                <a:solidFill>
-                  <a:srgbClr val="FFFFFF"/>
-                </a:solidFill>
-              </a14:hiddenFill>
-            </a:ext>
-            <a:ext uri="{91240B29-F687-4F45-9708-019B960494DF}">
-              <a14:hiddenLine xmlns:a14="http://schemas.microsoft.com/office/drawing/2010/main" w="9525">
-                <a:solidFill>
-                  <a:srgbClr val="000000"/>
-                </a:solidFill>
-                <a:miter lim="800000"/>
-                <a:headEnd/>
-                <a:tailEnd/>
-              </a14:hiddenLine>
-            </a:ext>
-          </a:extLst>
-        </p:spPr>
-        <p:txBody>
-          <a:bodyPr vert="horz" wrap="square" lIns="91440" tIns="45720" rIns="91440" bIns="45720" numCol="1" anchor="t" anchorCtr="0" compatLnSpc="1">
-            <a:prstTxWarp prst="textNoShape">
-              <a:avLst/>
-            </a:prstTxWarp>
-          </a:bodyPr>
-          <a:lstStyle/>
-          <a:p>
-            <a:pPr>
-              <a:defRPr/>
-            </a:pPr>
-            <a:r>
-              <a:rPr lang="en-US" altLang="en-US" sz="3600" dirty="0">
-                <a:solidFill>
-                  <a:schemeClr val="accent3"/>
-                </a:solidFill>
-                <a:latin typeface="Arial" panose="020B0604020202020204" pitchFamily="34" charset="0"/>
-              </a:rPr>
-              <a:t>Questions/Application</a:t>
-            </a:r>
-          </a:p>
-        </p:txBody>
-      </p:sp>
-      <p:sp>
-        <p:nvSpPr>
-          <p:cNvPr id="17411" name="Content Placeholder 2"/>
-          <p:cNvSpPr>
-            <a:spLocks noGrp="1"/>
-          </p:cNvSpPr>
-          <p:nvPr>
-            <p:ph idx="1"/>
-          </p:nvPr>
-        </p:nvSpPr>
-        <p:spPr>
-          <a:xfrm>
-            <a:off x="419100" y="1676400"/>
-            <a:ext cx="11353800" cy="2667000"/>
-          </a:xfrm>
-        </p:spPr>
-        <p:txBody>
-          <a:bodyPr/>
-          <a:lstStyle/>
-          <a:p>
-            <a:pPr eaLnBrk="1" hangingPunct="1">
-              <a:lnSpc>
-                <a:spcPct val="90000"/>
-              </a:lnSpc>
-            </a:pPr>
-            <a:endParaRPr lang="en-US" altLang="en-US" sz="2400" dirty="0">
-              <a:latin typeface="+mj-lt"/>
-            </a:endParaRPr>
-          </a:p>
-          <a:p>
-            <a:pPr eaLnBrk="1" hangingPunct="1">
-              <a:lnSpc>
-                <a:spcPct val="90000"/>
-              </a:lnSpc>
-            </a:pPr>
-            <a:r>
-              <a:rPr lang="en-US" altLang="en-US" sz="2400" dirty="0">
-                <a:latin typeface="+mj-lt"/>
-              </a:rPr>
-              <a:t>Create the coordinates for the following customers:</a:t>
-            </a:r>
-          </a:p>
-          <a:p>
-            <a:pPr lvl="1" eaLnBrk="1" hangingPunct="1">
-              <a:lnSpc>
-                <a:spcPct val="90000"/>
-              </a:lnSpc>
-            </a:pPr>
-            <a:r>
-              <a:rPr lang="en-US" altLang="en-US" sz="2000" dirty="0">
-                <a:latin typeface="+mj-lt"/>
-              </a:rPr>
-              <a:t>Cust #1: Avg Bal = 20, Age = 50</a:t>
-            </a:r>
-          </a:p>
-          <a:p>
-            <a:pPr lvl="1" eaLnBrk="1" hangingPunct="1">
-              <a:lnSpc>
-                <a:spcPct val="90000"/>
-              </a:lnSpc>
-            </a:pPr>
-            <a:r>
-              <a:rPr lang="en-US" altLang="en-US" sz="2000" dirty="0">
-                <a:latin typeface="+mj-lt"/>
-              </a:rPr>
-              <a:t>Cust #2: Avg Bal = 700, Age = 40</a:t>
-            </a:r>
-          </a:p>
-          <a:p>
-            <a:pPr lvl="1" eaLnBrk="1" hangingPunct="1">
-              <a:lnSpc>
-                <a:spcPct val="90000"/>
-              </a:lnSpc>
-            </a:pPr>
-            <a:r>
-              <a:rPr lang="en-US" altLang="en-US" sz="2000" dirty="0">
-                <a:latin typeface="+mj-lt"/>
-              </a:rPr>
-              <a:t>Cust #3: Avg Bal = 175, Age 28</a:t>
-            </a:r>
-          </a:p>
-          <a:p>
-            <a:pPr marL="400050" eaLnBrk="1" hangingPunct="1">
-              <a:lnSpc>
-                <a:spcPct val="90000"/>
-              </a:lnSpc>
-            </a:pPr>
-            <a:r>
-              <a:rPr lang="en-US" altLang="en-US" sz="2400" dirty="0">
-                <a:latin typeface="+mj-lt"/>
-              </a:rPr>
-              <a:t>Based on 1,2,3 k-</a:t>
-            </a:r>
-            <a:r>
-              <a:rPr lang="en-US" altLang="en-US" sz="2400" dirty="0" err="1">
-                <a:latin typeface="+mj-lt"/>
-              </a:rPr>
-              <a:t>nn</a:t>
-            </a:r>
-            <a:r>
-              <a:rPr lang="en-US" altLang="en-US" sz="2400" dirty="0">
-                <a:latin typeface="+mj-lt"/>
-              </a:rPr>
-              <a:t>, is Cust 1, 2, and 3 most likely to default or not default on their loan.</a:t>
-            </a:r>
-          </a:p>
-          <a:p>
-            <a:pPr marL="400050" eaLnBrk="1" hangingPunct="1">
-              <a:lnSpc>
-                <a:spcPct val="90000"/>
-              </a:lnSpc>
-            </a:pPr>
-            <a:r>
-              <a:rPr lang="en-US" altLang="en-US" sz="2400" dirty="0">
-                <a:latin typeface="+mj-lt"/>
-              </a:rPr>
-              <a:t>Which k-</a:t>
-            </a:r>
-            <a:r>
-              <a:rPr lang="en-US" altLang="en-US" sz="2400" dirty="0" err="1">
-                <a:latin typeface="+mj-lt"/>
-              </a:rPr>
-              <a:t>nn</a:t>
-            </a:r>
-            <a:r>
-              <a:rPr lang="en-US" altLang="en-US" sz="2400" dirty="0">
-                <a:latin typeface="+mj-lt"/>
-              </a:rPr>
-              <a:t> do you think is most appropriate to apply for the Customers? Explain why.</a:t>
-            </a:r>
-          </a:p>
-          <a:p>
-            <a:pPr eaLnBrk="1" hangingPunct="1">
-              <a:lnSpc>
-                <a:spcPct val="90000"/>
-              </a:lnSpc>
-            </a:pPr>
-            <a:endParaRPr lang="en-US" altLang="en-US" sz="2400" dirty="0">
-              <a:latin typeface="+mj-lt"/>
-            </a:endParaRPr>
-          </a:p>
-          <a:p>
-            <a:pPr marL="0" indent="0" eaLnBrk="1" hangingPunct="1">
-              <a:lnSpc>
-                <a:spcPct val="90000"/>
-              </a:lnSpc>
-              <a:buNone/>
-            </a:pPr>
-            <a:endParaRPr lang="en-US" altLang="en-US" sz="2400" dirty="0">
-              <a:latin typeface="+mj-lt"/>
-            </a:endParaRPr>
-          </a:p>
-        </p:txBody>
-      </p:sp>
-    </p:spTree>
-    <p:extLst>
-      <p:ext uri="{BB962C8B-B14F-4D97-AF65-F5344CB8AC3E}">
-        <p14:creationId xmlns:p14="http://schemas.microsoft.com/office/powerpoint/2010/main" val="2203419151"/>
-      </p:ext>
-    </p:extLst>
-  </p:cSld>
-  <p:clrMapOvr>
-    <a:masterClrMapping/>
-  </p:clrMapOvr>
-</p:sld>
-</file>
-
-<file path=ppt/slides/slide22.xml><?xml version="1.0" encoding="utf-8"?>
-<p:sld xmlns:a="http://schemas.openxmlformats.org/drawingml/2006/main" xmlns:r="http://schemas.openxmlformats.org/officeDocument/2006/relationships" xmlns:p="http://schemas.openxmlformats.org/presentationml/2006/main">
-  <p:cSld>
-    <p:spTree>
-      <p:nvGrpSpPr>
-        <p:cNvPr id="1" name=""/>
-        <p:cNvGrpSpPr/>
-        <p:nvPr/>
-      </p:nvGrpSpPr>
-      <p:grpSpPr>
-        <a:xfrm>
-          <a:off x="0" y="0"/>
-          <a:ext cx="0" cy="0"/>
-          <a:chOff x="0" y="0"/>
-          <a:chExt cx="0" cy="0"/>
-        </a:xfrm>
-      </p:grpSpPr>
-      <p:sp>
-        <p:nvSpPr>
-          <p:cNvPr id="17410" name="Title 1"/>
-          <p:cNvSpPr>
-            <a:spLocks noGrp="1"/>
-          </p:cNvSpPr>
-          <p:nvPr>
-            <p:ph type="title" idx="4294967295"/>
-          </p:nvPr>
-        </p:nvSpPr>
-        <p:spPr bwMode="auto">
-          <a:xfrm>
-            <a:off x="76200" y="76200"/>
-            <a:ext cx="12039600" cy="685800"/>
-          </a:xfrm>
-          <a:prstGeom prst="rect">
-            <a:avLst/>
-          </a:prstGeom>
-          <a:noFill/>
-          <a:extLst>
-            <a:ext uri="{909E8E84-426E-40DD-AFC4-6F175D3DCCD1}">
-              <a14:hiddenFill xmlns:a14="http://schemas.microsoft.com/office/drawing/2010/main">
-                <a:solidFill>
-                  <a:srgbClr val="FFFFFF"/>
-                </a:solidFill>
-              </a14:hiddenFill>
-            </a:ext>
-            <a:ext uri="{91240B29-F687-4F45-9708-019B960494DF}">
-              <a14:hiddenLine xmlns:a14="http://schemas.microsoft.com/office/drawing/2010/main" w="9525">
-                <a:solidFill>
-                  <a:srgbClr val="000000"/>
-                </a:solidFill>
-                <a:miter lim="800000"/>
-                <a:headEnd/>
-                <a:tailEnd/>
-              </a14:hiddenLine>
-            </a:ext>
-          </a:extLst>
-        </p:spPr>
-        <p:txBody>
-          <a:bodyPr vert="horz" wrap="square" lIns="91440" tIns="45720" rIns="91440" bIns="45720" numCol="1" anchor="t" anchorCtr="0" compatLnSpc="1">
-            <a:prstTxWarp prst="textNoShape">
-              <a:avLst/>
-            </a:prstTxWarp>
-          </a:bodyPr>
-          <a:lstStyle/>
-          <a:p>
-            <a:pPr>
-              <a:defRPr/>
-            </a:pPr>
-            <a:r>
-              <a:rPr lang="en-US" altLang="en-US" sz="3600" dirty="0">
-                <a:solidFill>
-                  <a:schemeClr val="accent3"/>
-                </a:solidFill>
-                <a:latin typeface="Arial" panose="020B0604020202020204" pitchFamily="34" charset="0"/>
-              </a:rPr>
-              <a:t>Title</a:t>
-            </a:r>
-          </a:p>
-        </p:txBody>
-      </p:sp>
-      <p:graphicFrame>
-        <p:nvGraphicFramePr>
-          <p:cNvPr id="5" name="Chart 4">
-            <a:extLst>
-              <a:ext uri="{FF2B5EF4-FFF2-40B4-BE49-F238E27FC236}">
-                <a16:creationId xmlns:a16="http://schemas.microsoft.com/office/drawing/2014/main" id="{BA2590CC-4AF5-BB45-235D-41A555C8BE84}"/>
-              </a:ext>
-            </a:extLst>
-          </p:cNvPr>
-          <p:cNvGraphicFramePr>
-            <a:graphicFrameLocks/>
-          </p:cNvGraphicFramePr>
-          <p:nvPr>
-            <p:extLst>
-              <p:ext uri="{D42A27DB-BD31-4B8C-83A1-F6EECF244321}">
-                <p14:modId xmlns:p14="http://schemas.microsoft.com/office/powerpoint/2010/main" val="790385290"/>
-              </p:ext>
-            </p:extLst>
-          </p:nvPr>
-        </p:nvGraphicFramePr>
-        <p:xfrm>
-          <a:off x="2514600" y="1295400"/>
-          <a:ext cx="7162800" cy="4648200"/>
-        </p:xfrm>
-        <a:graphic>
-          <a:graphicData uri="http://schemas.openxmlformats.org/drawingml/2006/chart">
-            <c:chart xmlns:c="http://schemas.openxmlformats.org/drawingml/2006/chart" xmlns:r="http://schemas.openxmlformats.org/officeDocument/2006/relationships" r:id="rId2"/>
-          </a:graphicData>
-        </a:graphic>
-      </p:graphicFrame>
-    </p:spTree>
-    <p:extLst>
-      <p:ext uri="{BB962C8B-B14F-4D97-AF65-F5344CB8AC3E}">
-        <p14:creationId xmlns:p14="http://schemas.microsoft.com/office/powerpoint/2010/main" val="1621580683"/>
-      </p:ext>
-    </p:extLst>
-  </p:cSld>
-  <p:clrMapOvr>
-    <a:masterClrMapping/>
-  </p:clrMapOvr>
-</p:sld>
-</file>
-
-<file path=ppt/slides/slide23.xml><?xml version="1.0" encoding="utf-8"?>
-<p:sld xmlns:a="http://schemas.openxmlformats.org/drawingml/2006/main" xmlns:r="http://schemas.openxmlformats.org/officeDocument/2006/relationships" xmlns:p="http://schemas.openxmlformats.org/presentationml/2006/main">
-  <p:cSld>
-    <p:spTree>
-      <p:nvGrpSpPr>
-        <p:cNvPr id="1" name=""/>
-        <p:cNvGrpSpPr/>
-        <p:nvPr/>
-      </p:nvGrpSpPr>
-      <p:grpSpPr>
-        <a:xfrm>
-          <a:off x="0" y="0"/>
-          <a:ext cx="0" cy="0"/>
-          <a:chOff x="0" y="0"/>
-          <a:chExt cx="0" cy="0"/>
-        </a:xfrm>
-      </p:grpSpPr>
-      <p:sp>
-        <p:nvSpPr>
-          <p:cNvPr id="17410" name="Title 1"/>
-          <p:cNvSpPr>
-            <a:spLocks noGrp="1"/>
-          </p:cNvSpPr>
-          <p:nvPr>
-            <p:ph type="title" idx="4294967295"/>
-          </p:nvPr>
-        </p:nvSpPr>
-        <p:spPr bwMode="auto">
-          <a:xfrm>
-            <a:off x="76200" y="76200"/>
-            <a:ext cx="12039600" cy="685800"/>
-          </a:xfrm>
-          <a:prstGeom prst="rect">
-            <a:avLst/>
-          </a:prstGeom>
-          <a:noFill/>
-          <a:extLst>
-            <a:ext uri="{909E8E84-426E-40DD-AFC4-6F175D3DCCD1}">
-              <a14:hiddenFill xmlns:a14="http://schemas.microsoft.com/office/drawing/2010/main">
-                <a:solidFill>
-                  <a:srgbClr val="FFFFFF"/>
-                </a:solidFill>
-              </a14:hiddenFill>
-            </a:ext>
-            <a:ext uri="{91240B29-F687-4F45-9708-019B960494DF}">
-              <a14:hiddenLine xmlns:a14="http://schemas.microsoft.com/office/drawing/2010/main" w="9525">
-                <a:solidFill>
-                  <a:srgbClr val="000000"/>
-                </a:solidFill>
-                <a:miter lim="800000"/>
-                <a:headEnd/>
-                <a:tailEnd/>
-              </a14:hiddenLine>
-            </a:ext>
-          </a:extLst>
-        </p:spPr>
-        <p:txBody>
-          <a:bodyPr vert="horz" wrap="square" lIns="91440" tIns="45720" rIns="91440" bIns="45720" numCol="1" anchor="t" anchorCtr="0" compatLnSpc="1">
-            <a:prstTxWarp prst="textNoShape">
-              <a:avLst/>
-            </a:prstTxWarp>
-          </a:bodyPr>
-          <a:lstStyle/>
-          <a:p>
-            <a:pPr>
-              <a:defRPr/>
-            </a:pPr>
             <a:endParaRPr lang="en-US" altLang="en-US" sz="3600" dirty="0">
               <a:solidFill>
                 <a:schemeClr val="accent3"/>
@@ -11160,7 +14893,7 @@
 </p:sld>
 </file>
 
-<file path=ppt/slides/slide24.xml><?xml version="1.0" encoding="utf-8"?>
+<file path=ppt/slides/slide27.xml><?xml version="1.0" encoding="utf-8"?>
 <p:sld xmlns:a="http://schemas.openxmlformats.org/drawingml/2006/main" xmlns:r="http://schemas.openxmlformats.org/officeDocument/2006/relationships" xmlns:p="http://schemas.openxmlformats.org/presentationml/2006/main">
   <p:cSld>
     <p:spTree>
@@ -11598,630 +15331,6 @@
 </p:sld>
 </file>
 
-<file path=ppt/slides/slide25.xml><?xml version="1.0" encoding="utf-8"?>
-<p:sld xmlns:a="http://schemas.openxmlformats.org/drawingml/2006/main" xmlns:r="http://schemas.openxmlformats.org/officeDocument/2006/relationships" xmlns:p="http://schemas.openxmlformats.org/presentationml/2006/main">
-  <p:cSld>
-    <p:spTree>
-      <p:nvGrpSpPr>
-        <p:cNvPr id="1" name=""/>
-        <p:cNvGrpSpPr/>
-        <p:nvPr/>
-      </p:nvGrpSpPr>
-      <p:grpSpPr>
-        <a:xfrm>
-          <a:off x="0" y="0"/>
-          <a:ext cx="0" cy="0"/>
-          <a:chOff x="0" y="0"/>
-          <a:chExt cx="0" cy="0"/>
-        </a:xfrm>
-      </p:grpSpPr>
-      <p:sp>
-        <p:nvSpPr>
-          <p:cNvPr id="17410" name="Title 1"/>
-          <p:cNvSpPr>
-            <a:spLocks noGrp="1"/>
-          </p:cNvSpPr>
-          <p:nvPr>
-            <p:ph type="title" idx="4294967295"/>
-          </p:nvPr>
-        </p:nvSpPr>
-        <p:spPr bwMode="auto">
-          <a:xfrm>
-            <a:off x="76200" y="76200"/>
-            <a:ext cx="12039600" cy="685800"/>
-          </a:xfrm>
-          <a:prstGeom prst="rect">
-            <a:avLst/>
-          </a:prstGeom>
-          <a:noFill/>
-          <a:extLst>
-            <a:ext uri="{909E8E84-426E-40DD-AFC4-6F175D3DCCD1}">
-              <a14:hiddenFill xmlns:a14="http://schemas.microsoft.com/office/drawing/2010/main">
-                <a:solidFill>
-                  <a:srgbClr val="FFFFFF"/>
-                </a:solidFill>
-              </a14:hiddenFill>
-            </a:ext>
-            <a:ext uri="{91240B29-F687-4F45-9708-019B960494DF}">
-              <a14:hiddenLine xmlns:a14="http://schemas.microsoft.com/office/drawing/2010/main" w="9525">
-                <a:solidFill>
-                  <a:srgbClr val="000000"/>
-                </a:solidFill>
-                <a:miter lim="800000"/>
-                <a:headEnd/>
-                <a:tailEnd/>
-              </a14:hiddenLine>
-            </a:ext>
-          </a:extLst>
-        </p:spPr>
-        <p:txBody>
-          <a:bodyPr vert="horz" wrap="square" lIns="91440" tIns="45720" rIns="91440" bIns="45720" numCol="1" anchor="t" anchorCtr="0" compatLnSpc="1">
-            <a:prstTxWarp prst="textNoShape">
-              <a:avLst/>
-            </a:prstTxWarp>
-          </a:bodyPr>
-          <a:lstStyle/>
-          <a:p>
-            <a:pPr>
-              <a:defRPr/>
-            </a:pPr>
-            <a:r>
-              <a:rPr lang="en-US" altLang="en-US" sz="3600" dirty="0">
-                <a:solidFill>
-                  <a:schemeClr val="accent3"/>
-                </a:solidFill>
-                <a:latin typeface="Arial" panose="020B0604020202020204" pitchFamily="34" charset="0"/>
-              </a:rPr>
-              <a:t>Python</a:t>
-            </a:r>
-          </a:p>
-        </p:txBody>
-      </p:sp>
-      <p:sp>
-        <p:nvSpPr>
-          <p:cNvPr id="17411" name="Content Placeholder 2"/>
-          <p:cNvSpPr>
-            <a:spLocks noGrp="1"/>
-          </p:cNvSpPr>
-          <p:nvPr>
-            <p:ph idx="1"/>
-          </p:nvPr>
-        </p:nvSpPr>
-        <p:spPr>
-          <a:xfrm>
-            <a:off x="419100" y="1676400"/>
-            <a:ext cx="11353800" cy="2667000"/>
-          </a:xfrm>
-        </p:spPr>
-        <p:txBody>
-          <a:bodyPr/>
-          <a:lstStyle/>
-          <a:p>
-            <a:pPr eaLnBrk="1" hangingPunct="1">
-              <a:lnSpc>
-                <a:spcPct val="90000"/>
-              </a:lnSpc>
-            </a:pPr>
-            <a:endParaRPr lang="en-US" altLang="en-US" sz="2400" dirty="0">
-              <a:latin typeface="+mj-lt"/>
-            </a:endParaRPr>
-          </a:p>
-          <a:p>
-            <a:pPr eaLnBrk="1" hangingPunct="1">
-              <a:lnSpc>
-                <a:spcPct val="90000"/>
-              </a:lnSpc>
-            </a:pPr>
-            <a:r>
-              <a:rPr lang="en-US" altLang="en-US" sz="2400" dirty="0">
-                <a:latin typeface="+mj-lt"/>
-              </a:rPr>
-              <a:t>Open Source (Netherlands)</a:t>
-            </a:r>
-          </a:p>
-          <a:p>
-            <a:pPr eaLnBrk="1" hangingPunct="1">
-              <a:lnSpc>
-                <a:spcPct val="90000"/>
-              </a:lnSpc>
-            </a:pPr>
-            <a:r>
-              <a:rPr lang="en-US" altLang="en-US" sz="2400" dirty="0">
-                <a:latin typeface="+mj-lt"/>
-              </a:rPr>
-              <a:t>Platforms: Atom, </a:t>
-            </a:r>
-            <a:r>
-              <a:rPr lang="en-US" altLang="en-US" sz="2400" dirty="0" err="1">
-                <a:latin typeface="+mj-lt"/>
-              </a:rPr>
-              <a:t>Powershell</a:t>
-            </a:r>
-            <a:r>
-              <a:rPr lang="en-US" altLang="en-US" sz="2400" dirty="0">
-                <a:latin typeface="+mj-lt"/>
-              </a:rPr>
-              <a:t>, IDEs</a:t>
-            </a:r>
-          </a:p>
-          <a:p>
-            <a:pPr eaLnBrk="1" hangingPunct="1">
-              <a:lnSpc>
-                <a:spcPct val="90000"/>
-              </a:lnSpc>
-            </a:pPr>
-            <a:r>
-              <a:rPr lang="en-US" altLang="en-US" sz="2400" dirty="0">
-                <a:latin typeface="+mj-lt"/>
-              </a:rPr>
-              <a:t>Used by NASA, Amazon, Google, Netflix, </a:t>
-            </a:r>
-            <a:r>
-              <a:rPr lang="en-US" altLang="en-US" sz="2400" dirty="0" err="1">
-                <a:latin typeface="+mj-lt"/>
-              </a:rPr>
-              <a:t>etc</a:t>
-            </a:r>
-            <a:endParaRPr lang="en-US" altLang="en-US" sz="2400" dirty="0">
-              <a:latin typeface="+mj-lt"/>
-            </a:endParaRPr>
-          </a:p>
-          <a:p>
-            <a:pPr eaLnBrk="1" hangingPunct="1">
-              <a:lnSpc>
-                <a:spcPct val="90000"/>
-              </a:lnSpc>
-            </a:pPr>
-            <a:r>
-              <a:rPr lang="en-US" altLang="en-US" sz="2400" dirty="0">
-                <a:latin typeface="+mj-lt"/>
-              </a:rPr>
-              <a:t>Industries: Corporate/Education/Scientific Research</a:t>
-            </a:r>
-          </a:p>
-          <a:p>
-            <a:pPr eaLnBrk="1" hangingPunct="1">
-              <a:lnSpc>
-                <a:spcPct val="90000"/>
-              </a:lnSpc>
-            </a:pPr>
-            <a:endParaRPr lang="en-US" altLang="en-US" sz="2400" dirty="0">
-              <a:latin typeface="+mj-lt"/>
-            </a:endParaRPr>
-          </a:p>
-          <a:p>
-            <a:pPr marL="0" indent="0" eaLnBrk="1" hangingPunct="1">
-              <a:lnSpc>
-                <a:spcPct val="90000"/>
-              </a:lnSpc>
-              <a:buNone/>
-            </a:pPr>
-            <a:endParaRPr lang="en-US" altLang="en-US" sz="2400" dirty="0">
-              <a:latin typeface="+mj-lt"/>
-            </a:endParaRPr>
-          </a:p>
-        </p:txBody>
-      </p:sp>
-    </p:spTree>
-    <p:extLst>
-      <p:ext uri="{BB962C8B-B14F-4D97-AF65-F5344CB8AC3E}">
-        <p14:creationId xmlns:p14="http://schemas.microsoft.com/office/powerpoint/2010/main" val="3630296796"/>
-      </p:ext>
-    </p:extLst>
-  </p:cSld>
-  <p:clrMapOvr>
-    <a:masterClrMapping/>
-  </p:clrMapOvr>
-</p:sld>
-</file>
-
-<file path=ppt/slides/slide26.xml><?xml version="1.0" encoding="utf-8"?>
-<p:sld xmlns:a="http://schemas.openxmlformats.org/drawingml/2006/main" xmlns:r="http://schemas.openxmlformats.org/officeDocument/2006/relationships" xmlns:p="http://schemas.openxmlformats.org/presentationml/2006/main">
-  <p:cSld>
-    <p:spTree>
-      <p:nvGrpSpPr>
-        <p:cNvPr id="1" name=""/>
-        <p:cNvGrpSpPr/>
-        <p:nvPr/>
-      </p:nvGrpSpPr>
-      <p:grpSpPr>
-        <a:xfrm>
-          <a:off x="0" y="0"/>
-          <a:ext cx="0" cy="0"/>
-          <a:chOff x="0" y="0"/>
-          <a:chExt cx="0" cy="0"/>
-        </a:xfrm>
-      </p:grpSpPr>
-      <p:sp>
-        <p:nvSpPr>
-          <p:cNvPr id="17410" name="Title 1"/>
-          <p:cNvSpPr>
-            <a:spLocks noGrp="1"/>
-          </p:cNvSpPr>
-          <p:nvPr>
-            <p:ph type="title" idx="4294967295"/>
-          </p:nvPr>
-        </p:nvSpPr>
-        <p:spPr bwMode="auto">
-          <a:xfrm>
-            <a:off x="76200" y="76200"/>
-            <a:ext cx="12039600" cy="685800"/>
-          </a:xfrm>
-          <a:prstGeom prst="rect">
-            <a:avLst/>
-          </a:prstGeom>
-          <a:noFill/>
-          <a:extLst>
-            <a:ext uri="{909E8E84-426E-40DD-AFC4-6F175D3DCCD1}">
-              <a14:hiddenFill xmlns:a14="http://schemas.microsoft.com/office/drawing/2010/main">
-                <a:solidFill>
-                  <a:srgbClr val="FFFFFF"/>
-                </a:solidFill>
-              </a14:hiddenFill>
-            </a:ext>
-            <a:ext uri="{91240B29-F687-4F45-9708-019B960494DF}">
-              <a14:hiddenLine xmlns:a14="http://schemas.microsoft.com/office/drawing/2010/main" w="9525">
-                <a:solidFill>
-                  <a:srgbClr val="000000"/>
-                </a:solidFill>
-                <a:miter lim="800000"/>
-                <a:headEnd/>
-                <a:tailEnd/>
-              </a14:hiddenLine>
-            </a:ext>
-          </a:extLst>
-        </p:spPr>
-        <p:txBody>
-          <a:bodyPr vert="horz" wrap="square" lIns="91440" tIns="45720" rIns="91440" bIns="45720" numCol="1" anchor="t" anchorCtr="0" compatLnSpc="1">
-            <a:prstTxWarp prst="textNoShape">
-              <a:avLst/>
-            </a:prstTxWarp>
-          </a:bodyPr>
-          <a:lstStyle/>
-          <a:p>
-            <a:pPr>
-              <a:defRPr/>
-            </a:pPr>
-            <a:r>
-              <a:rPr lang="en-US" altLang="en-US" sz="3600" dirty="0">
-                <a:solidFill>
-                  <a:schemeClr val="accent3"/>
-                </a:solidFill>
-                <a:latin typeface="Arial" panose="020B0604020202020204" pitchFamily="34" charset="0"/>
-              </a:rPr>
-              <a:t>R</a:t>
-            </a:r>
-          </a:p>
-        </p:txBody>
-      </p:sp>
-      <p:sp>
-        <p:nvSpPr>
-          <p:cNvPr id="17411" name="Content Placeholder 2"/>
-          <p:cNvSpPr>
-            <a:spLocks noGrp="1"/>
-          </p:cNvSpPr>
-          <p:nvPr>
-            <p:ph idx="1"/>
-          </p:nvPr>
-        </p:nvSpPr>
-        <p:spPr>
-          <a:xfrm>
-            <a:off x="419100" y="1676400"/>
-            <a:ext cx="11353800" cy="2667000"/>
-          </a:xfrm>
-        </p:spPr>
-        <p:txBody>
-          <a:bodyPr/>
-          <a:lstStyle/>
-          <a:p>
-            <a:pPr eaLnBrk="1" hangingPunct="1">
-              <a:lnSpc>
-                <a:spcPct val="90000"/>
-              </a:lnSpc>
-            </a:pPr>
-            <a:endParaRPr lang="en-US" altLang="en-US" sz="2400" dirty="0">
-              <a:latin typeface="+mj-lt"/>
-            </a:endParaRPr>
-          </a:p>
-          <a:p>
-            <a:pPr eaLnBrk="1" hangingPunct="1">
-              <a:lnSpc>
-                <a:spcPct val="90000"/>
-              </a:lnSpc>
-            </a:pPr>
-            <a:r>
-              <a:rPr lang="en-US" altLang="en-US" sz="2400" dirty="0">
-                <a:latin typeface="+mj-lt"/>
-              </a:rPr>
-              <a:t>Open Source (University of Auckland, New Zealand)</a:t>
-            </a:r>
-          </a:p>
-          <a:p>
-            <a:pPr eaLnBrk="1" hangingPunct="1">
-              <a:lnSpc>
-                <a:spcPct val="90000"/>
-              </a:lnSpc>
-            </a:pPr>
-            <a:r>
-              <a:rPr lang="en-US" altLang="en-US" sz="2400" dirty="0">
-                <a:latin typeface="+mj-lt"/>
-              </a:rPr>
-              <a:t>Platforms: R, R Commander</a:t>
-            </a:r>
-          </a:p>
-          <a:p>
-            <a:pPr eaLnBrk="1" hangingPunct="1">
-              <a:lnSpc>
-                <a:spcPct val="90000"/>
-              </a:lnSpc>
-            </a:pPr>
-            <a:r>
-              <a:rPr lang="en-US" altLang="en-US" sz="2400" dirty="0">
-                <a:latin typeface="+mj-lt"/>
-              </a:rPr>
-              <a:t>Used by Accenture, Amazon, Google, Novartis</a:t>
-            </a:r>
-          </a:p>
-          <a:p>
-            <a:pPr eaLnBrk="1" hangingPunct="1">
-              <a:lnSpc>
-                <a:spcPct val="90000"/>
-              </a:lnSpc>
-            </a:pPr>
-            <a:r>
-              <a:rPr lang="en-US" altLang="en-US" sz="2400" dirty="0">
-                <a:latin typeface="+mj-lt"/>
-              </a:rPr>
-              <a:t>Industries: Corporate/Education/Scientific Research</a:t>
-            </a:r>
-          </a:p>
-          <a:p>
-            <a:pPr eaLnBrk="1" hangingPunct="1">
-              <a:lnSpc>
-                <a:spcPct val="90000"/>
-              </a:lnSpc>
-            </a:pPr>
-            <a:endParaRPr lang="en-US" altLang="en-US" sz="2400" dirty="0">
-              <a:latin typeface="+mj-lt"/>
-            </a:endParaRPr>
-          </a:p>
-          <a:p>
-            <a:pPr marL="0" indent="0" eaLnBrk="1" hangingPunct="1">
-              <a:lnSpc>
-                <a:spcPct val="90000"/>
-              </a:lnSpc>
-              <a:buNone/>
-            </a:pPr>
-            <a:endParaRPr lang="en-US" altLang="en-US" sz="2400" dirty="0">
-              <a:latin typeface="+mj-lt"/>
-            </a:endParaRPr>
-          </a:p>
-        </p:txBody>
-      </p:sp>
-    </p:spTree>
-    <p:extLst>
-      <p:ext uri="{BB962C8B-B14F-4D97-AF65-F5344CB8AC3E}">
-        <p14:creationId xmlns:p14="http://schemas.microsoft.com/office/powerpoint/2010/main" val="1130443429"/>
-      </p:ext>
-    </p:extLst>
-  </p:cSld>
-  <p:clrMapOvr>
-    <a:masterClrMapping/>
-  </p:clrMapOvr>
-</p:sld>
-</file>
-
-<file path=ppt/slides/slide27.xml><?xml version="1.0" encoding="utf-8"?>
-<p:sld xmlns:a="http://schemas.openxmlformats.org/drawingml/2006/main" xmlns:r="http://schemas.openxmlformats.org/officeDocument/2006/relationships" xmlns:p="http://schemas.openxmlformats.org/presentationml/2006/main">
-  <p:cSld>
-    <p:spTree>
-      <p:nvGrpSpPr>
-        <p:cNvPr id="1" name=""/>
-        <p:cNvGrpSpPr/>
-        <p:nvPr/>
-      </p:nvGrpSpPr>
-      <p:grpSpPr>
-        <a:xfrm>
-          <a:off x="0" y="0"/>
-          <a:ext cx="0" cy="0"/>
-          <a:chOff x="0" y="0"/>
-          <a:chExt cx="0" cy="0"/>
-        </a:xfrm>
-      </p:grpSpPr>
-      <p:sp>
-        <p:nvSpPr>
-          <p:cNvPr id="17410" name="Title 1"/>
-          <p:cNvSpPr>
-            <a:spLocks noGrp="1"/>
-          </p:cNvSpPr>
-          <p:nvPr>
-            <p:ph type="title" idx="4294967295"/>
-          </p:nvPr>
-        </p:nvSpPr>
-        <p:spPr bwMode="auto">
-          <a:xfrm>
-            <a:off x="76200" y="76200"/>
-            <a:ext cx="12039600" cy="685800"/>
-          </a:xfrm>
-          <a:prstGeom prst="rect">
-            <a:avLst/>
-          </a:prstGeom>
-          <a:noFill/>
-          <a:extLst>
-            <a:ext uri="{909E8E84-426E-40DD-AFC4-6F175D3DCCD1}">
-              <a14:hiddenFill xmlns:a14="http://schemas.microsoft.com/office/drawing/2010/main">
-                <a:solidFill>
-                  <a:srgbClr val="FFFFFF"/>
-                </a:solidFill>
-              </a14:hiddenFill>
-            </a:ext>
-            <a:ext uri="{91240B29-F687-4F45-9708-019B960494DF}">
-              <a14:hiddenLine xmlns:a14="http://schemas.microsoft.com/office/drawing/2010/main" w="9525">
-                <a:solidFill>
-                  <a:srgbClr val="000000"/>
-                </a:solidFill>
-                <a:miter lim="800000"/>
-                <a:headEnd/>
-                <a:tailEnd/>
-              </a14:hiddenLine>
-            </a:ext>
-          </a:extLst>
-        </p:spPr>
-        <p:txBody>
-          <a:bodyPr vert="horz" wrap="square" lIns="91440" tIns="45720" rIns="91440" bIns="45720" numCol="1" anchor="t" anchorCtr="0" compatLnSpc="1">
-            <a:prstTxWarp prst="textNoShape">
-              <a:avLst/>
-            </a:prstTxWarp>
-          </a:bodyPr>
-          <a:lstStyle/>
-          <a:p>
-            <a:pPr>
-              <a:defRPr/>
-            </a:pPr>
-            <a:r>
-              <a:rPr lang="en-US" altLang="en-US" sz="3600" dirty="0" err="1">
-                <a:solidFill>
-                  <a:schemeClr val="accent3"/>
-                </a:solidFill>
-                <a:latin typeface="Arial" panose="020B0604020202020204" pitchFamily="34" charset="0"/>
-              </a:rPr>
-              <a:t>Mplus</a:t>
-            </a:r>
-            <a:endParaRPr lang="en-US" altLang="en-US" sz="3600" dirty="0">
-              <a:solidFill>
-                <a:schemeClr val="accent3"/>
-              </a:solidFill>
-              <a:latin typeface="Arial" panose="020B0604020202020204" pitchFamily="34" charset="0"/>
-            </a:endParaRPr>
-          </a:p>
-        </p:txBody>
-      </p:sp>
-      <p:sp>
-        <p:nvSpPr>
-          <p:cNvPr id="17411" name="Content Placeholder 2"/>
-          <p:cNvSpPr>
-            <a:spLocks noGrp="1"/>
-          </p:cNvSpPr>
-          <p:nvPr>
-            <p:ph idx="1"/>
-          </p:nvPr>
-        </p:nvSpPr>
-        <p:spPr>
-          <a:xfrm>
-            <a:off x="419100" y="1676400"/>
-            <a:ext cx="11353800" cy="2667000"/>
-          </a:xfrm>
-        </p:spPr>
-        <p:txBody>
-          <a:bodyPr/>
-          <a:lstStyle/>
-          <a:p>
-            <a:pPr eaLnBrk="1" hangingPunct="1">
-              <a:lnSpc>
-                <a:spcPct val="90000"/>
-              </a:lnSpc>
-            </a:pPr>
-            <a:endParaRPr lang="en-US" altLang="en-US" sz="2400" dirty="0">
-              <a:latin typeface="+mj-lt"/>
-            </a:endParaRPr>
-          </a:p>
-          <a:p>
-            <a:pPr eaLnBrk="1" hangingPunct="1">
-              <a:lnSpc>
-                <a:spcPct val="90000"/>
-              </a:lnSpc>
-            </a:pPr>
-            <a:r>
-              <a:rPr lang="en-US" altLang="en-US" sz="2400" dirty="0">
-                <a:latin typeface="+mj-lt"/>
-              </a:rPr>
-              <a:t>Fee-Based (UCLA, Los Angeles) </a:t>
-            </a:r>
-            <a:r>
-              <a:rPr lang="en-US" altLang="en-US" sz="2400" dirty="0">
-                <a:latin typeface="+mj-lt"/>
-                <a:hlinkClick r:id="rId2"/>
-              </a:rPr>
-              <a:t>https://www.statmodel.com/</a:t>
-            </a:r>
-            <a:r>
-              <a:rPr lang="en-US" altLang="en-US" sz="2400" dirty="0">
-                <a:latin typeface="+mj-lt"/>
-              </a:rPr>
-              <a:t> </a:t>
-            </a:r>
-          </a:p>
-          <a:p>
-            <a:pPr eaLnBrk="1" hangingPunct="1">
-              <a:lnSpc>
-                <a:spcPct val="90000"/>
-              </a:lnSpc>
-            </a:pPr>
-            <a:r>
-              <a:rPr lang="en-US" altLang="en-US" sz="2400" dirty="0">
-                <a:latin typeface="+mj-lt"/>
-              </a:rPr>
-              <a:t>Platforms: </a:t>
-            </a:r>
-            <a:r>
-              <a:rPr lang="en-US" altLang="en-US" sz="2400" dirty="0" err="1">
-                <a:latin typeface="+mj-lt"/>
-              </a:rPr>
-              <a:t>Mplus</a:t>
-            </a:r>
-            <a:endParaRPr lang="en-US" altLang="en-US" sz="2400" dirty="0">
-              <a:latin typeface="+mj-lt"/>
-            </a:endParaRPr>
-          </a:p>
-          <a:p>
-            <a:pPr eaLnBrk="1" hangingPunct="1">
-              <a:lnSpc>
-                <a:spcPct val="90000"/>
-              </a:lnSpc>
-            </a:pPr>
-            <a:r>
-              <a:rPr lang="en-US" altLang="en-US" sz="2400" dirty="0">
-                <a:latin typeface="+mj-lt"/>
-              </a:rPr>
-              <a:t>Industries: Primarily Scientific Research/Education</a:t>
-            </a:r>
-          </a:p>
-          <a:p>
-            <a:pPr eaLnBrk="1" hangingPunct="1">
-              <a:lnSpc>
-                <a:spcPct val="90000"/>
-              </a:lnSpc>
-            </a:pPr>
-            <a:endParaRPr lang="en-US" altLang="en-US" sz="2400" dirty="0">
-              <a:latin typeface="+mj-lt"/>
-            </a:endParaRPr>
-          </a:p>
-          <a:p>
-            <a:pPr marL="0" indent="0" eaLnBrk="1" hangingPunct="1">
-              <a:lnSpc>
-                <a:spcPct val="90000"/>
-              </a:lnSpc>
-              <a:buNone/>
-            </a:pPr>
-            <a:endParaRPr lang="en-US" altLang="en-US" sz="2400" dirty="0">
-              <a:latin typeface="+mj-lt"/>
-            </a:endParaRPr>
-          </a:p>
-        </p:txBody>
-      </p:sp>
-    </p:spTree>
-    <p:extLst>
-      <p:ext uri="{BB962C8B-B14F-4D97-AF65-F5344CB8AC3E}">
-        <p14:creationId xmlns:p14="http://schemas.microsoft.com/office/powerpoint/2010/main" val="105433802"/>
-      </p:ext>
-    </p:extLst>
-  </p:cSld>
-  <p:clrMapOvr>
-    <a:masterClrMapping/>
-  </p:clrMapOvr>
-</p:sld>
-</file>
-
 <file path=ppt/slides/slide28.xml><?xml version="1.0" encoding="utf-8"?>
 <p:sld xmlns:a="http://schemas.openxmlformats.org/drawingml/2006/main" xmlns:r="http://schemas.openxmlformats.org/officeDocument/2006/relationships" xmlns:p="http://schemas.openxmlformats.org/presentationml/2006/main">
   <p:cSld>
@@ -12296,7 +15405,7 @@
                 </a:solidFill>
                 <a:latin typeface="Arial" panose="020B0604020202020204" pitchFamily="34" charset="0"/>
               </a:rPr>
-              <a:t>SPSS/AMOS</a:t>
+              <a:t>Python</a:t>
             </a:r>
           </a:p>
         </p:txBody>
@@ -12340,7 +15449,7 @@
               <a:rPr lang="en-US" altLang="en-US" sz="2400" dirty="0">
                 <a:latin typeface="+mj-lt"/>
               </a:rPr>
-              <a:t>Fee-Based (IBM) </a:t>
+              <a:t>Open Source (Netherlands)</a:t>
             </a:r>
           </a:p>
           <a:p>
@@ -12353,7 +15462,19 @@
               <a:rPr lang="en-US" altLang="en-US" sz="2400" dirty="0">
                 <a:latin typeface="+mj-lt"/>
               </a:rPr>
-              <a:t>Platforms: SPSS/AMOS</a:t>
+              <a:t>Platforms: Atom, </a:t>
+            </a:r>
+            <a:r>
+              <a:rPr lang="en-US" altLang="en-US" sz="2400" dirty="0" err="1">
+                <a:latin typeface="+mj-lt"/>
+              </a:rPr>
+              <a:t>Powershell</a:t>
+            </a:r>
+            <a:r>
+              <a:rPr lang="en-US" altLang="en-US" sz="2400" dirty="0">
+                <a:latin typeface="+mj-lt"/>
+              </a:rPr>
+              <a:t>, IDEs</a:t>
             </a:r>
           </a:p>
           <a:p>
@@ -12366,7 +15487,29 @@
               <a:rPr lang="en-US" altLang="en-US" sz="2400" dirty="0">
                 <a:latin typeface="+mj-lt"/>
               </a:rPr>
-              <a:t>Industries: Primarily Scientific Research/Education, some corporate</a:t>
+              <a:t>Used by NASA, Amazon, Google, Netflix, </a:t>
+            </a:r>
+            <a:r>
+              <a:rPr lang="en-US" altLang="en-US" sz="2400" dirty="0" err="1">
+                <a:latin typeface="+mj-lt"/>
+              </a:rPr>
+              <a:t>etc</a:t>
+            </a:r>
+            <a:endParaRPr lang="en-US" altLang="en-US" sz="2400" dirty="0">
+              <a:latin typeface="+mj-lt"/>
+            </a:endParaRPr>
+          </a:p>
+          <a:p>
+            <a:pPr eaLnBrk="1" hangingPunct="1">
+              <a:lnSpc>
+                <a:spcPct val="90000"/>
+              </a:lnSpc>
+            </a:pPr>
+            <a:r>
+              <a:rPr lang="en-US" altLang="en-US" sz="2400" dirty="0">
+                <a:latin typeface="+mj-lt"/>
+              </a:rPr>
+              <a:t>Industries: Corporate/Education/Scientific Research</a:t>
             </a:r>
           </a:p>
           <a:p>
@@ -12395,7 +15538,7 @@
     </p:spTree>
     <p:extLst>
       <p:ext uri="{BB962C8B-B14F-4D97-AF65-F5344CB8AC3E}">
-        <p14:creationId xmlns:p14="http://schemas.microsoft.com/office/powerpoint/2010/main" val="370374881"/>
+        <p14:creationId xmlns:p14="http://schemas.microsoft.com/office/powerpoint/2010/main" val="3630296796"/>
       </p:ext>
     </p:extLst>
   </p:cSld>
@@ -12479,7 +15622,7 @@
                 </a:solidFill>
                 <a:latin typeface="Arial" panose="020B0604020202020204" pitchFamily="34" charset="0"/>
               </a:rPr>
-              <a:t>Alteryx</a:t>
+              <a:t>R</a:t>
             </a:r>
           </a:p>
         </p:txBody>
@@ -12523,7 +15666,7 @@
               <a:rPr lang="en-US" altLang="en-US" sz="2400" dirty="0">
                 <a:latin typeface="+mj-lt"/>
               </a:rPr>
-              <a:t>Fee-Based (Irvine, CA) </a:t>
+              <a:t>Open Source (University of Auckland, New Zealand)</a:t>
             </a:r>
           </a:p>
           <a:p>
@@ -12536,7 +15679,7 @@
               <a:rPr lang="en-US" altLang="en-US" sz="2400" dirty="0">
                 <a:latin typeface="+mj-lt"/>
               </a:rPr>
-              <a:t>Platforms: Alteryx</a:t>
+              <a:t>Platforms: R, R Commander</a:t>
             </a:r>
           </a:p>
           <a:p>
@@ -12549,8 +15692,31 @@
               <a:rPr lang="en-US" altLang="en-US" sz="2400" dirty="0">
                 <a:latin typeface="+mj-lt"/>
               </a:rPr>
-              <a:t>Industries: Primarily corporate</a:t>
-            </a:r>
+              <a:t>Used by Accenture, Amazon, Google, Novartis</a:t>
+            </a:r>
+          </a:p>
+          <a:p>
+            <a:pPr eaLnBrk="1" hangingPunct="1">
+              <a:lnSpc>
+                <a:spcPct val="90000"/>
+              </a:lnSpc>
+            </a:pPr>
+            <a:r>
+              <a:rPr lang="en-US" altLang="en-US" sz="2400" dirty="0">
+                <a:latin typeface="+mj-lt"/>
+              </a:rPr>
+              <a:t>Industries: Corporate/Education/Scientific Research</a:t>
+            </a:r>
+          </a:p>
+          <a:p>
+            <a:pPr eaLnBrk="1" hangingPunct="1">
+              <a:lnSpc>
+                <a:spcPct val="90000"/>
+              </a:lnSpc>
+            </a:pPr>
+            <a:endParaRPr lang="en-US" altLang="en-US" sz="2400" dirty="0">
+              <a:latin typeface="+mj-lt"/>
+            </a:endParaRPr>
           </a:p>
           <a:p>
             <a:pPr marL="0" indent="0" eaLnBrk="1" hangingPunct="1">
@@ -12568,7 +15734,7 @@
     </p:spTree>
     <p:extLst>
       <p:ext uri="{BB962C8B-B14F-4D97-AF65-F5344CB8AC3E}">
-        <p14:creationId xmlns:p14="http://schemas.microsoft.com/office/powerpoint/2010/main" val="1208284396"/>
+        <p14:creationId xmlns:p14="http://schemas.microsoft.com/office/powerpoint/2010/main" val="1130443429"/>
       </p:ext>
     </p:extLst>
   </p:cSld>
@@ -12806,14 +15972,20 @@
               <a:defRPr/>
             </a:pPr>
             <a:r>
-              <a:rPr lang="en-US" altLang="en-US" sz="3600" dirty="0">
+              <a:rPr lang="en-US" altLang="en-US" sz="3600" dirty="0" err="1">
                 <a:solidFill>
                   <a:schemeClr val="accent3"/>
                 </a:solidFill>
                 <a:latin typeface="Arial" panose="020B0604020202020204" pitchFamily="34" charset="0"/>
               </a:rPr>
-              <a:t>SAS/JMP</a:t>
-            </a:r>
+              <a:t>Mplus</a:t>
+            </a:r>
+            <a:endParaRPr lang="en-US" altLang="en-US" sz="3600" dirty="0">
+              <a:solidFill>
+                <a:schemeClr val="accent3"/>
+              </a:solidFill>
+              <a:latin typeface="Arial" panose="020B0604020202020204" pitchFamily="34" charset="0"/>
+            </a:endParaRPr>
           </a:p>
         </p:txBody>
       </p:sp>
@@ -12856,7 +16028,20 @@
               <a:rPr lang="en-US" altLang="en-US" sz="2400" dirty="0">
                 <a:latin typeface="+mj-lt"/>
               </a:rPr>
-              <a:t>Fee-Based (North Carolina) </a:t>
+              <a:t>Fee-Based (UCLA, Los Angeles) </a:t>
+            </a:r>
+            <a:r>
+              <a:rPr lang="en-US" altLang="en-US" sz="2400" dirty="0">
+                <a:latin typeface="+mj-lt"/>
+                <a:hlinkClick r:id="rId2"/>
+              </a:rPr>
+              <a:t>https://www.statmodel.com/</a:t>
+            </a:r>
+            <a:r>
+              <a:rPr lang="en-US" altLang="en-US" sz="2400" dirty="0">
+                <a:latin typeface="+mj-lt"/>
+              </a:rPr>
+              <a:t> </a:t>
             </a:r>
           </a:p>
           <a:p>
@@ -12869,8 +16054,17 @@
               <a:rPr lang="en-US" altLang="en-US" sz="2400" dirty="0">
                 <a:latin typeface="+mj-lt"/>
               </a:rPr>
-              <a:t>Platforms: SAS</a:t>
-            </a:r>
+              <a:t>Platforms: </a:t>
+            </a:r>
+            <a:r>
+              <a:rPr lang="en-US" altLang="en-US" sz="2400" dirty="0" err="1">
+                <a:latin typeface="+mj-lt"/>
+              </a:rPr>
+              <a:t>Mplus</a:t>
+            </a:r>
+            <a:endParaRPr lang="en-US" altLang="en-US" sz="2400" dirty="0">
+              <a:latin typeface="+mj-lt"/>
+            </a:endParaRPr>
           </a:p>
           <a:p>
             <a:pPr eaLnBrk="1" hangingPunct="1">
@@ -12882,8 +16076,18 @@
               <a:rPr lang="en-US" altLang="en-US" sz="2400" dirty="0">
                 <a:latin typeface="+mj-lt"/>
               </a:rPr>
-              <a:t>Industries: Primarily corporate, some educational</a:t>
-            </a:r>
+              <a:t>Industries: Primarily Scientific Research/Education</a:t>
+            </a:r>
+          </a:p>
+          <a:p>
+            <a:pPr eaLnBrk="1" hangingPunct="1">
+              <a:lnSpc>
+                <a:spcPct val="90000"/>
+              </a:lnSpc>
+            </a:pPr>
+            <a:endParaRPr lang="en-US" altLang="en-US" sz="2400" dirty="0">
+              <a:latin typeface="+mj-lt"/>
+            </a:endParaRPr>
           </a:p>
           <a:p>
             <a:pPr marL="0" indent="0" eaLnBrk="1" hangingPunct="1">
@@ -12901,7 +16105,7 @@
     </p:spTree>
     <p:extLst>
       <p:ext uri="{BB962C8B-B14F-4D97-AF65-F5344CB8AC3E}">
-        <p14:creationId xmlns:p14="http://schemas.microsoft.com/office/powerpoint/2010/main" val="503692358"/>
+        <p14:creationId xmlns:p14="http://schemas.microsoft.com/office/powerpoint/2010/main" val="105433802"/>
       </p:ext>
     </p:extLst>
   </p:cSld>
@@ -12985,7 +16189,7 @@
                 </a:solidFill>
                 <a:latin typeface="Arial" panose="020B0604020202020204" pitchFamily="34" charset="0"/>
               </a:rPr>
-              <a:t>IDEs</a:t>
+              <a:t>SPSS/AMOS</a:t>
             </a:r>
           </a:p>
         </p:txBody>
@@ -13029,82 +16233,33 @@
               <a:rPr lang="en-US" altLang="en-US" sz="2400" dirty="0">
                 <a:latin typeface="+mj-lt"/>
               </a:rPr>
-              <a:t>Why do things such as Integrated Development Environments exist?</a:t>
-            </a:r>
-          </a:p>
-          <a:p>
-            <a:pPr lvl="1" eaLnBrk="1" hangingPunct="1">
+              <a:t>Fee-Based (IBM) </a:t>
+            </a:r>
+          </a:p>
+          <a:p>
+            <a:pPr eaLnBrk="1" hangingPunct="1">
               <a:lnSpc>
                 <a:spcPct val="90000"/>
               </a:lnSpc>
             </a:pPr>
             <a:r>
-              <a:rPr lang="en-US" altLang="en-US" sz="2000" dirty="0">
+              <a:rPr lang="en-US" altLang="en-US" sz="2400" dirty="0">
                 <a:latin typeface="+mj-lt"/>
               </a:rPr>
-              <a:t>Allow flexibility for quantitative lifting (computer resource usage), GUI aesthetic customization, specifically related to open-source software.</a:t>
-            </a:r>
-          </a:p>
-          <a:p>
-            <a:pPr lvl="1" eaLnBrk="1" hangingPunct="1">
+              <a:t>Platforms: SPSS/AMOS</a:t>
+            </a:r>
+          </a:p>
+          <a:p>
+            <a:pPr eaLnBrk="1" hangingPunct="1">
               <a:lnSpc>
                 <a:spcPct val="90000"/>
               </a:lnSpc>
             </a:pPr>
             <a:r>
-              <a:rPr lang="en-US" altLang="en-US" sz="2000" dirty="0">
+              <a:rPr lang="en-US" altLang="en-US" sz="2400" dirty="0">
                 <a:latin typeface="+mj-lt"/>
               </a:rPr>
-              <a:t>IDEs can be locally installed (Atom, </a:t>
-            </a:r>
-            <a:r>
-              <a:rPr lang="en-US" altLang="en-US" sz="2000" dirty="0" err="1">
-                <a:latin typeface="+mj-lt"/>
-              </a:rPr>
-              <a:t>Powershell</a:t>
-            </a:r>
-            <a:r>
-              <a:rPr lang="en-US" altLang="en-US" sz="2000" dirty="0">
-                <a:latin typeface="+mj-lt"/>
-              </a:rPr>
-              <a:t>) or cloud-based (</a:t>
-            </a:r>
-            <a:r>
-              <a:rPr lang="en-US" altLang="en-US" sz="2000" dirty="0" err="1">
-                <a:latin typeface="+mj-lt"/>
-              </a:rPr>
-              <a:t>Jupyter</a:t>
-            </a:r>
-            <a:r>
-              <a:rPr lang="en-US" altLang="en-US" sz="2000" dirty="0">
-                <a:latin typeface="+mj-lt"/>
-              </a:rPr>
-              <a:t> Notebooks, Google </a:t>
-            </a:r>
-            <a:r>
-              <a:rPr lang="en-US" altLang="en-US" sz="2000" dirty="0" err="1">
-                <a:latin typeface="+mj-lt"/>
-              </a:rPr>
-              <a:t>Colab</a:t>
-            </a:r>
-            <a:r>
-              <a:rPr lang="en-US" altLang="en-US" sz="2000" dirty="0">
-                <a:latin typeface="+mj-lt"/>
-              </a:rPr>
-              <a:t>).</a:t>
-            </a:r>
-          </a:p>
-          <a:p>
-            <a:pPr lvl="1" eaLnBrk="1" hangingPunct="1">
-              <a:lnSpc>
-                <a:spcPct val="90000"/>
-              </a:lnSpc>
-            </a:pPr>
-            <a:r>
-              <a:rPr lang="en-US" altLang="en-US" sz="2000" dirty="0">
-                <a:latin typeface="+mj-lt"/>
-              </a:rPr>
-              <a:t>Provides forgiveness and assistances when scripting.</a:t>
+              <a:t>Industries: Primarily Scientific Research/Education, some corporate</a:t>
             </a:r>
           </a:p>
           <a:p>
@@ -13133,7 +16288,7 @@
     </p:spTree>
     <p:extLst>
       <p:ext uri="{BB962C8B-B14F-4D97-AF65-F5344CB8AC3E}">
-        <p14:creationId xmlns:p14="http://schemas.microsoft.com/office/powerpoint/2010/main" val="1018957753"/>
+        <p14:creationId xmlns:p14="http://schemas.microsoft.com/office/powerpoint/2010/main" val="370374881"/>
       </p:ext>
     </p:extLst>
   </p:cSld>
@@ -13217,7 +16372,7 @@
                 </a:solidFill>
                 <a:latin typeface="Arial" panose="020B0604020202020204" pitchFamily="34" charset="0"/>
               </a:rPr>
-              <a:t>Resources</a:t>
+              <a:t>Alteryx</a:t>
             </a:r>
           </a:p>
         </p:txBody>
@@ -13258,29 +16413,10 @@
               </a:lnSpc>
             </a:pPr>
             <a:r>
-              <a:rPr lang="en-US" altLang="en-US" sz="2400" dirty="0" err="1">
-                <a:latin typeface="+mj-lt"/>
-              </a:rPr>
-              <a:t>Stackoverflow</a:t>
-            </a:r>
-            <a:r>
               <a:rPr lang="en-US" altLang="en-US" sz="2400" dirty="0">
                 <a:latin typeface="+mj-lt"/>
               </a:rPr>
-              <a:t> </a:t>
-            </a:r>
-            <a:r>
-              <a:rPr lang="en-US" altLang="en-US" sz="2400" dirty="0">
-                <a:latin typeface="+mj-lt"/>
-                <a:hlinkClick r:id="rId2"/>
-              </a:rPr>
-              <a:t>(https://stackoverflow.com/</a:t>
-            </a:r>
-            <a:r>
-              <a:rPr lang="en-US" altLang="en-US" sz="2400" dirty="0">
-                <a:latin typeface="+mj-lt"/>
-              </a:rPr>
-              <a:t>)</a:t>
+              <a:t>Fee-Based (Irvine, CA) </a:t>
             </a:r>
           </a:p>
           <a:p>
@@ -13293,20 +16429,7 @@
               <a:rPr lang="en-US" altLang="en-US" sz="2400" dirty="0">
                 <a:latin typeface="+mj-lt"/>
               </a:rPr>
-              <a:t>Medium (</a:t>
-            </a:r>
-            <a:r>
-              <a:rPr lang="en-US" altLang="en-US" sz="2400" dirty="0">
-                <a:latin typeface="+mj-lt"/>
-                <a:hlinkClick r:id="rId3"/>
-              </a:rPr>
-              <a:t>https://medium.com/tag/data-analysis</a:t>
-            </a:r>
-            <a:r>
-              <a:rPr lang="en-US" altLang="en-US" sz="2400" dirty="0">
-                <a:latin typeface="+mj-lt"/>
-              </a:rPr>
-              <a:t>)</a:t>
+              <a:t>Platforms: Alteryx</a:t>
             </a:r>
           </a:p>
           <a:p>
@@ -13316,40 +16439,11 @@
               </a:lnSpc>
             </a:pPr>
             <a:r>
-              <a:rPr lang="en-US" altLang="en-US" sz="2400" dirty="0" err="1">
-                <a:latin typeface="+mj-lt"/>
-              </a:rPr>
-              <a:t>Github</a:t>
-            </a:r>
-            <a:r>
               <a:rPr lang="en-US" altLang="en-US" sz="2400" dirty="0">
                 <a:latin typeface="+mj-lt"/>
               </a:rPr>
-              <a:t> (</a:t>
-            </a:r>
-            <a:r>
-              <a:rPr lang="en-US" altLang="en-US" sz="2400" dirty="0">
-                <a:latin typeface="+mj-lt"/>
-                <a:hlinkClick r:id="rId4"/>
-              </a:rPr>
-              <a:t>https://github.com/</a:t>
-            </a:r>
-            <a:r>
-              <a:rPr lang="en-US" altLang="en-US" sz="2400" dirty="0">
-                <a:latin typeface="+mj-lt"/>
-              </a:rPr>
-              <a:t>) </a:t>
-            </a:r>
-          </a:p>
-          <a:p>
-            <a:pPr eaLnBrk="1" hangingPunct="1">
-              <a:lnSpc>
-                <a:spcPct val="90000"/>
-              </a:lnSpc>
-            </a:pPr>
-            <a:endParaRPr lang="en-US" altLang="en-US" sz="2400" dirty="0">
-              <a:latin typeface="+mj-lt"/>
-            </a:endParaRPr>
+              <a:t>Industries: Primarily corporate</a:t>
+            </a:r>
           </a:p>
           <a:p>
             <a:pPr marL="0" indent="0" eaLnBrk="1" hangingPunct="1">
@@ -13367,7 +16461,7 @@
     </p:spTree>
     <p:extLst>
       <p:ext uri="{BB962C8B-B14F-4D97-AF65-F5344CB8AC3E}">
-        <p14:creationId xmlns:p14="http://schemas.microsoft.com/office/powerpoint/2010/main" val="1443130278"/>
+        <p14:creationId xmlns:p14="http://schemas.microsoft.com/office/powerpoint/2010/main" val="1208284396"/>
       </p:ext>
     </p:extLst>
   </p:cSld>
@@ -13451,7 +16545,7 @@
                 </a:solidFill>
                 <a:latin typeface="Arial" panose="020B0604020202020204" pitchFamily="34" charset="0"/>
               </a:rPr>
-              <a:t>Part 4: Session Overview</a:t>
+              <a:t>SAS/JMP</a:t>
             </a:r>
           </a:p>
         </p:txBody>
@@ -13495,7 +16589,7 @@
               <a:rPr lang="en-US" altLang="en-US" sz="2400" dirty="0">
                 <a:latin typeface="+mj-lt"/>
               </a:rPr>
-              <a:t>Explore how models are evaluated and fine-tuned for performance assessment.</a:t>
+              <a:t>Fee-Based (North Carolina) </a:t>
             </a:r>
           </a:p>
           <a:p>
@@ -13504,9 +16598,25 @@
                 <a:spcPct val="90000"/>
               </a:lnSpc>
             </a:pPr>
-            <a:endParaRPr lang="en-US" altLang="en-US" sz="2400" dirty="0">
-              <a:latin typeface="+mj-lt"/>
-            </a:endParaRPr>
+            <a:r>
+              <a:rPr lang="en-US" altLang="en-US" sz="2400" dirty="0">
+                <a:latin typeface="+mj-lt"/>
+              </a:rPr>
+              <a:t>Platforms: SAS</a:t>
+            </a:r>
+          </a:p>
+          <a:p>
+            <a:pPr eaLnBrk="1" hangingPunct="1">
+              <a:lnSpc>
+                <a:spcPct val="90000"/>
+              </a:lnSpc>
+            </a:pPr>
+            <a:r>
+              <a:rPr lang="en-US" altLang="en-US" sz="2400" dirty="0">
+                <a:latin typeface="+mj-lt"/>
+              </a:rPr>
+              <a:t>Industries: Primarily corporate, some educational</a:t>
+            </a:r>
           </a:p>
           <a:p>
             <a:pPr marL="0" indent="0" eaLnBrk="1" hangingPunct="1">
@@ -13524,7 +16634,7 @@
     </p:spTree>
     <p:extLst>
       <p:ext uri="{BB962C8B-B14F-4D97-AF65-F5344CB8AC3E}">
-        <p14:creationId xmlns:p14="http://schemas.microsoft.com/office/powerpoint/2010/main" val="1227480249"/>
+        <p14:creationId xmlns:p14="http://schemas.microsoft.com/office/powerpoint/2010/main" val="503692358"/>
       </p:ext>
     </p:extLst>
   </p:cSld>
@@ -13608,7 +16718,7 @@
                 </a:solidFill>
                 <a:latin typeface="Arial" panose="020B0604020202020204" pitchFamily="34" charset="0"/>
               </a:rPr>
-              <a:t>Title</a:t>
+              <a:t>IDEs</a:t>
             </a:r>
           </a:p>
         </p:txBody>
@@ -13652,7 +16762,82 @@
               <a:rPr lang="en-US" altLang="en-US" sz="2400" dirty="0">
                 <a:latin typeface="+mj-lt"/>
               </a:rPr>
-              <a:t>Text</a:t>
+              <a:t>Why do things such as Integrated Development Environments exist?</a:t>
+            </a:r>
+          </a:p>
+          <a:p>
+            <a:pPr lvl="1" eaLnBrk="1" hangingPunct="1">
+              <a:lnSpc>
+                <a:spcPct val="90000"/>
+              </a:lnSpc>
+            </a:pPr>
+            <a:r>
+              <a:rPr lang="en-US" altLang="en-US" sz="2000" dirty="0">
+                <a:latin typeface="+mj-lt"/>
+              </a:rPr>
+              <a:t>Allow flexibility for quantitative lifting (computer resource usage), GUI aesthetic customization, specifically related to open-source software.</a:t>
+            </a:r>
+          </a:p>
+          <a:p>
+            <a:pPr lvl="1" eaLnBrk="1" hangingPunct="1">
+              <a:lnSpc>
+                <a:spcPct val="90000"/>
+              </a:lnSpc>
+            </a:pPr>
+            <a:r>
+              <a:rPr lang="en-US" altLang="en-US" sz="2000" dirty="0">
+                <a:latin typeface="+mj-lt"/>
+              </a:rPr>
+              <a:t>IDEs can be locally installed (Atom, </a:t>
+            </a:r>
+            <a:r>
+              <a:rPr lang="en-US" altLang="en-US" sz="2000" dirty="0" err="1">
+                <a:latin typeface="+mj-lt"/>
+              </a:rPr>
+              <a:t>Powershell</a:t>
+            </a:r>
+            <a:r>
+              <a:rPr lang="en-US" altLang="en-US" sz="2000" dirty="0">
+                <a:latin typeface="+mj-lt"/>
+              </a:rPr>
+              <a:t>) or cloud-based (</a:t>
+            </a:r>
+            <a:r>
+              <a:rPr lang="en-US" altLang="en-US" sz="2000" dirty="0" err="1">
+                <a:latin typeface="+mj-lt"/>
+              </a:rPr>
+              <a:t>Jupyter</a:t>
+            </a:r>
+            <a:r>
+              <a:rPr lang="en-US" altLang="en-US" sz="2000" dirty="0">
+                <a:latin typeface="+mj-lt"/>
+              </a:rPr>
+              <a:t> Notebooks, Google </a:t>
+            </a:r>
+            <a:r>
+              <a:rPr lang="en-US" altLang="en-US" sz="2000" dirty="0" err="1">
+                <a:latin typeface="+mj-lt"/>
+              </a:rPr>
+              <a:t>Colab</a:t>
+            </a:r>
+            <a:r>
+              <a:rPr lang="en-US" altLang="en-US" sz="2000" dirty="0">
+                <a:latin typeface="+mj-lt"/>
+              </a:rPr>
+              <a:t>).</a:t>
+            </a:r>
+          </a:p>
+          <a:p>
+            <a:pPr lvl="1" eaLnBrk="1" hangingPunct="1">
+              <a:lnSpc>
+                <a:spcPct val="90000"/>
+              </a:lnSpc>
+            </a:pPr>
+            <a:r>
+              <a:rPr lang="en-US" altLang="en-US" sz="2000" dirty="0">
+                <a:latin typeface="+mj-lt"/>
+              </a:rPr>
+              <a:t>Provides forgiveness and assistances when scripting.</a:t>
             </a:r>
           </a:p>
           <a:p>
@@ -13681,7 +16866,7 @@
     </p:spTree>
     <p:extLst>
       <p:ext uri="{BB962C8B-B14F-4D97-AF65-F5344CB8AC3E}">
-        <p14:creationId xmlns:p14="http://schemas.microsoft.com/office/powerpoint/2010/main" val="4267953247"/>
+        <p14:creationId xmlns:p14="http://schemas.microsoft.com/office/powerpoint/2010/main" val="1018957753"/>
       </p:ext>
     </p:extLst>
   </p:cSld>
@@ -13765,7 +16950,7 @@
                 </a:solidFill>
                 <a:latin typeface="Arial" panose="020B0604020202020204" pitchFamily="34" charset="0"/>
               </a:rPr>
-              <a:t>Title</a:t>
+              <a:t>Resources</a:t>
             </a:r>
           </a:p>
         </p:txBody>
@@ -13806,10 +16991,87 @@
               </a:lnSpc>
             </a:pPr>
             <a:r>
+              <a:rPr lang="en-US" altLang="en-US" sz="2400" dirty="0" err="1">
+                <a:latin typeface="+mj-lt"/>
+              </a:rPr>
+              <a:t>Stackoverflow</a:t>
+            </a:r>
+            <a:r>
               <a:rPr lang="en-US" altLang="en-US" sz="2400" dirty="0">
                 <a:latin typeface="+mj-lt"/>
               </a:rPr>
-              <a:t>Text</a:t>
+              <a:t> </a:t>
+            </a:r>
+            <a:r>
+              <a:rPr lang="en-US" altLang="en-US" sz="2400" dirty="0">
+                <a:latin typeface="+mj-lt"/>
+                <a:hlinkClick r:id="rId2"/>
+              </a:rPr>
+              <a:t>(https://stackoverflow.com/</a:t>
+            </a:r>
+            <a:r>
+              <a:rPr lang="en-US" altLang="en-US" sz="2400" dirty="0">
+                <a:latin typeface="+mj-lt"/>
+              </a:rPr>
+              <a:t>)</a:t>
+            </a:r>
+          </a:p>
+          <a:p>
+            <a:pPr eaLnBrk="1" hangingPunct="1">
+              <a:lnSpc>
+                <a:spcPct val="90000"/>
+              </a:lnSpc>
+            </a:pPr>
+            <a:r>
+              <a:rPr lang="en-US" altLang="en-US" sz="2400" dirty="0">
+                <a:latin typeface="+mj-lt"/>
+              </a:rPr>
+              <a:t>Medium (</a:t>
+            </a:r>
+            <a:r>
+              <a:rPr lang="en-US" altLang="en-US" sz="2400" dirty="0">
+                <a:latin typeface="+mj-lt"/>
+                <a:hlinkClick r:id="rId3"/>
+              </a:rPr>
+              <a:t>https://medium.com/tag/data-analysis</a:t>
+            </a:r>
+            <a:r>
+              <a:rPr lang="en-US" altLang="en-US" sz="2400" dirty="0">
+                <a:latin typeface="+mj-lt"/>
+              </a:rPr>
+              <a:t>)</a:t>
+            </a:r>
+          </a:p>
+          <a:p>
+            <a:pPr eaLnBrk="1" hangingPunct="1">
+              <a:lnSpc>
+                <a:spcPct val="90000"/>
+              </a:lnSpc>
+            </a:pPr>
+            <a:r>
+              <a:rPr lang="en-US" altLang="en-US" sz="2400" dirty="0" err="1">
+                <a:latin typeface="+mj-lt"/>
+              </a:rPr>
+              <a:t>Github</a:t>
+            </a:r>
+            <a:r>
+              <a:rPr lang="en-US" altLang="en-US" sz="2400" dirty="0">
+                <a:latin typeface="+mj-lt"/>
+              </a:rPr>
+              <a:t> (</a:t>
+            </a:r>
+            <a:r>
+              <a:rPr lang="en-US" altLang="en-US" sz="2400" dirty="0">
+                <a:latin typeface="+mj-lt"/>
+                <a:hlinkClick r:id="rId4"/>
+              </a:rPr>
+              <a:t>https://github.com/</a:t>
+            </a:r>
+            <a:r>
+              <a:rPr lang="en-US" altLang="en-US" sz="2400" dirty="0">
+                <a:latin typeface="+mj-lt"/>
+              </a:rPr>
+              <a:t>) </a:t>
             </a:r>
           </a:p>
           <a:p>
@@ -13838,7 +17100,7 @@
     </p:spTree>
     <p:extLst>
       <p:ext uri="{BB962C8B-B14F-4D97-AF65-F5344CB8AC3E}">
-        <p14:creationId xmlns:p14="http://schemas.microsoft.com/office/powerpoint/2010/main" val="310791741"/>
+        <p14:creationId xmlns:p14="http://schemas.microsoft.com/office/powerpoint/2010/main" val="1443130278"/>
       </p:ext>
     </p:extLst>
   </p:cSld>
@@ -13922,7 +17184,7 @@
                 </a:solidFill>
                 <a:latin typeface="Arial" panose="020B0604020202020204" pitchFamily="34" charset="0"/>
               </a:rPr>
-              <a:t>Title</a:t>
+              <a:t>Part 4: Session Overview</a:t>
             </a:r>
           </a:p>
         </p:txBody>
@@ -13966,7 +17228,7 @@
               <a:rPr lang="en-US" altLang="en-US" sz="2400" dirty="0">
                 <a:latin typeface="+mj-lt"/>
               </a:rPr>
-              <a:t>Text</a:t>
+              <a:t>Explore how models are evaluated and fine-tuned for performance assessment.</a:t>
             </a:r>
           </a:p>
           <a:p>
@@ -13995,7 +17257,7 @@
     </p:spTree>
     <p:extLst>
       <p:ext uri="{BB962C8B-B14F-4D97-AF65-F5344CB8AC3E}">
-        <p14:creationId xmlns:p14="http://schemas.microsoft.com/office/powerpoint/2010/main" val="1606901699"/>
+        <p14:creationId xmlns:p14="http://schemas.microsoft.com/office/powerpoint/2010/main" val="1227480249"/>
       </p:ext>
     </p:extLst>
   </p:cSld>
@@ -14152,7 +17414,7 @@
     </p:spTree>
     <p:extLst>
       <p:ext uri="{BB962C8B-B14F-4D97-AF65-F5344CB8AC3E}">
-        <p14:creationId xmlns:p14="http://schemas.microsoft.com/office/powerpoint/2010/main" val="2192501351"/>
+        <p14:creationId xmlns:p14="http://schemas.microsoft.com/office/powerpoint/2010/main" val="4267953247"/>
       </p:ext>
     </p:extLst>
   </p:cSld>
@@ -14309,7 +17571,7 @@
     </p:spTree>
     <p:extLst>
       <p:ext uri="{BB962C8B-B14F-4D97-AF65-F5344CB8AC3E}">
-        <p14:creationId xmlns:p14="http://schemas.microsoft.com/office/powerpoint/2010/main" val="2447733430"/>
+        <p14:creationId xmlns:p14="http://schemas.microsoft.com/office/powerpoint/2010/main" val="310791741"/>
       </p:ext>
     </p:extLst>
   </p:cSld>
@@ -14466,7 +17728,7 @@
     </p:spTree>
     <p:extLst>
       <p:ext uri="{BB962C8B-B14F-4D97-AF65-F5344CB8AC3E}">
-        <p14:creationId xmlns:p14="http://schemas.microsoft.com/office/powerpoint/2010/main" val="4166385818"/>
+        <p14:creationId xmlns:p14="http://schemas.microsoft.com/office/powerpoint/2010/main" val="1606901699"/>
       </p:ext>
     </p:extLst>
   </p:cSld>
@@ -15122,7 +18384,7 @@
     </p:spTree>
     <p:extLst>
       <p:ext uri="{BB962C8B-B14F-4D97-AF65-F5344CB8AC3E}">
-        <p14:creationId xmlns:p14="http://schemas.microsoft.com/office/powerpoint/2010/main" val="117214023"/>
+        <p14:creationId xmlns:p14="http://schemas.microsoft.com/office/powerpoint/2010/main" val="2192501351"/>
       </p:ext>
     </p:extLst>
   </p:cSld>
@@ -15279,7 +18541,7 @@
     </p:spTree>
     <p:extLst>
       <p:ext uri="{BB962C8B-B14F-4D97-AF65-F5344CB8AC3E}">
-        <p14:creationId xmlns:p14="http://schemas.microsoft.com/office/powerpoint/2010/main" val="1466735998"/>
+        <p14:creationId xmlns:p14="http://schemas.microsoft.com/office/powerpoint/2010/main" val="2447733430"/>
       </p:ext>
     </p:extLst>
   </p:cSld>
@@ -15436,6 +18698,477 @@
     </p:spTree>
     <p:extLst>
       <p:ext uri="{BB962C8B-B14F-4D97-AF65-F5344CB8AC3E}">
+        <p14:creationId xmlns:p14="http://schemas.microsoft.com/office/powerpoint/2010/main" val="4166385818"/>
+      </p:ext>
+    </p:extLst>
+  </p:cSld>
+  <p:clrMapOvr>
+    <a:masterClrMapping/>
+  </p:clrMapOvr>
+</p:sld>
+</file>
+
+<file path=ppt/slides/slide43.xml><?xml version="1.0" encoding="utf-8"?>
+<p:sld xmlns:a="http://schemas.openxmlformats.org/drawingml/2006/main" xmlns:r="http://schemas.openxmlformats.org/officeDocument/2006/relationships" xmlns:p="http://schemas.openxmlformats.org/presentationml/2006/main">
+  <p:cSld>
+    <p:spTree>
+      <p:nvGrpSpPr>
+        <p:cNvPr id="1" name=""/>
+        <p:cNvGrpSpPr/>
+        <p:nvPr/>
+      </p:nvGrpSpPr>
+      <p:grpSpPr>
+        <a:xfrm>
+          <a:off x="0" y="0"/>
+          <a:ext cx="0" cy="0"/>
+          <a:chOff x="0" y="0"/>
+          <a:chExt cx="0" cy="0"/>
+        </a:xfrm>
+      </p:grpSpPr>
+      <p:sp>
+        <p:nvSpPr>
+          <p:cNvPr id="17410" name="Title 1"/>
+          <p:cNvSpPr>
+            <a:spLocks noGrp="1"/>
+          </p:cNvSpPr>
+          <p:nvPr>
+            <p:ph type="title" idx="4294967295"/>
+          </p:nvPr>
+        </p:nvSpPr>
+        <p:spPr bwMode="auto">
+          <a:xfrm>
+            <a:off x="76200" y="76200"/>
+            <a:ext cx="12039600" cy="685800"/>
+          </a:xfrm>
+          <a:prstGeom prst="rect">
+            <a:avLst/>
+          </a:prstGeom>
+          <a:noFill/>
+          <a:extLst>
+            <a:ext uri="{909E8E84-426E-40DD-AFC4-6F175D3DCCD1}">
+              <a14:hiddenFill xmlns:a14="http://schemas.microsoft.com/office/drawing/2010/main">
+                <a:solidFill>
+                  <a:srgbClr val="FFFFFF"/>
+                </a:solidFill>
+              </a14:hiddenFill>
+            </a:ext>
+            <a:ext uri="{91240B29-F687-4F45-9708-019B960494DF}">
+              <a14:hiddenLine xmlns:a14="http://schemas.microsoft.com/office/drawing/2010/main" w="9525">
+                <a:solidFill>
+                  <a:srgbClr val="000000"/>
+                </a:solidFill>
+                <a:miter lim="800000"/>
+                <a:headEnd/>
+                <a:tailEnd/>
+              </a14:hiddenLine>
+            </a:ext>
+          </a:extLst>
+        </p:spPr>
+        <p:txBody>
+          <a:bodyPr vert="horz" wrap="square" lIns="91440" tIns="45720" rIns="91440" bIns="45720" numCol="1" anchor="t" anchorCtr="0" compatLnSpc="1">
+            <a:prstTxWarp prst="textNoShape">
+              <a:avLst/>
+            </a:prstTxWarp>
+          </a:bodyPr>
+          <a:lstStyle/>
+          <a:p>
+            <a:pPr>
+              <a:defRPr/>
+            </a:pPr>
+            <a:r>
+              <a:rPr lang="en-US" altLang="en-US" sz="3600" dirty="0">
+                <a:solidFill>
+                  <a:schemeClr val="accent3"/>
+                </a:solidFill>
+                <a:latin typeface="Arial" panose="020B0604020202020204" pitchFamily="34" charset="0"/>
+              </a:rPr>
+              <a:t>Title</a:t>
+            </a:r>
+          </a:p>
+        </p:txBody>
+      </p:sp>
+      <p:sp>
+        <p:nvSpPr>
+          <p:cNvPr id="17411" name="Content Placeholder 2"/>
+          <p:cNvSpPr>
+            <a:spLocks noGrp="1"/>
+          </p:cNvSpPr>
+          <p:nvPr>
+            <p:ph idx="1"/>
+          </p:nvPr>
+        </p:nvSpPr>
+        <p:spPr>
+          <a:xfrm>
+            <a:off x="419100" y="1676400"/>
+            <a:ext cx="11353800" cy="2667000"/>
+          </a:xfrm>
+        </p:spPr>
+        <p:txBody>
+          <a:bodyPr/>
+          <a:lstStyle/>
+          <a:p>
+            <a:pPr eaLnBrk="1" hangingPunct="1">
+              <a:lnSpc>
+                <a:spcPct val="90000"/>
+              </a:lnSpc>
+            </a:pPr>
+            <a:endParaRPr lang="en-US" altLang="en-US" sz="2400" dirty="0">
+              <a:latin typeface="+mj-lt"/>
+            </a:endParaRPr>
+          </a:p>
+          <a:p>
+            <a:pPr eaLnBrk="1" hangingPunct="1">
+              <a:lnSpc>
+                <a:spcPct val="90000"/>
+              </a:lnSpc>
+            </a:pPr>
+            <a:r>
+              <a:rPr lang="en-US" altLang="en-US" sz="2400" dirty="0">
+                <a:latin typeface="+mj-lt"/>
+              </a:rPr>
+              <a:t>Text</a:t>
+            </a:r>
+          </a:p>
+          <a:p>
+            <a:pPr eaLnBrk="1" hangingPunct="1">
+              <a:lnSpc>
+                <a:spcPct val="90000"/>
+              </a:lnSpc>
+            </a:pPr>
+            <a:endParaRPr lang="en-US" altLang="en-US" sz="2400" dirty="0">
+              <a:latin typeface="+mj-lt"/>
+            </a:endParaRPr>
+          </a:p>
+          <a:p>
+            <a:pPr marL="0" indent="0" eaLnBrk="1" hangingPunct="1">
+              <a:lnSpc>
+                <a:spcPct val="90000"/>
+              </a:lnSpc>
+              <a:buNone/>
+            </a:pPr>
+            <a:endParaRPr lang="en-US" altLang="en-US" sz="2400" dirty="0">
+              <a:latin typeface="+mj-lt"/>
+            </a:endParaRPr>
+          </a:p>
+        </p:txBody>
+      </p:sp>
+    </p:spTree>
+    <p:extLst>
+      <p:ext uri="{BB962C8B-B14F-4D97-AF65-F5344CB8AC3E}">
+        <p14:creationId xmlns:p14="http://schemas.microsoft.com/office/powerpoint/2010/main" val="117214023"/>
+      </p:ext>
+    </p:extLst>
+  </p:cSld>
+  <p:clrMapOvr>
+    <a:masterClrMapping/>
+  </p:clrMapOvr>
+</p:sld>
+</file>
+
+<file path=ppt/slides/slide44.xml><?xml version="1.0" encoding="utf-8"?>
+<p:sld xmlns:a="http://schemas.openxmlformats.org/drawingml/2006/main" xmlns:r="http://schemas.openxmlformats.org/officeDocument/2006/relationships" xmlns:p="http://schemas.openxmlformats.org/presentationml/2006/main">
+  <p:cSld>
+    <p:spTree>
+      <p:nvGrpSpPr>
+        <p:cNvPr id="1" name=""/>
+        <p:cNvGrpSpPr/>
+        <p:nvPr/>
+      </p:nvGrpSpPr>
+      <p:grpSpPr>
+        <a:xfrm>
+          <a:off x="0" y="0"/>
+          <a:ext cx="0" cy="0"/>
+          <a:chOff x="0" y="0"/>
+          <a:chExt cx="0" cy="0"/>
+        </a:xfrm>
+      </p:grpSpPr>
+      <p:sp>
+        <p:nvSpPr>
+          <p:cNvPr id="17410" name="Title 1"/>
+          <p:cNvSpPr>
+            <a:spLocks noGrp="1"/>
+          </p:cNvSpPr>
+          <p:nvPr>
+            <p:ph type="title" idx="4294967295"/>
+          </p:nvPr>
+        </p:nvSpPr>
+        <p:spPr bwMode="auto">
+          <a:xfrm>
+            <a:off x="76200" y="76200"/>
+            <a:ext cx="12039600" cy="685800"/>
+          </a:xfrm>
+          <a:prstGeom prst="rect">
+            <a:avLst/>
+          </a:prstGeom>
+          <a:noFill/>
+          <a:extLst>
+            <a:ext uri="{909E8E84-426E-40DD-AFC4-6F175D3DCCD1}">
+              <a14:hiddenFill xmlns:a14="http://schemas.microsoft.com/office/drawing/2010/main">
+                <a:solidFill>
+                  <a:srgbClr val="FFFFFF"/>
+                </a:solidFill>
+              </a14:hiddenFill>
+            </a:ext>
+            <a:ext uri="{91240B29-F687-4F45-9708-019B960494DF}">
+              <a14:hiddenLine xmlns:a14="http://schemas.microsoft.com/office/drawing/2010/main" w="9525">
+                <a:solidFill>
+                  <a:srgbClr val="000000"/>
+                </a:solidFill>
+                <a:miter lim="800000"/>
+                <a:headEnd/>
+                <a:tailEnd/>
+              </a14:hiddenLine>
+            </a:ext>
+          </a:extLst>
+        </p:spPr>
+        <p:txBody>
+          <a:bodyPr vert="horz" wrap="square" lIns="91440" tIns="45720" rIns="91440" bIns="45720" numCol="1" anchor="t" anchorCtr="0" compatLnSpc="1">
+            <a:prstTxWarp prst="textNoShape">
+              <a:avLst/>
+            </a:prstTxWarp>
+          </a:bodyPr>
+          <a:lstStyle/>
+          <a:p>
+            <a:pPr>
+              <a:defRPr/>
+            </a:pPr>
+            <a:r>
+              <a:rPr lang="en-US" altLang="en-US" sz="3600" dirty="0">
+                <a:solidFill>
+                  <a:schemeClr val="accent3"/>
+                </a:solidFill>
+                <a:latin typeface="Arial" panose="020B0604020202020204" pitchFamily="34" charset="0"/>
+              </a:rPr>
+              <a:t>Title</a:t>
+            </a:r>
+          </a:p>
+        </p:txBody>
+      </p:sp>
+      <p:sp>
+        <p:nvSpPr>
+          <p:cNvPr id="17411" name="Content Placeholder 2"/>
+          <p:cNvSpPr>
+            <a:spLocks noGrp="1"/>
+          </p:cNvSpPr>
+          <p:nvPr>
+            <p:ph idx="1"/>
+          </p:nvPr>
+        </p:nvSpPr>
+        <p:spPr>
+          <a:xfrm>
+            <a:off x="419100" y="1676400"/>
+            <a:ext cx="11353800" cy="2667000"/>
+          </a:xfrm>
+        </p:spPr>
+        <p:txBody>
+          <a:bodyPr/>
+          <a:lstStyle/>
+          <a:p>
+            <a:pPr eaLnBrk="1" hangingPunct="1">
+              <a:lnSpc>
+                <a:spcPct val="90000"/>
+              </a:lnSpc>
+            </a:pPr>
+            <a:endParaRPr lang="en-US" altLang="en-US" sz="2400" dirty="0">
+              <a:latin typeface="+mj-lt"/>
+            </a:endParaRPr>
+          </a:p>
+          <a:p>
+            <a:pPr eaLnBrk="1" hangingPunct="1">
+              <a:lnSpc>
+                <a:spcPct val="90000"/>
+              </a:lnSpc>
+            </a:pPr>
+            <a:r>
+              <a:rPr lang="en-US" altLang="en-US" sz="2400" dirty="0">
+                <a:latin typeface="+mj-lt"/>
+              </a:rPr>
+              <a:t>Text</a:t>
+            </a:r>
+          </a:p>
+          <a:p>
+            <a:pPr eaLnBrk="1" hangingPunct="1">
+              <a:lnSpc>
+                <a:spcPct val="90000"/>
+              </a:lnSpc>
+            </a:pPr>
+            <a:endParaRPr lang="en-US" altLang="en-US" sz="2400" dirty="0">
+              <a:latin typeface="+mj-lt"/>
+            </a:endParaRPr>
+          </a:p>
+          <a:p>
+            <a:pPr marL="0" indent="0" eaLnBrk="1" hangingPunct="1">
+              <a:lnSpc>
+                <a:spcPct val="90000"/>
+              </a:lnSpc>
+              <a:buNone/>
+            </a:pPr>
+            <a:endParaRPr lang="en-US" altLang="en-US" sz="2400" dirty="0">
+              <a:latin typeface="+mj-lt"/>
+            </a:endParaRPr>
+          </a:p>
+        </p:txBody>
+      </p:sp>
+    </p:spTree>
+    <p:extLst>
+      <p:ext uri="{BB962C8B-B14F-4D97-AF65-F5344CB8AC3E}">
+        <p14:creationId xmlns:p14="http://schemas.microsoft.com/office/powerpoint/2010/main" val="1466735998"/>
+      </p:ext>
+    </p:extLst>
+  </p:cSld>
+  <p:clrMapOvr>
+    <a:masterClrMapping/>
+  </p:clrMapOvr>
+</p:sld>
+</file>
+
+<file path=ppt/slides/slide45.xml><?xml version="1.0" encoding="utf-8"?>
+<p:sld xmlns:a="http://schemas.openxmlformats.org/drawingml/2006/main" xmlns:r="http://schemas.openxmlformats.org/officeDocument/2006/relationships" xmlns:p="http://schemas.openxmlformats.org/presentationml/2006/main">
+  <p:cSld>
+    <p:spTree>
+      <p:nvGrpSpPr>
+        <p:cNvPr id="1" name=""/>
+        <p:cNvGrpSpPr/>
+        <p:nvPr/>
+      </p:nvGrpSpPr>
+      <p:grpSpPr>
+        <a:xfrm>
+          <a:off x="0" y="0"/>
+          <a:ext cx="0" cy="0"/>
+          <a:chOff x="0" y="0"/>
+          <a:chExt cx="0" cy="0"/>
+        </a:xfrm>
+      </p:grpSpPr>
+      <p:sp>
+        <p:nvSpPr>
+          <p:cNvPr id="17410" name="Title 1"/>
+          <p:cNvSpPr>
+            <a:spLocks noGrp="1"/>
+          </p:cNvSpPr>
+          <p:nvPr>
+            <p:ph type="title" idx="4294967295"/>
+          </p:nvPr>
+        </p:nvSpPr>
+        <p:spPr bwMode="auto">
+          <a:xfrm>
+            <a:off x="76200" y="76200"/>
+            <a:ext cx="12039600" cy="685800"/>
+          </a:xfrm>
+          <a:prstGeom prst="rect">
+            <a:avLst/>
+          </a:prstGeom>
+          <a:noFill/>
+          <a:extLst>
+            <a:ext uri="{909E8E84-426E-40DD-AFC4-6F175D3DCCD1}">
+              <a14:hiddenFill xmlns:a14="http://schemas.microsoft.com/office/drawing/2010/main">
+                <a:solidFill>
+                  <a:srgbClr val="FFFFFF"/>
+                </a:solidFill>
+              </a14:hiddenFill>
+            </a:ext>
+            <a:ext uri="{91240B29-F687-4F45-9708-019B960494DF}">
+              <a14:hiddenLine xmlns:a14="http://schemas.microsoft.com/office/drawing/2010/main" w="9525">
+                <a:solidFill>
+                  <a:srgbClr val="000000"/>
+                </a:solidFill>
+                <a:miter lim="800000"/>
+                <a:headEnd/>
+                <a:tailEnd/>
+              </a14:hiddenLine>
+            </a:ext>
+          </a:extLst>
+        </p:spPr>
+        <p:txBody>
+          <a:bodyPr vert="horz" wrap="square" lIns="91440" tIns="45720" rIns="91440" bIns="45720" numCol="1" anchor="t" anchorCtr="0" compatLnSpc="1">
+            <a:prstTxWarp prst="textNoShape">
+              <a:avLst/>
+            </a:prstTxWarp>
+          </a:bodyPr>
+          <a:lstStyle/>
+          <a:p>
+            <a:pPr>
+              <a:defRPr/>
+            </a:pPr>
+            <a:r>
+              <a:rPr lang="en-US" altLang="en-US" sz="3600" dirty="0">
+                <a:solidFill>
+                  <a:schemeClr val="accent3"/>
+                </a:solidFill>
+                <a:latin typeface="Arial" panose="020B0604020202020204" pitchFamily="34" charset="0"/>
+              </a:rPr>
+              <a:t>Title</a:t>
+            </a:r>
+          </a:p>
+        </p:txBody>
+      </p:sp>
+      <p:sp>
+        <p:nvSpPr>
+          <p:cNvPr id="17411" name="Content Placeholder 2"/>
+          <p:cNvSpPr>
+            <a:spLocks noGrp="1"/>
+          </p:cNvSpPr>
+          <p:nvPr>
+            <p:ph idx="1"/>
+          </p:nvPr>
+        </p:nvSpPr>
+        <p:spPr>
+          <a:xfrm>
+            <a:off x="419100" y="1676400"/>
+            <a:ext cx="11353800" cy="2667000"/>
+          </a:xfrm>
+        </p:spPr>
+        <p:txBody>
+          <a:bodyPr/>
+          <a:lstStyle/>
+          <a:p>
+            <a:pPr eaLnBrk="1" hangingPunct="1">
+              <a:lnSpc>
+                <a:spcPct val="90000"/>
+              </a:lnSpc>
+            </a:pPr>
+            <a:endParaRPr lang="en-US" altLang="en-US" sz="2400" dirty="0">
+              <a:latin typeface="+mj-lt"/>
+            </a:endParaRPr>
+          </a:p>
+          <a:p>
+            <a:pPr eaLnBrk="1" hangingPunct="1">
+              <a:lnSpc>
+                <a:spcPct val="90000"/>
+              </a:lnSpc>
+            </a:pPr>
+            <a:r>
+              <a:rPr lang="en-US" altLang="en-US" sz="2400" dirty="0">
+                <a:latin typeface="+mj-lt"/>
+              </a:rPr>
+              <a:t>Text</a:t>
+            </a:r>
+          </a:p>
+          <a:p>
+            <a:pPr eaLnBrk="1" hangingPunct="1">
+              <a:lnSpc>
+                <a:spcPct val="90000"/>
+              </a:lnSpc>
+            </a:pPr>
+            <a:endParaRPr lang="en-US" altLang="en-US" sz="2400" dirty="0">
+              <a:latin typeface="+mj-lt"/>
+            </a:endParaRPr>
+          </a:p>
+          <a:p>
+            <a:pPr marL="0" indent="0" eaLnBrk="1" hangingPunct="1">
+              <a:lnSpc>
+                <a:spcPct val="90000"/>
+              </a:lnSpc>
+              <a:buNone/>
+            </a:pPr>
+            <a:endParaRPr lang="en-US" altLang="en-US" sz="2400" dirty="0">
+              <a:latin typeface="+mj-lt"/>
+            </a:endParaRPr>
+          </a:p>
+        </p:txBody>
+      </p:sp>
+    </p:spTree>
+    <p:extLst>
+      <p:ext uri="{BB962C8B-B14F-4D97-AF65-F5344CB8AC3E}">
         <p14:creationId xmlns:p14="http://schemas.microsoft.com/office/powerpoint/2010/main" val="3703670381"/>
       </p:ext>
     </p:extLst>
@@ -15446,7 +19179,7 @@
 </p:sld>
 </file>
 
-<file path=ppt/slides/slide43.xml><?xml version="1.0" encoding="utf-8"?>
+<file path=ppt/slides/slide46.xml><?xml version="1.0" encoding="utf-8"?>
 <p:sld xmlns:a="http://schemas.openxmlformats.org/drawingml/2006/main" xmlns:r="http://schemas.openxmlformats.org/officeDocument/2006/relationships" xmlns:p="http://schemas.openxmlformats.org/presentationml/2006/main">
   <p:cSld>
     <p:spTree>

--- a/23-0712 - WED - Supervised Machine Learning/23-0712 Supervised Learning.pptx
+++ b/23-0712 - WED - Supervised Machine Learning/23-0712 Supervised Learning.pptx
@@ -5,10 +5,10 @@
     <p:sldMasterId id="2147483648" r:id="rId1"/>
   </p:sldMasterIdLst>
   <p:notesMasterIdLst>
-    <p:notesMasterId r:id="rId48"/>
+    <p:notesMasterId r:id="rId34"/>
   </p:notesMasterIdLst>
   <p:handoutMasterIdLst>
-    <p:handoutMasterId r:id="rId49"/>
+    <p:handoutMasterId r:id="rId35"/>
   </p:handoutMasterIdLst>
   <p:sldIdLst>
     <p:sldId id="268" r:id="rId2"/>
@@ -22,41 +22,27 @@
     <p:sldId id="404" r:id="rId10"/>
     <p:sldId id="396" r:id="rId11"/>
     <p:sldId id="397" r:id="rId12"/>
-    <p:sldId id="405" r:id="rId13"/>
-    <p:sldId id="398" r:id="rId14"/>
-    <p:sldId id="402" r:id="rId15"/>
-    <p:sldId id="400" r:id="rId16"/>
-    <p:sldId id="451" r:id="rId17"/>
-    <p:sldId id="406" r:id="rId18"/>
-    <p:sldId id="409" r:id="rId19"/>
-    <p:sldId id="453" r:id="rId20"/>
-    <p:sldId id="413" r:id="rId21"/>
-    <p:sldId id="454" r:id="rId22"/>
-    <p:sldId id="414" r:id="rId23"/>
-    <p:sldId id="410" r:id="rId24"/>
-    <p:sldId id="449" r:id="rId25"/>
-    <p:sldId id="412" r:id="rId26"/>
-    <p:sldId id="450" r:id="rId27"/>
-    <p:sldId id="407" r:id="rId28"/>
-    <p:sldId id="419" r:id="rId29"/>
-    <p:sldId id="441" r:id="rId30"/>
-    <p:sldId id="442" r:id="rId31"/>
-    <p:sldId id="443" r:id="rId32"/>
-    <p:sldId id="444" r:id="rId33"/>
-    <p:sldId id="445" r:id="rId34"/>
-    <p:sldId id="420" r:id="rId35"/>
-    <p:sldId id="421" r:id="rId36"/>
-    <p:sldId id="408" r:id="rId37"/>
-    <p:sldId id="429" r:id="rId38"/>
-    <p:sldId id="430" r:id="rId39"/>
-    <p:sldId id="431" r:id="rId40"/>
-    <p:sldId id="432" r:id="rId41"/>
-    <p:sldId id="433" r:id="rId42"/>
-    <p:sldId id="434" r:id="rId43"/>
-    <p:sldId id="435" r:id="rId44"/>
-    <p:sldId id="436" r:id="rId45"/>
-    <p:sldId id="437" r:id="rId46"/>
-    <p:sldId id="438" r:id="rId47"/>
+    <p:sldId id="400" r:id="rId13"/>
+    <p:sldId id="407" r:id="rId14"/>
+    <p:sldId id="419" r:id="rId15"/>
+    <p:sldId id="441" r:id="rId16"/>
+    <p:sldId id="442" r:id="rId17"/>
+    <p:sldId id="443" r:id="rId18"/>
+    <p:sldId id="444" r:id="rId19"/>
+    <p:sldId id="445" r:id="rId20"/>
+    <p:sldId id="420" r:id="rId21"/>
+    <p:sldId id="421" r:id="rId22"/>
+    <p:sldId id="451" r:id="rId23"/>
+    <p:sldId id="406" r:id="rId24"/>
+    <p:sldId id="409" r:id="rId25"/>
+    <p:sldId id="453" r:id="rId26"/>
+    <p:sldId id="413" r:id="rId27"/>
+    <p:sldId id="454" r:id="rId28"/>
+    <p:sldId id="414" r:id="rId29"/>
+    <p:sldId id="410" r:id="rId30"/>
+    <p:sldId id="449" r:id="rId31"/>
+    <p:sldId id="412" r:id="rId32"/>
+    <p:sldId id="408" r:id="rId33"/>
   </p:sldIdLst>
   <p:sldSz cx="12192000" cy="6858000"/>
   <p:notesSz cx="7010400" cy="9296400"/>
@@ -9946,15 +9932,12 @@
             <a:pPr>
               <a:defRPr/>
             </a:pPr>
-            <a:r>
-              <a:rPr lang="en-US" altLang="en-US" sz="3600" dirty="0">
-                <a:solidFill>
-                  <a:schemeClr val="accent3"/>
-                </a:solidFill>
-                <a:latin typeface="Arial" panose="020B0604020202020204" pitchFamily="34" charset="0"/>
-              </a:rPr>
-              <a:t>Interactive Exercise</a:t>
-            </a:r>
+            <a:endParaRPr lang="en-US" altLang="en-US" sz="3600" dirty="0">
+              <a:solidFill>
+                <a:schemeClr val="accent3"/>
+              </a:solidFill>
+              <a:latin typeface="Arial" panose="020B0604020202020204" pitchFamily="34" charset="0"/>
+            </a:endParaRPr>
           </a:p>
         </p:txBody>
       </p:sp>
@@ -9970,7 +9953,7 @@
         </p:nvSpPr>
         <p:spPr>
           <a:xfrm>
-            <a:off x="419100" y="1676400"/>
+            <a:off x="419100" y="2095500"/>
             <a:ext cx="11353800" cy="2667000"/>
           </a:xfrm>
         </p:spPr>
@@ -9988,16 +9971,17 @@
             </a:endParaRPr>
           </a:p>
           <a:p>
-            <a:pPr eaLnBrk="1" hangingPunct="1">
+            <a:pPr marL="0" indent="0" algn="ctr" eaLnBrk="1" hangingPunct="1">
               <a:lnSpc>
                 <a:spcPct val="90000"/>
               </a:lnSpc>
+              <a:buNone/>
             </a:pPr>
             <a:r>
-              <a:rPr lang="en-US" altLang="en-US" sz="2400" dirty="0">
+              <a:rPr lang="en-US" altLang="en-US" sz="7200" dirty="0">
                 <a:latin typeface="+mj-lt"/>
               </a:rPr>
-              <a:t>Text</a:t>
+              <a:t>Break Time!</a:t>
             </a:r>
           </a:p>
           <a:p>
@@ -10026,7 +10010,7 @@
     </p:spTree>
     <p:extLst>
       <p:ext uri="{BB962C8B-B14F-4D97-AF65-F5344CB8AC3E}">
-        <p14:creationId xmlns:p14="http://schemas.microsoft.com/office/powerpoint/2010/main" val="4120717960"/>
+        <p14:creationId xmlns:p14="http://schemas.microsoft.com/office/powerpoint/2010/main" val="1901082804"/>
       </p:ext>
     </p:extLst>
   </p:cSld>
@@ -10110,7 +10094,7 @@
                 </a:solidFill>
                 <a:latin typeface="Arial" panose="020B0604020202020204" pitchFamily="34" charset="0"/>
               </a:rPr>
-              <a:t>Title</a:t>
+              <a:t>Part 2: Session Overview</a:t>
             </a:r>
           </a:p>
         </p:txBody>
@@ -10128,7 +10112,7 @@
         <p:spPr>
           <a:xfrm>
             <a:off x="419100" y="1676400"/>
-            <a:ext cx="11353800" cy="2667000"/>
+            <a:ext cx="11353800" cy="3276600"/>
           </a:xfrm>
         </p:spPr>
         <p:txBody>
@@ -10140,32 +10124,136 @@
                 <a:spcPct val="90000"/>
               </a:lnSpc>
             </a:pPr>
-            <a:endParaRPr lang="en-US" altLang="en-US" sz="2400" dirty="0">
-              <a:latin typeface="+mj-lt"/>
-            </a:endParaRPr>
-          </a:p>
-          <a:p>
-            <a:pPr eaLnBrk="1" hangingPunct="1">
+            <a:r>
+              <a:rPr lang="en-US" altLang="en-US" sz="2400" dirty="0">
+                <a:latin typeface="+mj-lt"/>
+              </a:rPr>
+              <a:t>Analytic Software Overview</a:t>
+            </a:r>
+          </a:p>
+          <a:p>
+            <a:pPr lvl="1" eaLnBrk="1" hangingPunct="1">
               <a:lnSpc>
                 <a:spcPct val="90000"/>
               </a:lnSpc>
             </a:pPr>
             <a:r>
-              <a:rPr lang="en-US" altLang="en-US" sz="2400" dirty="0">
+              <a:rPr lang="en-US" altLang="en-US" sz="2000" dirty="0">
                 <a:latin typeface="+mj-lt"/>
               </a:rPr>
-              <a:t>Text</a:t>
-            </a:r>
-          </a:p>
-          <a:p>
-            <a:pPr eaLnBrk="1" hangingPunct="1">
+              <a:t>Python</a:t>
+            </a:r>
+          </a:p>
+          <a:p>
+            <a:pPr lvl="1" eaLnBrk="1" hangingPunct="1">
               <a:lnSpc>
                 <a:spcPct val="90000"/>
               </a:lnSpc>
             </a:pPr>
-            <a:endParaRPr lang="en-US" altLang="en-US" sz="2400" dirty="0">
+            <a:r>
+              <a:rPr lang="en-US" altLang="en-US" sz="2000" dirty="0">
+                <a:latin typeface="+mj-lt"/>
+              </a:rPr>
+              <a:t>R</a:t>
+            </a:r>
+          </a:p>
+          <a:p>
+            <a:pPr lvl="1" eaLnBrk="1" hangingPunct="1">
+              <a:lnSpc>
+                <a:spcPct val="90000"/>
+              </a:lnSpc>
+            </a:pPr>
+            <a:r>
+              <a:rPr lang="en-US" altLang="en-US" sz="2000" dirty="0" err="1">
+                <a:latin typeface="+mj-lt"/>
+              </a:rPr>
+              <a:t>Mplus</a:t>
+            </a:r>
+            <a:endParaRPr lang="en-US" altLang="en-US" sz="2000" dirty="0">
               <a:latin typeface="+mj-lt"/>
             </a:endParaRPr>
+          </a:p>
+          <a:p>
+            <a:pPr lvl="1" eaLnBrk="1" hangingPunct="1">
+              <a:lnSpc>
+                <a:spcPct val="90000"/>
+              </a:lnSpc>
+            </a:pPr>
+            <a:r>
+              <a:rPr lang="en-US" altLang="en-US" sz="2000" dirty="0">
+                <a:latin typeface="+mj-lt"/>
+              </a:rPr>
+              <a:t>SPSS/AMOS</a:t>
+            </a:r>
+          </a:p>
+          <a:p>
+            <a:pPr lvl="1" eaLnBrk="1" hangingPunct="1">
+              <a:lnSpc>
+                <a:spcPct val="90000"/>
+              </a:lnSpc>
+            </a:pPr>
+            <a:r>
+              <a:rPr lang="en-US" altLang="en-US" sz="2000" dirty="0">
+                <a:latin typeface="+mj-lt"/>
+              </a:rPr>
+              <a:t>Alteryx</a:t>
+            </a:r>
+          </a:p>
+          <a:p>
+            <a:pPr lvl="1" eaLnBrk="1" hangingPunct="1">
+              <a:lnSpc>
+                <a:spcPct val="90000"/>
+              </a:lnSpc>
+            </a:pPr>
+            <a:r>
+              <a:rPr lang="en-US" altLang="en-US" sz="2000" dirty="0">
+                <a:latin typeface="+mj-lt"/>
+              </a:rPr>
+              <a:t>SAS/JMP</a:t>
+            </a:r>
+          </a:p>
+          <a:p>
+            <a:pPr lvl="1" eaLnBrk="1" hangingPunct="1">
+              <a:lnSpc>
+                <a:spcPct val="90000"/>
+              </a:lnSpc>
+            </a:pPr>
+            <a:r>
+              <a:rPr lang="en-US" altLang="en-US" sz="2000" dirty="0" err="1">
+                <a:latin typeface="+mj-lt"/>
+              </a:rPr>
+              <a:t>Jupyter</a:t>
+            </a:r>
+            <a:r>
+              <a:rPr lang="en-US" altLang="en-US" sz="2000" dirty="0">
+                <a:latin typeface="+mj-lt"/>
+              </a:rPr>
+              <a:t> Notebooks, Spyder, </a:t>
+            </a:r>
+            <a:r>
+              <a:rPr lang="en-US" altLang="en-US" sz="2000" dirty="0" err="1">
+                <a:latin typeface="+mj-lt"/>
+              </a:rPr>
+              <a:t>PyTorch</a:t>
+            </a:r>
+            <a:r>
+              <a:rPr lang="en-US" altLang="en-US" sz="2000" dirty="0">
+                <a:latin typeface="+mj-lt"/>
+              </a:rPr>
+              <a:t>, </a:t>
+            </a:r>
+            <a:r>
+              <a:rPr lang="en-US" altLang="en-US" sz="2000" dirty="0" err="1">
+                <a:latin typeface="+mj-lt"/>
+              </a:rPr>
+              <a:t>Colabs</a:t>
+            </a:r>
+            <a:r>
+              <a:rPr lang="en-US" altLang="en-US" sz="2000" dirty="0">
+                <a:latin typeface="+mj-lt"/>
+              </a:rPr>
+              <a:t> (IDEs)</a:t>
+            </a:r>
           </a:p>
           <a:p>
             <a:pPr marL="0" indent="0" eaLnBrk="1" hangingPunct="1">
@@ -10180,16 +10268,193 @@
           </a:p>
         </p:txBody>
       </p:sp>
+      <p:sp>
+        <p:nvSpPr>
+          <p:cNvPr id="2" name="TextBox 1">
+            <a:extLst>
+              <a:ext uri="{FF2B5EF4-FFF2-40B4-BE49-F238E27FC236}">
+                <a16:creationId xmlns:a16="http://schemas.microsoft.com/office/drawing/2014/main" id="{DDE5ADB2-DD16-9348-99E8-EEB517098BE7}"/>
+              </a:ext>
+            </a:extLst>
+          </p:cNvPr>
+          <p:cNvSpPr txBox="1"/>
+          <p:nvPr/>
+        </p:nvSpPr>
+        <p:spPr>
+          <a:xfrm rot="20909074">
+            <a:off x="3673595" y="2179484"/>
+            <a:ext cx="5185979" cy="1446550"/>
+          </a:xfrm>
+          <a:prstGeom prst="rect">
+            <a:avLst/>
+          </a:prstGeom>
+          <a:noFill/>
+          <a:ln w="38100">
+            <a:solidFill>
+              <a:schemeClr val="tx1"/>
+            </a:solidFill>
+          </a:ln>
+        </p:spPr>
+        <p:txBody>
+          <a:bodyPr wrap="square" rtlCol="0">
+            <a:spAutoFit/>
+          </a:bodyPr>
+          <a:lstStyle/>
+          <a:p>
+            <a:pPr algn="ctr"/>
+            <a:r>
+              <a:rPr lang="en-US" sz="4400" b="1" dirty="0">
+                <a:solidFill>
+                  <a:srgbClr val="FF0000"/>
+                </a:solidFill>
+              </a:rPr>
+              <a:t>Why not just use Excel?</a:t>
+            </a:r>
+          </a:p>
+        </p:txBody>
+      </p:sp>
     </p:spTree>
     <p:extLst>
       <p:ext uri="{BB962C8B-B14F-4D97-AF65-F5344CB8AC3E}">
-        <p14:creationId xmlns:p14="http://schemas.microsoft.com/office/powerpoint/2010/main" val="4193217620"/>
+        <p14:creationId xmlns:p14="http://schemas.microsoft.com/office/powerpoint/2010/main" val="3150202549"/>
       </p:ext>
     </p:extLst>
   </p:cSld>
   <p:clrMapOvr>
     <a:masterClrMapping/>
   </p:clrMapOvr>
+  <p:timing>
+    <p:tnLst>
+      <p:par>
+        <p:cTn id="1" dur="indefinite" restart="never" nodeType="tmRoot">
+          <p:childTnLst>
+            <p:seq concurrent="1" nextAc="seek">
+              <p:cTn id="2" dur="indefinite" nodeType="mainSeq">
+                <p:childTnLst>
+                  <p:par>
+                    <p:cTn id="3" fill="hold">
+                      <p:stCondLst>
+                        <p:cond delay="indefinite"/>
+                      </p:stCondLst>
+                      <p:childTnLst>
+                        <p:par>
+                          <p:cTn id="4" fill="hold">
+                            <p:stCondLst>
+                              <p:cond delay="0"/>
+                            </p:stCondLst>
+                            <p:childTnLst>
+                              <p:par>
+                                <p:cTn id="5" presetID="42" presetClass="entr" presetSubtype="0" fill="hold" grpId="0" nodeType="clickEffect">
+                                  <p:stCondLst>
+                                    <p:cond delay="0"/>
+                                  </p:stCondLst>
+                                  <p:childTnLst>
+                                    <p:set>
+                                      <p:cBhvr>
+                                        <p:cTn id="6" dur="1" fill="hold">
+                                          <p:stCondLst>
+                                            <p:cond delay="0"/>
+                                          </p:stCondLst>
+                                        </p:cTn>
+                                        <p:tgtEl>
+                                          <p:spTgt spid="2"/>
+                                        </p:tgtEl>
+                                        <p:attrNameLst>
+                                          <p:attrName>style.visibility</p:attrName>
+                                        </p:attrNameLst>
+                                      </p:cBhvr>
+                                      <p:to>
+                                        <p:strVal val="visible"/>
+                                      </p:to>
+                                    </p:set>
+                                    <p:animEffect transition="in" filter="fade">
+                                      <p:cBhvr>
+                                        <p:cTn id="7" dur="1000"/>
+                                        <p:tgtEl>
+                                          <p:spTgt spid="2"/>
+                                        </p:tgtEl>
+                                      </p:cBhvr>
+                                    </p:animEffect>
+                                    <p:anim calcmode="lin" valueType="num">
+                                      <p:cBhvr>
+                                        <p:cTn id="8" dur="1000" fill="hold"/>
+                                        <p:tgtEl>
+                                          <p:spTgt spid="2"/>
+                                        </p:tgtEl>
+                                        <p:attrNameLst>
+                                          <p:attrName>ppt_x</p:attrName>
+                                        </p:attrNameLst>
+                                      </p:cBhvr>
+                                      <p:tavLst>
+                                        <p:tav tm="0">
+                                          <p:val>
+                                            <p:strVal val="#ppt_x"/>
+                                          </p:val>
+                                        </p:tav>
+                                        <p:tav tm="100000">
+                                          <p:val>
+                                            <p:strVal val="#ppt_x"/>
+                                          </p:val>
+                                        </p:tav>
+                                      </p:tavLst>
+                                    </p:anim>
+                                    <p:anim calcmode="lin" valueType="num">
+                                      <p:cBhvr>
+                                        <p:cTn id="9" dur="1000" fill="hold"/>
+                                        <p:tgtEl>
+                                          <p:spTgt spid="2"/>
+                                        </p:tgtEl>
+                                        <p:attrNameLst>
+                                          <p:attrName>ppt_y</p:attrName>
+                                        </p:attrNameLst>
+                                      </p:cBhvr>
+                                      <p:tavLst>
+                                        <p:tav tm="0">
+                                          <p:val>
+                                            <p:strVal val="#ppt_y+.1"/>
+                                          </p:val>
+                                        </p:tav>
+                                        <p:tav tm="100000">
+                                          <p:val>
+                                            <p:strVal val="#ppt_y"/>
+                                          </p:val>
+                                        </p:tav>
+                                      </p:tavLst>
+                                    </p:anim>
+                                  </p:childTnLst>
+                                </p:cTn>
+                              </p:par>
+                            </p:childTnLst>
+                          </p:cTn>
+                        </p:par>
+                      </p:childTnLst>
+                    </p:cTn>
+                  </p:par>
+                </p:childTnLst>
+              </p:cTn>
+              <p:prevCondLst>
+                <p:cond evt="onPrev" delay="0">
+                  <p:tgtEl>
+                    <p:sldTgt/>
+                  </p:tgtEl>
+                </p:cond>
+              </p:prevCondLst>
+              <p:nextCondLst>
+                <p:cond evt="onNext" delay="0">
+                  <p:tgtEl>
+                    <p:sldTgt/>
+                  </p:tgtEl>
+                </p:cond>
+              </p:nextCondLst>
+            </p:seq>
+          </p:childTnLst>
+        </p:cTn>
+      </p:par>
+    </p:tnLst>
+    <p:bldLst>
+      <p:bldP spid="2" grpId="0" animBg="1"/>
+    </p:bldLst>
+  </p:timing>
 </p:sld>
 </file>
 
@@ -10267,7 +10532,7 @@
                 </a:solidFill>
                 <a:latin typeface="Arial" panose="020B0604020202020204" pitchFamily="34" charset="0"/>
               </a:rPr>
-              <a:t>What do you remember?</a:t>
+              <a:t>Python</a:t>
             </a:r>
           </a:p>
         </p:txBody>
@@ -10311,7 +10576,67 @@
               <a:rPr lang="en-US" altLang="en-US" sz="2400" dirty="0">
                 <a:latin typeface="+mj-lt"/>
               </a:rPr>
-              <a:t>Text</a:t>
+              <a:t>Open Source (Netherlands)</a:t>
+            </a:r>
+          </a:p>
+          <a:p>
+            <a:pPr eaLnBrk="1" hangingPunct="1">
+              <a:lnSpc>
+                <a:spcPct val="90000"/>
+              </a:lnSpc>
+            </a:pPr>
+            <a:r>
+              <a:rPr lang="en-US" altLang="en-US" sz="2400" dirty="0">
+                <a:latin typeface="+mj-lt"/>
+              </a:rPr>
+              <a:t>Platforms: Atom, </a:t>
+            </a:r>
+            <a:r>
+              <a:rPr lang="en-US" altLang="en-US" sz="2400" dirty="0" err="1">
+                <a:latin typeface="+mj-lt"/>
+              </a:rPr>
+              <a:t>Powershell</a:t>
+            </a:r>
+            <a:r>
+              <a:rPr lang="en-US" altLang="en-US" sz="2400" dirty="0">
+                <a:latin typeface="+mj-lt"/>
+              </a:rPr>
+              <a:t>, IDEs</a:t>
+            </a:r>
+          </a:p>
+          <a:p>
+            <a:pPr eaLnBrk="1" hangingPunct="1">
+              <a:lnSpc>
+                <a:spcPct val="90000"/>
+              </a:lnSpc>
+            </a:pPr>
+            <a:r>
+              <a:rPr lang="en-US" altLang="en-US" sz="2400" dirty="0">
+                <a:latin typeface="+mj-lt"/>
+              </a:rPr>
+              <a:t>Used by NASA, Amazon, Google, Netflix, </a:t>
+            </a:r>
+            <a:r>
+              <a:rPr lang="en-US" altLang="en-US" sz="2400" dirty="0" err="1">
+                <a:latin typeface="+mj-lt"/>
+              </a:rPr>
+              <a:t>etc</a:t>
+            </a:r>
+            <a:endParaRPr lang="en-US" altLang="en-US" sz="2400" dirty="0">
+              <a:latin typeface="+mj-lt"/>
+            </a:endParaRPr>
+          </a:p>
+          <a:p>
+            <a:pPr eaLnBrk="1" hangingPunct="1">
+              <a:lnSpc>
+                <a:spcPct val="90000"/>
+              </a:lnSpc>
+            </a:pPr>
+            <a:r>
+              <a:rPr lang="en-US" altLang="en-US" sz="2400" dirty="0">
+                <a:latin typeface="+mj-lt"/>
+              </a:rPr>
+              <a:t>Industries: Corporate/Education/Scientific Research</a:t>
             </a:r>
           </a:p>
           <a:p>
@@ -10340,7 +10665,7 @@
     </p:spTree>
     <p:extLst>
       <p:ext uri="{BB962C8B-B14F-4D97-AF65-F5344CB8AC3E}">
-        <p14:creationId xmlns:p14="http://schemas.microsoft.com/office/powerpoint/2010/main" val="1447223153"/>
+        <p14:creationId xmlns:p14="http://schemas.microsoft.com/office/powerpoint/2010/main" val="3630296796"/>
       </p:ext>
     </p:extLst>
   </p:cSld>
@@ -10417,12 +10742,15 @@
             <a:pPr>
               <a:defRPr/>
             </a:pPr>
-            <a:endParaRPr lang="en-US" altLang="en-US" sz="3600" dirty="0">
-              <a:solidFill>
-                <a:schemeClr val="accent3"/>
-              </a:solidFill>
-              <a:latin typeface="Arial" panose="020B0604020202020204" pitchFamily="34" charset="0"/>
-            </a:endParaRPr>
+            <a:r>
+              <a:rPr lang="en-US" altLang="en-US" sz="3600" dirty="0">
+                <a:solidFill>
+                  <a:schemeClr val="accent3"/>
+                </a:solidFill>
+                <a:latin typeface="Arial" panose="020B0604020202020204" pitchFamily="34" charset="0"/>
+              </a:rPr>
+              <a:t>R</a:t>
+            </a:r>
           </a:p>
         </p:txBody>
       </p:sp>
@@ -10438,7 +10766,7 @@
         </p:nvSpPr>
         <p:spPr>
           <a:xfrm>
-            <a:off x="419100" y="2095500"/>
+            <a:off x="419100" y="1676400"/>
             <a:ext cx="11353800" cy="2667000"/>
           </a:xfrm>
         </p:spPr>
@@ -10456,17 +10784,55 @@
             </a:endParaRPr>
           </a:p>
           <a:p>
-            <a:pPr marL="0" indent="0" algn="ctr" eaLnBrk="1" hangingPunct="1">
+            <a:pPr eaLnBrk="1" hangingPunct="1">
               <a:lnSpc>
                 <a:spcPct val="90000"/>
               </a:lnSpc>
-              <a:buNone/>
             </a:pPr>
             <a:r>
-              <a:rPr lang="en-US" altLang="en-US" sz="7200" dirty="0">
+              <a:rPr lang="en-US" altLang="en-US" sz="2400" dirty="0">
                 <a:latin typeface="+mj-lt"/>
               </a:rPr>
-              <a:t>Break Time!</a:t>
+              <a:t>Open Source (University of Auckland, New Zealand)</a:t>
+            </a:r>
+          </a:p>
+          <a:p>
+            <a:pPr eaLnBrk="1" hangingPunct="1">
+              <a:lnSpc>
+                <a:spcPct val="90000"/>
+              </a:lnSpc>
+            </a:pPr>
+            <a:r>
+              <a:rPr lang="en-US" altLang="en-US" sz="2400" dirty="0">
+                <a:latin typeface="+mj-lt"/>
+              </a:rPr>
+              <a:t>Platforms: R, R Commander</a:t>
+            </a:r>
+          </a:p>
+          <a:p>
+            <a:pPr eaLnBrk="1" hangingPunct="1">
+              <a:lnSpc>
+                <a:spcPct val="90000"/>
+              </a:lnSpc>
+            </a:pPr>
+            <a:r>
+              <a:rPr lang="en-US" altLang="en-US" sz="2400" dirty="0">
+                <a:latin typeface="+mj-lt"/>
+              </a:rPr>
+              <a:t>Used by Accenture, Amazon, Google, Novartis</a:t>
+            </a:r>
+          </a:p>
+          <a:p>
+            <a:pPr eaLnBrk="1" hangingPunct="1">
+              <a:lnSpc>
+                <a:spcPct val="90000"/>
+              </a:lnSpc>
+            </a:pPr>
+            <a:r>
+              <a:rPr lang="en-US" altLang="en-US" sz="2400" dirty="0">
+                <a:latin typeface="+mj-lt"/>
+              </a:rPr>
+              <a:t>Industries: Corporate/Education/Scientific Research</a:t>
             </a:r>
           </a:p>
           <a:p>
@@ -10495,7 +10861,7 @@
     </p:spTree>
     <p:extLst>
       <p:ext uri="{BB962C8B-B14F-4D97-AF65-F5344CB8AC3E}">
-        <p14:creationId xmlns:p14="http://schemas.microsoft.com/office/powerpoint/2010/main" val="1901082804"/>
+        <p14:creationId xmlns:p14="http://schemas.microsoft.com/office/powerpoint/2010/main" val="1130443429"/>
       </p:ext>
     </p:extLst>
   </p:cSld>
@@ -10573,14 +10939,20 @@
               <a:defRPr/>
             </a:pPr>
             <a:r>
-              <a:rPr lang="en-US" altLang="en-US" sz="3600" dirty="0">
+              <a:rPr lang="en-US" altLang="en-US" sz="3600" dirty="0" err="1">
                 <a:solidFill>
                   <a:schemeClr val="accent3"/>
                 </a:solidFill>
                 <a:latin typeface="Arial" panose="020B0604020202020204" pitchFamily="34" charset="0"/>
               </a:rPr>
-              <a:t>Part 2: Session Overview</a:t>
-            </a:r>
+              <a:t>Mplus</a:t>
+            </a:r>
+            <a:endParaRPr lang="en-US" altLang="en-US" sz="3600" dirty="0">
+              <a:solidFill>
+                <a:schemeClr val="accent3"/>
+              </a:solidFill>
+              <a:latin typeface="Arial" panose="020B0604020202020204" pitchFamily="34" charset="0"/>
+            </a:endParaRPr>
           </a:p>
         </p:txBody>
       </p:sp>
@@ -10604,81 +10976,85 @@
           <a:bodyPr/>
           <a:lstStyle/>
           <a:p>
-            <a:pPr marL="0" indent="0">
-              <a:buNone/>
+            <a:pPr eaLnBrk="1" hangingPunct="1">
+              <a:lnSpc>
+                <a:spcPct val="90000"/>
+              </a:lnSpc>
             </a:pPr>
-            <a:r>
-              <a:rPr lang="en-US" dirty="0"/>
-              <a:t>Classifying Categorical Outcomes with </a:t>
-            </a:r>
-            <a:r>
-              <a:rPr lang="en-US" i="1" dirty="0"/>
-              <a:t>k</a:t>
-            </a:r>
-            <a:r>
-              <a:rPr lang="en-US" dirty="0"/>
-              <a:t>-Nearest Neighbors:</a:t>
-            </a:r>
-          </a:p>
-          <a:p>
-            <a:pPr marL="404813" indent="-404813"/>
-            <a:r>
-              <a:rPr lang="en-US" sz="2600" dirty="0"/>
-              <a:t>A nearest-neighbor classifier is a “lazy learner” that directly uses the entire training set to classify observations in the validation and test sets.</a:t>
-            </a:r>
-          </a:p>
-          <a:p>
-            <a:pPr marL="404813" indent="-404813"/>
-            <a:r>
-              <a:rPr lang="en-US" sz="2600" dirty="0"/>
-              <a:t>The value of </a:t>
-            </a:r>
-            <a:r>
-              <a:rPr lang="en-US" sz="2600" i="1" dirty="0"/>
-              <a:t>k</a:t>
-            </a:r>
-            <a:r>
-              <a:rPr lang="en-US" sz="2600" dirty="0"/>
-              <a:t> can plausibly range from 1 to </a:t>
-            </a:r>
-            <a:r>
-              <a:rPr lang="en-US" sz="2600" i="1" dirty="0"/>
-              <a:t>n</a:t>
-            </a:r>
-            <a:r>
-              <a:rPr lang="en-US" sz="2600" dirty="0"/>
-              <a:t>, the number of observations in the training set.</a:t>
-            </a:r>
-          </a:p>
-          <a:p>
-            <a:pPr marL="862013" lvl="1" indent="-404813"/>
-            <a:r>
-              <a:rPr lang="en-US" dirty="0"/>
-              <a:t>If </a:t>
-            </a:r>
-            <a:r>
-              <a:rPr lang="en-US" i="1" dirty="0"/>
-              <a:t>k</a:t>
-            </a:r>
-            <a:r>
-              <a:rPr lang="en-US" dirty="0"/>
-              <a:t> = 1, then the classification of a new observation is set to be equal to the class of the single most similar observation from the training set.</a:t>
-            </a:r>
-          </a:p>
-          <a:p>
-            <a:pPr marL="862013" lvl="1" indent="-404813"/>
-            <a:r>
-              <a:rPr lang="en-US" dirty="0"/>
-              <a:t>If </a:t>
-            </a:r>
-            <a:r>
-              <a:rPr lang="en-US" i="1" dirty="0"/>
-              <a:t>k = n</a:t>
-            </a:r>
-            <a:r>
-              <a:rPr lang="en-US" dirty="0"/>
-              <a:t>, then the new observation’s class is naïvely assigned to the most common class in the training set.</a:t>
-            </a:r>
+            <a:endParaRPr lang="en-US" altLang="en-US" sz="2400" dirty="0">
+              <a:latin typeface="+mj-lt"/>
+            </a:endParaRPr>
+          </a:p>
+          <a:p>
+            <a:pPr eaLnBrk="1" hangingPunct="1">
+              <a:lnSpc>
+                <a:spcPct val="90000"/>
+              </a:lnSpc>
+            </a:pPr>
+            <a:r>
+              <a:rPr lang="en-US" altLang="en-US" sz="2400" dirty="0">
+                <a:latin typeface="+mj-lt"/>
+              </a:rPr>
+              <a:t>Fee-Based (UCLA, Los Angeles) </a:t>
+            </a:r>
+            <a:r>
+              <a:rPr lang="en-US" altLang="en-US" sz="2400" dirty="0">
+                <a:latin typeface="+mj-lt"/>
+                <a:hlinkClick r:id="rId2"/>
+              </a:rPr>
+              <a:t>https://www.statmodel.com/</a:t>
+            </a:r>
+            <a:r>
+              <a:rPr lang="en-US" altLang="en-US" sz="2400" dirty="0">
+                <a:latin typeface="+mj-lt"/>
+              </a:rPr>
+              <a:t> </a:t>
+            </a:r>
+          </a:p>
+          <a:p>
+            <a:pPr eaLnBrk="1" hangingPunct="1">
+              <a:lnSpc>
+                <a:spcPct val="90000"/>
+              </a:lnSpc>
+            </a:pPr>
+            <a:r>
+              <a:rPr lang="en-US" altLang="en-US" sz="2400" dirty="0">
+                <a:latin typeface="+mj-lt"/>
+              </a:rPr>
+              <a:t>Platforms: </a:t>
+            </a:r>
+            <a:r>
+              <a:rPr lang="en-US" altLang="en-US" sz="2400" dirty="0" err="1">
+                <a:latin typeface="+mj-lt"/>
+              </a:rPr>
+              <a:t>Mplus</a:t>
+            </a:r>
+            <a:endParaRPr lang="en-US" altLang="en-US" sz="2400" dirty="0">
+              <a:latin typeface="+mj-lt"/>
+            </a:endParaRPr>
+          </a:p>
+          <a:p>
+            <a:pPr eaLnBrk="1" hangingPunct="1">
+              <a:lnSpc>
+                <a:spcPct val="90000"/>
+              </a:lnSpc>
+            </a:pPr>
+            <a:r>
+              <a:rPr lang="en-US" altLang="en-US" sz="2400" dirty="0">
+                <a:latin typeface="+mj-lt"/>
+              </a:rPr>
+              <a:t>Industries: Primarily Scientific Research/Education</a:t>
+            </a:r>
+          </a:p>
+          <a:p>
+            <a:pPr eaLnBrk="1" hangingPunct="1">
+              <a:lnSpc>
+                <a:spcPct val="90000"/>
+              </a:lnSpc>
+            </a:pPr>
+            <a:endParaRPr lang="en-US" altLang="en-US" sz="2400" dirty="0">
+              <a:latin typeface="+mj-lt"/>
+            </a:endParaRPr>
           </a:p>
           <a:p>
             <a:pPr marL="0" indent="0" eaLnBrk="1" hangingPunct="1">
@@ -10691,23 +11067,12 @@
               <a:latin typeface="+mj-lt"/>
             </a:endParaRPr>
           </a:p>
-          <a:p>
-            <a:pPr marL="0" indent="0" eaLnBrk="1" hangingPunct="1">
-              <a:lnSpc>
-                <a:spcPct val="90000"/>
-              </a:lnSpc>
-              <a:buNone/>
-            </a:pPr>
-            <a:endParaRPr lang="en-US" altLang="en-US" sz="2400" dirty="0">
-              <a:latin typeface="+mj-lt"/>
-            </a:endParaRPr>
-          </a:p>
         </p:txBody>
       </p:sp>
     </p:spTree>
     <p:extLst>
       <p:ext uri="{BB962C8B-B14F-4D97-AF65-F5344CB8AC3E}">
-        <p14:creationId xmlns:p14="http://schemas.microsoft.com/office/powerpoint/2010/main" val="247636850"/>
+        <p14:creationId xmlns:p14="http://schemas.microsoft.com/office/powerpoint/2010/main" val="105433802"/>
       </p:ext>
     </p:extLst>
   </p:cSld>
@@ -10791,7 +11156,7 @@
                 </a:solidFill>
                 <a:latin typeface="Arial" panose="020B0604020202020204" pitchFamily="34" charset="0"/>
               </a:rPr>
-              <a:t>Part 2: The Plan</a:t>
+              <a:t>SPSS/AMOS</a:t>
             </a:r>
           </a:p>
         </p:txBody>
@@ -10835,20 +11200,7 @@
               <a:rPr lang="en-US" altLang="en-US" sz="2400" dirty="0">
                 <a:latin typeface="+mj-lt"/>
               </a:rPr>
-              <a:t>Apply basic calculations of a classification algorithm, specifically k-NN</a:t>
-            </a:r>
-          </a:p>
-          <a:p>
-            <a:pPr lvl="1" eaLnBrk="1" hangingPunct="1">
-              <a:lnSpc>
-                <a:spcPct val="90000"/>
-              </a:lnSpc>
-            </a:pPr>
-            <a:r>
-              <a:rPr lang="en-US" altLang="en-US" sz="2000" dirty="0">
-                <a:latin typeface="+mj-lt"/>
-              </a:rPr>
-              <a:t>NN = Nearest Neighbors</a:t>
+              <a:t>Fee-Based (IBM) </a:t>
             </a:r>
           </a:p>
           <a:p>
@@ -10861,8 +11213,31 @@
               <a:rPr lang="en-US" altLang="en-US" sz="2400" dirty="0">
                 <a:latin typeface="+mj-lt"/>
               </a:rPr>
-              <a:t>Use two features and one target</a:t>
-            </a:r>
+              <a:t>Platforms: SPSS/AMOS</a:t>
+            </a:r>
+          </a:p>
+          <a:p>
+            <a:pPr eaLnBrk="1" hangingPunct="1">
+              <a:lnSpc>
+                <a:spcPct val="90000"/>
+              </a:lnSpc>
+            </a:pPr>
+            <a:r>
+              <a:rPr lang="en-US" altLang="en-US" sz="2400" dirty="0">
+                <a:latin typeface="+mj-lt"/>
+              </a:rPr>
+              <a:t>Industries: Primarily Scientific Research/Education, some corporate</a:t>
+            </a:r>
+          </a:p>
+          <a:p>
+            <a:pPr eaLnBrk="1" hangingPunct="1">
+              <a:lnSpc>
+                <a:spcPct val="90000"/>
+              </a:lnSpc>
+            </a:pPr>
+            <a:endParaRPr lang="en-US" altLang="en-US" sz="2400" dirty="0">
+              <a:latin typeface="+mj-lt"/>
+            </a:endParaRPr>
           </a:p>
           <a:p>
             <a:pPr marL="0" indent="0" eaLnBrk="1" hangingPunct="1">
@@ -10875,23 +11250,12 @@
               <a:latin typeface="+mj-lt"/>
             </a:endParaRPr>
           </a:p>
-          <a:p>
-            <a:pPr marL="0" indent="0" eaLnBrk="1" hangingPunct="1">
-              <a:lnSpc>
-                <a:spcPct val="90000"/>
-              </a:lnSpc>
-              <a:buNone/>
-            </a:pPr>
-            <a:endParaRPr lang="en-US" altLang="en-US" sz="2400" dirty="0">
-              <a:latin typeface="+mj-lt"/>
-            </a:endParaRPr>
-          </a:p>
         </p:txBody>
       </p:sp>
     </p:spTree>
     <p:extLst>
       <p:ext uri="{BB962C8B-B14F-4D97-AF65-F5344CB8AC3E}">
-        <p14:creationId xmlns:p14="http://schemas.microsoft.com/office/powerpoint/2010/main" val="2205842819"/>
+        <p14:creationId xmlns:p14="http://schemas.microsoft.com/office/powerpoint/2010/main" val="370374881"/>
       </p:ext>
     </p:extLst>
   </p:cSld>
@@ -10975,6 +11339,1413 @@
                 </a:solidFill>
                 <a:latin typeface="Arial" panose="020B0604020202020204" pitchFamily="34" charset="0"/>
               </a:rPr>
+              <a:t>Alteryx</a:t>
+            </a:r>
+          </a:p>
+        </p:txBody>
+      </p:sp>
+      <p:sp>
+        <p:nvSpPr>
+          <p:cNvPr id="17411" name="Content Placeholder 2"/>
+          <p:cNvSpPr>
+            <a:spLocks noGrp="1"/>
+          </p:cNvSpPr>
+          <p:nvPr>
+            <p:ph idx="1"/>
+          </p:nvPr>
+        </p:nvSpPr>
+        <p:spPr>
+          <a:xfrm>
+            <a:off x="419100" y="1676400"/>
+            <a:ext cx="11353800" cy="2667000"/>
+          </a:xfrm>
+        </p:spPr>
+        <p:txBody>
+          <a:bodyPr/>
+          <a:lstStyle/>
+          <a:p>
+            <a:pPr eaLnBrk="1" hangingPunct="1">
+              <a:lnSpc>
+                <a:spcPct val="90000"/>
+              </a:lnSpc>
+            </a:pPr>
+            <a:endParaRPr lang="en-US" altLang="en-US" sz="2400" dirty="0">
+              <a:latin typeface="+mj-lt"/>
+            </a:endParaRPr>
+          </a:p>
+          <a:p>
+            <a:pPr eaLnBrk="1" hangingPunct="1">
+              <a:lnSpc>
+                <a:spcPct val="90000"/>
+              </a:lnSpc>
+            </a:pPr>
+            <a:r>
+              <a:rPr lang="en-US" altLang="en-US" sz="2400" dirty="0">
+                <a:latin typeface="+mj-lt"/>
+              </a:rPr>
+              <a:t>Fee-Based (Irvine, CA) </a:t>
+            </a:r>
+          </a:p>
+          <a:p>
+            <a:pPr eaLnBrk="1" hangingPunct="1">
+              <a:lnSpc>
+                <a:spcPct val="90000"/>
+              </a:lnSpc>
+            </a:pPr>
+            <a:r>
+              <a:rPr lang="en-US" altLang="en-US" sz="2400" dirty="0">
+                <a:latin typeface="+mj-lt"/>
+              </a:rPr>
+              <a:t>Platforms: Alteryx</a:t>
+            </a:r>
+          </a:p>
+          <a:p>
+            <a:pPr eaLnBrk="1" hangingPunct="1">
+              <a:lnSpc>
+                <a:spcPct val="90000"/>
+              </a:lnSpc>
+            </a:pPr>
+            <a:r>
+              <a:rPr lang="en-US" altLang="en-US" sz="2400" dirty="0">
+                <a:latin typeface="+mj-lt"/>
+              </a:rPr>
+              <a:t>Industries: Primarily corporate</a:t>
+            </a:r>
+          </a:p>
+          <a:p>
+            <a:pPr marL="0" indent="0" eaLnBrk="1" hangingPunct="1">
+              <a:lnSpc>
+                <a:spcPct val="90000"/>
+              </a:lnSpc>
+              <a:buNone/>
+            </a:pPr>
+            <a:endParaRPr lang="en-US" altLang="en-US" sz="2400" dirty="0">
+              <a:latin typeface="+mj-lt"/>
+            </a:endParaRPr>
+          </a:p>
+        </p:txBody>
+      </p:sp>
+    </p:spTree>
+    <p:extLst>
+      <p:ext uri="{BB962C8B-B14F-4D97-AF65-F5344CB8AC3E}">
+        <p14:creationId xmlns:p14="http://schemas.microsoft.com/office/powerpoint/2010/main" val="1208284396"/>
+      </p:ext>
+    </p:extLst>
+  </p:cSld>
+  <p:clrMapOvr>
+    <a:masterClrMapping/>
+  </p:clrMapOvr>
+</p:sld>
+</file>
+
+<file path=ppt/slides/slide19.xml><?xml version="1.0" encoding="utf-8"?>
+<p:sld xmlns:a="http://schemas.openxmlformats.org/drawingml/2006/main" xmlns:r="http://schemas.openxmlformats.org/officeDocument/2006/relationships" xmlns:p="http://schemas.openxmlformats.org/presentationml/2006/main">
+  <p:cSld>
+    <p:spTree>
+      <p:nvGrpSpPr>
+        <p:cNvPr id="1" name=""/>
+        <p:cNvGrpSpPr/>
+        <p:nvPr/>
+      </p:nvGrpSpPr>
+      <p:grpSpPr>
+        <a:xfrm>
+          <a:off x="0" y="0"/>
+          <a:ext cx="0" cy="0"/>
+          <a:chOff x="0" y="0"/>
+          <a:chExt cx="0" cy="0"/>
+        </a:xfrm>
+      </p:grpSpPr>
+      <p:sp>
+        <p:nvSpPr>
+          <p:cNvPr id="17410" name="Title 1"/>
+          <p:cNvSpPr>
+            <a:spLocks noGrp="1"/>
+          </p:cNvSpPr>
+          <p:nvPr>
+            <p:ph type="title" idx="4294967295"/>
+          </p:nvPr>
+        </p:nvSpPr>
+        <p:spPr bwMode="auto">
+          <a:xfrm>
+            <a:off x="76200" y="76200"/>
+            <a:ext cx="12039600" cy="685800"/>
+          </a:xfrm>
+          <a:prstGeom prst="rect">
+            <a:avLst/>
+          </a:prstGeom>
+          <a:noFill/>
+          <a:extLst>
+            <a:ext uri="{909E8E84-426E-40DD-AFC4-6F175D3DCCD1}">
+              <a14:hiddenFill xmlns:a14="http://schemas.microsoft.com/office/drawing/2010/main">
+                <a:solidFill>
+                  <a:srgbClr val="FFFFFF"/>
+                </a:solidFill>
+              </a14:hiddenFill>
+            </a:ext>
+            <a:ext uri="{91240B29-F687-4F45-9708-019B960494DF}">
+              <a14:hiddenLine xmlns:a14="http://schemas.microsoft.com/office/drawing/2010/main" w="9525">
+                <a:solidFill>
+                  <a:srgbClr val="000000"/>
+                </a:solidFill>
+                <a:miter lim="800000"/>
+                <a:headEnd/>
+                <a:tailEnd/>
+              </a14:hiddenLine>
+            </a:ext>
+          </a:extLst>
+        </p:spPr>
+        <p:txBody>
+          <a:bodyPr vert="horz" wrap="square" lIns="91440" tIns="45720" rIns="91440" bIns="45720" numCol="1" anchor="t" anchorCtr="0" compatLnSpc="1">
+            <a:prstTxWarp prst="textNoShape">
+              <a:avLst/>
+            </a:prstTxWarp>
+          </a:bodyPr>
+          <a:lstStyle/>
+          <a:p>
+            <a:pPr>
+              <a:defRPr/>
+            </a:pPr>
+            <a:r>
+              <a:rPr lang="en-US" altLang="en-US" sz="3600" dirty="0">
+                <a:solidFill>
+                  <a:schemeClr val="accent3"/>
+                </a:solidFill>
+                <a:latin typeface="Arial" panose="020B0604020202020204" pitchFamily="34" charset="0"/>
+              </a:rPr>
+              <a:t>SAS/JMP</a:t>
+            </a:r>
+          </a:p>
+        </p:txBody>
+      </p:sp>
+      <p:sp>
+        <p:nvSpPr>
+          <p:cNvPr id="17411" name="Content Placeholder 2"/>
+          <p:cNvSpPr>
+            <a:spLocks noGrp="1"/>
+          </p:cNvSpPr>
+          <p:nvPr>
+            <p:ph idx="1"/>
+          </p:nvPr>
+        </p:nvSpPr>
+        <p:spPr>
+          <a:xfrm>
+            <a:off x="419100" y="1676400"/>
+            <a:ext cx="11353800" cy="2667000"/>
+          </a:xfrm>
+        </p:spPr>
+        <p:txBody>
+          <a:bodyPr/>
+          <a:lstStyle/>
+          <a:p>
+            <a:pPr eaLnBrk="1" hangingPunct="1">
+              <a:lnSpc>
+                <a:spcPct val="90000"/>
+              </a:lnSpc>
+            </a:pPr>
+            <a:endParaRPr lang="en-US" altLang="en-US" sz="2400" dirty="0">
+              <a:latin typeface="+mj-lt"/>
+            </a:endParaRPr>
+          </a:p>
+          <a:p>
+            <a:pPr eaLnBrk="1" hangingPunct="1">
+              <a:lnSpc>
+                <a:spcPct val="90000"/>
+              </a:lnSpc>
+            </a:pPr>
+            <a:r>
+              <a:rPr lang="en-US" altLang="en-US" sz="2400" dirty="0">
+                <a:latin typeface="+mj-lt"/>
+              </a:rPr>
+              <a:t>Fee-Based (North Carolina) </a:t>
+            </a:r>
+          </a:p>
+          <a:p>
+            <a:pPr eaLnBrk="1" hangingPunct="1">
+              <a:lnSpc>
+                <a:spcPct val="90000"/>
+              </a:lnSpc>
+            </a:pPr>
+            <a:r>
+              <a:rPr lang="en-US" altLang="en-US" sz="2400" dirty="0">
+                <a:latin typeface="+mj-lt"/>
+              </a:rPr>
+              <a:t>Platforms: SAS</a:t>
+            </a:r>
+          </a:p>
+          <a:p>
+            <a:pPr eaLnBrk="1" hangingPunct="1">
+              <a:lnSpc>
+                <a:spcPct val="90000"/>
+              </a:lnSpc>
+            </a:pPr>
+            <a:r>
+              <a:rPr lang="en-US" altLang="en-US" sz="2400" dirty="0">
+                <a:latin typeface="+mj-lt"/>
+              </a:rPr>
+              <a:t>Industries: Primarily corporate, some educational</a:t>
+            </a:r>
+          </a:p>
+          <a:p>
+            <a:pPr marL="0" indent="0" eaLnBrk="1" hangingPunct="1">
+              <a:lnSpc>
+                <a:spcPct val="90000"/>
+              </a:lnSpc>
+              <a:buNone/>
+            </a:pPr>
+            <a:endParaRPr lang="en-US" altLang="en-US" sz="2400" dirty="0">
+              <a:latin typeface="+mj-lt"/>
+            </a:endParaRPr>
+          </a:p>
+        </p:txBody>
+      </p:sp>
+    </p:spTree>
+    <p:extLst>
+      <p:ext uri="{BB962C8B-B14F-4D97-AF65-F5344CB8AC3E}">
+        <p14:creationId xmlns:p14="http://schemas.microsoft.com/office/powerpoint/2010/main" val="503692358"/>
+      </p:ext>
+    </p:extLst>
+  </p:cSld>
+  <p:clrMapOvr>
+    <a:masterClrMapping/>
+  </p:clrMapOvr>
+</p:sld>
+</file>
+
+<file path=ppt/slides/slide2.xml><?xml version="1.0" encoding="utf-8"?>
+<p:sld xmlns:a="http://schemas.openxmlformats.org/drawingml/2006/main" xmlns:r="http://schemas.openxmlformats.org/officeDocument/2006/relationships" xmlns:p="http://schemas.openxmlformats.org/presentationml/2006/main">
+  <p:cSld>
+    <p:spTree>
+      <p:nvGrpSpPr>
+        <p:cNvPr id="1" name=""/>
+        <p:cNvGrpSpPr/>
+        <p:nvPr/>
+      </p:nvGrpSpPr>
+      <p:grpSpPr>
+        <a:xfrm>
+          <a:off x="0" y="0"/>
+          <a:ext cx="0" cy="0"/>
+          <a:chOff x="0" y="0"/>
+          <a:chExt cx="0" cy="0"/>
+        </a:xfrm>
+      </p:grpSpPr>
+      <p:sp>
+        <p:nvSpPr>
+          <p:cNvPr id="17410" name="Title 1"/>
+          <p:cNvSpPr>
+            <a:spLocks noGrp="1"/>
+          </p:cNvSpPr>
+          <p:nvPr>
+            <p:ph type="title" idx="4294967295"/>
+          </p:nvPr>
+        </p:nvSpPr>
+        <p:spPr bwMode="auto">
+          <a:xfrm>
+            <a:off x="76200" y="76200"/>
+            <a:ext cx="12039600" cy="685800"/>
+          </a:xfrm>
+          <a:prstGeom prst="rect">
+            <a:avLst/>
+          </a:prstGeom>
+          <a:noFill/>
+          <a:extLst>
+            <a:ext uri="{909E8E84-426E-40DD-AFC4-6F175D3DCCD1}">
+              <a14:hiddenFill xmlns:a14="http://schemas.microsoft.com/office/drawing/2010/main">
+                <a:solidFill>
+                  <a:srgbClr val="FFFFFF"/>
+                </a:solidFill>
+              </a14:hiddenFill>
+            </a:ext>
+            <a:ext uri="{91240B29-F687-4F45-9708-019B960494DF}">
+              <a14:hiddenLine xmlns:a14="http://schemas.microsoft.com/office/drawing/2010/main" w="9525">
+                <a:solidFill>
+                  <a:srgbClr val="000000"/>
+                </a:solidFill>
+                <a:miter lim="800000"/>
+                <a:headEnd/>
+                <a:tailEnd/>
+              </a14:hiddenLine>
+            </a:ext>
+          </a:extLst>
+        </p:spPr>
+        <p:txBody>
+          <a:bodyPr vert="horz" wrap="square" lIns="91440" tIns="45720" rIns="91440" bIns="45720" numCol="1" anchor="t" anchorCtr="0" compatLnSpc="1">
+            <a:prstTxWarp prst="textNoShape">
+              <a:avLst/>
+            </a:prstTxWarp>
+          </a:bodyPr>
+          <a:lstStyle/>
+          <a:p>
+            <a:pPr>
+              <a:defRPr/>
+            </a:pPr>
+            <a:r>
+              <a:rPr lang="en-US" altLang="en-US" sz="3600" dirty="0">
+                <a:solidFill>
+                  <a:schemeClr val="accent3"/>
+                </a:solidFill>
+                <a:latin typeface="Arial" panose="020B0604020202020204" pitchFamily="34" charset="0"/>
+              </a:rPr>
+              <a:t>Time Planning</a:t>
+            </a:r>
+          </a:p>
+        </p:txBody>
+      </p:sp>
+      <p:sp>
+        <p:nvSpPr>
+          <p:cNvPr id="17411" name="Content Placeholder 2"/>
+          <p:cNvSpPr>
+            <a:spLocks noGrp="1"/>
+          </p:cNvSpPr>
+          <p:nvPr>
+            <p:ph idx="1"/>
+          </p:nvPr>
+        </p:nvSpPr>
+        <p:spPr>
+          <a:xfrm>
+            <a:off x="419100" y="1676400"/>
+            <a:ext cx="11353800" cy="2667000"/>
+          </a:xfrm>
+        </p:spPr>
+        <p:txBody>
+          <a:bodyPr/>
+          <a:lstStyle/>
+          <a:p>
+            <a:pPr eaLnBrk="1" hangingPunct="1">
+              <a:lnSpc>
+                <a:spcPct val="90000"/>
+              </a:lnSpc>
+            </a:pPr>
+            <a:endParaRPr lang="en-US" altLang="en-US" sz="2400" dirty="0">
+              <a:latin typeface="+mj-lt"/>
+            </a:endParaRPr>
+          </a:p>
+          <a:p>
+            <a:pPr marL="0" indent="0" eaLnBrk="1" hangingPunct="1">
+              <a:lnSpc>
+                <a:spcPct val="90000"/>
+              </a:lnSpc>
+              <a:buNone/>
+            </a:pPr>
+            <a:r>
+              <a:rPr lang="en-US" altLang="en-US" sz="2400" dirty="0">
+                <a:latin typeface="+mj-lt"/>
+              </a:rPr>
+              <a:t>Part 1: 09:00-10:30 (1.50) [Supervised Machine Learning]</a:t>
+            </a:r>
+          </a:p>
+          <a:p>
+            <a:pPr marL="0" indent="0" eaLnBrk="1" hangingPunct="1">
+              <a:lnSpc>
+                <a:spcPct val="90000"/>
+              </a:lnSpc>
+              <a:buNone/>
+            </a:pPr>
+            <a:r>
+              <a:rPr lang="en-US" altLang="en-US" sz="2400" dirty="0">
+                <a:latin typeface="+mj-lt"/>
+              </a:rPr>
+              <a:t>Part 2: 10:45-12:00 (1.25) [Analytic Software Introduction]</a:t>
+            </a:r>
+          </a:p>
+          <a:p>
+            <a:pPr marL="0" indent="0" eaLnBrk="1" hangingPunct="1">
+              <a:lnSpc>
+                <a:spcPct val="90000"/>
+              </a:lnSpc>
+              <a:buNone/>
+            </a:pPr>
+            <a:r>
+              <a:rPr lang="en-US" altLang="en-US" sz="2400" dirty="0">
+                <a:latin typeface="+mj-lt"/>
+              </a:rPr>
+              <a:t>Lunch: 12:00-13:30</a:t>
+            </a:r>
+          </a:p>
+          <a:p>
+            <a:pPr marL="0" indent="0" eaLnBrk="1" hangingPunct="1">
+              <a:lnSpc>
+                <a:spcPct val="90000"/>
+              </a:lnSpc>
+              <a:buNone/>
+            </a:pPr>
+            <a:r>
+              <a:rPr lang="en-US" altLang="en-US" sz="2400" dirty="0">
+                <a:latin typeface="+mj-lt"/>
+              </a:rPr>
+              <a:t>Part 3: 13:30-15:30 (2.00) [Classification Exercise]</a:t>
+            </a:r>
+          </a:p>
+          <a:p>
+            <a:pPr marL="0" indent="0" eaLnBrk="1" hangingPunct="1">
+              <a:lnSpc>
+                <a:spcPct val="90000"/>
+              </a:lnSpc>
+              <a:buNone/>
+            </a:pPr>
+            <a:r>
+              <a:rPr lang="en-US" altLang="en-US" sz="2400" dirty="0">
+                <a:latin typeface="+mj-lt"/>
+              </a:rPr>
+              <a:t>Part 4: 17:00-18:30 (1.50) [Model Refinement &amp; Performance Evaluation]</a:t>
+            </a:r>
+          </a:p>
+          <a:p>
+            <a:pPr marL="0" indent="0" eaLnBrk="1" hangingPunct="1">
+              <a:lnSpc>
+                <a:spcPct val="90000"/>
+              </a:lnSpc>
+              <a:buNone/>
+            </a:pPr>
+            <a:endParaRPr lang="en-US" altLang="en-US" sz="2400" dirty="0">
+              <a:latin typeface="+mj-lt"/>
+            </a:endParaRPr>
+          </a:p>
+        </p:txBody>
+      </p:sp>
+    </p:spTree>
+  </p:cSld>
+  <p:clrMapOvr>
+    <a:masterClrMapping/>
+  </p:clrMapOvr>
+</p:sld>
+</file>
+
+<file path=ppt/slides/slide20.xml><?xml version="1.0" encoding="utf-8"?>
+<p:sld xmlns:a="http://schemas.openxmlformats.org/drawingml/2006/main" xmlns:r="http://schemas.openxmlformats.org/officeDocument/2006/relationships" xmlns:p="http://schemas.openxmlformats.org/presentationml/2006/main">
+  <p:cSld>
+    <p:spTree>
+      <p:nvGrpSpPr>
+        <p:cNvPr id="1" name=""/>
+        <p:cNvGrpSpPr/>
+        <p:nvPr/>
+      </p:nvGrpSpPr>
+      <p:grpSpPr>
+        <a:xfrm>
+          <a:off x="0" y="0"/>
+          <a:ext cx="0" cy="0"/>
+          <a:chOff x="0" y="0"/>
+          <a:chExt cx="0" cy="0"/>
+        </a:xfrm>
+      </p:grpSpPr>
+      <p:sp>
+        <p:nvSpPr>
+          <p:cNvPr id="17410" name="Title 1"/>
+          <p:cNvSpPr>
+            <a:spLocks noGrp="1"/>
+          </p:cNvSpPr>
+          <p:nvPr>
+            <p:ph type="title" idx="4294967295"/>
+          </p:nvPr>
+        </p:nvSpPr>
+        <p:spPr bwMode="auto">
+          <a:xfrm>
+            <a:off x="76200" y="76200"/>
+            <a:ext cx="12039600" cy="685800"/>
+          </a:xfrm>
+          <a:prstGeom prst="rect">
+            <a:avLst/>
+          </a:prstGeom>
+          <a:noFill/>
+          <a:extLst>
+            <a:ext uri="{909E8E84-426E-40DD-AFC4-6F175D3DCCD1}">
+              <a14:hiddenFill xmlns:a14="http://schemas.microsoft.com/office/drawing/2010/main">
+                <a:solidFill>
+                  <a:srgbClr val="FFFFFF"/>
+                </a:solidFill>
+              </a14:hiddenFill>
+            </a:ext>
+            <a:ext uri="{91240B29-F687-4F45-9708-019B960494DF}">
+              <a14:hiddenLine xmlns:a14="http://schemas.microsoft.com/office/drawing/2010/main" w="9525">
+                <a:solidFill>
+                  <a:srgbClr val="000000"/>
+                </a:solidFill>
+                <a:miter lim="800000"/>
+                <a:headEnd/>
+                <a:tailEnd/>
+              </a14:hiddenLine>
+            </a:ext>
+          </a:extLst>
+        </p:spPr>
+        <p:txBody>
+          <a:bodyPr vert="horz" wrap="square" lIns="91440" tIns="45720" rIns="91440" bIns="45720" numCol="1" anchor="t" anchorCtr="0" compatLnSpc="1">
+            <a:prstTxWarp prst="textNoShape">
+              <a:avLst/>
+            </a:prstTxWarp>
+          </a:bodyPr>
+          <a:lstStyle/>
+          <a:p>
+            <a:pPr>
+              <a:defRPr/>
+            </a:pPr>
+            <a:r>
+              <a:rPr lang="en-US" altLang="en-US" sz="3600" dirty="0">
+                <a:solidFill>
+                  <a:schemeClr val="accent3"/>
+                </a:solidFill>
+                <a:latin typeface="Arial" panose="020B0604020202020204" pitchFamily="34" charset="0"/>
+              </a:rPr>
+              <a:t>IDEs</a:t>
+            </a:r>
+          </a:p>
+        </p:txBody>
+      </p:sp>
+      <p:sp>
+        <p:nvSpPr>
+          <p:cNvPr id="17411" name="Content Placeholder 2"/>
+          <p:cNvSpPr>
+            <a:spLocks noGrp="1"/>
+          </p:cNvSpPr>
+          <p:nvPr>
+            <p:ph idx="1"/>
+          </p:nvPr>
+        </p:nvSpPr>
+        <p:spPr>
+          <a:xfrm>
+            <a:off x="419100" y="1676400"/>
+            <a:ext cx="11353800" cy="2667000"/>
+          </a:xfrm>
+        </p:spPr>
+        <p:txBody>
+          <a:bodyPr/>
+          <a:lstStyle/>
+          <a:p>
+            <a:pPr eaLnBrk="1" hangingPunct="1">
+              <a:lnSpc>
+                <a:spcPct val="90000"/>
+              </a:lnSpc>
+            </a:pPr>
+            <a:endParaRPr lang="en-US" altLang="en-US" sz="2400" dirty="0">
+              <a:latin typeface="+mj-lt"/>
+            </a:endParaRPr>
+          </a:p>
+          <a:p>
+            <a:pPr eaLnBrk="1" hangingPunct="1">
+              <a:lnSpc>
+                <a:spcPct val="90000"/>
+              </a:lnSpc>
+            </a:pPr>
+            <a:r>
+              <a:rPr lang="en-US" altLang="en-US" sz="2400" dirty="0">
+                <a:latin typeface="+mj-lt"/>
+              </a:rPr>
+              <a:t>Why do things such as Integrated Development Environments exist?</a:t>
+            </a:r>
+          </a:p>
+          <a:p>
+            <a:pPr lvl="1" eaLnBrk="1" hangingPunct="1">
+              <a:lnSpc>
+                <a:spcPct val="90000"/>
+              </a:lnSpc>
+            </a:pPr>
+            <a:r>
+              <a:rPr lang="en-US" altLang="en-US" sz="2000" dirty="0">
+                <a:latin typeface="+mj-lt"/>
+              </a:rPr>
+              <a:t>Allow flexibility for quantitative lifting (computer resource usage), GUI aesthetic customization, specifically related to open-source software.</a:t>
+            </a:r>
+          </a:p>
+          <a:p>
+            <a:pPr lvl="1" eaLnBrk="1" hangingPunct="1">
+              <a:lnSpc>
+                <a:spcPct val="90000"/>
+              </a:lnSpc>
+            </a:pPr>
+            <a:r>
+              <a:rPr lang="en-US" altLang="en-US" sz="2000" dirty="0">
+                <a:latin typeface="+mj-lt"/>
+              </a:rPr>
+              <a:t>IDEs can be locally installed (Atom, </a:t>
+            </a:r>
+            <a:r>
+              <a:rPr lang="en-US" altLang="en-US" sz="2000" dirty="0" err="1">
+                <a:latin typeface="+mj-lt"/>
+              </a:rPr>
+              <a:t>Powershell</a:t>
+            </a:r>
+            <a:r>
+              <a:rPr lang="en-US" altLang="en-US" sz="2000" dirty="0">
+                <a:latin typeface="+mj-lt"/>
+              </a:rPr>
+              <a:t>) or cloud-based (</a:t>
+            </a:r>
+            <a:r>
+              <a:rPr lang="en-US" altLang="en-US" sz="2000" dirty="0" err="1">
+                <a:latin typeface="+mj-lt"/>
+              </a:rPr>
+              <a:t>Jupyter</a:t>
+            </a:r>
+            <a:r>
+              <a:rPr lang="en-US" altLang="en-US" sz="2000" dirty="0">
+                <a:latin typeface="+mj-lt"/>
+              </a:rPr>
+              <a:t> Notebooks, Google </a:t>
+            </a:r>
+            <a:r>
+              <a:rPr lang="en-US" altLang="en-US" sz="2000" dirty="0" err="1">
+                <a:latin typeface="+mj-lt"/>
+              </a:rPr>
+              <a:t>Colab</a:t>
+            </a:r>
+            <a:r>
+              <a:rPr lang="en-US" altLang="en-US" sz="2000" dirty="0">
+                <a:latin typeface="+mj-lt"/>
+              </a:rPr>
+              <a:t>).</a:t>
+            </a:r>
+          </a:p>
+          <a:p>
+            <a:pPr lvl="1" eaLnBrk="1" hangingPunct="1">
+              <a:lnSpc>
+                <a:spcPct val="90000"/>
+              </a:lnSpc>
+            </a:pPr>
+            <a:r>
+              <a:rPr lang="en-US" altLang="en-US" sz="2000" dirty="0">
+                <a:latin typeface="+mj-lt"/>
+              </a:rPr>
+              <a:t>Provides forgiveness and assistances when scripting.</a:t>
+            </a:r>
+          </a:p>
+          <a:p>
+            <a:pPr eaLnBrk="1" hangingPunct="1">
+              <a:lnSpc>
+                <a:spcPct val="90000"/>
+              </a:lnSpc>
+            </a:pPr>
+            <a:endParaRPr lang="en-US" altLang="en-US" sz="2400" dirty="0">
+              <a:latin typeface="+mj-lt"/>
+            </a:endParaRPr>
+          </a:p>
+          <a:p>
+            <a:pPr marL="0" indent="0" eaLnBrk="1" hangingPunct="1">
+              <a:lnSpc>
+                <a:spcPct val="90000"/>
+              </a:lnSpc>
+              <a:buNone/>
+            </a:pPr>
+            <a:endParaRPr lang="en-US" altLang="en-US" sz="2400" dirty="0">
+              <a:latin typeface="+mj-lt"/>
+            </a:endParaRPr>
+          </a:p>
+        </p:txBody>
+      </p:sp>
+    </p:spTree>
+    <p:extLst>
+      <p:ext uri="{BB962C8B-B14F-4D97-AF65-F5344CB8AC3E}">
+        <p14:creationId xmlns:p14="http://schemas.microsoft.com/office/powerpoint/2010/main" val="1018957753"/>
+      </p:ext>
+    </p:extLst>
+  </p:cSld>
+  <p:clrMapOvr>
+    <a:masterClrMapping/>
+  </p:clrMapOvr>
+</p:sld>
+</file>
+
+<file path=ppt/slides/slide21.xml><?xml version="1.0" encoding="utf-8"?>
+<p:sld xmlns:a="http://schemas.openxmlformats.org/drawingml/2006/main" xmlns:r="http://schemas.openxmlformats.org/officeDocument/2006/relationships" xmlns:p="http://schemas.openxmlformats.org/presentationml/2006/main">
+  <p:cSld>
+    <p:spTree>
+      <p:nvGrpSpPr>
+        <p:cNvPr id="1" name=""/>
+        <p:cNvGrpSpPr/>
+        <p:nvPr/>
+      </p:nvGrpSpPr>
+      <p:grpSpPr>
+        <a:xfrm>
+          <a:off x="0" y="0"/>
+          <a:ext cx="0" cy="0"/>
+          <a:chOff x="0" y="0"/>
+          <a:chExt cx="0" cy="0"/>
+        </a:xfrm>
+      </p:grpSpPr>
+      <p:sp>
+        <p:nvSpPr>
+          <p:cNvPr id="17410" name="Title 1"/>
+          <p:cNvSpPr>
+            <a:spLocks noGrp="1"/>
+          </p:cNvSpPr>
+          <p:nvPr>
+            <p:ph type="title" idx="4294967295"/>
+          </p:nvPr>
+        </p:nvSpPr>
+        <p:spPr bwMode="auto">
+          <a:xfrm>
+            <a:off x="76200" y="76200"/>
+            <a:ext cx="12039600" cy="685800"/>
+          </a:xfrm>
+          <a:prstGeom prst="rect">
+            <a:avLst/>
+          </a:prstGeom>
+          <a:noFill/>
+          <a:extLst>
+            <a:ext uri="{909E8E84-426E-40DD-AFC4-6F175D3DCCD1}">
+              <a14:hiddenFill xmlns:a14="http://schemas.microsoft.com/office/drawing/2010/main">
+                <a:solidFill>
+                  <a:srgbClr val="FFFFFF"/>
+                </a:solidFill>
+              </a14:hiddenFill>
+            </a:ext>
+            <a:ext uri="{91240B29-F687-4F45-9708-019B960494DF}">
+              <a14:hiddenLine xmlns:a14="http://schemas.microsoft.com/office/drawing/2010/main" w="9525">
+                <a:solidFill>
+                  <a:srgbClr val="000000"/>
+                </a:solidFill>
+                <a:miter lim="800000"/>
+                <a:headEnd/>
+                <a:tailEnd/>
+              </a14:hiddenLine>
+            </a:ext>
+          </a:extLst>
+        </p:spPr>
+        <p:txBody>
+          <a:bodyPr vert="horz" wrap="square" lIns="91440" tIns="45720" rIns="91440" bIns="45720" numCol="1" anchor="t" anchorCtr="0" compatLnSpc="1">
+            <a:prstTxWarp prst="textNoShape">
+              <a:avLst/>
+            </a:prstTxWarp>
+          </a:bodyPr>
+          <a:lstStyle/>
+          <a:p>
+            <a:pPr>
+              <a:defRPr/>
+            </a:pPr>
+            <a:r>
+              <a:rPr lang="en-US" altLang="en-US" sz="3600" dirty="0">
+                <a:solidFill>
+                  <a:schemeClr val="accent3"/>
+                </a:solidFill>
+                <a:latin typeface="Arial" panose="020B0604020202020204" pitchFamily="34" charset="0"/>
+              </a:rPr>
+              <a:t>Resources</a:t>
+            </a:r>
+          </a:p>
+        </p:txBody>
+      </p:sp>
+      <p:sp>
+        <p:nvSpPr>
+          <p:cNvPr id="17411" name="Content Placeholder 2"/>
+          <p:cNvSpPr>
+            <a:spLocks noGrp="1"/>
+          </p:cNvSpPr>
+          <p:nvPr>
+            <p:ph idx="1"/>
+          </p:nvPr>
+        </p:nvSpPr>
+        <p:spPr>
+          <a:xfrm>
+            <a:off x="419100" y="1676400"/>
+            <a:ext cx="11353800" cy="2667000"/>
+          </a:xfrm>
+        </p:spPr>
+        <p:txBody>
+          <a:bodyPr/>
+          <a:lstStyle/>
+          <a:p>
+            <a:pPr eaLnBrk="1" hangingPunct="1">
+              <a:lnSpc>
+                <a:spcPct val="90000"/>
+              </a:lnSpc>
+            </a:pPr>
+            <a:endParaRPr lang="en-US" altLang="en-US" sz="2400" dirty="0">
+              <a:latin typeface="+mj-lt"/>
+            </a:endParaRPr>
+          </a:p>
+          <a:p>
+            <a:pPr eaLnBrk="1" hangingPunct="1">
+              <a:lnSpc>
+                <a:spcPct val="90000"/>
+              </a:lnSpc>
+            </a:pPr>
+            <a:r>
+              <a:rPr lang="en-US" altLang="en-US" sz="2400" dirty="0" err="1">
+                <a:latin typeface="+mj-lt"/>
+              </a:rPr>
+              <a:t>Stackoverflow</a:t>
+            </a:r>
+            <a:r>
+              <a:rPr lang="en-US" altLang="en-US" sz="2400" dirty="0">
+                <a:latin typeface="+mj-lt"/>
+              </a:rPr>
+              <a:t> </a:t>
+            </a:r>
+            <a:r>
+              <a:rPr lang="en-US" altLang="en-US" sz="2400" dirty="0">
+                <a:latin typeface="+mj-lt"/>
+                <a:hlinkClick r:id="rId2"/>
+              </a:rPr>
+              <a:t>(https://stackoverflow.com/</a:t>
+            </a:r>
+            <a:r>
+              <a:rPr lang="en-US" altLang="en-US" sz="2400" dirty="0">
+                <a:latin typeface="+mj-lt"/>
+              </a:rPr>
+              <a:t>)</a:t>
+            </a:r>
+          </a:p>
+          <a:p>
+            <a:pPr eaLnBrk="1" hangingPunct="1">
+              <a:lnSpc>
+                <a:spcPct val="90000"/>
+              </a:lnSpc>
+            </a:pPr>
+            <a:r>
+              <a:rPr lang="en-US" altLang="en-US" sz="2400" dirty="0">
+                <a:latin typeface="+mj-lt"/>
+              </a:rPr>
+              <a:t>Medium (</a:t>
+            </a:r>
+            <a:r>
+              <a:rPr lang="en-US" altLang="en-US" sz="2400" dirty="0">
+                <a:latin typeface="+mj-lt"/>
+                <a:hlinkClick r:id="rId3"/>
+              </a:rPr>
+              <a:t>https://medium.com/tag/data-analysis</a:t>
+            </a:r>
+            <a:r>
+              <a:rPr lang="en-US" altLang="en-US" sz="2400" dirty="0">
+                <a:latin typeface="+mj-lt"/>
+              </a:rPr>
+              <a:t>)</a:t>
+            </a:r>
+          </a:p>
+          <a:p>
+            <a:pPr eaLnBrk="1" hangingPunct="1">
+              <a:lnSpc>
+                <a:spcPct val="90000"/>
+              </a:lnSpc>
+            </a:pPr>
+            <a:r>
+              <a:rPr lang="en-US" altLang="en-US" sz="2400" dirty="0" err="1">
+                <a:latin typeface="+mj-lt"/>
+              </a:rPr>
+              <a:t>Github</a:t>
+            </a:r>
+            <a:r>
+              <a:rPr lang="en-US" altLang="en-US" sz="2400" dirty="0">
+                <a:latin typeface="+mj-lt"/>
+              </a:rPr>
+              <a:t> (</a:t>
+            </a:r>
+            <a:r>
+              <a:rPr lang="en-US" altLang="en-US" sz="2400" dirty="0">
+                <a:latin typeface="+mj-lt"/>
+                <a:hlinkClick r:id="rId4"/>
+              </a:rPr>
+              <a:t>https://github.com/</a:t>
+            </a:r>
+            <a:r>
+              <a:rPr lang="en-US" altLang="en-US" sz="2400" dirty="0">
+                <a:latin typeface="+mj-lt"/>
+              </a:rPr>
+              <a:t>) </a:t>
+            </a:r>
+          </a:p>
+          <a:p>
+            <a:pPr eaLnBrk="1" hangingPunct="1">
+              <a:lnSpc>
+                <a:spcPct val="90000"/>
+              </a:lnSpc>
+            </a:pPr>
+            <a:endParaRPr lang="en-US" altLang="en-US" sz="2400" dirty="0">
+              <a:latin typeface="+mj-lt"/>
+            </a:endParaRPr>
+          </a:p>
+          <a:p>
+            <a:pPr marL="0" indent="0" eaLnBrk="1" hangingPunct="1">
+              <a:lnSpc>
+                <a:spcPct val="90000"/>
+              </a:lnSpc>
+              <a:buNone/>
+            </a:pPr>
+            <a:endParaRPr lang="en-US" altLang="en-US" sz="2400" dirty="0">
+              <a:latin typeface="+mj-lt"/>
+            </a:endParaRPr>
+          </a:p>
+        </p:txBody>
+      </p:sp>
+    </p:spTree>
+    <p:extLst>
+      <p:ext uri="{BB962C8B-B14F-4D97-AF65-F5344CB8AC3E}">
+        <p14:creationId xmlns:p14="http://schemas.microsoft.com/office/powerpoint/2010/main" val="1443130278"/>
+      </p:ext>
+    </p:extLst>
+  </p:cSld>
+  <p:clrMapOvr>
+    <a:masterClrMapping/>
+  </p:clrMapOvr>
+</p:sld>
+</file>
+
+<file path=ppt/slides/slide22.xml><?xml version="1.0" encoding="utf-8"?>
+<p:sld xmlns:a="http://schemas.openxmlformats.org/drawingml/2006/main" xmlns:r="http://schemas.openxmlformats.org/officeDocument/2006/relationships" xmlns:p="http://schemas.openxmlformats.org/presentationml/2006/main">
+  <p:cSld>
+    <p:spTree>
+      <p:nvGrpSpPr>
+        <p:cNvPr id="1" name=""/>
+        <p:cNvGrpSpPr/>
+        <p:nvPr/>
+      </p:nvGrpSpPr>
+      <p:grpSpPr>
+        <a:xfrm>
+          <a:off x="0" y="0"/>
+          <a:ext cx="0" cy="0"/>
+          <a:chOff x="0" y="0"/>
+          <a:chExt cx="0" cy="0"/>
+        </a:xfrm>
+      </p:grpSpPr>
+      <p:sp>
+        <p:nvSpPr>
+          <p:cNvPr id="17410" name="Title 1"/>
+          <p:cNvSpPr>
+            <a:spLocks noGrp="1"/>
+          </p:cNvSpPr>
+          <p:nvPr>
+            <p:ph type="title" idx="4294967295"/>
+          </p:nvPr>
+        </p:nvSpPr>
+        <p:spPr bwMode="auto">
+          <a:xfrm>
+            <a:off x="76200" y="76200"/>
+            <a:ext cx="12039600" cy="685800"/>
+          </a:xfrm>
+          <a:prstGeom prst="rect">
+            <a:avLst/>
+          </a:prstGeom>
+          <a:noFill/>
+          <a:extLst>
+            <a:ext uri="{909E8E84-426E-40DD-AFC4-6F175D3DCCD1}">
+              <a14:hiddenFill xmlns:a14="http://schemas.microsoft.com/office/drawing/2010/main">
+                <a:solidFill>
+                  <a:srgbClr val="FFFFFF"/>
+                </a:solidFill>
+              </a14:hiddenFill>
+            </a:ext>
+            <a:ext uri="{91240B29-F687-4F45-9708-019B960494DF}">
+              <a14:hiddenLine xmlns:a14="http://schemas.microsoft.com/office/drawing/2010/main" w="9525">
+                <a:solidFill>
+                  <a:srgbClr val="000000"/>
+                </a:solidFill>
+                <a:miter lim="800000"/>
+                <a:headEnd/>
+                <a:tailEnd/>
+              </a14:hiddenLine>
+            </a:ext>
+          </a:extLst>
+        </p:spPr>
+        <p:txBody>
+          <a:bodyPr vert="horz" wrap="square" lIns="91440" tIns="45720" rIns="91440" bIns="45720" numCol="1" anchor="t" anchorCtr="0" compatLnSpc="1">
+            <a:prstTxWarp prst="textNoShape">
+              <a:avLst/>
+            </a:prstTxWarp>
+          </a:bodyPr>
+          <a:lstStyle/>
+          <a:p>
+            <a:pPr>
+              <a:defRPr/>
+            </a:pPr>
+            <a:r>
+              <a:rPr lang="en-US" altLang="en-US" sz="3600" dirty="0">
+                <a:solidFill>
+                  <a:schemeClr val="accent3"/>
+                </a:solidFill>
+                <a:latin typeface="Arial" panose="020B0604020202020204" pitchFamily="34" charset="0"/>
+              </a:rPr>
+              <a:t>Part 3: Session Overview</a:t>
+            </a:r>
+          </a:p>
+        </p:txBody>
+      </p:sp>
+      <p:sp>
+        <p:nvSpPr>
+          <p:cNvPr id="17411" name="Content Placeholder 2"/>
+          <p:cNvSpPr>
+            <a:spLocks noGrp="1"/>
+          </p:cNvSpPr>
+          <p:nvPr>
+            <p:ph idx="1"/>
+          </p:nvPr>
+        </p:nvSpPr>
+        <p:spPr>
+          <a:xfrm>
+            <a:off x="419100" y="1676400"/>
+            <a:ext cx="11353800" cy="2667000"/>
+          </a:xfrm>
+        </p:spPr>
+        <p:txBody>
+          <a:bodyPr/>
+          <a:lstStyle/>
+          <a:p>
+            <a:pPr marL="0" indent="0">
+              <a:buNone/>
+            </a:pPr>
+            <a:r>
+              <a:rPr lang="en-US" dirty="0"/>
+              <a:t>Classifying Categorical Outcomes with </a:t>
+            </a:r>
+            <a:r>
+              <a:rPr lang="en-US" i="1" dirty="0"/>
+              <a:t>k</a:t>
+            </a:r>
+            <a:r>
+              <a:rPr lang="en-US" dirty="0"/>
+              <a:t>-Nearest Neighbors:</a:t>
+            </a:r>
+          </a:p>
+          <a:p>
+            <a:pPr marL="404813" indent="-404813"/>
+            <a:r>
+              <a:rPr lang="en-US" sz="2600" dirty="0"/>
+              <a:t>A nearest-neighbor classifier is a “lazy learner” that directly uses the entire training set to classify observations in the validation and test sets.</a:t>
+            </a:r>
+          </a:p>
+          <a:p>
+            <a:pPr marL="404813" indent="-404813"/>
+            <a:r>
+              <a:rPr lang="en-US" sz="2600" dirty="0"/>
+              <a:t>The value of </a:t>
+            </a:r>
+            <a:r>
+              <a:rPr lang="en-US" sz="2600" i="1" dirty="0"/>
+              <a:t>k</a:t>
+            </a:r>
+            <a:r>
+              <a:rPr lang="en-US" sz="2600" dirty="0"/>
+              <a:t> can plausibly range from 1 to </a:t>
+            </a:r>
+            <a:r>
+              <a:rPr lang="en-US" sz="2600" i="1" dirty="0"/>
+              <a:t>n</a:t>
+            </a:r>
+            <a:r>
+              <a:rPr lang="en-US" sz="2600" dirty="0"/>
+              <a:t>, the number of observations in the training set.</a:t>
+            </a:r>
+          </a:p>
+          <a:p>
+            <a:pPr marL="862013" lvl="1" indent="-404813"/>
+            <a:r>
+              <a:rPr lang="en-US" dirty="0"/>
+              <a:t>If </a:t>
+            </a:r>
+            <a:r>
+              <a:rPr lang="en-US" i="1" dirty="0"/>
+              <a:t>k</a:t>
+            </a:r>
+            <a:r>
+              <a:rPr lang="en-US" dirty="0"/>
+              <a:t> = 1, then the classification of a new observation is set to be equal to the class of the single most similar observation from the training set.</a:t>
+            </a:r>
+          </a:p>
+          <a:p>
+            <a:pPr marL="862013" lvl="1" indent="-404813"/>
+            <a:r>
+              <a:rPr lang="en-US" dirty="0"/>
+              <a:t>If </a:t>
+            </a:r>
+            <a:r>
+              <a:rPr lang="en-US" i="1" dirty="0"/>
+              <a:t>k = n</a:t>
+            </a:r>
+            <a:r>
+              <a:rPr lang="en-US" dirty="0"/>
+              <a:t>, then the new observation’s class is naïvely assigned to the most common class in the training set.</a:t>
+            </a:r>
+          </a:p>
+          <a:p>
+            <a:pPr marL="0" indent="0" eaLnBrk="1" hangingPunct="1">
+              <a:lnSpc>
+                <a:spcPct val="90000"/>
+              </a:lnSpc>
+              <a:buNone/>
+            </a:pPr>
+            <a:endParaRPr lang="en-US" altLang="en-US" sz="2400" dirty="0">
+              <a:latin typeface="+mj-lt"/>
+            </a:endParaRPr>
+          </a:p>
+          <a:p>
+            <a:pPr marL="0" indent="0" eaLnBrk="1" hangingPunct="1">
+              <a:lnSpc>
+                <a:spcPct val="90000"/>
+              </a:lnSpc>
+              <a:buNone/>
+            </a:pPr>
+            <a:endParaRPr lang="en-US" altLang="en-US" sz="2400" dirty="0">
+              <a:latin typeface="+mj-lt"/>
+            </a:endParaRPr>
+          </a:p>
+        </p:txBody>
+      </p:sp>
+    </p:spTree>
+    <p:extLst>
+      <p:ext uri="{BB962C8B-B14F-4D97-AF65-F5344CB8AC3E}">
+        <p14:creationId xmlns:p14="http://schemas.microsoft.com/office/powerpoint/2010/main" val="2034034161"/>
+      </p:ext>
+    </p:extLst>
+  </p:cSld>
+  <p:clrMapOvr>
+    <a:masterClrMapping/>
+  </p:clrMapOvr>
+</p:sld>
+</file>
+
+<file path=ppt/slides/slide23.xml><?xml version="1.0" encoding="utf-8"?>
+<p:sld xmlns:a="http://schemas.openxmlformats.org/drawingml/2006/main" xmlns:r="http://schemas.openxmlformats.org/officeDocument/2006/relationships" xmlns:p="http://schemas.openxmlformats.org/presentationml/2006/main">
+  <p:cSld>
+    <p:spTree>
+      <p:nvGrpSpPr>
+        <p:cNvPr id="1" name=""/>
+        <p:cNvGrpSpPr/>
+        <p:nvPr/>
+      </p:nvGrpSpPr>
+      <p:grpSpPr>
+        <a:xfrm>
+          <a:off x="0" y="0"/>
+          <a:ext cx="0" cy="0"/>
+          <a:chOff x="0" y="0"/>
+          <a:chExt cx="0" cy="0"/>
+        </a:xfrm>
+      </p:grpSpPr>
+      <p:sp>
+        <p:nvSpPr>
+          <p:cNvPr id="17410" name="Title 1"/>
+          <p:cNvSpPr>
+            <a:spLocks noGrp="1"/>
+          </p:cNvSpPr>
+          <p:nvPr>
+            <p:ph type="title" idx="4294967295"/>
+          </p:nvPr>
+        </p:nvSpPr>
+        <p:spPr bwMode="auto">
+          <a:xfrm>
+            <a:off x="76200" y="76200"/>
+            <a:ext cx="12039600" cy="685800"/>
+          </a:xfrm>
+          <a:prstGeom prst="rect">
+            <a:avLst/>
+          </a:prstGeom>
+          <a:noFill/>
+          <a:extLst>
+            <a:ext uri="{909E8E84-426E-40DD-AFC4-6F175D3DCCD1}">
+              <a14:hiddenFill xmlns:a14="http://schemas.microsoft.com/office/drawing/2010/main">
+                <a:solidFill>
+                  <a:srgbClr val="FFFFFF"/>
+                </a:solidFill>
+              </a14:hiddenFill>
+            </a:ext>
+            <a:ext uri="{91240B29-F687-4F45-9708-019B960494DF}">
+              <a14:hiddenLine xmlns:a14="http://schemas.microsoft.com/office/drawing/2010/main" w="9525">
+                <a:solidFill>
+                  <a:srgbClr val="000000"/>
+                </a:solidFill>
+                <a:miter lim="800000"/>
+                <a:headEnd/>
+                <a:tailEnd/>
+              </a14:hiddenLine>
+            </a:ext>
+          </a:extLst>
+        </p:spPr>
+        <p:txBody>
+          <a:bodyPr vert="horz" wrap="square" lIns="91440" tIns="45720" rIns="91440" bIns="45720" numCol="1" anchor="t" anchorCtr="0" compatLnSpc="1">
+            <a:prstTxWarp prst="textNoShape">
+              <a:avLst/>
+            </a:prstTxWarp>
+          </a:bodyPr>
+          <a:lstStyle/>
+          <a:p>
+            <a:pPr>
+              <a:defRPr/>
+            </a:pPr>
+            <a:r>
+              <a:rPr lang="en-US" altLang="en-US" sz="3600" dirty="0">
+                <a:solidFill>
+                  <a:schemeClr val="accent3"/>
+                </a:solidFill>
+                <a:latin typeface="Arial" panose="020B0604020202020204" pitchFamily="34" charset="0"/>
+              </a:rPr>
+              <a:t>Part 3: The Plan</a:t>
+            </a:r>
+          </a:p>
+        </p:txBody>
+      </p:sp>
+      <p:sp>
+        <p:nvSpPr>
+          <p:cNvPr id="17411" name="Content Placeholder 2"/>
+          <p:cNvSpPr>
+            <a:spLocks noGrp="1"/>
+          </p:cNvSpPr>
+          <p:nvPr>
+            <p:ph idx="1"/>
+          </p:nvPr>
+        </p:nvSpPr>
+        <p:spPr>
+          <a:xfrm>
+            <a:off x="419100" y="1676400"/>
+            <a:ext cx="11353800" cy="2667000"/>
+          </a:xfrm>
+        </p:spPr>
+        <p:txBody>
+          <a:bodyPr/>
+          <a:lstStyle/>
+          <a:p>
+            <a:pPr eaLnBrk="1" hangingPunct="1">
+              <a:lnSpc>
+                <a:spcPct val="90000"/>
+              </a:lnSpc>
+            </a:pPr>
+            <a:endParaRPr lang="en-US" altLang="en-US" sz="2400" dirty="0">
+              <a:latin typeface="+mj-lt"/>
+            </a:endParaRPr>
+          </a:p>
+          <a:p>
+            <a:pPr eaLnBrk="1" hangingPunct="1">
+              <a:lnSpc>
+                <a:spcPct val="90000"/>
+              </a:lnSpc>
+            </a:pPr>
+            <a:r>
+              <a:rPr lang="en-US" altLang="en-US" sz="2400" dirty="0">
+                <a:latin typeface="+mj-lt"/>
+              </a:rPr>
+              <a:t>Apply basic calculations of a classification algorithm, specifically k-NN</a:t>
+            </a:r>
+          </a:p>
+          <a:p>
+            <a:pPr lvl="1" eaLnBrk="1" hangingPunct="1">
+              <a:lnSpc>
+                <a:spcPct val="90000"/>
+              </a:lnSpc>
+            </a:pPr>
+            <a:r>
+              <a:rPr lang="en-US" altLang="en-US" sz="2000" dirty="0">
+                <a:latin typeface="+mj-lt"/>
+              </a:rPr>
+              <a:t>NN = Nearest Neighbors</a:t>
+            </a:r>
+          </a:p>
+          <a:p>
+            <a:pPr eaLnBrk="1" hangingPunct="1">
+              <a:lnSpc>
+                <a:spcPct val="90000"/>
+              </a:lnSpc>
+            </a:pPr>
+            <a:r>
+              <a:rPr lang="en-US" altLang="en-US" sz="2400" dirty="0">
+                <a:latin typeface="+mj-lt"/>
+              </a:rPr>
+              <a:t>Use two features and one target</a:t>
+            </a:r>
+          </a:p>
+          <a:p>
+            <a:pPr marL="0" indent="0" eaLnBrk="1" hangingPunct="1">
+              <a:lnSpc>
+                <a:spcPct val="90000"/>
+              </a:lnSpc>
+              <a:buNone/>
+            </a:pPr>
+            <a:endParaRPr lang="en-US" altLang="en-US" sz="2400" dirty="0">
+              <a:latin typeface="+mj-lt"/>
+            </a:endParaRPr>
+          </a:p>
+          <a:p>
+            <a:pPr marL="0" indent="0" eaLnBrk="1" hangingPunct="1">
+              <a:lnSpc>
+                <a:spcPct val="90000"/>
+              </a:lnSpc>
+              <a:buNone/>
+            </a:pPr>
+            <a:endParaRPr lang="en-US" altLang="en-US" sz="2400" dirty="0">
+              <a:latin typeface="+mj-lt"/>
+            </a:endParaRPr>
+          </a:p>
+        </p:txBody>
+      </p:sp>
+    </p:spTree>
+    <p:extLst>
+      <p:ext uri="{BB962C8B-B14F-4D97-AF65-F5344CB8AC3E}">
+        <p14:creationId xmlns:p14="http://schemas.microsoft.com/office/powerpoint/2010/main" val="2016085321"/>
+      </p:ext>
+    </p:extLst>
+  </p:cSld>
+  <p:clrMapOvr>
+    <a:masterClrMapping/>
+  </p:clrMapOvr>
+</p:sld>
+</file>
+
+<file path=ppt/slides/slide24.xml><?xml version="1.0" encoding="utf-8"?>
+<p:sld xmlns:a="http://schemas.openxmlformats.org/drawingml/2006/main" xmlns:r="http://schemas.openxmlformats.org/officeDocument/2006/relationships" xmlns:p="http://schemas.openxmlformats.org/presentationml/2006/main">
+  <p:cSld>
+    <p:spTree>
+      <p:nvGrpSpPr>
+        <p:cNvPr id="1" name=""/>
+        <p:cNvGrpSpPr/>
+        <p:nvPr/>
+      </p:nvGrpSpPr>
+      <p:grpSpPr>
+        <a:xfrm>
+          <a:off x="0" y="0"/>
+          <a:ext cx="0" cy="0"/>
+          <a:chOff x="0" y="0"/>
+          <a:chExt cx="0" cy="0"/>
+        </a:xfrm>
+      </p:grpSpPr>
+      <p:sp>
+        <p:nvSpPr>
+          <p:cNvPr id="17410" name="Title 1"/>
+          <p:cNvSpPr>
+            <a:spLocks noGrp="1"/>
+          </p:cNvSpPr>
+          <p:nvPr>
+            <p:ph type="title" idx="4294967295"/>
+          </p:nvPr>
+        </p:nvSpPr>
+        <p:spPr bwMode="auto">
+          <a:xfrm>
+            <a:off x="76200" y="76200"/>
+            <a:ext cx="12039600" cy="685800"/>
+          </a:xfrm>
+          <a:prstGeom prst="rect">
+            <a:avLst/>
+          </a:prstGeom>
+          <a:noFill/>
+          <a:extLst>
+            <a:ext uri="{909E8E84-426E-40DD-AFC4-6F175D3DCCD1}">
+              <a14:hiddenFill xmlns:a14="http://schemas.microsoft.com/office/drawing/2010/main">
+                <a:solidFill>
+                  <a:srgbClr val="FFFFFF"/>
+                </a:solidFill>
+              </a14:hiddenFill>
+            </a:ext>
+            <a:ext uri="{91240B29-F687-4F45-9708-019B960494DF}">
+              <a14:hiddenLine xmlns:a14="http://schemas.microsoft.com/office/drawing/2010/main" w="9525">
+                <a:solidFill>
+                  <a:srgbClr val="000000"/>
+                </a:solidFill>
+                <a:miter lim="800000"/>
+                <a:headEnd/>
+                <a:tailEnd/>
+              </a14:hiddenLine>
+            </a:ext>
+          </a:extLst>
+        </p:spPr>
+        <p:txBody>
+          <a:bodyPr vert="horz" wrap="square" lIns="91440" tIns="45720" rIns="91440" bIns="45720" numCol="1" anchor="t" anchorCtr="0" compatLnSpc="1">
+            <a:prstTxWarp prst="textNoShape">
+              <a:avLst/>
+            </a:prstTxWarp>
+          </a:bodyPr>
+          <a:lstStyle/>
+          <a:p>
+            <a:pPr>
+              <a:defRPr/>
+            </a:pPr>
+            <a:r>
+              <a:rPr lang="en-US" altLang="en-US" sz="3600" dirty="0">
+                <a:solidFill>
+                  <a:schemeClr val="accent3"/>
+                </a:solidFill>
+                <a:latin typeface="Arial" panose="020B0604020202020204" pitchFamily="34" charset="0"/>
+              </a:rPr>
               <a:t>Data Set</a:t>
             </a:r>
           </a:p>
@@ -10992,13 +12763,7 @@
           <p:cNvGraphicFramePr>
             <a:graphicFrameLocks noGrp="1"/>
           </p:cNvGraphicFramePr>
-          <p:nvPr>
-            <p:extLst>
-              <p:ext uri="{D42A27DB-BD31-4B8C-83A1-F6EECF244321}">
-                <p14:modId xmlns:p14="http://schemas.microsoft.com/office/powerpoint/2010/main" val="3112574676"/>
-              </p:ext>
-            </p:extLst>
-          </p:nvPr>
+          <p:nvPr/>
         </p:nvGraphicFramePr>
         <p:xfrm>
           <a:off x="2032000" y="1143000"/>
@@ -11844,7 +13609,7 @@
     </p:spTree>
     <p:extLst>
       <p:ext uri="{BB962C8B-B14F-4D97-AF65-F5344CB8AC3E}">
-        <p14:creationId xmlns:p14="http://schemas.microsoft.com/office/powerpoint/2010/main" val="2789376481"/>
+        <p14:creationId xmlns:p14="http://schemas.microsoft.com/office/powerpoint/2010/main" val="3170954648"/>
       </p:ext>
     </p:extLst>
   </p:cSld>
@@ -11854,7 +13619,7 @@
 </p:sld>
 </file>
 
-<file path=ppt/slides/slide19.xml><?xml version="1.0" encoding="utf-8"?>
+<file path=ppt/slides/slide25.xml><?xml version="1.0" encoding="utf-8"?>
 <p:sld xmlns:a="http://schemas.openxmlformats.org/drawingml/2006/main" xmlns:r="http://schemas.openxmlformats.org/officeDocument/2006/relationships" xmlns:p="http://schemas.openxmlformats.org/presentationml/2006/main">
   <p:cSld>
     <p:spTree>
@@ -11943,13 +13708,7 @@
             </a:extLst>
           </p:cNvPr>
           <p:cNvGraphicFramePr/>
-          <p:nvPr>
-            <p:extLst>
-              <p:ext uri="{D42A27DB-BD31-4B8C-83A1-F6EECF244321}">
-                <p14:modId xmlns:p14="http://schemas.microsoft.com/office/powerpoint/2010/main" val="74472750"/>
-              </p:ext>
-            </p:extLst>
-          </p:nvPr>
+          <p:nvPr/>
         </p:nvGraphicFramePr>
         <p:xfrm>
           <a:off x="2032000" y="719666"/>
@@ -11964,7 +13723,7 @@
     </p:spTree>
     <p:extLst>
       <p:ext uri="{BB962C8B-B14F-4D97-AF65-F5344CB8AC3E}">
-        <p14:creationId xmlns:p14="http://schemas.microsoft.com/office/powerpoint/2010/main" val="3582795101"/>
+        <p14:creationId xmlns:p14="http://schemas.microsoft.com/office/powerpoint/2010/main" val="353117644"/>
       </p:ext>
     </p:extLst>
   </p:cSld>
@@ -11974,7 +13733,7 @@
 </p:sld>
 </file>
 
-<file path=ppt/slides/slide2.xml><?xml version="1.0" encoding="utf-8"?>
+<file path=ppt/slides/slide26.xml><?xml version="1.0" encoding="utf-8"?>
 <p:sld xmlns:a="http://schemas.openxmlformats.org/drawingml/2006/main" xmlns:r="http://schemas.openxmlformats.org/officeDocument/2006/relationships" xmlns:p="http://schemas.openxmlformats.org/presentationml/2006/main">
   <p:cSld>
     <p:spTree>
@@ -12048,7 +13807,7 @@
                 </a:solidFill>
                 <a:latin typeface="Arial" panose="020B0604020202020204" pitchFamily="34" charset="0"/>
               </a:rPr>
-              <a:t>Time Planning</a:t>
+              <a:t>Questions/Application</a:t>
             </a:r>
           </a:p>
         </p:txBody>
@@ -12083,74 +13842,116 @@
             </a:endParaRPr>
           </a:p>
           <a:p>
-            <a:pPr marL="0" indent="0" eaLnBrk="1" hangingPunct="1">
+            <a:pPr eaLnBrk="1" hangingPunct="1">
               <a:lnSpc>
                 <a:spcPct val="90000"/>
               </a:lnSpc>
-              <a:buNone/>
             </a:pPr>
             <a:r>
               <a:rPr lang="en-US" altLang="en-US" sz="2400" dirty="0">
                 <a:latin typeface="+mj-lt"/>
               </a:rPr>
-              <a:t>Part 1: 08:30-09:45 (1.25) [Supervised Machine Learning]</a:t>
-            </a:r>
-          </a:p>
-          <a:p>
-            <a:pPr marL="0" indent="0" eaLnBrk="1" hangingPunct="1">
+              <a:t>Create the coordinates for the following customers:</a:t>
+            </a:r>
+          </a:p>
+          <a:p>
+            <a:pPr lvl="1" eaLnBrk="1" hangingPunct="1">
               <a:lnSpc>
                 <a:spcPct val="90000"/>
               </a:lnSpc>
-              <a:buNone/>
+            </a:pPr>
+            <a:r>
+              <a:rPr lang="en-US" altLang="en-US" sz="2000" dirty="0">
+                <a:latin typeface="+mj-lt"/>
+              </a:rPr>
+              <a:t>Cust #1: Avg Bal = 20, Age = 50</a:t>
+            </a:r>
+          </a:p>
+          <a:p>
+            <a:pPr lvl="1" eaLnBrk="1" hangingPunct="1">
+              <a:lnSpc>
+                <a:spcPct val="90000"/>
+              </a:lnSpc>
+            </a:pPr>
+            <a:r>
+              <a:rPr lang="en-US" altLang="en-US" sz="2000" dirty="0">
+                <a:latin typeface="+mj-lt"/>
+              </a:rPr>
+              <a:t>Cust #2: Avg Bal = 700, Age = 40</a:t>
+            </a:r>
+          </a:p>
+          <a:p>
+            <a:pPr lvl="1" eaLnBrk="1" hangingPunct="1">
+              <a:lnSpc>
+                <a:spcPct val="90000"/>
+              </a:lnSpc>
+            </a:pPr>
+            <a:r>
+              <a:rPr lang="en-US" altLang="en-US" sz="2000" dirty="0">
+                <a:latin typeface="+mj-lt"/>
+              </a:rPr>
+              <a:t>Cust #3: Avg Bal = 175, Age 28</a:t>
+            </a:r>
+          </a:p>
+          <a:p>
+            <a:pPr marL="400050" eaLnBrk="1" hangingPunct="1">
+              <a:lnSpc>
+                <a:spcPct val="90000"/>
+              </a:lnSpc>
             </a:pPr>
             <a:r>
               <a:rPr lang="en-US" altLang="en-US" sz="2400" dirty="0">
                 <a:latin typeface="+mj-lt"/>
               </a:rPr>
-              <a:t>Part 2: 10:00-11:00 (1.00) [Classification Exercise]</a:t>
-            </a:r>
-          </a:p>
-          <a:p>
-            <a:pPr marL="0" indent="0" eaLnBrk="1" hangingPunct="1">
+              <a:t>Based on 1,2,3 k-</a:t>
+            </a:r>
+            <a:r>
+              <a:rPr lang="en-US" altLang="en-US" sz="2400" dirty="0" err="1">
+                <a:latin typeface="+mj-lt"/>
+              </a:rPr>
+              <a:t>nn</a:t>
+            </a:r>
+            <a:r>
+              <a:rPr lang="en-US" altLang="en-US" sz="2400" dirty="0">
+                <a:latin typeface="+mj-lt"/>
+              </a:rPr>
+              <a:t>, is Cust 1, 2, and 3 most likely to default or not default on their loan.</a:t>
+            </a:r>
+          </a:p>
+          <a:p>
+            <a:pPr marL="400050" eaLnBrk="1" hangingPunct="1">
               <a:lnSpc>
                 <a:spcPct val="90000"/>
               </a:lnSpc>
-              <a:buNone/>
             </a:pPr>
             <a:r>
               <a:rPr lang="en-US" altLang="en-US" sz="2400" dirty="0">
                 <a:latin typeface="+mj-lt"/>
               </a:rPr>
-              <a:t>Part 3: 11:15-12:00 (0.75) [Analytic Software Introduction]</a:t>
-            </a:r>
-          </a:p>
-          <a:p>
-            <a:pPr marL="0" indent="0" eaLnBrk="1" hangingPunct="1">
+              <a:t>Which k-</a:t>
+            </a:r>
+            <a:r>
+              <a:rPr lang="en-US" altLang="en-US" sz="2400" dirty="0" err="1">
+                <a:latin typeface="+mj-lt"/>
+              </a:rPr>
+              <a:t>nn</a:t>
+            </a:r>
+            <a:r>
+              <a:rPr lang="en-US" altLang="en-US" sz="2400" dirty="0">
+                <a:latin typeface="+mj-lt"/>
+              </a:rPr>
+              <a:t> do you think is most appropriate to apply for the Customers? Explain why.</a:t>
+            </a:r>
+          </a:p>
+          <a:p>
+            <a:pPr eaLnBrk="1" hangingPunct="1">
               <a:lnSpc>
                 <a:spcPct val="90000"/>
               </a:lnSpc>
-              <a:buNone/>
             </a:pPr>
-            <a:r>
-              <a:rPr lang="en-US" altLang="en-US" sz="2400" dirty="0">
-                <a:latin typeface="+mj-lt"/>
-              </a:rPr>
-              <a:t>Lunch: 12:00-13:00</a:t>
-            </a:r>
-          </a:p>
-          <a:p>
-            <a:pPr marL="0" indent="0" eaLnBrk="1" hangingPunct="1">
-              <a:lnSpc>
-                <a:spcPct val="90000"/>
-              </a:lnSpc>
-              <a:buNone/>
-            </a:pPr>
-            <a:r>
-              <a:rPr lang="en-US" altLang="en-US" sz="2400" dirty="0">
-                <a:latin typeface="+mj-lt"/>
-              </a:rPr>
-              <a:t>Part 4: 13:30-14:30 (1.00) [Model Refinement &amp; Performance Evaluation]</a:t>
-            </a:r>
+            <a:endParaRPr lang="en-US" altLang="en-US" sz="2400" dirty="0">
+              <a:latin typeface="+mj-lt"/>
+            </a:endParaRPr>
           </a:p>
           <a:p>
             <a:pPr marL="0" indent="0" eaLnBrk="1" hangingPunct="1">
@@ -12166,6 +13967,11 @@
         </p:txBody>
       </p:sp>
     </p:spTree>
+    <p:extLst>
+      <p:ext uri="{BB962C8B-B14F-4D97-AF65-F5344CB8AC3E}">
+        <p14:creationId xmlns:p14="http://schemas.microsoft.com/office/powerpoint/2010/main" val="3768686868"/>
+      </p:ext>
+    </p:extLst>
   </p:cSld>
   <p:clrMapOvr>
     <a:masterClrMapping/>
@@ -12173,7 +13979,7 @@
 </p:sld>
 </file>
 
-<file path=ppt/slides/slide20.xml><?xml version="1.0" encoding="utf-8"?>
+<file path=ppt/slides/slide27.xml><?xml version="1.0" encoding="utf-8"?>
 <p:sld xmlns:a="http://schemas.openxmlformats.org/drawingml/2006/main" xmlns:r="http://schemas.openxmlformats.org/officeDocument/2006/relationships" xmlns:p="http://schemas.openxmlformats.org/presentationml/2006/main">
   <p:cSld>
     <p:spTree>
@@ -12247,169 +14053,37 @@
                 </a:solidFill>
                 <a:latin typeface="Arial" panose="020B0604020202020204" pitchFamily="34" charset="0"/>
               </a:rPr>
-              <a:t>Questions/Application</a:t>
+              <a:t>Where might Customers 1, 2, and 3 be?</a:t>
             </a:r>
           </a:p>
         </p:txBody>
       </p:sp>
-      <p:sp>
-        <p:nvSpPr>
-          <p:cNvPr id="17411" name="Content Placeholder 2"/>
-          <p:cNvSpPr>
-            <a:spLocks noGrp="1"/>
-          </p:cNvSpPr>
-          <p:nvPr>
-            <p:ph idx="1"/>
-          </p:nvPr>
-        </p:nvSpPr>
-        <p:spPr>
-          <a:xfrm>
-            <a:off x="419100" y="1676400"/>
-            <a:ext cx="11353800" cy="2667000"/>
-          </a:xfrm>
-        </p:spPr>
-        <p:txBody>
-          <a:bodyPr/>
-          <a:lstStyle/>
-          <a:p>
-            <a:pPr eaLnBrk="1" hangingPunct="1">
-              <a:lnSpc>
-                <a:spcPct val="90000"/>
-              </a:lnSpc>
-            </a:pPr>
-            <a:endParaRPr lang="en-US" altLang="en-US" sz="2400" dirty="0">
-              <a:latin typeface="+mj-lt"/>
-            </a:endParaRPr>
-          </a:p>
-          <a:p>
-            <a:pPr eaLnBrk="1" hangingPunct="1">
-              <a:lnSpc>
-                <a:spcPct val="90000"/>
-              </a:lnSpc>
-            </a:pPr>
-            <a:r>
-              <a:rPr lang="en-US" altLang="en-US" sz="2400" dirty="0">
-                <a:latin typeface="+mj-lt"/>
-              </a:rPr>
-              <a:t>Create the coordinates for the following customers:</a:t>
-            </a:r>
-          </a:p>
-          <a:p>
-            <a:pPr lvl="1" eaLnBrk="1" hangingPunct="1">
-              <a:lnSpc>
-                <a:spcPct val="90000"/>
-              </a:lnSpc>
-            </a:pPr>
-            <a:r>
-              <a:rPr lang="en-US" altLang="en-US" sz="2000" dirty="0">
-                <a:latin typeface="+mj-lt"/>
-              </a:rPr>
-              <a:t>Cust #1: Avg Bal = 20, Age = 50</a:t>
-            </a:r>
-          </a:p>
-          <a:p>
-            <a:pPr lvl="1" eaLnBrk="1" hangingPunct="1">
-              <a:lnSpc>
-                <a:spcPct val="90000"/>
-              </a:lnSpc>
-            </a:pPr>
-            <a:r>
-              <a:rPr lang="en-US" altLang="en-US" sz="2000" dirty="0">
-                <a:latin typeface="+mj-lt"/>
-              </a:rPr>
-              <a:t>Cust #2: Avg Bal = 700, Age = 40</a:t>
-            </a:r>
-          </a:p>
-          <a:p>
-            <a:pPr lvl="1" eaLnBrk="1" hangingPunct="1">
-              <a:lnSpc>
-                <a:spcPct val="90000"/>
-              </a:lnSpc>
-            </a:pPr>
-            <a:r>
-              <a:rPr lang="en-US" altLang="en-US" sz="2000" dirty="0">
-                <a:latin typeface="+mj-lt"/>
-              </a:rPr>
-              <a:t>Cust #3: Avg Bal = 175, Age 28</a:t>
-            </a:r>
-          </a:p>
-          <a:p>
-            <a:pPr marL="400050" eaLnBrk="1" hangingPunct="1">
-              <a:lnSpc>
-                <a:spcPct val="90000"/>
-              </a:lnSpc>
-            </a:pPr>
-            <a:r>
-              <a:rPr lang="en-US" altLang="en-US" sz="2400" dirty="0">
-                <a:latin typeface="+mj-lt"/>
-              </a:rPr>
-              <a:t>Based on 1,2,3 k-</a:t>
-            </a:r>
-            <a:r>
-              <a:rPr lang="en-US" altLang="en-US" sz="2400" dirty="0" err="1">
-                <a:latin typeface="+mj-lt"/>
-              </a:rPr>
-              <a:t>nn</a:t>
-            </a:r>
-            <a:r>
-              <a:rPr lang="en-US" altLang="en-US" sz="2400" dirty="0">
-                <a:latin typeface="+mj-lt"/>
-              </a:rPr>
-              <a:t>, is Cust 1, 2, and 3 most likely to default or not default on their loan.</a:t>
-            </a:r>
-          </a:p>
-          <a:p>
-            <a:pPr marL="400050" eaLnBrk="1" hangingPunct="1">
-              <a:lnSpc>
-                <a:spcPct val="90000"/>
-              </a:lnSpc>
-            </a:pPr>
-            <a:r>
-              <a:rPr lang="en-US" altLang="en-US" sz="2400" dirty="0">
-                <a:latin typeface="+mj-lt"/>
-              </a:rPr>
-              <a:t>Which k-</a:t>
-            </a:r>
-            <a:r>
-              <a:rPr lang="en-US" altLang="en-US" sz="2400" dirty="0" err="1">
-                <a:latin typeface="+mj-lt"/>
-              </a:rPr>
-              <a:t>nn</a:t>
-            </a:r>
-            <a:r>
-              <a:rPr lang="en-US" altLang="en-US" sz="2400" dirty="0">
-                <a:latin typeface="+mj-lt"/>
-              </a:rPr>
-              <a:t> do you think is most appropriate to apply for the Customers? Explain why.</a:t>
-            </a:r>
-          </a:p>
-          <a:p>
-            <a:pPr eaLnBrk="1" hangingPunct="1">
-              <a:lnSpc>
-                <a:spcPct val="90000"/>
-              </a:lnSpc>
-            </a:pPr>
-            <a:endParaRPr lang="en-US" altLang="en-US" sz="2400" dirty="0">
-              <a:latin typeface="+mj-lt"/>
-            </a:endParaRPr>
-          </a:p>
-          <a:p>
-            <a:pPr marL="0" indent="0" eaLnBrk="1" hangingPunct="1">
-              <a:lnSpc>
-                <a:spcPct val="90000"/>
-              </a:lnSpc>
-              <a:buNone/>
-            </a:pPr>
-            <a:endParaRPr lang="en-US" altLang="en-US" sz="2400" dirty="0">
-              <a:latin typeface="+mj-lt"/>
-            </a:endParaRPr>
-          </a:p>
-        </p:txBody>
-      </p:sp>
+      <p:graphicFrame>
+        <p:nvGraphicFramePr>
+          <p:cNvPr id="4" name="Chart 3">
+            <a:extLst>
+              <a:ext uri="{FF2B5EF4-FFF2-40B4-BE49-F238E27FC236}">
+                <a16:creationId xmlns:a16="http://schemas.microsoft.com/office/drawing/2014/main" id="{E3B8E79E-EB4E-8D7E-FFF0-14E3104FC845}"/>
+              </a:ext>
+            </a:extLst>
+          </p:cNvPr>
+          <p:cNvGraphicFramePr/>
+          <p:nvPr/>
+        </p:nvGraphicFramePr>
+        <p:xfrm>
+          <a:off x="2032000" y="719666"/>
+          <a:ext cx="8128000" cy="5418667"/>
+        </p:xfrm>
+        <a:graphic>
+          <a:graphicData uri="http://schemas.openxmlformats.org/drawingml/2006/chart">
+            <c:chart xmlns:c="http://schemas.openxmlformats.org/drawingml/2006/chart" xmlns:r="http://schemas.openxmlformats.org/officeDocument/2006/relationships" r:id="rId2"/>
+          </a:graphicData>
+        </a:graphic>
+      </p:graphicFrame>
     </p:spTree>
     <p:extLst>
       <p:ext uri="{BB962C8B-B14F-4D97-AF65-F5344CB8AC3E}">
-        <p14:creationId xmlns:p14="http://schemas.microsoft.com/office/powerpoint/2010/main" val="2203419151"/>
+        <p14:creationId xmlns:p14="http://schemas.microsoft.com/office/powerpoint/2010/main" val="3180496792"/>
       </p:ext>
     </p:extLst>
   </p:cSld>
@@ -12419,7 +14093,7 @@
 </p:sld>
 </file>
 
-<file path=ppt/slides/slide21.xml><?xml version="1.0" encoding="utf-8"?>
+<file path=ppt/slides/slide28.xml><?xml version="1.0" encoding="utf-8"?>
 <p:sld xmlns:a="http://schemas.openxmlformats.org/drawingml/2006/main" xmlns:r="http://schemas.openxmlformats.org/officeDocument/2006/relationships" xmlns:p="http://schemas.openxmlformats.org/presentationml/2006/main">
   <p:cSld>
     <p:spTree>
@@ -12493,7 +14167,7 @@
                 </a:solidFill>
                 <a:latin typeface="Arial" panose="020B0604020202020204" pitchFamily="34" charset="0"/>
               </a:rPr>
-              <a:t>Where might Customers 1, 2, and 3 be?</a:t>
+              <a:t>What do you think about Customers 1, 2, and 3?</a:t>
             </a:r>
           </a:p>
         </p:txBody>
@@ -12523,7 +14197,7 @@
     </p:spTree>
     <p:extLst>
       <p:ext uri="{BB962C8B-B14F-4D97-AF65-F5344CB8AC3E}">
-        <p14:creationId xmlns:p14="http://schemas.microsoft.com/office/powerpoint/2010/main" val="3781261471"/>
+        <p14:creationId xmlns:p14="http://schemas.microsoft.com/office/powerpoint/2010/main" val="1845710872"/>
       </p:ext>
     </p:extLst>
   </p:cSld>
@@ -12533,127 +14207,7 @@
 </p:sld>
 </file>
 
-<file path=ppt/slides/slide22.xml><?xml version="1.0" encoding="utf-8"?>
-<p:sld xmlns:a="http://schemas.openxmlformats.org/drawingml/2006/main" xmlns:r="http://schemas.openxmlformats.org/officeDocument/2006/relationships" xmlns:p="http://schemas.openxmlformats.org/presentationml/2006/main">
-  <p:cSld>
-    <p:spTree>
-      <p:nvGrpSpPr>
-        <p:cNvPr id="1" name=""/>
-        <p:cNvGrpSpPr/>
-        <p:nvPr/>
-      </p:nvGrpSpPr>
-      <p:grpSpPr>
-        <a:xfrm>
-          <a:off x="0" y="0"/>
-          <a:ext cx="0" cy="0"/>
-          <a:chOff x="0" y="0"/>
-          <a:chExt cx="0" cy="0"/>
-        </a:xfrm>
-      </p:grpSpPr>
-      <p:sp>
-        <p:nvSpPr>
-          <p:cNvPr id="17410" name="Title 1"/>
-          <p:cNvSpPr>
-            <a:spLocks noGrp="1"/>
-          </p:cNvSpPr>
-          <p:nvPr>
-            <p:ph type="title" idx="4294967295"/>
-          </p:nvPr>
-        </p:nvSpPr>
-        <p:spPr bwMode="auto">
-          <a:xfrm>
-            <a:off x="76200" y="76200"/>
-            <a:ext cx="12039600" cy="685800"/>
-          </a:xfrm>
-          <a:prstGeom prst="rect">
-            <a:avLst/>
-          </a:prstGeom>
-          <a:noFill/>
-          <a:extLst>
-            <a:ext uri="{909E8E84-426E-40DD-AFC4-6F175D3DCCD1}">
-              <a14:hiddenFill xmlns:a14="http://schemas.microsoft.com/office/drawing/2010/main">
-                <a:solidFill>
-                  <a:srgbClr val="FFFFFF"/>
-                </a:solidFill>
-              </a14:hiddenFill>
-            </a:ext>
-            <a:ext uri="{91240B29-F687-4F45-9708-019B960494DF}">
-              <a14:hiddenLine xmlns:a14="http://schemas.microsoft.com/office/drawing/2010/main" w="9525">
-                <a:solidFill>
-                  <a:srgbClr val="000000"/>
-                </a:solidFill>
-                <a:miter lim="800000"/>
-                <a:headEnd/>
-                <a:tailEnd/>
-              </a14:hiddenLine>
-            </a:ext>
-          </a:extLst>
-        </p:spPr>
-        <p:txBody>
-          <a:bodyPr vert="horz" wrap="square" lIns="91440" tIns="45720" rIns="91440" bIns="45720" numCol="1" anchor="t" anchorCtr="0" compatLnSpc="1">
-            <a:prstTxWarp prst="textNoShape">
-              <a:avLst/>
-            </a:prstTxWarp>
-          </a:bodyPr>
-          <a:lstStyle/>
-          <a:p>
-            <a:pPr>
-              <a:defRPr/>
-            </a:pPr>
-            <a:r>
-              <a:rPr lang="en-US" altLang="en-US" sz="3600" dirty="0">
-                <a:solidFill>
-                  <a:schemeClr val="accent3"/>
-                </a:solidFill>
-                <a:latin typeface="Arial" panose="020B0604020202020204" pitchFamily="34" charset="0"/>
-              </a:rPr>
-              <a:t>What do you think about Customers 1, 2, and 3?</a:t>
-            </a:r>
-          </a:p>
-        </p:txBody>
-      </p:sp>
-      <p:graphicFrame>
-        <p:nvGraphicFramePr>
-          <p:cNvPr id="4" name="Chart 3">
-            <a:extLst>
-              <a:ext uri="{FF2B5EF4-FFF2-40B4-BE49-F238E27FC236}">
-                <a16:creationId xmlns:a16="http://schemas.microsoft.com/office/drawing/2014/main" id="{E3B8E79E-EB4E-8D7E-FFF0-14E3104FC845}"/>
-              </a:ext>
-            </a:extLst>
-          </p:cNvPr>
-          <p:cNvGraphicFramePr/>
-          <p:nvPr>
-            <p:extLst>
-              <p:ext uri="{D42A27DB-BD31-4B8C-83A1-F6EECF244321}">
-                <p14:modId xmlns:p14="http://schemas.microsoft.com/office/powerpoint/2010/main" val="756549573"/>
-              </p:ext>
-            </p:extLst>
-          </p:nvPr>
-        </p:nvGraphicFramePr>
-        <p:xfrm>
-          <a:off x="2032000" y="719666"/>
-          <a:ext cx="8128000" cy="5418667"/>
-        </p:xfrm>
-        <a:graphic>
-          <a:graphicData uri="http://schemas.openxmlformats.org/drawingml/2006/chart">
-            <c:chart xmlns:c="http://schemas.openxmlformats.org/drawingml/2006/chart" xmlns:r="http://schemas.openxmlformats.org/officeDocument/2006/relationships" r:id="rId2"/>
-          </a:graphicData>
-        </a:graphic>
-      </p:graphicFrame>
-    </p:spTree>
-    <p:extLst>
-      <p:ext uri="{BB962C8B-B14F-4D97-AF65-F5344CB8AC3E}">
-        <p14:creationId xmlns:p14="http://schemas.microsoft.com/office/powerpoint/2010/main" val="1621580683"/>
-      </p:ext>
-    </p:extLst>
-  </p:cSld>
-  <p:clrMapOvr>
-    <a:masterClrMapping/>
-  </p:clrMapOvr>
-</p:sld>
-</file>
-
-<file path=ppt/slides/slide23.xml><?xml version="1.0" encoding="utf-8"?>
+<file path=ppt/slides/slide29.xml><?xml version="1.0" encoding="utf-8"?>
 <p:sld xmlns:a="http://schemas.openxmlformats.org/drawingml/2006/main" xmlns:r="http://schemas.openxmlformats.org/officeDocument/2006/relationships" xmlns:p="http://schemas.openxmlformats.org/presentationml/2006/main">
   <p:cSld>
     <p:spTree>
@@ -13639,7 +15193,7 @@
     </p:spTree>
     <p:extLst>
       <p:ext uri="{BB962C8B-B14F-4D97-AF65-F5344CB8AC3E}">
-        <p14:creationId xmlns:p14="http://schemas.microsoft.com/office/powerpoint/2010/main" val="81457343"/>
+        <p14:creationId xmlns:p14="http://schemas.microsoft.com/office/powerpoint/2010/main" val="2108203440"/>
       </p:ext>
     </p:extLst>
   </p:cSld>
@@ -13649,7 +15203,7 @@
 </p:sld>
 </file>
 
-<file path=ppt/slides/slide24.xml><?xml version="1.0" encoding="utf-8"?>
+<file path=ppt/slides/slide3.xml><?xml version="1.0" encoding="utf-8"?>
 <p:sld xmlns:a="http://schemas.openxmlformats.org/drawingml/2006/main" xmlns:r="http://schemas.openxmlformats.org/officeDocument/2006/relationships" xmlns:p="http://schemas.openxmlformats.org/presentationml/2006/main">
   <p:cSld>
     <p:spTree>
@@ -13723,6 +15277,166 @@
                 </a:solidFill>
                 <a:latin typeface="Arial" panose="020B0604020202020204" pitchFamily="34" charset="0"/>
               </a:rPr>
+              <a:t>Part 1: Session Overview</a:t>
+            </a:r>
+          </a:p>
+        </p:txBody>
+      </p:sp>
+      <p:sp>
+        <p:nvSpPr>
+          <p:cNvPr id="17411" name="Content Placeholder 2"/>
+          <p:cNvSpPr>
+            <a:spLocks noGrp="1"/>
+          </p:cNvSpPr>
+          <p:nvPr>
+            <p:ph idx="1"/>
+          </p:nvPr>
+        </p:nvSpPr>
+        <p:spPr>
+          <a:xfrm>
+            <a:off x="419100" y="1676400"/>
+            <a:ext cx="11353800" cy="2667000"/>
+          </a:xfrm>
+        </p:spPr>
+        <p:txBody>
+          <a:bodyPr/>
+          <a:lstStyle/>
+          <a:p>
+            <a:pPr eaLnBrk="1" hangingPunct="1">
+              <a:lnSpc>
+                <a:spcPct val="90000"/>
+              </a:lnSpc>
+            </a:pPr>
+            <a:endParaRPr lang="en-US" altLang="en-US" sz="2400" dirty="0">
+              <a:latin typeface="+mj-lt"/>
+            </a:endParaRPr>
+          </a:p>
+          <a:p>
+            <a:pPr eaLnBrk="1" hangingPunct="1">
+              <a:lnSpc>
+                <a:spcPct val="90000"/>
+              </a:lnSpc>
+            </a:pPr>
+            <a:r>
+              <a:rPr lang="en-US" altLang="en-US" sz="2400" dirty="0">
+                <a:latin typeface="+mj-lt"/>
+              </a:rPr>
+              <a:t>Examine what is meant by supervised machine learning.</a:t>
+            </a:r>
+          </a:p>
+          <a:p>
+            <a:pPr eaLnBrk="1" hangingPunct="1">
+              <a:lnSpc>
+                <a:spcPct val="90000"/>
+              </a:lnSpc>
+            </a:pPr>
+            <a:r>
+              <a:rPr lang="en-US" altLang="en-US" sz="2400" dirty="0">
+                <a:latin typeface="+mj-lt"/>
+              </a:rPr>
+              <a:t>Assess applications of supervised machine learning.</a:t>
+            </a:r>
+          </a:p>
+          <a:p>
+            <a:pPr marL="0" indent="0" eaLnBrk="1" hangingPunct="1">
+              <a:lnSpc>
+                <a:spcPct val="90000"/>
+              </a:lnSpc>
+              <a:buNone/>
+            </a:pPr>
+            <a:endParaRPr lang="en-US" altLang="en-US" sz="2400" dirty="0">
+              <a:latin typeface="+mj-lt"/>
+            </a:endParaRPr>
+          </a:p>
+        </p:txBody>
+      </p:sp>
+    </p:spTree>
+    <p:extLst>
+      <p:ext uri="{BB962C8B-B14F-4D97-AF65-F5344CB8AC3E}">
+        <p14:creationId xmlns:p14="http://schemas.microsoft.com/office/powerpoint/2010/main" val="3623212438"/>
+      </p:ext>
+    </p:extLst>
+  </p:cSld>
+  <p:clrMapOvr>
+    <a:masterClrMapping/>
+  </p:clrMapOvr>
+</p:sld>
+</file>
+
+<file path=ppt/slides/slide30.xml><?xml version="1.0" encoding="utf-8"?>
+<p:sld xmlns:a="http://schemas.openxmlformats.org/drawingml/2006/main" xmlns:r="http://schemas.openxmlformats.org/officeDocument/2006/relationships" xmlns:p="http://schemas.openxmlformats.org/presentationml/2006/main">
+  <p:cSld>
+    <p:spTree>
+      <p:nvGrpSpPr>
+        <p:cNvPr id="1" name=""/>
+        <p:cNvGrpSpPr/>
+        <p:nvPr/>
+      </p:nvGrpSpPr>
+      <p:grpSpPr>
+        <a:xfrm>
+          <a:off x="0" y="0"/>
+          <a:ext cx="0" cy="0"/>
+          <a:chOff x="0" y="0"/>
+          <a:chExt cx="0" cy="0"/>
+        </a:xfrm>
+      </p:grpSpPr>
+      <p:sp>
+        <p:nvSpPr>
+          <p:cNvPr id="17410" name="Title 1"/>
+          <p:cNvSpPr>
+            <a:spLocks noGrp="1"/>
+          </p:cNvSpPr>
+          <p:nvPr>
+            <p:ph type="title" idx="4294967295"/>
+          </p:nvPr>
+        </p:nvSpPr>
+        <p:spPr bwMode="auto">
+          <a:xfrm>
+            <a:off x="76200" y="76200"/>
+            <a:ext cx="12039600" cy="685800"/>
+          </a:xfrm>
+          <a:prstGeom prst="rect">
+            <a:avLst/>
+          </a:prstGeom>
+          <a:noFill/>
+          <a:extLst>
+            <a:ext uri="{909E8E84-426E-40DD-AFC4-6F175D3DCCD1}">
+              <a14:hiddenFill xmlns:a14="http://schemas.microsoft.com/office/drawing/2010/main">
+                <a:solidFill>
+                  <a:srgbClr val="FFFFFF"/>
+                </a:solidFill>
+              </a14:hiddenFill>
+            </a:ext>
+            <a:ext uri="{91240B29-F687-4F45-9708-019B960494DF}">
+              <a14:hiddenLine xmlns:a14="http://schemas.microsoft.com/office/drawing/2010/main" w="9525">
+                <a:solidFill>
+                  <a:srgbClr val="000000"/>
+                </a:solidFill>
+                <a:miter lim="800000"/>
+                <a:headEnd/>
+                <a:tailEnd/>
+              </a14:hiddenLine>
+            </a:ext>
+          </a:extLst>
+        </p:spPr>
+        <p:txBody>
+          <a:bodyPr vert="horz" wrap="square" lIns="91440" tIns="45720" rIns="91440" bIns="45720" numCol="1" anchor="t" anchorCtr="0" compatLnSpc="1">
+            <a:prstTxWarp prst="textNoShape">
+              <a:avLst/>
+            </a:prstTxWarp>
+          </a:bodyPr>
+          <a:lstStyle/>
+          <a:p>
+            <a:pPr>
+              <a:defRPr/>
+            </a:pPr>
+            <a:r>
+              <a:rPr lang="en-US" altLang="en-US" sz="3600" dirty="0">
+                <a:solidFill>
+                  <a:schemeClr val="accent3"/>
+                </a:solidFill>
+                <a:latin typeface="Arial" panose="020B0604020202020204" pitchFamily="34" charset="0"/>
+              </a:rPr>
               <a:t>Z Values for Coordinates</a:t>
             </a:r>
           </a:p>
@@ -13740,13 +15454,7 @@
           <p:cNvGraphicFramePr>
             <a:graphicFrameLocks noGrp="1"/>
           </p:cNvGraphicFramePr>
-          <p:nvPr>
-            <p:extLst>
-              <p:ext uri="{D42A27DB-BD31-4B8C-83A1-F6EECF244321}">
-                <p14:modId xmlns:p14="http://schemas.microsoft.com/office/powerpoint/2010/main" val="2823178147"/>
-              </p:ext>
-            </p:extLst>
-          </p:nvPr>
+          <p:nvPr/>
         </p:nvGraphicFramePr>
         <p:xfrm>
           <a:off x="2032000" y="1143000"/>
@@ -14608,1504 +16316,7 @@
     </p:spTree>
     <p:extLst>
       <p:ext uri="{BB962C8B-B14F-4D97-AF65-F5344CB8AC3E}">
-        <p14:creationId xmlns:p14="http://schemas.microsoft.com/office/powerpoint/2010/main" val="833180250"/>
-      </p:ext>
-    </p:extLst>
-  </p:cSld>
-  <p:clrMapOvr>
-    <a:masterClrMapping/>
-  </p:clrMapOvr>
-</p:sld>
-</file>
-
-<file path=ppt/slides/slide25.xml><?xml version="1.0" encoding="utf-8"?>
-<p:sld xmlns:a="http://schemas.openxmlformats.org/drawingml/2006/main" xmlns:r="http://schemas.openxmlformats.org/officeDocument/2006/relationships" xmlns:p="http://schemas.openxmlformats.org/presentationml/2006/main">
-  <p:cSld>
-    <p:spTree>
-      <p:nvGrpSpPr>
-        <p:cNvPr id="1" name=""/>
-        <p:cNvGrpSpPr/>
-        <p:nvPr/>
-      </p:nvGrpSpPr>
-      <p:grpSpPr>
-        <a:xfrm>
-          <a:off x="0" y="0"/>
-          <a:ext cx="0" cy="0"/>
-          <a:chOff x="0" y="0"/>
-          <a:chExt cx="0" cy="0"/>
-        </a:xfrm>
-      </p:grpSpPr>
-      <p:sp>
-        <p:nvSpPr>
-          <p:cNvPr id="17410" name="Title 1"/>
-          <p:cNvSpPr>
-            <a:spLocks noGrp="1"/>
-          </p:cNvSpPr>
-          <p:nvPr>
-            <p:ph type="title" idx="4294967295"/>
-          </p:nvPr>
-        </p:nvSpPr>
-        <p:spPr bwMode="auto">
-          <a:xfrm>
-            <a:off x="76200" y="76200"/>
-            <a:ext cx="12039600" cy="685800"/>
-          </a:xfrm>
-          <a:prstGeom prst="rect">
-            <a:avLst/>
-          </a:prstGeom>
-          <a:noFill/>
-          <a:extLst>
-            <a:ext uri="{909E8E84-426E-40DD-AFC4-6F175D3DCCD1}">
-              <a14:hiddenFill xmlns:a14="http://schemas.microsoft.com/office/drawing/2010/main">
-                <a:solidFill>
-                  <a:srgbClr val="FFFFFF"/>
-                </a:solidFill>
-              </a14:hiddenFill>
-            </a:ext>
-            <a:ext uri="{91240B29-F687-4F45-9708-019B960494DF}">
-              <a14:hiddenLine xmlns:a14="http://schemas.microsoft.com/office/drawing/2010/main" w="9525">
-                <a:solidFill>
-                  <a:srgbClr val="000000"/>
-                </a:solidFill>
-                <a:miter lim="800000"/>
-                <a:headEnd/>
-                <a:tailEnd/>
-              </a14:hiddenLine>
-            </a:ext>
-          </a:extLst>
-        </p:spPr>
-        <p:txBody>
-          <a:bodyPr vert="horz" wrap="square" lIns="91440" tIns="45720" rIns="91440" bIns="45720" numCol="1" anchor="t" anchorCtr="0" compatLnSpc="1">
-            <a:prstTxWarp prst="textNoShape">
-              <a:avLst/>
-            </a:prstTxWarp>
-          </a:bodyPr>
-          <a:lstStyle/>
-          <a:p>
-            <a:pPr>
-              <a:defRPr/>
-            </a:pPr>
-            <a:r>
-              <a:rPr lang="en-US" altLang="en-US" sz="3600" dirty="0">
-                <a:solidFill>
-                  <a:schemeClr val="accent3"/>
-                </a:solidFill>
-                <a:latin typeface="Arial" panose="020B0604020202020204" pitchFamily="34" charset="0"/>
-              </a:rPr>
-              <a:t>Z Score Plot</a:t>
-            </a:r>
-          </a:p>
-        </p:txBody>
-      </p:sp>
-      <p:graphicFrame>
-        <p:nvGraphicFramePr>
-          <p:cNvPr id="4" name="Chart 3">
-            <a:extLst>
-              <a:ext uri="{FF2B5EF4-FFF2-40B4-BE49-F238E27FC236}">
-                <a16:creationId xmlns:a16="http://schemas.microsoft.com/office/drawing/2014/main" id="{1C03325C-4FAB-5A9E-75CE-00093BEB0A18}"/>
-              </a:ext>
-            </a:extLst>
-          </p:cNvPr>
-          <p:cNvGraphicFramePr/>
-          <p:nvPr>
-            <p:extLst>
-              <p:ext uri="{D42A27DB-BD31-4B8C-83A1-F6EECF244321}">
-                <p14:modId xmlns:p14="http://schemas.microsoft.com/office/powerpoint/2010/main" val="1950240412"/>
-              </p:ext>
-            </p:extLst>
-          </p:nvPr>
-        </p:nvGraphicFramePr>
-        <p:xfrm>
-          <a:off x="2032000" y="1295401"/>
-          <a:ext cx="8128000" cy="4648200"/>
-        </p:xfrm>
-        <a:graphic>
-          <a:graphicData uri="http://schemas.openxmlformats.org/drawingml/2006/chart">
-            <c:chart xmlns:c="http://schemas.openxmlformats.org/drawingml/2006/chart" xmlns:r="http://schemas.openxmlformats.org/officeDocument/2006/relationships" r:id="rId2"/>
-          </a:graphicData>
-        </a:graphic>
-      </p:graphicFrame>
-    </p:spTree>
-    <p:extLst>
-      <p:ext uri="{BB962C8B-B14F-4D97-AF65-F5344CB8AC3E}">
-        <p14:creationId xmlns:p14="http://schemas.microsoft.com/office/powerpoint/2010/main" val="1235785976"/>
-      </p:ext>
-    </p:extLst>
-  </p:cSld>
-  <p:clrMapOvr>
-    <a:masterClrMapping/>
-  </p:clrMapOvr>
-</p:sld>
-</file>
-
-<file path=ppt/slides/slide26.xml><?xml version="1.0" encoding="utf-8"?>
-<p:sld xmlns:a="http://schemas.openxmlformats.org/drawingml/2006/main" xmlns:r="http://schemas.openxmlformats.org/officeDocument/2006/relationships" xmlns:p="http://schemas.openxmlformats.org/presentationml/2006/main">
-  <p:cSld>
-    <p:spTree>
-      <p:nvGrpSpPr>
-        <p:cNvPr id="1" name=""/>
-        <p:cNvGrpSpPr/>
-        <p:nvPr/>
-      </p:nvGrpSpPr>
-      <p:grpSpPr>
-        <a:xfrm>
-          <a:off x="0" y="0"/>
-          <a:ext cx="0" cy="0"/>
-          <a:chOff x="0" y="0"/>
-          <a:chExt cx="0" cy="0"/>
-        </a:xfrm>
-      </p:grpSpPr>
-      <p:sp>
-        <p:nvSpPr>
-          <p:cNvPr id="17410" name="Title 1"/>
-          <p:cNvSpPr>
-            <a:spLocks noGrp="1"/>
-          </p:cNvSpPr>
-          <p:nvPr>
-            <p:ph type="title" idx="4294967295"/>
-          </p:nvPr>
-        </p:nvSpPr>
-        <p:spPr bwMode="auto">
-          <a:xfrm>
-            <a:off x="76200" y="76200"/>
-            <a:ext cx="12039600" cy="685800"/>
-          </a:xfrm>
-          <a:prstGeom prst="rect">
-            <a:avLst/>
-          </a:prstGeom>
-          <a:noFill/>
-          <a:extLst>
-            <a:ext uri="{909E8E84-426E-40DD-AFC4-6F175D3DCCD1}">
-              <a14:hiddenFill xmlns:a14="http://schemas.microsoft.com/office/drawing/2010/main">
-                <a:solidFill>
-                  <a:srgbClr val="FFFFFF"/>
-                </a:solidFill>
-              </a14:hiddenFill>
-            </a:ext>
-            <a:ext uri="{91240B29-F687-4F45-9708-019B960494DF}">
-              <a14:hiddenLine xmlns:a14="http://schemas.microsoft.com/office/drawing/2010/main" w="9525">
-                <a:solidFill>
-                  <a:srgbClr val="000000"/>
-                </a:solidFill>
-                <a:miter lim="800000"/>
-                <a:headEnd/>
-                <a:tailEnd/>
-              </a14:hiddenLine>
-            </a:ext>
-          </a:extLst>
-        </p:spPr>
-        <p:txBody>
-          <a:bodyPr vert="horz" wrap="square" lIns="91440" tIns="45720" rIns="91440" bIns="45720" numCol="1" anchor="t" anchorCtr="0" compatLnSpc="1">
-            <a:prstTxWarp prst="textNoShape">
-              <a:avLst/>
-            </a:prstTxWarp>
-          </a:bodyPr>
-          <a:lstStyle/>
-          <a:p>
-            <a:pPr>
-              <a:defRPr/>
-            </a:pPr>
-            <a:endParaRPr lang="en-US" altLang="en-US" sz="3600" dirty="0">
-              <a:solidFill>
-                <a:schemeClr val="accent3"/>
-              </a:solidFill>
-              <a:latin typeface="Arial" panose="020B0604020202020204" pitchFamily="34" charset="0"/>
-            </a:endParaRPr>
-          </a:p>
-        </p:txBody>
-      </p:sp>
-      <p:sp>
-        <p:nvSpPr>
-          <p:cNvPr id="17411" name="Content Placeholder 2"/>
-          <p:cNvSpPr>
-            <a:spLocks noGrp="1"/>
-          </p:cNvSpPr>
-          <p:nvPr>
-            <p:ph idx="1"/>
-          </p:nvPr>
-        </p:nvSpPr>
-        <p:spPr>
-          <a:xfrm>
-            <a:off x="419100" y="2095500"/>
-            <a:ext cx="11353800" cy="2667000"/>
-          </a:xfrm>
-        </p:spPr>
-        <p:txBody>
-          <a:bodyPr/>
-          <a:lstStyle/>
-          <a:p>
-            <a:pPr eaLnBrk="1" hangingPunct="1">
-              <a:lnSpc>
-                <a:spcPct val="90000"/>
-              </a:lnSpc>
-            </a:pPr>
-            <a:endParaRPr lang="en-US" altLang="en-US" sz="2400" dirty="0">
-              <a:latin typeface="+mj-lt"/>
-            </a:endParaRPr>
-          </a:p>
-          <a:p>
-            <a:pPr marL="0" indent="0" algn="ctr" eaLnBrk="1" hangingPunct="1">
-              <a:lnSpc>
-                <a:spcPct val="90000"/>
-              </a:lnSpc>
-              <a:buNone/>
-            </a:pPr>
-            <a:r>
-              <a:rPr lang="en-US" altLang="en-US" sz="7200" dirty="0">
-                <a:latin typeface="+mj-lt"/>
-              </a:rPr>
-              <a:t>Break Time!</a:t>
-            </a:r>
-          </a:p>
-          <a:p>
-            <a:pPr eaLnBrk="1" hangingPunct="1">
-              <a:lnSpc>
-                <a:spcPct val="90000"/>
-              </a:lnSpc>
-            </a:pPr>
-            <a:endParaRPr lang="en-US" altLang="en-US" sz="2400" dirty="0">
-              <a:latin typeface="+mj-lt"/>
-            </a:endParaRPr>
-          </a:p>
-          <a:p>
-            <a:pPr marL="0" indent="0" eaLnBrk="1" hangingPunct="1">
-              <a:lnSpc>
-                <a:spcPct val="90000"/>
-              </a:lnSpc>
-              <a:buNone/>
-            </a:pPr>
-            <a:endParaRPr lang="en-US" altLang="en-US" sz="2400" dirty="0">
-              <a:latin typeface="+mj-lt"/>
-            </a:endParaRPr>
-          </a:p>
-        </p:txBody>
-      </p:sp>
-    </p:spTree>
-    <p:extLst>
-      <p:ext uri="{BB962C8B-B14F-4D97-AF65-F5344CB8AC3E}">
-        <p14:creationId xmlns:p14="http://schemas.microsoft.com/office/powerpoint/2010/main" val="425536201"/>
-      </p:ext>
-    </p:extLst>
-  </p:cSld>
-  <p:clrMapOvr>
-    <a:masterClrMapping/>
-  </p:clrMapOvr>
-</p:sld>
-</file>
-
-<file path=ppt/slides/slide27.xml><?xml version="1.0" encoding="utf-8"?>
-<p:sld xmlns:a="http://schemas.openxmlformats.org/drawingml/2006/main" xmlns:r="http://schemas.openxmlformats.org/officeDocument/2006/relationships" xmlns:p="http://schemas.openxmlformats.org/presentationml/2006/main">
-  <p:cSld>
-    <p:spTree>
-      <p:nvGrpSpPr>
-        <p:cNvPr id="1" name=""/>
-        <p:cNvGrpSpPr/>
-        <p:nvPr/>
-      </p:nvGrpSpPr>
-      <p:grpSpPr>
-        <a:xfrm>
-          <a:off x="0" y="0"/>
-          <a:ext cx="0" cy="0"/>
-          <a:chOff x="0" y="0"/>
-          <a:chExt cx="0" cy="0"/>
-        </a:xfrm>
-      </p:grpSpPr>
-      <p:sp>
-        <p:nvSpPr>
-          <p:cNvPr id="17410" name="Title 1"/>
-          <p:cNvSpPr>
-            <a:spLocks noGrp="1"/>
-          </p:cNvSpPr>
-          <p:nvPr>
-            <p:ph type="title" idx="4294967295"/>
-          </p:nvPr>
-        </p:nvSpPr>
-        <p:spPr bwMode="auto">
-          <a:xfrm>
-            <a:off x="76200" y="76200"/>
-            <a:ext cx="12039600" cy="685800"/>
-          </a:xfrm>
-          <a:prstGeom prst="rect">
-            <a:avLst/>
-          </a:prstGeom>
-          <a:noFill/>
-          <a:extLst>
-            <a:ext uri="{909E8E84-426E-40DD-AFC4-6F175D3DCCD1}">
-              <a14:hiddenFill xmlns:a14="http://schemas.microsoft.com/office/drawing/2010/main">
-                <a:solidFill>
-                  <a:srgbClr val="FFFFFF"/>
-                </a:solidFill>
-              </a14:hiddenFill>
-            </a:ext>
-            <a:ext uri="{91240B29-F687-4F45-9708-019B960494DF}">
-              <a14:hiddenLine xmlns:a14="http://schemas.microsoft.com/office/drawing/2010/main" w="9525">
-                <a:solidFill>
-                  <a:srgbClr val="000000"/>
-                </a:solidFill>
-                <a:miter lim="800000"/>
-                <a:headEnd/>
-                <a:tailEnd/>
-              </a14:hiddenLine>
-            </a:ext>
-          </a:extLst>
-        </p:spPr>
-        <p:txBody>
-          <a:bodyPr vert="horz" wrap="square" lIns="91440" tIns="45720" rIns="91440" bIns="45720" numCol="1" anchor="t" anchorCtr="0" compatLnSpc="1">
-            <a:prstTxWarp prst="textNoShape">
-              <a:avLst/>
-            </a:prstTxWarp>
-          </a:bodyPr>
-          <a:lstStyle/>
-          <a:p>
-            <a:pPr>
-              <a:defRPr/>
-            </a:pPr>
-            <a:r>
-              <a:rPr lang="en-US" altLang="en-US" sz="3600" dirty="0">
-                <a:solidFill>
-                  <a:schemeClr val="accent3"/>
-                </a:solidFill>
-                <a:latin typeface="Arial" panose="020B0604020202020204" pitchFamily="34" charset="0"/>
-              </a:rPr>
-              <a:t>Part 3: Session Overview</a:t>
-            </a:r>
-          </a:p>
-        </p:txBody>
-      </p:sp>
-      <p:sp>
-        <p:nvSpPr>
-          <p:cNvPr id="17411" name="Content Placeholder 2"/>
-          <p:cNvSpPr>
-            <a:spLocks noGrp="1"/>
-          </p:cNvSpPr>
-          <p:nvPr>
-            <p:ph idx="1"/>
-          </p:nvPr>
-        </p:nvSpPr>
-        <p:spPr>
-          <a:xfrm>
-            <a:off x="419100" y="1676400"/>
-            <a:ext cx="11353800" cy="3276600"/>
-          </a:xfrm>
-        </p:spPr>
-        <p:txBody>
-          <a:bodyPr/>
-          <a:lstStyle/>
-          <a:p>
-            <a:pPr eaLnBrk="1" hangingPunct="1">
-              <a:lnSpc>
-                <a:spcPct val="90000"/>
-              </a:lnSpc>
-            </a:pPr>
-            <a:r>
-              <a:rPr lang="en-US" altLang="en-US" sz="2400" dirty="0">
-                <a:latin typeface="+mj-lt"/>
-              </a:rPr>
-              <a:t>Analytic Software Overview</a:t>
-            </a:r>
-          </a:p>
-          <a:p>
-            <a:pPr lvl="1" eaLnBrk="1" hangingPunct="1">
-              <a:lnSpc>
-                <a:spcPct val="90000"/>
-              </a:lnSpc>
-            </a:pPr>
-            <a:r>
-              <a:rPr lang="en-US" altLang="en-US" sz="2000" dirty="0">
-                <a:latin typeface="+mj-lt"/>
-              </a:rPr>
-              <a:t>Python</a:t>
-            </a:r>
-          </a:p>
-          <a:p>
-            <a:pPr lvl="1" eaLnBrk="1" hangingPunct="1">
-              <a:lnSpc>
-                <a:spcPct val="90000"/>
-              </a:lnSpc>
-            </a:pPr>
-            <a:r>
-              <a:rPr lang="en-US" altLang="en-US" sz="2000" dirty="0">
-                <a:latin typeface="+mj-lt"/>
-              </a:rPr>
-              <a:t>R</a:t>
-            </a:r>
-          </a:p>
-          <a:p>
-            <a:pPr lvl="1" eaLnBrk="1" hangingPunct="1">
-              <a:lnSpc>
-                <a:spcPct val="90000"/>
-              </a:lnSpc>
-            </a:pPr>
-            <a:r>
-              <a:rPr lang="en-US" altLang="en-US" sz="2000" dirty="0" err="1">
-                <a:latin typeface="+mj-lt"/>
-              </a:rPr>
-              <a:t>Mplus</a:t>
-            </a:r>
-            <a:endParaRPr lang="en-US" altLang="en-US" sz="2000" dirty="0">
-              <a:latin typeface="+mj-lt"/>
-            </a:endParaRPr>
-          </a:p>
-          <a:p>
-            <a:pPr lvl="1" eaLnBrk="1" hangingPunct="1">
-              <a:lnSpc>
-                <a:spcPct val="90000"/>
-              </a:lnSpc>
-            </a:pPr>
-            <a:r>
-              <a:rPr lang="en-US" altLang="en-US" sz="2000" dirty="0">
-                <a:latin typeface="+mj-lt"/>
-              </a:rPr>
-              <a:t>SPSS/AMOS</a:t>
-            </a:r>
-          </a:p>
-          <a:p>
-            <a:pPr lvl="1" eaLnBrk="1" hangingPunct="1">
-              <a:lnSpc>
-                <a:spcPct val="90000"/>
-              </a:lnSpc>
-            </a:pPr>
-            <a:r>
-              <a:rPr lang="en-US" altLang="en-US" sz="2000" dirty="0">
-                <a:latin typeface="+mj-lt"/>
-              </a:rPr>
-              <a:t>Alteryx</a:t>
-            </a:r>
-          </a:p>
-          <a:p>
-            <a:pPr lvl="1" eaLnBrk="1" hangingPunct="1">
-              <a:lnSpc>
-                <a:spcPct val="90000"/>
-              </a:lnSpc>
-            </a:pPr>
-            <a:r>
-              <a:rPr lang="en-US" altLang="en-US" sz="2000" dirty="0">
-                <a:latin typeface="+mj-lt"/>
-              </a:rPr>
-              <a:t>SAS/JMP</a:t>
-            </a:r>
-          </a:p>
-          <a:p>
-            <a:pPr lvl="1" eaLnBrk="1" hangingPunct="1">
-              <a:lnSpc>
-                <a:spcPct val="90000"/>
-              </a:lnSpc>
-            </a:pPr>
-            <a:r>
-              <a:rPr lang="en-US" altLang="en-US" sz="2000" dirty="0" err="1">
-                <a:latin typeface="+mj-lt"/>
-              </a:rPr>
-              <a:t>Jupyter</a:t>
-            </a:r>
-            <a:r>
-              <a:rPr lang="en-US" altLang="en-US" sz="2000" dirty="0">
-                <a:latin typeface="+mj-lt"/>
-              </a:rPr>
-              <a:t> Notebooks, Spyder, </a:t>
-            </a:r>
-            <a:r>
-              <a:rPr lang="en-US" altLang="en-US" sz="2000" dirty="0" err="1">
-                <a:latin typeface="+mj-lt"/>
-              </a:rPr>
-              <a:t>PyTorch</a:t>
-            </a:r>
-            <a:r>
-              <a:rPr lang="en-US" altLang="en-US" sz="2000" dirty="0">
-                <a:latin typeface="+mj-lt"/>
-              </a:rPr>
-              <a:t>, </a:t>
-            </a:r>
-            <a:r>
-              <a:rPr lang="en-US" altLang="en-US" sz="2000" dirty="0" err="1">
-                <a:latin typeface="+mj-lt"/>
-              </a:rPr>
-              <a:t>Colabs</a:t>
-            </a:r>
-            <a:r>
-              <a:rPr lang="en-US" altLang="en-US" sz="2000" dirty="0">
-                <a:latin typeface="+mj-lt"/>
-              </a:rPr>
-              <a:t> (IDEs)</a:t>
-            </a:r>
-          </a:p>
-          <a:p>
-            <a:pPr marL="0" indent="0" eaLnBrk="1" hangingPunct="1">
-              <a:lnSpc>
-                <a:spcPct val="90000"/>
-              </a:lnSpc>
-              <a:buNone/>
-            </a:pPr>
-            <a:endParaRPr lang="en-US" altLang="en-US" sz="2400" dirty="0">
-              <a:latin typeface="+mj-lt"/>
-            </a:endParaRPr>
-          </a:p>
-        </p:txBody>
-      </p:sp>
-      <p:sp>
-        <p:nvSpPr>
-          <p:cNvPr id="2" name="TextBox 1">
-            <a:extLst>
-              <a:ext uri="{FF2B5EF4-FFF2-40B4-BE49-F238E27FC236}">
-                <a16:creationId xmlns:a16="http://schemas.microsoft.com/office/drawing/2014/main" id="{DDE5ADB2-DD16-9348-99E8-EEB517098BE7}"/>
-              </a:ext>
-            </a:extLst>
-          </p:cNvPr>
-          <p:cNvSpPr txBox="1"/>
-          <p:nvPr/>
-        </p:nvSpPr>
-        <p:spPr>
-          <a:xfrm rot="20909074">
-            <a:off x="3673595" y="2179484"/>
-            <a:ext cx="5185979" cy="1446550"/>
-          </a:xfrm>
-          <a:prstGeom prst="rect">
-            <a:avLst/>
-          </a:prstGeom>
-          <a:noFill/>
-          <a:ln w="38100">
-            <a:solidFill>
-              <a:schemeClr val="tx1"/>
-            </a:solidFill>
-          </a:ln>
-        </p:spPr>
-        <p:txBody>
-          <a:bodyPr wrap="square" rtlCol="0">
-            <a:spAutoFit/>
-          </a:bodyPr>
-          <a:lstStyle/>
-          <a:p>
-            <a:pPr algn="ctr"/>
-            <a:r>
-              <a:rPr lang="en-US" sz="4400" b="1" dirty="0">
-                <a:solidFill>
-                  <a:srgbClr val="FF0000"/>
-                </a:solidFill>
-              </a:rPr>
-              <a:t>Why not just use Excel?</a:t>
-            </a:r>
-          </a:p>
-        </p:txBody>
-      </p:sp>
-    </p:spTree>
-    <p:extLst>
-      <p:ext uri="{BB962C8B-B14F-4D97-AF65-F5344CB8AC3E}">
-        <p14:creationId xmlns:p14="http://schemas.microsoft.com/office/powerpoint/2010/main" val="3150202549"/>
-      </p:ext>
-    </p:extLst>
-  </p:cSld>
-  <p:clrMapOvr>
-    <a:masterClrMapping/>
-  </p:clrMapOvr>
-  <p:timing>
-    <p:tnLst>
-      <p:par>
-        <p:cTn id="1" dur="indefinite" restart="never" nodeType="tmRoot">
-          <p:childTnLst>
-            <p:seq concurrent="1" nextAc="seek">
-              <p:cTn id="2" dur="indefinite" nodeType="mainSeq">
-                <p:childTnLst>
-                  <p:par>
-                    <p:cTn id="3" fill="hold">
-                      <p:stCondLst>
-                        <p:cond delay="indefinite"/>
-                      </p:stCondLst>
-                      <p:childTnLst>
-                        <p:par>
-                          <p:cTn id="4" fill="hold">
-                            <p:stCondLst>
-                              <p:cond delay="0"/>
-                            </p:stCondLst>
-                            <p:childTnLst>
-                              <p:par>
-                                <p:cTn id="5" presetID="42" presetClass="entr" presetSubtype="0" fill="hold" grpId="0" nodeType="clickEffect">
-                                  <p:stCondLst>
-                                    <p:cond delay="0"/>
-                                  </p:stCondLst>
-                                  <p:childTnLst>
-                                    <p:set>
-                                      <p:cBhvr>
-                                        <p:cTn id="6" dur="1" fill="hold">
-                                          <p:stCondLst>
-                                            <p:cond delay="0"/>
-                                          </p:stCondLst>
-                                        </p:cTn>
-                                        <p:tgtEl>
-                                          <p:spTgt spid="2"/>
-                                        </p:tgtEl>
-                                        <p:attrNameLst>
-                                          <p:attrName>style.visibility</p:attrName>
-                                        </p:attrNameLst>
-                                      </p:cBhvr>
-                                      <p:to>
-                                        <p:strVal val="visible"/>
-                                      </p:to>
-                                    </p:set>
-                                    <p:animEffect transition="in" filter="fade">
-                                      <p:cBhvr>
-                                        <p:cTn id="7" dur="1000"/>
-                                        <p:tgtEl>
-                                          <p:spTgt spid="2"/>
-                                        </p:tgtEl>
-                                      </p:cBhvr>
-                                    </p:animEffect>
-                                    <p:anim calcmode="lin" valueType="num">
-                                      <p:cBhvr>
-                                        <p:cTn id="8" dur="1000" fill="hold"/>
-                                        <p:tgtEl>
-                                          <p:spTgt spid="2"/>
-                                        </p:tgtEl>
-                                        <p:attrNameLst>
-                                          <p:attrName>ppt_x</p:attrName>
-                                        </p:attrNameLst>
-                                      </p:cBhvr>
-                                      <p:tavLst>
-                                        <p:tav tm="0">
-                                          <p:val>
-                                            <p:strVal val="#ppt_x"/>
-                                          </p:val>
-                                        </p:tav>
-                                        <p:tav tm="100000">
-                                          <p:val>
-                                            <p:strVal val="#ppt_x"/>
-                                          </p:val>
-                                        </p:tav>
-                                      </p:tavLst>
-                                    </p:anim>
-                                    <p:anim calcmode="lin" valueType="num">
-                                      <p:cBhvr>
-                                        <p:cTn id="9" dur="1000" fill="hold"/>
-                                        <p:tgtEl>
-                                          <p:spTgt spid="2"/>
-                                        </p:tgtEl>
-                                        <p:attrNameLst>
-                                          <p:attrName>ppt_y</p:attrName>
-                                        </p:attrNameLst>
-                                      </p:cBhvr>
-                                      <p:tavLst>
-                                        <p:tav tm="0">
-                                          <p:val>
-                                            <p:strVal val="#ppt_y+.1"/>
-                                          </p:val>
-                                        </p:tav>
-                                        <p:tav tm="100000">
-                                          <p:val>
-                                            <p:strVal val="#ppt_y"/>
-                                          </p:val>
-                                        </p:tav>
-                                      </p:tavLst>
-                                    </p:anim>
-                                  </p:childTnLst>
-                                </p:cTn>
-                              </p:par>
-                            </p:childTnLst>
-                          </p:cTn>
-                        </p:par>
-                      </p:childTnLst>
-                    </p:cTn>
-                  </p:par>
-                </p:childTnLst>
-              </p:cTn>
-              <p:prevCondLst>
-                <p:cond evt="onPrev" delay="0">
-                  <p:tgtEl>
-                    <p:sldTgt/>
-                  </p:tgtEl>
-                </p:cond>
-              </p:prevCondLst>
-              <p:nextCondLst>
-                <p:cond evt="onNext" delay="0">
-                  <p:tgtEl>
-                    <p:sldTgt/>
-                  </p:tgtEl>
-                </p:cond>
-              </p:nextCondLst>
-            </p:seq>
-          </p:childTnLst>
-        </p:cTn>
-      </p:par>
-    </p:tnLst>
-    <p:bldLst>
-      <p:bldP spid="2" grpId="0" animBg="1"/>
-    </p:bldLst>
-  </p:timing>
-</p:sld>
-</file>
-
-<file path=ppt/slides/slide28.xml><?xml version="1.0" encoding="utf-8"?>
-<p:sld xmlns:a="http://schemas.openxmlformats.org/drawingml/2006/main" xmlns:r="http://schemas.openxmlformats.org/officeDocument/2006/relationships" xmlns:p="http://schemas.openxmlformats.org/presentationml/2006/main">
-  <p:cSld>
-    <p:spTree>
-      <p:nvGrpSpPr>
-        <p:cNvPr id="1" name=""/>
-        <p:cNvGrpSpPr/>
-        <p:nvPr/>
-      </p:nvGrpSpPr>
-      <p:grpSpPr>
-        <a:xfrm>
-          <a:off x="0" y="0"/>
-          <a:ext cx="0" cy="0"/>
-          <a:chOff x="0" y="0"/>
-          <a:chExt cx="0" cy="0"/>
-        </a:xfrm>
-      </p:grpSpPr>
-      <p:sp>
-        <p:nvSpPr>
-          <p:cNvPr id="17410" name="Title 1"/>
-          <p:cNvSpPr>
-            <a:spLocks noGrp="1"/>
-          </p:cNvSpPr>
-          <p:nvPr>
-            <p:ph type="title" idx="4294967295"/>
-          </p:nvPr>
-        </p:nvSpPr>
-        <p:spPr bwMode="auto">
-          <a:xfrm>
-            <a:off x="76200" y="76200"/>
-            <a:ext cx="12039600" cy="685800"/>
-          </a:xfrm>
-          <a:prstGeom prst="rect">
-            <a:avLst/>
-          </a:prstGeom>
-          <a:noFill/>
-          <a:extLst>
-            <a:ext uri="{909E8E84-426E-40DD-AFC4-6F175D3DCCD1}">
-              <a14:hiddenFill xmlns:a14="http://schemas.microsoft.com/office/drawing/2010/main">
-                <a:solidFill>
-                  <a:srgbClr val="FFFFFF"/>
-                </a:solidFill>
-              </a14:hiddenFill>
-            </a:ext>
-            <a:ext uri="{91240B29-F687-4F45-9708-019B960494DF}">
-              <a14:hiddenLine xmlns:a14="http://schemas.microsoft.com/office/drawing/2010/main" w="9525">
-                <a:solidFill>
-                  <a:srgbClr val="000000"/>
-                </a:solidFill>
-                <a:miter lim="800000"/>
-                <a:headEnd/>
-                <a:tailEnd/>
-              </a14:hiddenLine>
-            </a:ext>
-          </a:extLst>
-        </p:spPr>
-        <p:txBody>
-          <a:bodyPr vert="horz" wrap="square" lIns="91440" tIns="45720" rIns="91440" bIns="45720" numCol="1" anchor="t" anchorCtr="0" compatLnSpc="1">
-            <a:prstTxWarp prst="textNoShape">
-              <a:avLst/>
-            </a:prstTxWarp>
-          </a:bodyPr>
-          <a:lstStyle/>
-          <a:p>
-            <a:pPr>
-              <a:defRPr/>
-            </a:pPr>
-            <a:r>
-              <a:rPr lang="en-US" altLang="en-US" sz="3600" dirty="0">
-                <a:solidFill>
-                  <a:schemeClr val="accent3"/>
-                </a:solidFill>
-                <a:latin typeface="Arial" panose="020B0604020202020204" pitchFamily="34" charset="0"/>
-              </a:rPr>
-              <a:t>Python</a:t>
-            </a:r>
-          </a:p>
-        </p:txBody>
-      </p:sp>
-      <p:sp>
-        <p:nvSpPr>
-          <p:cNvPr id="17411" name="Content Placeholder 2"/>
-          <p:cNvSpPr>
-            <a:spLocks noGrp="1"/>
-          </p:cNvSpPr>
-          <p:nvPr>
-            <p:ph idx="1"/>
-          </p:nvPr>
-        </p:nvSpPr>
-        <p:spPr>
-          <a:xfrm>
-            <a:off x="419100" y="1676400"/>
-            <a:ext cx="11353800" cy="2667000"/>
-          </a:xfrm>
-        </p:spPr>
-        <p:txBody>
-          <a:bodyPr/>
-          <a:lstStyle/>
-          <a:p>
-            <a:pPr eaLnBrk="1" hangingPunct="1">
-              <a:lnSpc>
-                <a:spcPct val="90000"/>
-              </a:lnSpc>
-            </a:pPr>
-            <a:endParaRPr lang="en-US" altLang="en-US" sz="2400" dirty="0">
-              <a:latin typeface="+mj-lt"/>
-            </a:endParaRPr>
-          </a:p>
-          <a:p>
-            <a:pPr eaLnBrk="1" hangingPunct="1">
-              <a:lnSpc>
-                <a:spcPct val="90000"/>
-              </a:lnSpc>
-            </a:pPr>
-            <a:r>
-              <a:rPr lang="en-US" altLang="en-US" sz="2400" dirty="0">
-                <a:latin typeface="+mj-lt"/>
-              </a:rPr>
-              <a:t>Open Source (Netherlands)</a:t>
-            </a:r>
-          </a:p>
-          <a:p>
-            <a:pPr eaLnBrk="1" hangingPunct="1">
-              <a:lnSpc>
-                <a:spcPct val="90000"/>
-              </a:lnSpc>
-            </a:pPr>
-            <a:r>
-              <a:rPr lang="en-US" altLang="en-US" sz="2400" dirty="0">
-                <a:latin typeface="+mj-lt"/>
-              </a:rPr>
-              <a:t>Platforms: Atom, </a:t>
-            </a:r>
-            <a:r>
-              <a:rPr lang="en-US" altLang="en-US" sz="2400" dirty="0" err="1">
-                <a:latin typeface="+mj-lt"/>
-              </a:rPr>
-              <a:t>Powershell</a:t>
-            </a:r>
-            <a:r>
-              <a:rPr lang="en-US" altLang="en-US" sz="2400" dirty="0">
-                <a:latin typeface="+mj-lt"/>
-              </a:rPr>
-              <a:t>, IDEs</a:t>
-            </a:r>
-          </a:p>
-          <a:p>
-            <a:pPr eaLnBrk="1" hangingPunct="1">
-              <a:lnSpc>
-                <a:spcPct val="90000"/>
-              </a:lnSpc>
-            </a:pPr>
-            <a:r>
-              <a:rPr lang="en-US" altLang="en-US" sz="2400" dirty="0">
-                <a:latin typeface="+mj-lt"/>
-              </a:rPr>
-              <a:t>Used by NASA, Amazon, Google, Netflix, </a:t>
-            </a:r>
-            <a:r>
-              <a:rPr lang="en-US" altLang="en-US" sz="2400" dirty="0" err="1">
-                <a:latin typeface="+mj-lt"/>
-              </a:rPr>
-              <a:t>etc</a:t>
-            </a:r>
-            <a:endParaRPr lang="en-US" altLang="en-US" sz="2400" dirty="0">
-              <a:latin typeface="+mj-lt"/>
-            </a:endParaRPr>
-          </a:p>
-          <a:p>
-            <a:pPr eaLnBrk="1" hangingPunct="1">
-              <a:lnSpc>
-                <a:spcPct val="90000"/>
-              </a:lnSpc>
-            </a:pPr>
-            <a:r>
-              <a:rPr lang="en-US" altLang="en-US" sz="2400" dirty="0">
-                <a:latin typeface="+mj-lt"/>
-              </a:rPr>
-              <a:t>Industries: Corporate/Education/Scientific Research</a:t>
-            </a:r>
-          </a:p>
-          <a:p>
-            <a:pPr eaLnBrk="1" hangingPunct="1">
-              <a:lnSpc>
-                <a:spcPct val="90000"/>
-              </a:lnSpc>
-            </a:pPr>
-            <a:endParaRPr lang="en-US" altLang="en-US" sz="2400" dirty="0">
-              <a:latin typeface="+mj-lt"/>
-            </a:endParaRPr>
-          </a:p>
-          <a:p>
-            <a:pPr marL="0" indent="0" eaLnBrk="1" hangingPunct="1">
-              <a:lnSpc>
-                <a:spcPct val="90000"/>
-              </a:lnSpc>
-              <a:buNone/>
-            </a:pPr>
-            <a:endParaRPr lang="en-US" altLang="en-US" sz="2400" dirty="0">
-              <a:latin typeface="+mj-lt"/>
-            </a:endParaRPr>
-          </a:p>
-        </p:txBody>
-      </p:sp>
-    </p:spTree>
-    <p:extLst>
-      <p:ext uri="{BB962C8B-B14F-4D97-AF65-F5344CB8AC3E}">
-        <p14:creationId xmlns:p14="http://schemas.microsoft.com/office/powerpoint/2010/main" val="3630296796"/>
-      </p:ext>
-    </p:extLst>
-  </p:cSld>
-  <p:clrMapOvr>
-    <a:masterClrMapping/>
-  </p:clrMapOvr>
-</p:sld>
-</file>
-
-<file path=ppt/slides/slide29.xml><?xml version="1.0" encoding="utf-8"?>
-<p:sld xmlns:a="http://schemas.openxmlformats.org/drawingml/2006/main" xmlns:r="http://schemas.openxmlformats.org/officeDocument/2006/relationships" xmlns:p="http://schemas.openxmlformats.org/presentationml/2006/main">
-  <p:cSld>
-    <p:spTree>
-      <p:nvGrpSpPr>
-        <p:cNvPr id="1" name=""/>
-        <p:cNvGrpSpPr/>
-        <p:nvPr/>
-      </p:nvGrpSpPr>
-      <p:grpSpPr>
-        <a:xfrm>
-          <a:off x="0" y="0"/>
-          <a:ext cx="0" cy="0"/>
-          <a:chOff x="0" y="0"/>
-          <a:chExt cx="0" cy="0"/>
-        </a:xfrm>
-      </p:grpSpPr>
-      <p:sp>
-        <p:nvSpPr>
-          <p:cNvPr id="17410" name="Title 1"/>
-          <p:cNvSpPr>
-            <a:spLocks noGrp="1"/>
-          </p:cNvSpPr>
-          <p:nvPr>
-            <p:ph type="title" idx="4294967295"/>
-          </p:nvPr>
-        </p:nvSpPr>
-        <p:spPr bwMode="auto">
-          <a:xfrm>
-            <a:off x="76200" y="76200"/>
-            <a:ext cx="12039600" cy="685800"/>
-          </a:xfrm>
-          <a:prstGeom prst="rect">
-            <a:avLst/>
-          </a:prstGeom>
-          <a:noFill/>
-          <a:extLst>
-            <a:ext uri="{909E8E84-426E-40DD-AFC4-6F175D3DCCD1}">
-              <a14:hiddenFill xmlns:a14="http://schemas.microsoft.com/office/drawing/2010/main">
-                <a:solidFill>
-                  <a:srgbClr val="FFFFFF"/>
-                </a:solidFill>
-              </a14:hiddenFill>
-            </a:ext>
-            <a:ext uri="{91240B29-F687-4F45-9708-019B960494DF}">
-              <a14:hiddenLine xmlns:a14="http://schemas.microsoft.com/office/drawing/2010/main" w="9525">
-                <a:solidFill>
-                  <a:srgbClr val="000000"/>
-                </a:solidFill>
-                <a:miter lim="800000"/>
-                <a:headEnd/>
-                <a:tailEnd/>
-              </a14:hiddenLine>
-            </a:ext>
-          </a:extLst>
-        </p:spPr>
-        <p:txBody>
-          <a:bodyPr vert="horz" wrap="square" lIns="91440" tIns="45720" rIns="91440" bIns="45720" numCol="1" anchor="t" anchorCtr="0" compatLnSpc="1">
-            <a:prstTxWarp prst="textNoShape">
-              <a:avLst/>
-            </a:prstTxWarp>
-          </a:bodyPr>
-          <a:lstStyle/>
-          <a:p>
-            <a:pPr>
-              <a:defRPr/>
-            </a:pPr>
-            <a:r>
-              <a:rPr lang="en-US" altLang="en-US" sz="3600" dirty="0">
-                <a:solidFill>
-                  <a:schemeClr val="accent3"/>
-                </a:solidFill>
-                <a:latin typeface="Arial" panose="020B0604020202020204" pitchFamily="34" charset="0"/>
-              </a:rPr>
-              <a:t>R</a:t>
-            </a:r>
-          </a:p>
-        </p:txBody>
-      </p:sp>
-      <p:sp>
-        <p:nvSpPr>
-          <p:cNvPr id="17411" name="Content Placeholder 2"/>
-          <p:cNvSpPr>
-            <a:spLocks noGrp="1"/>
-          </p:cNvSpPr>
-          <p:nvPr>
-            <p:ph idx="1"/>
-          </p:nvPr>
-        </p:nvSpPr>
-        <p:spPr>
-          <a:xfrm>
-            <a:off x="419100" y="1676400"/>
-            <a:ext cx="11353800" cy="2667000"/>
-          </a:xfrm>
-        </p:spPr>
-        <p:txBody>
-          <a:bodyPr/>
-          <a:lstStyle/>
-          <a:p>
-            <a:pPr eaLnBrk="1" hangingPunct="1">
-              <a:lnSpc>
-                <a:spcPct val="90000"/>
-              </a:lnSpc>
-            </a:pPr>
-            <a:endParaRPr lang="en-US" altLang="en-US" sz="2400" dirty="0">
-              <a:latin typeface="+mj-lt"/>
-            </a:endParaRPr>
-          </a:p>
-          <a:p>
-            <a:pPr eaLnBrk="1" hangingPunct="1">
-              <a:lnSpc>
-                <a:spcPct val="90000"/>
-              </a:lnSpc>
-            </a:pPr>
-            <a:r>
-              <a:rPr lang="en-US" altLang="en-US" sz="2400" dirty="0">
-                <a:latin typeface="+mj-lt"/>
-              </a:rPr>
-              <a:t>Open Source (University of Auckland, New Zealand)</a:t>
-            </a:r>
-          </a:p>
-          <a:p>
-            <a:pPr eaLnBrk="1" hangingPunct="1">
-              <a:lnSpc>
-                <a:spcPct val="90000"/>
-              </a:lnSpc>
-            </a:pPr>
-            <a:r>
-              <a:rPr lang="en-US" altLang="en-US" sz="2400" dirty="0">
-                <a:latin typeface="+mj-lt"/>
-              </a:rPr>
-              <a:t>Platforms: R, R Commander</a:t>
-            </a:r>
-          </a:p>
-          <a:p>
-            <a:pPr eaLnBrk="1" hangingPunct="1">
-              <a:lnSpc>
-                <a:spcPct val="90000"/>
-              </a:lnSpc>
-            </a:pPr>
-            <a:r>
-              <a:rPr lang="en-US" altLang="en-US" sz="2400" dirty="0">
-                <a:latin typeface="+mj-lt"/>
-              </a:rPr>
-              <a:t>Used by Accenture, Amazon, Google, Novartis</a:t>
-            </a:r>
-          </a:p>
-          <a:p>
-            <a:pPr eaLnBrk="1" hangingPunct="1">
-              <a:lnSpc>
-                <a:spcPct val="90000"/>
-              </a:lnSpc>
-            </a:pPr>
-            <a:r>
-              <a:rPr lang="en-US" altLang="en-US" sz="2400" dirty="0">
-                <a:latin typeface="+mj-lt"/>
-              </a:rPr>
-              <a:t>Industries: Corporate/Education/Scientific Research</a:t>
-            </a:r>
-          </a:p>
-          <a:p>
-            <a:pPr eaLnBrk="1" hangingPunct="1">
-              <a:lnSpc>
-                <a:spcPct val="90000"/>
-              </a:lnSpc>
-            </a:pPr>
-            <a:endParaRPr lang="en-US" altLang="en-US" sz="2400" dirty="0">
-              <a:latin typeface="+mj-lt"/>
-            </a:endParaRPr>
-          </a:p>
-          <a:p>
-            <a:pPr marL="0" indent="0" eaLnBrk="1" hangingPunct="1">
-              <a:lnSpc>
-                <a:spcPct val="90000"/>
-              </a:lnSpc>
-              <a:buNone/>
-            </a:pPr>
-            <a:endParaRPr lang="en-US" altLang="en-US" sz="2400" dirty="0">
-              <a:latin typeface="+mj-lt"/>
-            </a:endParaRPr>
-          </a:p>
-        </p:txBody>
-      </p:sp>
-    </p:spTree>
-    <p:extLst>
-      <p:ext uri="{BB962C8B-B14F-4D97-AF65-F5344CB8AC3E}">
-        <p14:creationId xmlns:p14="http://schemas.microsoft.com/office/powerpoint/2010/main" val="1130443429"/>
-      </p:ext>
-    </p:extLst>
-  </p:cSld>
-  <p:clrMapOvr>
-    <a:masterClrMapping/>
-  </p:clrMapOvr>
-</p:sld>
-</file>
-
-<file path=ppt/slides/slide3.xml><?xml version="1.0" encoding="utf-8"?>
-<p:sld xmlns:a="http://schemas.openxmlformats.org/drawingml/2006/main" xmlns:r="http://schemas.openxmlformats.org/officeDocument/2006/relationships" xmlns:p="http://schemas.openxmlformats.org/presentationml/2006/main">
-  <p:cSld>
-    <p:spTree>
-      <p:nvGrpSpPr>
-        <p:cNvPr id="1" name=""/>
-        <p:cNvGrpSpPr/>
-        <p:nvPr/>
-      </p:nvGrpSpPr>
-      <p:grpSpPr>
-        <a:xfrm>
-          <a:off x="0" y="0"/>
-          <a:ext cx="0" cy="0"/>
-          <a:chOff x="0" y="0"/>
-          <a:chExt cx="0" cy="0"/>
-        </a:xfrm>
-      </p:grpSpPr>
-      <p:sp>
-        <p:nvSpPr>
-          <p:cNvPr id="17410" name="Title 1"/>
-          <p:cNvSpPr>
-            <a:spLocks noGrp="1"/>
-          </p:cNvSpPr>
-          <p:nvPr>
-            <p:ph type="title" idx="4294967295"/>
-          </p:nvPr>
-        </p:nvSpPr>
-        <p:spPr bwMode="auto">
-          <a:xfrm>
-            <a:off x="76200" y="76200"/>
-            <a:ext cx="12039600" cy="685800"/>
-          </a:xfrm>
-          <a:prstGeom prst="rect">
-            <a:avLst/>
-          </a:prstGeom>
-          <a:noFill/>
-          <a:extLst>
-            <a:ext uri="{909E8E84-426E-40DD-AFC4-6F175D3DCCD1}">
-              <a14:hiddenFill xmlns:a14="http://schemas.microsoft.com/office/drawing/2010/main">
-                <a:solidFill>
-                  <a:srgbClr val="FFFFFF"/>
-                </a:solidFill>
-              </a14:hiddenFill>
-            </a:ext>
-            <a:ext uri="{91240B29-F687-4F45-9708-019B960494DF}">
-              <a14:hiddenLine xmlns:a14="http://schemas.microsoft.com/office/drawing/2010/main" w="9525">
-                <a:solidFill>
-                  <a:srgbClr val="000000"/>
-                </a:solidFill>
-                <a:miter lim="800000"/>
-                <a:headEnd/>
-                <a:tailEnd/>
-              </a14:hiddenLine>
-            </a:ext>
-          </a:extLst>
-        </p:spPr>
-        <p:txBody>
-          <a:bodyPr vert="horz" wrap="square" lIns="91440" tIns="45720" rIns="91440" bIns="45720" numCol="1" anchor="t" anchorCtr="0" compatLnSpc="1">
-            <a:prstTxWarp prst="textNoShape">
-              <a:avLst/>
-            </a:prstTxWarp>
-          </a:bodyPr>
-          <a:lstStyle/>
-          <a:p>
-            <a:pPr>
-              <a:defRPr/>
-            </a:pPr>
-            <a:r>
-              <a:rPr lang="en-US" altLang="en-US" sz="3600" dirty="0">
-                <a:solidFill>
-                  <a:schemeClr val="accent3"/>
-                </a:solidFill>
-                <a:latin typeface="Arial" panose="020B0604020202020204" pitchFamily="34" charset="0"/>
-              </a:rPr>
-              <a:t>Part 1: Session Overview</a:t>
-            </a:r>
-          </a:p>
-        </p:txBody>
-      </p:sp>
-      <p:sp>
-        <p:nvSpPr>
-          <p:cNvPr id="17411" name="Content Placeholder 2"/>
-          <p:cNvSpPr>
-            <a:spLocks noGrp="1"/>
-          </p:cNvSpPr>
-          <p:nvPr>
-            <p:ph idx="1"/>
-          </p:nvPr>
-        </p:nvSpPr>
-        <p:spPr>
-          <a:xfrm>
-            <a:off x="419100" y="1676400"/>
-            <a:ext cx="11353800" cy="2667000"/>
-          </a:xfrm>
-        </p:spPr>
-        <p:txBody>
-          <a:bodyPr/>
-          <a:lstStyle/>
-          <a:p>
-            <a:pPr eaLnBrk="1" hangingPunct="1">
-              <a:lnSpc>
-                <a:spcPct val="90000"/>
-              </a:lnSpc>
-            </a:pPr>
-            <a:endParaRPr lang="en-US" altLang="en-US" sz="2400" dirty="0">
-              <a:latin typeface="+mj-lt"/>
-            </a:endParaRPr>
-          </a:p>
-          <a:p>
-            <a:pPr eaLnBrk="1" hangingPunct="1">
-              <a:lnSpc>
-                <a:spcPct val="90000"/>
-              </a:lnSpc>
-            </a:pPr>
-            <a:r>
-              <a:rPr lang="en-US" altLang="en-US" sz="2400" dirty="0">
-                <a:latin typeface="+mj-lt"/>
-              </a:rPr>
-              <a:t>Examine what is meant by supervised machine learning.</a:t>
-            </a:r>
-          </a:p>
-          <a:p>
-            <a:pPr eaLnBrk="1" hangingPunct="1">
-              <a:lnSpc>
-                <a:spcPct val="90000"/>
-              </a:lnSpc>
-            </a:pPr>
-            <a:r>
-              <a:rPr lang="en-US" altLang="en-US" sz="2400" dirty="0">
-                <a:latin typeface="+mj-lt"/>
-              </a:rPr>
-              <a:t>Assess applications of supervised machine learning.</a:t>
-            </a:r>
-          </a:p>
-          <a:p>
-            <a:pPr marL="0" indent="0" eaLnBrk="1" hangingPunct="1">
-              <a:lnSpc>
-                <a:spcPct val="90000"/>
-              </a:lnSpc>
-              <a:buNone/>
-            </a:pPr>
-            <a:endParaRPr lang="en-US" altLang="en-US" sz="2400" dirty="0">
-              <a:latin typeface="+mj-lt"/>
-            </a:endParaRPr>
-          </a:p>
-        </p:txBody>
-      </p:sp>
-    </p:spTree>
-    <p:extLst>
-      <p:ext uri="{BB962C8B-B14F-4D97-AF65-F5344CB8AC3E}">
-        <p14:creationId xmlns:p14="http://schemas.microsoft.com/office/powerpoint/2010/main" val="3623212438"/>
-      </p:ext>
-    </p:extLst>
-  </p:cSld>
-  <p:clrMapOvr>
-    <a:masterClrMapping/>
-  </p:clrMapOvr>
-</p:sld>
-</file>
-
-<file path=ppt/slides/slide30.xml><?xml version="1.0" encoding="utf-8"?>
-<p:sld xmlns:a="http://schemas.openxmlformats.org/drawingml/2006/main" xmlns:r="http://schemas.openxmlformats.org/officeDocument/2006/relationships" xmlns:p="http://schemas.openxmlformats.org/presentationml/2006/main">
-  <p:cSld>
-    <p:spTree>
-      <p:nvGrpSpPr>
-        <p:cNvPr id="1" name=""/>
-        <p:cNvGrpSpPr/>
-        <p:nvPr/>
-      </p:nvGrpSpPr>
-      <p:grpSpPr>
-        <a:xfrm>
-          <a:off x="0" y="0"/>
-          <a:ext cx="0" cy="0"/>
-          <a:chOff x="0" y="0"/>
-          <a:chExt cx="0" cy="0"/>
-        </a:xfrm>
-      </p:grpSpPr>
-      <p:sp>
-        <p:nvSpPr>
-          <p:cNvPr id="17410" name="Title 1"/>
-          <p:cNvSpPr>
-            <a:spLocks noGrp="1"/>
-          </p:cNvSpPr>
-          <p:nvPr>
-            <p:ph type="title" idx="4294967295"/>
-          </p:nvPr>
-        </p:nvSpPr>
-        <p:spPr bwMode="auto">
-          <a:xfrm>
-            <a:off x="76200" y="76200"/>
-            <a:ext cx="12039600" cy="685800"/>
-          </a:xfrm>
-          <a:prstGeom prst="rect">
-            <a:avLst/>
-          </a:prstGeom>
-          <a:noFill/>
-          <a:extLst>
-            <a:ext uri="{909E8E84-426E-40DD-AFC4-6F175D3DCCD1}">
-              <a14:hiddenFill xmlns:a14="http://schemas.microsoft.com/office/drawing/2010/main">
-                <a:solidFill>
-                  <a:srgbClr val="FFFFFF"/>
-                </a:solidFill>
-              </a14:hiddenFill>
-            </a:ext>
-            <a:ext uri="{91240B29-F687-4F45-9708-019B960494DF}">
-              <a14:hiddenLine xmlns:a14="http://schemas.microsoft.com/office/drawing/2010/main" w="9525">
-                <a:solidFill>
-                  <a:srgbClr val="000000"/>
-                </a:solidFill>
-                <a:miter lim="800000"/>
-                <a:headEnd/>
-                <a:tailEnd/>
-              </a14:hiddenLine>
-            </a:ext>
-          </a:extLst>
-        </p:spPr>
-        <p:txBody>
-          <a:bodyPr vert="horz" wrap="square" lIns="91440" tIns="45720" rIns="91440" bIns="45720" numCol="1" anchor="t" anchorCtr="0" compatLnSpc="1">
-            <a:prstTxWarp prst="textNoShape">
-              <a:avLst/>
-            </a:prstTxWarp>
-          </a:bodyPr>
-          <a:lstStyle/>
-          <a:p>
-            <a:pPr>
-              <a:defRPr/>
-            </a:pPr>
-            <a:r>
-              <a:rPr lang="en-US" altLang="en-US" sz="3600" dirty="0" err="1">
-                <a:solidFill>
-                  <a:schemeClr val="accent3"/>
-                </a:solidFill>
-                <a:latin typeface="Arial" panose="020B0604020202020204" pitchFamily="34" charset="0"/>
-              </a:rPr>
-              <a:t>Mplus</a:t>
-            </a:r>
-            <a:endParaRPr lang="en-US" altLang="en-US" sz="3600" dirty="0">
-              <a:solidFill>
-                <a:schemeClr val="accent3"/>
-              </a:solidFill>
-              <a:latin typeface="Arial" panose="020B0604020202020204" pitchFamily="34" charset="0"/>
-            </a:endParaRPr>
-          </a:p>
-        </p:txBody>
-      </p:sp>
-      <p:sp>
-        <p:nvSpPr>
-          <p:cNvPr id="17411" name="Content Placeholder 2"/>
-          <p:cNvSpPr>
-            <a:spLocks noGrp="1"/>
-          </p:cNvSpPr>
-          <p:nvPr>
-            <p:ph idx="1"/>
-          </p:nvPr>
-        </p:nvSpPr>
-        <p:spPr>
-          <a:xfrm>
-            <a:off x="419100" y="1676400"/>
-            <a:ext cx="11353800" cy="2667000"/>
-          </a:xfrm>
-        </p:spPr>
-        <p:txBody>
-          <a:bodyPr/>
-          <a:lstStyle/>
-          <a:p>
-            <a:pPr eaLnBrk="1" hangingPunct="1">
-              <a:lnSpc>
-                <a:spcPct val="90000"/>
-              </a:lnSpc>
-            </a:pPr>
-            <a:endParaRPr lang="en-US" altLang="en-US" sz="2400" dirty="0">
-              <a:latin typeface="+mj-lt"/>
-            </a:endParaRPr>
-          </a:p>
-          <a:p>
-            <a:pPr eaLnBrk="1" hangingPunct="1">
-              <a:lnSpc>
-                <a:spcPct val="90000"/>
-              </a:lnSpc>
-            </a:pPr>
-            <a:r>
-              <a:rPr lang="en-US" altLang="en-US" sz="2400" dirty="0">
-                <a:latin typeface="+mj-lt"/>
-              </a:rPr>
-              <a:t>Fee-Based (UCLA, Los Angeles) </a:t>
-            </a:r>
-            <a:r>
-              <a:rPr lang="en-US" altLang="en-US" sz="2400" dirty="0">
-                <a:latin typeface="+mj-lt"/>
-                <a:hlinkClick r:id="rId2"/>
-              </a:rPr>
-              <a:t>https://www.statmodel.com/</a:t>
-            </a:r>
-            <a:r>
-              <a:rPr lang="en-US" altLang="en-US" sz="2400" dirty="0">
-                <a:latin typeface="+mj-lt"/>
-              </a:rPr>
-              <a:t> </a:t>
-            </a:r>
-          </a:p>
-          <a:p>
-            <a:pPr eaLnBrk="1" hangingPunct="1">
-              <a:lnSpc>
-                <a:spcPct val="90000"/>
-              </a:lnSpc>
-            </a:pPr>
-            <a:r>
-              <a:rPr lang="en-US" altLang="en-US" sz="2400" dirty="0">
-                <a:latin typeface="+mj-lt"/>
-              </a:rPr>
-              <a:t>Platforms: </a:t>
-            </a:r>
-            <a:r>
-              <a:rPr lang="en-US" altLang="en-US" sz="2400" dirty="0" err="1">
-                <a:latin typeface="+mj-lt"/>
-              </a:rPr>
-              <a:t>Mplus</a:t>
-            </a:r>
-            <a:endParaRPr lang="en-US" altLang="en-US" sz="2400" dirty="0">
-              <a:latin typeface="+mj-lt"/>
-            </a:endParaRPr>
-          </a:p>
-          <a:p>
-            <a:pPr eaLnBrk="1" hangingPunct="1">
-              <a:lnSpc>
-                <a:spcPct val="90000"/>
-              </a:lnSpc>
-            </a:pPr>
-            <a:r>
-              <a:rPr lang="en-US" altLang="en-US" sz="2400" dirty="0">
-                <a:latin typeface="+mj-lt"/>
-              </a:rPr>
-              <a:t>Industries: Primarily Scientific Research/Education</a:t>
-            </a:r>
-          </a:p>
-          <a:p>
-            <a:pPr eaLnBrk="1" hangingPunct="1">
-              <a:lnSpc>
-                <a:spcPct val="90000"/>
-              </a:lnSpc>
-            </a:pPr>
-            <a:endParaRPr lang="en-US" altLang="en-US" sz="2400" dirty="0">
-              <a:latin typeface="+mj-lt"/>
-            </a:endParaRPr>
-          </a:p>
-          <a:p>
-            <a:pPr marL="0" indent="0" eaLnBrk="1" hangingPunct="1">
-              <a:lnSpc>
-                <a:spcPct val="90000"/>
-              </a:lnSpc>
-              <a:buNone/>
-            </a:pPr>
-            <a:endParaRPr lang="en-US" altLang="en-US" sz="2400" dirty="0">
-              <a:latin typeface="+mj-lt"/>
-            </a:endParaRPr>
-          </a:p>
-        </p:txBody>
-      </p:sp>
-    </p:spTree>
-    <p:extLst>
-      <p:ext uri="{BB962C8B-B14F-4D97-AF65-F5344CB8AC3E}">
-        <p14:creationId xmlns:p14="http://schemas.microsoft.com/office/powerpoint/2010/main" val="105433802"/>
+        <p14:creationId xmlns:p14="http://schemas.microsoft.com/office/powerpoint/2010/main" val="2740089049"/>
       </p:ext>
     </p:extLst>
   </p:cSld>
@@ -16189,106 +16400,37 @@
                 </a:solidFill>
                 <a:latin typeface="Arial" panose="020B0604020202020204" pitchFamily="34" charset="0"/>
               </a:rPr>
-              <a:t>SPSS/AMOS</a:t>
+              <a:t>Z Score Plot</a:t>
             </a:r>
           </a:p>
         </p:txBody>
       </p:sp>
-      <p:sp>
-        <p:nvSpPr>
-          <p:cNvPr id="17411" name="Content Placeholder 2"/>
-          <p:cNvSpPr>
-            <a:spLocks noGrp="1"/>
-          </p:cNvSpPr>
-          <p:nvPr>
-            <p:ph idx="1"/>
-          </p:nvPr>
-        </p:nvSpPr>
-        <p:spPr>
-          <a:xfrm>
-            <a:off x="419100" y="1676400"/>
-            <a:ext cx="11353800" cy="2667000"/>
-          </a:xfrm>
-        </p:spPr>
-        <p:txBody>
-          <a:bodyPr/>
-          <a:lstStyle/>
-          <a:p>
-            <a:pPr eaLnBrk="1" hangingPunct="1">
-              <a:lnSpc>
-                <a:spcPct val="90000"/>
-              </a:lnSpc>
-            </a:pPr>
-            <a:endParaRPr lang="en-US" altLang="en-US" sz="2400" dirty="0">
-              <a:latin typeface="+mj-lt"/>
-            </a:endParaRPr>
-          </a:p>
-          <a:p>
-            <a:pPr eaLnBrk="1" hangingPunct="1">
-              <a:lnSpc>
-                <a:spcPct val="90000"/>
-              </a:lnSpc>
-            </a:pPr>
-            <a:r>
-              <a:rPr lang="en-US" altLang="en-US" sz="2400" dirty="0">
-                <a:latin typeface="+mj-lt"/>
-              </a:rPr>
-              <a:t>Fee-Based (IBM) </a:t>
-            </a:r>
-          </a:p>
-          <a:p>
-            <a:pPr eaLnBrk="1" hangingPunct="1">
-              <a:lnSpc>
-                <a:spcPct val="90000"/>
-              </a:lnSpc>
-            </a:pPr>
-            <a:r>
-              <a:rPr lang="en-US" altLang="en-US" sz="2400" dirty="0">
-                <a:latin typeface="+mj-lt"/>
-              </a:rPr>
-              <a:t>Platforms: SPSS/AMOS</a:t>
-            </a:r>
-          </a:p>
-          <a:p>
-            <a:pPr eaLnBrk="1" hangingPunct="1">
-              <a:lnSpc>
-                <a:spcPct val="90000"/>
-              </a:lnSpc>
-            </a:pPr>
-            <a:r>
-              <a:rPr lang="en-US" altLang="en-US" sz="2400" dirty="0">
-                <a:latin typeface="+mj-lt"/>
-              </a:rPr>
-              <a:t>Industries: Primarily Scientific Research/Education, some corporate</a:t>
-            </a:r>
-          </a:p>
-          <a:p>
-            <a:pPr eaLnBrk="1" hangingPunct="1">
-              <a:lnSpc>
-                <a:spcPct val="90000"/>
-              </a:lnSpc>
-            </a:pPr>
-            <a:endParaRPr lang="en-US" altLang="en-US" sz="2400" dirty="0">
-              <a:latin typeface="+mj-lt"/>
-            </a:endParaRPr>
-          </a:p>
-          <a:p>
-            <a:pPr marL="0" indent="0" eaLnBrk="1" hangingPunct="1">
-              <a:lnSpc>
-                <a:spcPct val="90000"/>
-              </a:lnSpc>
-              <a:buNone/>
-            </a:pPr>
-            <a:endParaRPr lang="en-US" altLang="en-US" sz="2400" dirty="0">
-              <a:latin typeface="+mj-lt"/>
-            </a:endParaRPr>
-          </a:p>
-        </p:txBody>
-      </p:sp>
+      <p:graphicFrame>
+        <p:nvGraphicFramePr>
+          <p:cNvPr id="4" name="Chart 3">
+            <a:extLst>
+              <a:ext uri="{FF2B5EF4-FFF2-40B4-BE49-F238E27FC236}">
+                <a16:creationId xmlns:a16="http://schemas.microsoft.com/office/drawing/2014/main" id="{1C03325C-4FAB-5A9E-75CE-00093BEB0A18}"/>
+              </a:ext>
+            </a:extLst>
+          </p:cNvPr>
+          <p:cNvGraphicFramePr/>
+          <p:nvPr/>
+        </p:nvGraphicFramePr>
+        <p:xfrm>
+          <a:off x="2032000" y="1295401"/>
+          <a:ext cx="8128000" cy="4648200"/>
+        </p:xfrm>
+        <a:graphic>
+          <a:graphicData uri="http://schemas.openxmlformats.org/drawingml/2006/chart">
+            <c:chart xmlns:c="http://schemas.openxmlformats.org/drawingml/2006/chart" xmlns:r="http://schemas.openxmlformats.org/officeDocument/2006/relationships" r:id="rId2"/>
+          </a:graphicData>
+        </a:graphic>
+      </p:graphicFrame>
     </p:spTree>
     <p:extLst>
       <p:ext uri="{BB962C8B-B14F-4D97-AF65-F5344CB8AC3E}">
-        <p14:creationId xmlns:p14="http://schemas.microsoft.com/office/powerpoint/2010/main" val="370374881"/>
+        <p14:creationId xmlns:p14="http://schemas.microsoft.com/office/powerpoint/2010/main" val="2656786576"/>
       </p:ext>
     </p:extLst>
   </p:cSld>
@@ -16372,7 +16514,7 @@
                 </a:solidFill>
                 <a:latin typeface="Arial" panose="020B0604020202020204" pitchFamily="34" charset="0"/>
               </a:rPr>
-              <a:t>Alteryx</a:t>
+              <a:t>Part 4: Session Overview</a:t>
             </a:r>
           </a:p>
         </p:txBody>
@@ -16416,7 +16558,7 @@
               <a:rPr lang="en-US" altLang="en-US" sz="2400" dirty="0">
                 <a:latin typeface="+mj-lt"/>
               </a:rPr>
-              <a:t>Fee-Based (Irvine, CA) </a:t>
+              <a:t>Explore how models are evaluated and fine-tuned for performance assessment.</a:t>
             </a:r>
           </a:p>
           <a:p>
@@ -16425,25 +16567,9 @@
                 <a:spcPct val="90000"/>
               </a:lnSpc>
             </a:pPr>
-            <a:r>
-              <a:rPr lang="en-US" altLang="en-US" sz="2400" dirty="0">
-                <a:latin typeface="+mj-lt"/>
-              </a:rPr>
-              <a:t>Platforms: Alteryx</a:t>
-            </a:r>
-          </a:p>
-          <a:p>
-            <a:pPr eaLnBrk="1" hangingPunct="1">
-              <a:lnSpc>
-                <a:spcPct val="90000"/>
-              </a:lnSpc>
-            </a:pPr>
-            <a:r>
-              <a:rPr lang="en-US" altLang="en-US" sz="2400" dirty="0">
-                <a:latin typeface="+mj-lt"/>
-              </a:rPr>
-              <a:t>Industries: Primarily corporate</a:t>
-            </a:r>
+            <a:endParaRPr lang="en-US" altLang="en-US" sz="2400" dirty="0">
+              <a:latin typeface="+mj-lt"/>
+            </a:endParaRPr>
           </a:p>
           <a:p>
             <a:pPr marL="0" indent="0" eaLnBrk="1" hangingPunct="1">
@@ -16461,1274 +16587,7 @@
     </p:spTree>
     <p:extLst>
       <p:ext uri="{BB962C8B-B14F-4D97-AF65-F5344CB8AC3E}">
-        <p14:creationId xmlns:p14="http://schemas.microsoft.com/office/powerpoint/2010/main" val="1208284396"/>
-      </p:ext>
-    </p:extLst>
-  </p:cSld>
-  <p:clrMapOvr>
-    <a:masterClrMapping/>
-  </p:clrMapOvr>
-</p:sld>
-</file>
-
-<file path=ppt/slides/slide33.xml><?xml version="1.0" encoding="utf-8"?>
-<p:sld xmlns:a="http://schemas.openxmlformats.org/drawingml/2006/main" xmlns:r="http://schemas.openxmlformats.org/officeDocument/2006/relationships" xmlns:p="http://schemas.openxmlformats.org/presentationml/2006/main">
-  <p:cSld>
-    <p:spTree>
-      <p:nvGrpSpPr>
-        <p:cNvPr id="1" name=""/>
-        <p:cNvGrpSpPr/>
-        <p:nvPr/>
-      </p:nvGrpSpPr>
-      <p:grpSpPr>
-        <a:xfrm>
-          <a:off x="0" y="0"/>
-          <a:ext cx="0" cy="0"/>
-          <a:chOff x="0" y="0"/>
-          <a:chExt cx="0" cy="0"/>
-        </a:xfrm>
-      </p:grpSpPr>
-      <p:sp>
-        <p:nvSpPr>
-          <p:cNvPr id="17410" name="Title 1"/>
-          <p:cNvSpPr>
-            <a:spLocks noGrp="1"/>
-          </p:cNvSpPr>
-          <p:nvPr>
-            <p:ph type="title" idx="4294967295"/>
-          </p:nvPr>
-        </p:nvSpPr>
-        <p:spPr bwMode="auto">
-          <a:xfrm>
-            <a:off x="76200" y="76200"/>
-            <a:ext cx="12039600" cy="685800"/>
-          </a:xfrm>
-          <a:prstGeom prst="rect">
-            <a:avLst/>
-          </a:prstGeom>
-          <a:noFill/>
-          <a:extLst>
-            <a:ext uri="{909E8E84-426E-40DD-AFC4-6F175D3DCCD1}">
-              <a14:hiddenFill xmlns:a14="http://schemas.microsoft.com/office/drawing/2010/main">
-                <a:solidFill>
-                  <a:srgbClr val="FFFFFF"/>
-                </a:solidFill>
-              </a14:hiddenFill>
-            </a:ext>
-            <a:ext uri="{91240B29-F687-4F45-9708-019B960494DF}">
-              <a14:hiddenLine xmlns:a14="http://schemas.microsoft.com/office/drawing/2010/main" w="9525">
-                <a:solidFill>
-                  <a:srgbClr val="000000"/>
-                </a:solidFill>
-                <a:miter lim="800000"/>
-                <a:headEnd/>
-                <a:tailEnd/>
-              </a14:hiddenLine>
-            </a:ext>
-          </a:extLst>
-        </p:spPr>
-        <p:txBody>
-          <a:bodyPr vert="horz" wrap="square" lIns="91440" tIns="45720" rIns="91440" bIns="45720" numCol="1" anchor="t" anchorCtr="0" compatLnSpc="1">
-            <a:prstTxWarp prst="textNoShape">
-              <a:avLst/>
-            </a:prstTxWarp>
-          </a:bodyPr>
-          <a:lstStyle/>
-          <a:p>
-            <a:pPr>
-              <a:defRPr/>
-            </a:pPr>
-            <a:r>
-              <a:rPr lang="en-US" altLang="en-US" sz="3600" dirty="0">
-                <a:solidFill>
-                  <a:schemeClr val="accent3"/>
-                </a:solidFill>
-                <a:latin typeface="Arial" panose="020B0604020202020204" pitchFamily="34" charset="0"/>
-              </a:rPr>
-              <a:t>SAS/JMP</a:t>
-            </a:r>
-          </a:p>
-        </p:txBody>
-      </p:sp>
-      <p:sp>
-        <p:nvSpPr>
-          <p:cNvPr id="17411" name="Content Placeholder 2"/>
-          <p:cNvSpPr>
-            <a:spLocks noGrp="1"/>
-          </p:cNvSpPr>
-          <p:nvPr>
-            <p:ph idx="1"/>
-          </p:nvPr>
-        </p:nvSpPr>
-        <p:spPr>
-          <a:xfrm>
-            <a:off x="419100" y="1676400"/>
-            <a:ext cx="11353800" cy="2667000"/>
-          </a:xfrm>
-        </p:spPr>
-        <p:txBody>
-          <a:bodyPr/>
-          <a:lstStyle/>
-          <a:p>
-            <a:pPr eaLnBrk="1" hangingPunct="1">
-              <a:lnSpc>
-                <a:spcPct val="90000"/>
-              </a:lnSpc>
-            </a:pPr>
-            <a:endParaRPr lang="en-US" altLang="en-US" sz="2400" dirty="0">
-              <a:latin typeface="+mj-lt"/>
-            </a:endParaRPr>
-          </a:p>
-          <a:p>
-            <a:pPr eaLnBrk="1" hangingPunct="1">
-              <a:lnSpc>
-                <a:spcPct val="90000"/>
-              </a:lnSpc>
-            </a:pPr>
-            <a:r>
-              <a:rPr lang="en-US" altLang="en-US" sz="2400" dirty="0">
-                <a:latin typeface="+mj-lt"/>
-              </a:rPr>
-              <a:t>Fee-Based (North Carolina) </a:t>
-            </a:r>
-          </a:p>
-          <a:p>
-            <a:pPr eaLnBrk="1" hangingPunct="1">
-              <a:lnSpc>
-                <a:spcPct val="90000"/>
-              </a:lnSpc>
-            </a:pPr>
-            <a:r>
-              <a:rPr lang="en-US" altLang="en-US" sz="2400" dirty="0">
-                <a:latin typeface="+mj-lt"/>
-              </a:rPr>
-              <a:t>Platforms: SAS</a:t>
-            </a:r>
-          </a:p>
-          <a:p>
-            <a:pPr eaLnBrk="1" hangingPunct="1">
-              <a:lnSpc>
-                <a:spcPct val="90000"/>
-              </a:lnSpc>
-            </a:pPr>
-            <a:r>
-              <a:rPr lang="en-US" altLang="en-US" sz="2400" dirty="0">
-                <a:latin typeface="+mj-lt"/>
-              </a:rPr>
-              <a:t>Industries: Primarily corporate, some educational</a:t>
-            </a:r>
-          </a:p>
-          <a:p>
-            <a:pPr marL="0" indent="0" eaLnBrk="1" hangingPunct="1">
-              <a:lnSpc>
-                <a:spcPct val="90000"/>
-              </a:lnSpc>
-              <a:buNone/>
-            </a:pPr>
-            <a:endParaRPr lang="en-US" altLang="en-US" sz="2400" dirty="0">
-              <a:latin typeface="+mj-lt"/>
-            </a:endParaRPr>
-          </a:p>
-        </p:txBody>
-      </p:sp>
-    </p:spTree>
-    <p:extLst>
-      <p:ext uri="{BB962C8B-B14F-4D97-AF65-F5344CB8AC3E}">
-        <p14:creationId xmlns:p14="http://schemas.microsoft.com/office/powerpoint/2010/main" val="503692358"/>
-      </p:ext>
-    </p:extLst>
-  </p:cSld>
-  <p:clrMapOvr>
-    <a:masterClrMapping/>
-  </p:clrMapOvr>
-</p:sld>
-</file>
-
-<file path=ppt/slides/slide34.xml><?xml version="1.0" encoding="utf-8"?>
-<p:sld xmlns:a="http://schemas.openxmlformats.org/drawingml/2006/main" xmlns:r="http://schemas.openxmlformats.org/officeDocument/2006/relationships" xmlns:p="http://schemas.openxmlformats.org/presentationml/2006/main">
-  <p:cSld>
-    <p:spTree>
-      <p:nvGrpSpPr>
-        <p:cNvPr id="1" name=""/>
-        <p:cNvGrpSpPr/>
-        <p:nvPr/>
-      </p:nvGrpSpPr>
-      <p:grpSpPr>
-        <a:xfrm>
-          <a:off x="0" y="0"/>
-          <a:ext cx="0" cy="0"/>
-          <a:chOff x="0" y="0"/>
-          <a:chExt cx="0" cy="0"/>
-        </a:xfrm>
-      </p:grpSpPr>
-      <p:sp>
-        <p:nvSpPr>
-          <p:cNvPr id="17410" name="Title 1"/>
-          <p:cNvSpPr>
-            <a:spLocks noGrp="1"/>
-          </p:cNvSpPr>
-          <p:nvPr>
-            <p:ph type="title" idx="4294967295"/>
-          </p:nvPr>
-        </p:nvSpPr>
-        <p:spPr bwMode="auto">
-          <a:xfrm>
-            <a:off x="76200" y="76200"/>
-            <a:ext cx="12039600" cy="685800"/>
-          </a:xfrm>
-          <a:prstGeom prst="rect">
-            <a:avLst/>
-          </a:prstGeom>
-          <a:noFill/>
-          <a:extLst>
-            <a:ext uri="{909E8E84-426E-40DD-AFC4-6F175D3DCCD1}">
-              <a14:hiddenFill xmlns:a14="http://schemas.microsoft.com/office/drawing/2010/main">
-                <a:solidFill>
-                  <a:srgbClr val="FFFFFF"/>
-                </a:solidFill>
-              </a14:hiddenFill>
-            </a:ext>
-            <a:ext uri="{91240B29-F687-4F45-9708-019B960494DF}">
-              <a14:hiddenLine xmlns:a14="http://schemas.microsoft.com/office/drawing/2010/main" w="9525">
-                <a:solidFill>
-                  <a:srgbClr val="000000"/>
-                </a:solidFill>
-                <a:miter lim="800000"/>
-                <a:headEnd/>
-                <a:tailEnd/>
-              </a14:hiddenLine>
-            </a:ext>
-          </a:extLst>
-        </p:spPr>
-        <p:txBody>
-          <a:bodyPr vert="horz" wrap="square" lIns="91440" tIns="45720" rIns="91440" bIns="45720" numCol="1" anchor="t" anchorCtr="0" compatLnSpc="1">
-            <a:prstTxWarp prst="textNoShape">
-              <a:avLst/>
-            </a:prstTxWarp>
-          </a:bodyPr>
-          <a:lstStyle/>
-          <a:p>
-            <a:pPr>
-              <a:defRPr/>
-            </a:pPr>
-            <a:r>
-              <a:rPr lang="en-US" altLang="en-US" sz="3600" dirty="0">
-                <a:solidFill>
-                  <a:schemeClr val="accent3"/>
-                </a:solidFill>
-                <a:latin typeface="Arial" panose="020B0604020202020204" pitchFamily="34" charset="0"/>
-              </a:rPr>
-              <a:t>IDEs</a:t>
-            </a:r>
-          </a:p>
-        </p:txBody>
-      </p:sp>
-      <p:sp>
-        <p:nvSpPr>
-          <p:cNvPr id="17411" name="Content Placeholder 2"/>
-          <p:cNvSpPr>
-            <a:spLocks noGrp="1"/>
-          </p:cNvSpPr>
-          <p:nvPr>
-            <p:ph idx="1"/>
-          </p:nvPr>
-        </p:nvSpPr>
-        <p:spPr>
-          <a:xfrm>
-            <a:off x="419100" y="1676400"/>
-            <a:ext cx="11353800" cy="2667000"/>
-          </a:xfrm>
-        </p:spPr>
-        <p:txBody>
-          <a:bodyPr/>
-          <a:lstStyle/>
-          <a:p>
-            <a:pPr eaLnBrk="1" hangingPunct="1">
-              <a:lnSpc>
-                <a:spcPct val="90000"/>
-              </a:lnSpc>
-            </a:pPr>
-            <a:endParaRPr lang="en-US" altLang="en-US" sz="2400" dirty="0">
-              <a:latin typeface="+mj-lt"/>
-            </a:endParaRPr>
-          </a:p>
-          <a:p>
-            <a:pPr eaLnBrk="1" hangingPunct="1">
-              <a:lnSpc>
-                <a:spcPct val="90000"/>
-              </a:lnSpc>
-            </a:pPr>
-            <a:r>
-              <a:rPr lang="en-US" altLang="en-US" sz="2400" dirty="0">
-                <a:latin typeface="+mj-lt"/>
-              </a:rPr>
-              <a:t>Why do things such as Integrated Development Environments exist?</a:t>
-            </a:r>
-          </a:p>
-          <a:p>
-            <a:pPr lvl="1" eaLnBrk="1" hangingPunct="1">
-              <a:lnSpc>
-                <a:spcPct val="90000"/>
-              </a:lnSpc>
-            </a:pPr>
-            <a:r>
-              <a:rPr lang="en-US" altLang="en-US" sz="2000" dirty="0">
-                <a:latin typeface="+mj-lt"/>
-              </a:rPr>
-              <a:t>Allow flexibility for quantitative lifting (computer resource usage), GUI aesthetic customization, specifically related to open-source software.</a:t>
-            </a:r>
-          </a:p>
-          <a:p>
-            <a:pPr lvl="1" eaLnBrk="1" hangingPunct="1">
-              <a:lnSpc>
-                <a:spcPct val="90000"/>
-              </a:lnSpc>
-            </a:pPr>
-            <a:r>
-              <a:rPr lang="en-US" altLang="en-US" sz="2000" dirty="0">
-                <a:latin typeface="+mj-lt"/>
-              </a:rPr>
-              <a:t>IDEs can be locally installed (Atom, </a:t>
-            </a:r>
-            <a:r>
-              <a:rPr lang="en-US" altLang="en-US" sz="2000" dirty="0" err="1">
-                <a:latin typeface="+mj-lt"/>
-              </a:rPr>
-              <a:t>Powershell</a:t>
-            </a:r>
-            <a:r>
-              <a:rPr lang="en-US" altLang="en-US" sz="2000" dirty="0">
-                <a:latin typeface="+mj-lt"/>
-              </a:rPr>
-              <a:t>) or cloud-based (</a:t>
-            </a:r>
-            <a:r>
-              <a:rPr lang="en-US" altLang="en-US" sz="2000" dirty="0" err="1">
-                <a:latin typeface="+mj-lt"/>
-              </a:rPr>
-              <a:t>Jupyter</a:t>
-            </a:r>
-            <a:r>
-              <a:rPr lang="en-US" altLang="en-US" sz="2000" dirty="0">
-                <a:latin typeface="+mj-lt"/>
-              </a:rPr>
-              <a:t> Notebooks, Google </a:t>
-            </a:r>
-            <a:r>
-              <a:rPr lang="en-US" altLang="en-US" sz="2000" dirty="0" err="1">
-                <a:latin typeface="+mj-lt"/>
-              </a:rPr>
-              <a:t>Colab</a:t>
-            </a:r>
-            <a:r>
-              <a:rPr lang="en-US" altLang="en-US" sz="2000" dirty="0">
-                <a:latin typeface="+mj-lt"/>
-              </a:rPr>
-              <a:t>).</a:t>
-            </a:r>
-          </a:p>
-          <a:p>
-            <a:pPr lvl="1" eaLnBrk="1" hangingPunct="1">
-              <a:lnSpc>
-                <a:spcPct val="90000"/>
-              </a:lnSpc>
-            </a:pPr>
-            <a:r>
-              <a:rPr lang="en-US" altLang="en-US" sz="2000" dirty="0">
-                <a:latin typeface="+mj-lt"/>
-              </a:rPr>
-              <a:t>Provides forgiveness and assistances when scripting.</a:t>
-            </a:r>
-          </a:p>
-          <a:p>
-            <a:pPr eaLnBrk="1" hangingPunct="1">
-              <a:lnSpc>
-                <a:spcPct val="90000"/>
-              </a:lnSpc>
-            </a:pPr>
-            <a:endParaRPr lang="en-US" altLang="en-US" sz="2400" dirty="0">
-              <a:latin typeface="+mj-lt"/>
-            </a:endParaRPr>
-          </a:p>
-          <a:p>
-            <a:pPr marL="0" indent="0" eaLnBrk="1" hangingPunct="1">
-              <a:lnSpc>
-                <a:spcPct val="90000"/>
-              </a:lnSpc>
-              <a:buNone/>
-            </a:pPr>
-            <a:endParaRPr lang="en-US" altLang="en-US" sz="2400" dirty="0">
-              <a:latin typeface="+mj-lt"/>
-            </a:endParaRPr>
-          </a:p>
-        </p:txBody>
-      </p:sp>
-    </p:spTree>
-    <p:extLst>
-      <p:ext uri="{BB962C8B-B14F-4D97-AF65-F5344CB8AC3E}">
-        <p14:creationId xmlns:p14="http://schemas.microsoft.com/office/powerpoint/2010/main" val="1018957753"/>
-      </p:ext>
-    </p:extLst>
-  </p:cSld>
-  <p:clrMapOvr>
-    <a:masterClrMapping/>
-  </p:clrMapOvr>
-</p:sld>
-</file>
-
-<file path=ppt/slides/slide35.xml><?xml version="1.0" encoding="utf-8"?>
-<p:sld xmlns:a="http://schemas.openxmlformats.org/drawingml/2006/main" xmlns:r="http://schemas.openxmlformats.org/officeDocument/2006/relationships" xmlns:p="http://schemas.openxmlformats.org/presentationml/2006/main">
-  <p:cSld>
-    <p:spTree>
-      <p:nvGrpSpPr>
-        <p:cNvPr id="1" name=""/>
-        <p:cNvGrpSpPr/>
-        <p:nvPr/>
-      </p:nvGrpSpPr>
-      <p:grpSpPr>
-        <a:xfrm>
-          <a:off x="0" y="0"/>
-          <a:ext cx="0" cy="0"/>
-          <a:chOff x="0" y="0"/>
-          <a:chExt cx="0" cy="0"/>
-        </a:xfrm>
-      </p:grpSpPr>
-      <p:sp>
-        <p:nvSpPr>
-          <p:cNvPr id="17410" name="Title 1"/>
-          <p:cNvSpPr>
-            <a:spLocks noGrp="1"/>
-          </p:cNvSpPr>
-          <p:nvPr>
-            <p:ph type="title" idx="4294967295"/>
-          </p:nvPr>
-        </p:nvSpPr>
-        <p:spPr bwMode="auto">
-          <a:xfrm>
-            <a:off x="76200" y="76200"/>
-            <a:ext cx="12039600" cy="685800"/>
-          </a:xfrm>
-          <a:prstGeom prst="rect">
-            <a:avLst/>
-          </a:prstGeom>
-          <a:noFill/>
-          <a:extLst>
-            <a:ext uri="{909E8E84-426E-40DD-AFC4-6F175D3DCCD1}">
-              <a14:hiddenFill xmlns:a14="http://schemas.microsoft.com/office/drawing/2010/main">
-                <a:solidFill>
-                  <a:srgbClr val="FFFFFF"/>
-                </a:solidFill>
-              </a14:hiddenFill>
-            </a:ext>
-            <a:ext uri="{91240B29-F687-4F45-9708-019B960494DF}">
-              <a14:hiddenLine xmlns:a14="http://schemas.microsoft.com/office/drawing/2010/main" w="9525">
-                <a:solidFill>
-                  <a:srgbClr val="000000"/>
-                </a:solidFill>
-                <a:miter lim="800000"/>
-                <a:headEnd/>
-                <a:tailEnd/>
-              </a14:hiddenLine>
-            </a:ext>
-          </a:extLst>
-        </p:spPr>
-        <p:txBody>
-          <a:bodyPr vert="horz" wrap="square" lIns="91440" tIns="45720" rIns="91440" bIns="45720" numCol="1" anchor="t" anchorCtr="0" compatLnSpc="1">
-            <a:prstTxWarp prst="textNoShape">
-              <a:avLst/>
-            </a:prstTxWarp>
-          </a:bodyPr>
-          <a:lstStyle/>
-          <a:p>
-            <a:pPr>
-              <a:defRPr/>
-            </a:pPr>
-            <a:r>
-              <a:rPr lang="en-US" altLang="en-US" sz="3600" dirty="0">
-                <a:solidFill>
-                  <a:schemeClr val="accent3"/>
-                </a:solidFill>
-                <a:latin typeface="Arial" panose="020B0604020202020204" pitchFamily="34" charset="0"/>
-              </a:rPr>
-              <a:t>Resources</a:t>
-            </a:r>
-          </a:p>
-        </p:txBody>
-      </p:sp>
-      <p:sp>
-        <p:nvSpPr>
-          <p:cNvPr id="17411" name="Content Placeholder 2"/>
-          <p:cNvSpPr>
-            <a:spLocks noGrp="1"/>
-          </p:cNvSpPr>
-          <p:nvPr>
-            <p:ph idx="1"/>
-          </p:nvPr>
-        </p:nvSpPr>
-        <p:spPr>
-          <a:xfrm>
-            <a:off x="419100" y="1676400"/>
-            <a:ext cx="11353800" cy="2667000"/>
-          </a:xfrm>
-        </p:spPr>
-        <p:txBody>
-          <a:bodyPr/>
-          <a:lstStyle/>
-          <a:p>
-            <a:pPr eaLnBrk="1" hangingPunct="1">
-              <a:lnSpc>
-                <a:spcPct val="90000"/>
-              </a:lnSpc>
-            </a:pPr>
-            <a:endParaRPr lang="en-US" altLang="en-US" sz="2400" dirty="0">
-              <a:latin typeface="+mj-lt"/>
-            </a:endParaRPr>
-          </a:p>
-          <a:p>
-            <a:pPr eaLnBrk="1" hangingPunct="1">
-              <a:lnSpc>
-                <a:spcPct val="90000"/>
-              </a:lnSpc>
-            </a:pPr>
-            <a:r>
-              <a:rPr lang="en-US" altLang="en-US" sz="2400" dirty="0" err="1">
-                <a:latin typeface="+mj-lt"/>
-              </a:rPr>
-              <a:t>Stackoverflow</a:t>
-            </a:r>
-            <a:r>
-              <a:rPr lang="en-US" altLang="en-US" sz="2400" dirty="0">
-                <a:latin typeface="+mj-lt"/>
-              </a:rPr>
-              <a:t> </a:t>
-            </a:r>
-            <a:r>
-              <a:rPr lang="en-US" altLang="en-US" sz="2400" dirty="0">
-                <a:latin typeface="+mj-lt"/>
-                <a:hlinkClick r:id="rId2"/>
-              </a:rPr>
-              <a:t>(https://stackoverflow.com/</a:t>
-            </a:r>
-            <a:r>
-              <a:rPr lang="en-US" altLang="en-US" sz="2400" dirty="0">
-                <a:latin typeface="+mj-lt"/>
-              </a:rPr>
-              <a:t>)</a:t>
-            </a:r>
-          </a:p>
-          <a:p>
-            <a:pPr eaLnBrk="1" hangingPunct="1">
-              <a:lnSpc>
-                <a:spcPct val="90000"/>
-              </a:lnSpc>
-            </a:pPr>
-            <a:r>
-              <a:rPr lang="en-US" altLang="en-US" sz="2400" dirty="0">
-                <a:latin typeface="+mj-lt"/>
-              </a:rPr>
-              <a:t>Medium (</a:t>
-            </a:r>
-            <a:r>
-              <a:rPr lang="en-US" altLang="en-US" sz="2400" dirty="0">
-                <a:latin typeface="+mj-lt"/>
-                <a:hlinkClick r:id="rId3"/>
-              </a:rPr>
-              <a:t>https://medium.com/tag/data-analysis</a:t>
-            </a:r>
-            <a:r>
-              <a:rPr lang="en-US" altLang="en-US" sz="2400" dirty="0">
-                <a:latin typeface="+mj-lt"/>
-              </a:rPr>
-              <a:t>)</a:t>
-            </a:r>
-          </a:p>
-          <a:p>
-            <a:pPr eaLnBrk="1" hangingPunct="1">
-              <a:lnSpc>
-                <a:spcPct val="90000"/>
-              </a:lnSpc>
-            </a:pPr>
-            <a:r>
-              <a:rPr lang="en-US" altLang="en-US" sz="2400" dirty="0" err="1">
-                <a:latin typeface="+mj-lt"/>
-              </a:rPr>
-              <a:t>Github</a:t>
-            </a:r>
-            <a:r>
-              <a:rPr lang="en-US" altLang="en-US" sz="2400" dirty="0">
-                <a:latin typeface="+mj-lt"/>
-              </a:rPr>
-              <a:t> (</a:t>
-            </a:r>
-            <a:r>
-              <a:rPr lang="en-US" altLang="en-US" sz="2400" dirty="0">
-                <a:latin typeface="+mj-lt"/>
-                <a:hlinkClick r:id="rId4"/>
-              </a:rPr>
-              <a:t>https://github.com/</a:t>
-            </a:r>
-            <a:r>
-              <a:rPr lang="en-US" altLang="en-US" sz="2400" dirty="0">
-                <a:latin typeface="+mj-lt"/>
-              </a:rPr>
-              <a:t>) </a:t>
-            </a:r>
-          </a:p>
-          <a:p>
-            <a:pPr eaLnBrk="1" hangingPunct="1">
-              <a:lnSpc>
-                <a:spcPct val="90000"/>
-              </a:lnSpc>
-            </a:pPr>
-            <a:endParaRPr lang="en-US" altLang="en-US" sz="2400" dirty="0">
-              <a:latin typeface="+mj-lt"/>
-            </a:endParaRPr>
-          </a:p>
-          <a:p>
-            <a:pPr marL="0" indent="0" eaLnBrk="1" hangingPunct="1">
-              <a:lnSpc>
-                <a:spcPct val="90000"/>
-              </a:lnSpc>
-              <a:buNone/>
-            </a:pPr>
-            <a:endParaRPr lang="en-US" altLang="en-US" sz="2400" dirty="0">
-              <a:latin typeface="+mj-lt"/>
-            </a:endParaRPr>
-          </a:p>
-        </p:txBody>
-      </p:sp>
-    </p:spTree>
-    <p:extLst>
-      <p:ext uri="{BB962C8B-B14F-4D97-AF65-F5344CB8AC3E}">
-        <p14:creationId xmlns:p14="http://schemas.microsoft.com/office/powerpoint/2010/main" val="1443130278"/>
-      </p:ext>
-    </p:extLst>
-  </p:cSld>
-  <p:clrMapOvr>
-    <a:masterClrMapping/>
-  </p:clrMapOvr>
-</p:sld>
-</file>
-
-<file path=ppt/slides/slide36.xml><?xml version="1.0" encoding="utf-8"?>
-<p:sld xmlns:a="http://schemas.openxmlformats.org/drawingml/2006/main" xmlns:r="http://schemas.openxmlformats.org/officeDocument/2006/relationships" xmlns:p="http://schemas.openxmlformats.org/presentationml/2006/main">
-  <p:cSld>
-    <p:spTree>
-      <p:nvGrpSpPr>
-        <p:cNvPr id="1" name=""/>
-        <p:cNvGrpSpPr/>
-        <p:nvPr/>
-      </p:nvGrpSpPr>
-      <p:grpSpPr>
-        <a:xfrm>
-          <a:off x="0" y="0"/>
-          <a:ext cx="0" cy="0"/>
-          <a:chOff x="0" y="0"/>
-          <a:chExt cx="0" cy="0"/>
-        </a:xfrm>
-      </p:grpSpPr>
-      <p:sp>
-        <p:nvSpPr>
-          <p:cNvPr id="17410" name="Title 1"/>
-          <p:cNvSpPr>
-            <a:spLocks noGrp="1"/>
-          </p:cNvSpPr>
-          <p:nvPr>
-            <p:ph type="title" idx="4294967295"/>
-          </p:nvPr>
-        </p:nvSpPr>
-        <p:spPr bwMode="auto">
-          <a:xfrm>
-            <a:off x="76200" y="76200"/>
-            <a:ext cx="12039600" cy="685800"/>
-          </a:xfrm>
-          <a:prstGeom prst="rect">
-            <a:avLst/>
-          </a:prstGeom>
-          <a:noFill/>
-          <a:extLst>
-            <a:ext uri="{909E8E84-426E-40DD-AFC4-6F175D3DCCD1}">
-              <a14:hiddenFill xmlns:a14="http://schemas.microsoft.com/office/drawing/2010/main">
-                <a:solidFill>
-                  <a:srgbClr val="FFFFFF"/>
-                </a:solidFill>
-              </a14:hiddenFill>
-            </a:ext>
-            <a:ext uri="{91240B29-F687-4F45-9708-019B960494DF}">
-              <a14:hiddenLine xmlns:a14="http://schemas.microsoft.com/office/drawing/2010/main" w="9525">
-                <a:solidFill>
-                  <a:srgbClr val="000000"/>
-                </a:solidFill>
-                <a:miter lim="800000"/>
-                <a:headEnd/>
-                <a:tailEnd/>
-              </a14:hiddenLine>
-            </a:ext>
-          </a:extLst>
-        </p:spPr>
-        <p:txBody>
-          <a:bodyPr vert="horz" wrap="square" lIns="91440" tIns="45720" rIns="91440" bIns="45720" numCol="1" anchor="t" anchorCtr="0" compatLnSpc="1">
-            <a:prstTxWarp prst="textNoShape">
-              <a:avLst/>
-            </a:prstTxWarp>
-          </a:bodyPr>
-          <a:lstStyle/>
-          <a:p>
-            <a:pPr>
-              <a:defRPr/>
-            </a:pPr>
-            <a:r>
-              <a:rPr lang="en-US" altLang="en-US" sz="3600" dirty="0">
-                <a:solidFill>
-                  <a:schemeClr val="accent3"/>
-                </a:solidFill>
-                <a:latin typeface="Arial" panose="020B0604020202020204" pitchFamily="34" charset="0"/>
-              </a:rPr>
-              <a:t>Part 4: Session Overview</a:t>
-            </a:r>
-          </a:p>
-        </p:txBody>
-      </p:sp>
-      <p:sp>
-        <p:nvSpPr>
-          <p:cNvPr id="17411" name="Content Placeholder 2"/>
-          <p:cNvSpPr>
-            <a:spLocks noGrp="1"/>
-          </p:cNvSpPr>
-          <p:nvPr>
-            <p:ph idx="1"/>
-          </p:nvPr>
-        </p:nvSpPr>
-        <p:spPr>
-          <a:xfrm>
-            <a:off x="419100" y="1676400"/>
-            <a:ext cx="11353800" cy="2667000"/>
-          </a:xfrm>
-        </p:spPr>
-        <p:txBody>
-          <a:bodyPr/>
-          <a:lstStyle/>
-          <a:p>
-            <a:pPr eaLnBrk="1" hangingPunct="1">
-              <a:lnSpc>
-                <a:spcPct val="90000"/>
-              </a:lnSpc>
-            </a:pPr>
-            <a:endParaRPr lang="en-US" altLang="en-US" sz="2400" dirty="0">
-              <a:latin typeface="+mj-lt"/>
-            </a:endParaRPr>
-          </a:p>
-          <a:p>
-            <a:pPr eaLnBrk="1" hangingPunct="1">
-              <a:lnSpc>
-                <a:spcPct val="90000"/>
-              </a:lnSpc>
-            </a:pPr>
-            <a:r>
-              <a:rPr lang="en-US" altLang="en-US" sz="2400" dirty="0">
-                <a:latin typeface="+mj-lt"/>
-              </a:rPr>
-              <a:t>Explore how models are evaluated and fine-tuned for performance assessment.</a:t>
-            </a:r>
-          </a:p>
-          <a:p>
-            <a:pPr eaLnBrk="1" hangingPunct="1">
-              <a:lnSpc>
-                <a:spcPct val="90000"/>
-              </a:lnSpc>
-            </a:pPr>
-            <a:endParaRPr lang="en-US" altLang="en-US" sz="2400" dirty="0">
-              <a:latin typeface="+mj-lt"/>
-            </a:endParaRPr>
-          </a:p>
-          <a:p>
-            <a:pPr marL="0" indent="0" eaLnBrk="1" hangingPunct="1">
-              <a:lnSpc>
-                <a:spcPct val="90000"/>
-              </a:lnSpc>
-              <a:buNone/>
-            </a:pPr>
-            <a:endParaRPr lang="en-US" altLang="en-US" sz="2400" dirty="0">
-              <a:latin typeface="+mj-lt"/>
-            </a:endParaRPr>
-          </a:p>
-        </p:txBody>
-      </p:sp>
-    </p:spTree>
-    <p:extLst>
-      <p:ext uri="{BB962C8B-B14F-4D97-AF65-F5344CB8AC3E}">
         <p14:creationId xmlns:p14="http://schemas.microsoft.com/office/powerpoint/2010/main" val="1227480249"/>
-      </p:ext>
-    </p:extLst>
-  </p:cSld>
-  <p:clrMapOvr>
-    <a:masterClrMapping/>
-  </p:clrMapOvr>
-</p:sld>
-</file>
-
-<file path=ppt/slides/slide37.xml><?xml version="1.0" encoding="utf-8"?>
-<p:sld xmlns:a="http://schemas.openxmlformats.org/drawingml/2006/main" xmlns:r="http://schemas.openxmlformats.org/officeDocument/2006/relationships" xmlns:p="http://schemas.openxmlformats.org/presentationml/2006/main">
-  <p:cSld>
-    <p:spTree>
-      <p:nvGrpSpPr>
-        <p:cNvPr id="1" name=""/>
-        <p:cNvGrpSpPr/>
-        <p:nvPr/>
-      </p:nvGrpSpPr>
-      <p:grpSpPr>
-        <a:xfrm>
-          <a:off x="0" y="0"/>
-          <a:ext cx="0" cy="0"/>
-          <a:chOff x="0" y="0"/>
-          <a:chExt cx="0" cy="0"/>
-        </a:xfrm>
-      </p:grpSpPr>
-      <p:sp>
-        <p:nvSpPr>
-          <p:cNvPr id="17410" name="Title 1"/>
-          <p:cNvSpPr>
-            <a:spLocks noGrp="1"/>
-          </p:cNvSpPr>
-          <p:nvPr>
-            <p:ph type="title" idx="4294967295"/>
-          </p:nvPr>
-        </p:nvSpPr>
-        <p:spPr bwMode="auto">
-          <a:xfrm>
-            <a:off x="76200" y="76200"/>
-            <a:ext cx="12039600" cy="685800"/>
-          </a:xfrm>
-          <a:prstGeom prst="rect">
-            <a:avLst/>
-          </a:prstGeom>
-          <a:noFill/>
-          <a:extLst>
-            <a:ext uri="{909E8E84-426E-40DD-AFC4-6F175D3DCCD1}">
-              <a14:hiddenFill xmlns:a14="http://schemas.microsoft.com/office/drawing/2010/main">
-                <a:solidFill>
-                  <a:srgbClr val="FFFFFF"/>
-                </a:solidFill>
-              </a14:hiddenFill>
-            </a:ext>
-            <a:ext uri="{91240B29-F687-4F45-9708-019B960494DF}">
-              <a14:hiddenLine xmlns:a14="http://schemas.microsoft.com/office/drawing/2010/main" w="9525">
-                <a:solidFill>
-                  <a:srgbClr val="000000"/>
-                </a:solidFill>
-                <a:miter lim="800000"/>
-                <a:headEnd/>
-                <a:tailEnd/>
-              </a14:hiddenLine>
-            </a:ext>
-          </a:extLst>
-        </p:spPr>
-        <p:txBody>
-          <a:bodyPr vert="horz" wrap="square" lIns="91440" tIns="45720" rIns="91440" bIns="45720" numCol="1" anchor="t" anchorCtr="0" compatLnSpc="1">
-            <a:prstTxWarp prst="textNoShape">
-              <a:avLst/>
-            </a:prstTxWarp>
-          </a:bodyPr>
-          <a:lstStyle/>
-          <a:p>
-            <a:pPr>
-              <a:defRPr/>
-            </a:pPr>
-            <a:r>
-              <a:rPr lang="en-US" altLang="en-US" sz="3600" dirty="0">
-                <a:solidFill>
-                  <a:schemeClr val="accent3"/>
-                </a:solidFill>
-                <a:latin typeface="Arial" panose="020B0604020202020204" pitchFamily="34" charset="0"/>
-              </a:rPr>
-              <a:t>Title</a:t>
-            </a:r>
-          </a:p>
-        </p:txBody>
-      </p:sp>
-      <p:sp>
-        <p:nvSpPr>
-          <p:cNvPr id="17411" name="Content Placeholder 2"/>
-          <p:cNvSpPr>
-            <a:spLocks noGrp="1"/>
-          </p:cNvSpPr>
-          <p:nvPr>
-            <p:ph idx="1"/>
-          </p:nvPr>
-        </p:nvSpPr>
-        <p:spPr>
-          <a:xfrm>
-            <a:off x="419100" y="1676400"/>
-            <a:ext cx="11353800" cy="2667000"/>
-          </a:xfrm>
-        </p:spPr>
-        <p:txBody>
-          <a:bodyPr/>
-          <a:lstStyle/>
-          <a:p>
-            <a:pPr eaLnBrk="1" hangingPunct="1">
-              <a:lnSpc>
-                <a:spcPct val="90000"/>
-              </a:lnSpc>
-            </a:pPr>
-            <a:endParaRPr lang="en-US" altLang="en-US" sz="2400" dirty="0">
-              <a:latin typeface="+mj-lt"/>
-            </a:endParaRPr>
-          </a:p>
-          <a:p>
-            <a:pPr eaLnBrk="1" hangingPunct="1">
-              <a:lnSpc>
-                <a:spcPct val="90000"/>
-              </a:lnSpc>
-            </a:pPr>
-            <a:r>
-              <a:rPr lang="en-US" altLang="en-US" sz="2400" dirty="0">
-                <a:latin typeface="+mj-lt"/>
-              </a:rPr>
-              <a:t>Text</a:t>
-            </a:r>
-          </a:p>
-          <a:p>
-            <a:pPr eaLnBrk="1" hangingPunct="1">
-              <a:lnSpc>
-                <a:spcPct val="90000"/>
-              </a:lnSpc>
-            </a:pPr>
-            <a:endParaRPr lang="en-US" altLang="en-US" sz="2400" dirty="0">
-              <a:latin typeface="+mj-lt"/>
-            </a:endParaRPr>
-          </a:p>
-          <a:p>
-            <a:pPr marL="0" indent="0" eaLnBrk="1" hangingPunct="1">
-              <a:lnSpc>
-                <a:spcPct val="90000"/>
-              </a:lnSpc>
-              <a:buNone/>
-            </a:pPr>
-            <a:endParaRPr lang="en-US" altLang="en-US" sz="2400" dirty="0">
-              <a:latin typeface="+mj-lt"/>
-            </a:endParaRPr>
-          </a:p>
-        </p:txBody>
-      </p:sp>
-    </p:spTree>
-    <p:extLst>
-      <p:ext uri="{BB962C8B-B14F-4D97-AF65-F5344CB8AC3E}">
-        <p14:creationId xmlns:p14="http://schemas.microsoft.com/office/powerpoint/2010/main" val="4267953247"/>
-      </p:ext>
-    </p:extLst>
-  </p:cSld>
-  <p:clrMapOvr>
-    <a:masterClrMapping/>
-  </p:clrMapOvr>
-</p:sld>
-</file>
-
-<file path=ppt/slides/slide38.xml><?xml version="1.0" encoding="utf-8"?>
-<p:sld xmlns:a="http://schemas.openxmlformats.org/drawingml/2006/main" xmlns:r="http://schemas.openxmlformats.org/officeDocument/2006/relationships" xmlns:p="http://schemas.openxmlformats.org/presentationml/2006/main">
-  <p:cSld>
-    <p:spTree>
-      <p:nvGrpSpPr>
-        <p:cNvPr id="1" name=""/>
-        <p:cNvGrpSpPr/>
-        <p:nvPr/>
-      </p:nvGrpSpPr>
-      <p:grpSpPr>
-        <a:xfrm>
-          <a:off x="0" y="0"/>
-          <a:ext cx="0" cy="0"/>
-          <a:chOff x="0" y="0"/>
-          <a:chExt cx="0" cy="0"/>
-        </a:xfrm>
-      </p:grpSpPr>
-      <p:sp>
-        <p:nvSpPr>
-          <p:cNvPr id="17410" name="Title 1"/>
-          <p:cNvSpPr>
-            <a:spLocks noGrp="1"/>
-          </p:cNvSpPr>
-          <p:nvPr>
-            <p:ph type="title" idx="4294967295"/>
-          </p:nvPr>
-        </p:nvSpPr>
-        <p:spPr bwMode="auto">
-          <a:xfrm>
-            <a:off x="76200" y="76200"/>
-            <a:ext cx="12039600" cy="685800"/>
-          </a:xfrm>
-          <a:prstGeom prst="rect">
-            <a:avLst/>
-          </a:prstGeom>
-          <a:noFill/>
-          <a:extLst>
-            <a:ext uri="{909E8E84-426E-40DD-AFC4-6F175D3DCCD1}">
-              <a14:hiddenFill xmlns:a14="http://schemas.microsoft.com/office/drawing/2010/main">
-                <a:solidFill>
-                  <a:srgbClr val="FFFFFF"/>
-                </a:solidFill>
-              </a14:hiddenFill>
-            </a:ext>
-            <a:ext uri="{91240B29-F687-4F45-9708-019B960494DF}">
-              <a14:hiddenLine xmlns:a14="http://schemas.microsoft.com/office/drawing/2010/main" w="9525">
-                <a:solidFill>
-                  <a:srgbClr val="000000"/>
-                </a:solidFill>
-                <a:miter lim="800000"/>
-                <a:headEnd/>
-                <a:tailEnd/>
-              </a14:hiddenLine>
-            </a:ext>
-          </a:extLst>
-        </p:spPr>
-        <p:txBody>
-          <a:bodyPr vert="horz" wrap="square" lIns="91440" tIns="45720" rIns="91440" bIns="45720" numCol="1" anchor="t" anchorCtr="0" compatLnSpc="1">
-            <a:prstTxWarp prst="textNoShape">
-              <a:avLst/>
-            </a:prstTxWarp>
-          </a:bodyPr>
-          <a:lstStyle/>
-          <a:p>
-            <a:pPr>
-              <a:defRPr/>
-            </a:pPr>
-            <a:r>
-              <a:rPr lang="en-US" altLang="en-US" sz="3600" dirty="0">
-                <a:solidFill>
-                  <a:schemeClr val="accent3"/>
-                </a:solidFill>
-                <a:latin typeface="Arial" panose="020B0604020202020204" pitchFamily="34" charset="0"/>
-              </a:rPr>
-              <a:t>Title</a:t>
-            </a:r>
-          </a:p>
-        </p:txBody>
-      </p:sp>
-      <p:sp>
-        <p:nvSpPr>
-          <p:cNvPr id="17411" name="Content Placeholder 2"/>
-          <p:cNvSpPr>
-            <a:spLocks noGrp="1"/>
-          </p:cNvSpPr>
-          <p:nvPr>
-            <p:ph idx="1"/>
-          </p:nvPr>
-        </p:nvSpPr>
-        <p:spPr>
-          <a:xfrm>
-            <a:off x="419100" y="1676400"/>
-            <a:ext cx="11353800" cy="2667000"/>
-          </a:xfrm>
-        </p:spPr>
-        <p:txBody>
-          <a:bodyPr/>
-          <a:lstStyle/>
-          <a:p>
-            <a:pPr eaLnBrk="1" hangingPunct="1">
-              <a:lnSpc>
-                <a:spcPct val="90000"/>
-              </a:lnSpc>
-            </a:pPr>
-            <a:endParaRPr lang="en-US" altLang="en-US" sz="2400" dirty="0">
-              <a:latin typeface="+mj-lt"/>
-            </a:endParaRPr>
-          </a:p>
-          <a:p>
-            <a:pPr eaLnBrk="1" hangingPunct="1">
-              <a:lnSpc>
-                <a:spcPct val="90000"/>
-              </a:lnSpc>
-            </a:pPr>
-            <a:r>
-              <a:rPr lang="en-US" altLang="en-US" sz="2400" dirty="0">
-                <a:latin typeface="+mj-lt"/>
-              </a:rPr>
-              <a:t>Text</a:t>
-            </a:r>
-          </a:p>
-          <a:p>
-            <a:pPr eaLnBrk="1" hangingPunct="1">
-              <a:lnSpc>
-                <a:spcPct val="90000"/>
-              </a:lnSpc>
-            </a:pPr>
-            <a:endParaRPr lang="en-US" altLang="en-US" sz="2400" dirty="0">
-              <a:latin typeface="+mj-lt"/>
-            </a:endParaRPr>
-          </a:p>
-          <a:p>
-            <a:pPr marL="0" indent="0" eaLnBrk="1" hangingPunct="1">
-              <a:lnSpc>
-                <a:spcPct val="90000"/>
-              </a:lnSpc>
-              <a:buNone/>
-            </a:pPr>
-            <a:endParaRPr lang="en-US" altLang="en-US" sz="2400" dirty="0">
-              <a:latin typeface="+mj-lt"/>
-            </a:endParaRPr>
-          </a:p>
-        </p:txBody>
-      </p:sp>
-    </p:spTree>
-    <p:extLst>
-      <p:ext uri="{BB962C8B-B14F-4D97-AF65-F5344CB8AC3E}">
-        <p14:creationId xmlns:p14="http://schemas.microsoft.com/office/powerpoint/2010/main" val="310791741"/>
-      </p:ext>
-    </p:extLst>
-  </p:cSld>
-  <p:clrMapOvr>
-    <a:masterClrMapping/>
-  </p:clrMapOvr>
-</p:sld>
-</file>
-
-<file path=ppt/slides/slide39.xml><?xml version="1.0" encoding="utf-8"?>
-<p:sld xmlns:a="http://schemas.openxmlformats.org/drawingml/2006/main" xmlns:r="http://schemas.openxmlformats.org/officeDocument/2006/relationships" xmlns:p="http://schemas.openxmlformats.org/presentationml/2006/main">
-  <p:cSld>
-    <p:spTree>
-      <p:nvGrpSpPr>
-        <p:cNvPr id="1" name=""/>
-        <p:cNvGrpSpPr/>
-        <p:nvPr/>
-      </p:nvGrpSpPr>
-      <p:grpSpPr>
-        <a:xfrm>
-          <a:off x="0" y="0"/>
-          <a:ext cx="0" cy="0"/>
-          <a:chOff x="0" y="0"/>
-          <a:chExt cx="0" cy="0"/>
-        </a:xfrm>
-      </p:grpSpPr>
-      <p:sp>
-        <p:nvSpPr>
-          <p:cNvPr id="17410" name="Title 1"/>
-          <p:cNvSpPr>
-            <a:spLocks noGrp="1"/>
-          </p:cNvSpPr>
-          <p:nvPr>
-            <p:ph type="title" idx="4294967295"/>
-          </p:nvPr>
-        </p:nvSpPr>
-        <p:spPr bwMode="auto">
-          <a:xfrm>
-            <a:off x="76200" y="76200"/>
-            <a:ext cx="12039600" cy="685800"/>
-          </a:xfrm>
-          <a:prstGeom prst="rect">
-            <a:avLst/>
-          </a:prstGeom>
-          <a:noFill/>
-          <a:extLst>
-            <a:ext uri="{909E8E84-426E-40DD-AFC4-6F175D3DCCD1}">
-              <a14:hiddenFill xmlns:a14="http://schemas.microsoft.com/office/drawing/2010/main">
-                <a:solidFill>
-                  <a:srgbClr val="FFFFFF"/>
-                </a:solidFill>
-              </a14:hiddenFill>
-            </a:ext>
-            <a:ext uri="{91240B29-F687-4F45-9708-019B960494DF}">
-              <a14:hiddenLine xmlns:a14="http://schemas.microsoft.com/office/drawing/2010/main" w="9525">
-                <a:solidFill>
-                  <a:srgbClr val="000000"/>
-                </a:solidFill>
-                <a:miter lim="800000"/>
-                <a:headEnd/>
-                <a:tailEnd/>
-              </a14:hiddenLine>
-            </a:ext>
-          </a:extLst>
-        </p:spPr>
-        <p:txBody>
-          <a:bodyPr vert="horz" wrap="square" lIns="91440" tIns="45720" rIns="91440" bIns="45720" numCol="1" anchor="t" anchorCtr="0" compatLnSpc="1">
-            <a:prstTxWarp prst="textNoShape">
-              <a:avLst/>
-            </a:prstTxWarp>
-          </a:bodyPr>
-          <a:lstStyle/>
-          <a:p>
-            <a:pPr>
-              <a:defRPr/>
-            </a:pPr>
-            <a:r>
-              <a:rPr lang="en-US" altLang="en-US" sz="3600" dirty="0">
-                <a:solidFill>
-                  <a:schemeClr val="accent3"/>
-                </a:solidFill>
-                <a:latin typeface="Arial" panose="020B0604020202020204" pitchFamily="34" charset="0"/>
-              </a:rPr>
-              <a:t>Title</a:t>
-            </a:r>
-          </a:p>
-        </p:txBody>
-      </p:sp>
-      <p:sp>
-        <p:nvSpPr>
-          <p:cNvPr id="17411" name="Content Placeholder 2"/>
-          <p:cNvSpPr>
-            <a:spLocks noGrp="1"/>
-          </p:cNvSpPr>
-          <p:nvPr>
-            <p:ph idx="1"/>
-          </p:nvPr>
-        </p:nvSpPr>
-        <p:spPr>
-          <a:xfrm>
-            <a:off x="419100" y="1676400"/>
-            <a:ext cx="11353800" cy="2667000"/>
-          </a:xfrm>
-        </p:spPr>
-        <p:txBody>
-          <a:bodyPr/>
-          <a:lstStyle/>
-          <a:p>
-            <a:pPr eaLnBrk="1" hangingPunct="1">
-              <a:lnSpc>
-                <a:spcPct val="90000"/>
-              </a:lnSpc>
-            </a:pPr>
-            <a:endParaRPr lang="en-US" altLang="en-US" sz="2400" dirty="0">
-              <a:latin typeface="+mj-lt"/>
-            </a:endParaRPr>
-          </a:p>
-          <a:p>
-            <a:pPr eaLnBrk="1" hangingPunct="1">
-              <a:lnSpc>
-                <a:spcPct val="90000"/>
-              </a:lnSpc>
-            </a:pPr>
-            <a:r>
-              <a:rPr lang="en-US" altLang="en-US" sz="2400" dirty="0">
-                <a:latin typeface="+mj-lt"/>
-              </a:rPr>
-              <a:t>Text</a:t>
-            </a:r>
-          </a:p>
-          <a:p>
-            <a:pPr eaLnBrk="1" hangingPunct="1">
-              <a:lnSpc>
-                <a:spcPct val="90000"/>
-              </a:lnSpc>
-            </a:pPr>
-            <a:endParaRPr lang="en-US" altLang="en-US" sz="2400" dirty="0">
-              <a:latin typeface="+mj-lt"/>
-            </a:endParaRPr>
-          </a:p>
-          <a:p>
-            <a:pPr marL="0" indent="0" eaLnBrk="1" hangingPunct="1">
-              <a:lnSpc>
-                <a:spcPct val="90000"/>
-              </a:lnSpc>
-              <a:buNone/>
-            </a:pPr>
-            <a:endParaRPr lang="en-US" altLang="en-US" sz="2400" dirty="0">
-              <a:latin typeface="+mj-lt"/>
-            </a:endParaRPr>
-          </a:p>
-        </p:txBody>
-      </p:sp>
-    </p:spTree>
-    <p:extLst>
-      <p:ext uri="{BB962C8B-B14F-4D97-AF65-F5344CB8AC3E}">
-        <p14:creationId xmlns:p14="http://schemas.microsoft.com/office/powerpoint/2010/main" val="1606901699"/>
       </p:ext>
     </p:extLst>
   </p:cSld>
@@ -18228,1105 +17087,6 @@
     <p:extLst>
       <p:ext uri="{BB962C8B-B14F-4D97-AF65-F5344CB8AC3E}">
         <p14:creationId xmlns:p14="http://schemas.microsoft.com/office/powerpoint/2010/main" val="4148809524"/>
-      </p:ext>
-    </p:extLst>
-  </p:cSld>
-  <p:clrMapOvr>
-    <a:masterClrMapping/>
-  </p:clrMapOvr>
-</p:sld>
-</file>
-
-<file path=ppt/slides/slide40.xml><?xml version="1.0" encoding="utf-8"?>
-<p:sld xmlns:a="http://schemas.openxmlformats.org/drawingml/2006/main" xmlns:r="http://schemas.openxmlformats.org/officeDocument/2006/relationships" xmlns:p="http://schemas.openxmlformats.org/presentationml/2006/main">
-  <p:cSld>
-    <p:spTree>
-      <p:nvGrpSpPr>
-        <p:cNvPr id="1" name=""/>
-        <p:cNvGrpSpPr/>
-        <p:nvPr/>
-      </p:nvGrpSpPr>
-      <p:grpSpPr>
-        <a:xfrm>
-          <a:off x="0" y="0"/>
-          <a:ext cx="0" cy="0"/>
-          <a:chOff x="0" y="0"/>
-          <a:chExt cx="0" cy="0"/>
-        </a:xfrm>
-      </p:grpSpPr>
-      <p:sp>
-        <p:nvSpPr>
-          <p:cNvPr id="17410" name="Title 1"/>
-          <p:cNvSpPr>
-            <a:spLocks noGrp="1"/>
-          </p:cNvSpPr>
-          <p:nvPr>
-            <p:ph type="title" idx="4294967295"/>
-          </p:nvPr>
-        </p:nvSpPr>
-        <p:spPr bwMode="auto">
-          <a:xfrm>
-            <a:off x="76200" y="76200"/>
-            <a:ext cx="12039600" cy="685800"/>
-          </a:xfrm>
-          <a:prstGeom prst="rect">
-            <a:avLst/>
-          </a:prstGeom>
-          <a:noFill/>
-          <a:extLst>
-            <a:ext uri="{909E8E84-426E-40DD-AFC4-6F175D3DCCD1}">
-              <a14:hiddenFill xmlns:a14="http://schemas.microsoft.com/office/drawing/2010/main">
-                <a:solidFill>
-                  <a:srgbClr val="FFFFFF"/>
-                </a:solidFill>
-              </a14:hiddenFill>
-            </a:ext>
-            <a:ext uri="{91240B29-F687-4F45-9708-019B960494DF}">
-              <a14:hiddenLine xmlns:a14="http://schemas.microsoft.com/office/drawing/2010/main" w="9525">
-                <a:solidFill>
-                  <a:srgbClr val="000000"/>
-                </a:solidFill>
-                <a:miter lim="800000"/>
-                <a:headEnd/>
-                <a:tailEnd/>
-              </a14:hiddenLine>
-            </a:ext>
-          </a:extLst>
-        </p:spPr>
-        <p:txBody>
-          <a:bodyPr vert="horz" wrap="square" lIns="91440" tIns="45720" rIns="91440" bIns="45720" numCol="1" anchor="t" anchorCtr="0" compatLnSpc="1">
-            <a:prstTxWarp prst="textNoShape">
-              <a:avLst/>
-            </a:prstTxWarp>
-          </a:bodyPr>
-          <a:lstStyle/>
-          <a:p>
-            <a:pPr>
-              <a:defRPr/>
-            </a:pPr>
-            <a:r>
-              <a:rPr lang="en-US" altLang="en-US" sz="3600" dirty="0">
-                <a:solidFill>
-                  <a:schemeClr val="accent3"/>
-                </a:solidFill>
-                <a:latin typeface="Arial" panose="020B0604020202020204" pitchFamily="34" charset="0"/>
-              </a:rPr>
-              <a:t>Title</a:t>
-            </a:r>
-          </a:p>
-        </p:txBody>
-      </p:sp>
-      <p:sp>
-        <p:nvSpPr>
-          <p:cNvPr id="17411" name="Content Placeholder 2"/>
-          <p:cNvSpPr>
-            <a:spLocks noGrp="1"/>
-          </p:cNvSpPr>
-          <p:nvPr>
-            <p:ph idx="1"/>
-          </p:nvPr>
-        </p:nvSpPr>
-        <p:spPr>
-          <a:xfrm>
-            <a:off x="419100" y="1676400"/>
-            <a:ext cx="11353800" cy="2667000"/>
-          </a:xfrm>
-        </p:spPr>
-        <p:txBody>
-          <a:bodyPr/>
-          <a:lstStyle/>
-          <a:p>
-            <a:pPr eaLnBrk="1" hangingPunct="1">
-              <a:lnSpc>
-                <a:spcPct val="90000"/>
-              </a:lnSpc>
-            </a:pPr>
-            <a:endParaRPr lang="en-US" altLang="en-US" sz="2400" dirty="0">
-              <a:latin typeface="+mj-lt"/>
-            </a:endParaRPr>
-          </a:p>
-          <a:p>
-            <a:pPr eaLnBrk="1" hangingPunct="1">
-              <a:lnSpc>
-                <a:spcPct val="90000"/>
-              </a:lnSpc>
-            </a:pPr>
-            <a:r>
-              <a:rPr lang="en-US" altLang="en-US" sz="2400" dirty="0">
-                <a:latin typeface="+mj-lt"/>
-              </a:rPr>
-              <a:t>Text</a:t>
-            </a:r>
-          </a:p>
-          <a:p>
-            <a:pPr eaLnBrk="1" hangingPunct="1">
-              <a:lnSpc>
-                <a:spcPct val="90000"/>
-              </a:lnSpc>
-            </a:pPr>
-            <a:endParaRPr lang="en-US" altLang="en-US" sz="2400" dirty="0">
-              <a:latin typeface="+mj-lt"/>
-            </a:endParaRPr>
-          </a:p>
-          <a:p>
-            <a:pPr marL="0" indent="0" eaLnBrk="1" hangingPunct="1">
-              <a:lnSpc>
-                <a:spcPct val="90000"/>
-              </a:lnSpc>
-              <a:buNone/>
-            </a:pPr>
-            <a:endParaRPr lang="en-US" altLang="en-US" sz="2400" dirty="0">
-              <a:latin typeface="+mj-lt"/>
-            </a:endParaRPr>
-          </a:p>
-        </p:txBody>
-      </p:sp>
-    </p:spTree>
-    <p:extLst>
-      <p:ext uri="{BB962C8B-B14F-4D97-AF65-F5344CB8AC3E}">
-        <p14:creationId xmlns:p14="http://schemas.microsoft.com/office/powerpoint/2010/main" val="2192501351"/>
-      </p:ext>
-    </p:extLst>
-  </p:cSld>
-  <p:clrMapOvr>
-    <a:masterClrMapping/>
-  </p:clrMapOvr>
-</p:sld>
-</file>
-
-<file path=ppt/slides/slide41.xml><?xml version="1.0" encoding="utf-8"?>
-<p:sld xmlns:a="http://schemas.openxmlformats.org/drawingml/2006/main" xmlns:r="http://schemas.openxmlformats.org/officeDocument/2006/relationships" xmlns:p="http://schemas.openxmlformats.org/presentationml/2006/main">
-  <p:cSld>
-    <p:spTree>
-      <p:nvGrpSpPr>
-        <p:cNvPr id="1" name=""/>
-        <p:cNvGrpSpPr/>
-        <p:nvPr/>
-      </p:nvGrpSpPr>
-      <p:grpSpPr>
-        <a:xfrm>
-          <a:off x="0" y="0"/>
-          <a:ext cx="0" cy="0"/>
-          <a:chOff x="0" y="0"/>
-          <a:chExt cx="0" cy="0"/>
-        </a:xfrm>
-      </p:grpSpPr>
-      <p:sp>
-        <p:nvSpPr>
-          <p:cNvPr id="17410" name="Title 1"/>
-          <p:cNvSpPr>
-            <a:spLocks noGrp="1"/>
-          </p:cNvSpPr>
-          <p:nvPr>
-            <p:ph type="title" idx="4294967295"/>
-          </p:nvPr>
-        </p:nvSpPr>
-        <p:spPr bwMode="auto">
-          <a:xfrm>
-            <a:off x="76200" y="76200"/>
-            <a:ext cx="12039600" cy="685800"/>
-          </a:xfrm>
-          <a:prstGeom prst="rect">
-            <a:avLst/>
-          </a:prstGeom>
-          <a:noFill/>
-          <a:extLst>
-            <a:ext uri="{909E8E84-426E-40DD-AFC4-6F175D3DCCD1}">
-              <a14:hiddenFill xmlns:a14="http://schemas.microsoft.com/office/drawing/2010/main">
-                <a:solidFill>
-                  <a:srgbClr val="FFFFFF"/>
-                </a:solidFill>
-              </a14:hiddenFill>
-            </a:ext>
-            <a:ext uri="{91240B29-F687-4F45-9708-019B960494DF}">
-              <a14:hiddenLine xmlns:a14="http://schemas.microsoft.com/office/drawing/2010/main" w="9525">
-                <a:solidFill>
-                  <a:srgbClr val="000000"/>
-                </a:solidFill>
-                <a:miter lim="800000"/>
-                <a:headEnd/>
-                <a:tailEnd/>
-              </a14:hiddenLine>
-            </a:ext>
-          </a:extLst>
-        </p:spPr>
-        <p:txBody>
-          <a:bodyPr vert="horz" wrap="square" lIns="91440" tIns="45720" rIns="91440" bIns="45720" numCol="1" anchor="t" anchorCtr="0" compatLnSpc="1">
-            <a:prstTxWarp prst="textNoShape">
-              <a:avLst/>
-            </a:prstTxWarp>
-          </a:bodyPr>
-          <a:lstStyle/>
-          <a:p>
-            <a:pPr>
-              <a:defRPr/>
-            </a:pPr>
-            <a:r>
-              <a:rPr lang="en-US" altLang="en-US" sz="3600" dirty="0">
-                <a:solidFill>
-                  <a:schemeClr val="accent3"/>
-                </a:solidFill>
-                <a:latin typeface="Arial" panose="020B0604020202020204" pitchFamily="34" charset="0"/>
-              </a:rPr>
-              <a:t>Title</a:t>
-            </a:r>
-          </a:p>
-        </p:txBody>
-      </p:sp>
-      <p:sp>
-        <p:nvSpPr>
-          <p:cNvPr id="17411" name="Content Placeholder 2"/>
-          <p:cNvSpPr>
-            <a:spLocks noGrp="1"/>
-          </p:cNvSpPr>
-          <p:nvPr>
-            <p:ph idx="1"/>
-          </p:nvPr>
-        </p:nvSpPr>
-        <p:spPr>
-          <a:xfrm>
-            <a:off x="419100" y="1676400"/>
-            <a:ext cx="11353800" cy="2667000"/>
-          </a:xfrm>
-        </p:spPr>
-        <p:txBody>
-          <a:bodyPr/>
-          <a:lstStyle/>
-          <a:p>
-            <a:pPr eaLnBrk="1" hangingPunct="1">
-              <a:lnSpc>
-                <a:spcPct val="90000"/>
-              </a:lnSpc>
-            </a:pPr>
-            <a:endParaRPr lang="en-US" altLang="en-US" sz="2400" dirty="0">
-              <a:latin typeface="+mj-lt"/>
-            </a:endParaRPr>
-          </a:p>
-          <a:p>
-            <a:pPr eaLnBrk="1" hangingPunct="1">
-              <a:lnSpc>
-                <a:spcPct val="90000"/>
-              </a:lnSpc>
-            </a:pPr>
-            <a:r>
-              <a:rPr lang="en-US" altLang="en-US" sz="2400" dirty="0">
-                <a:latin typeface="+mj-lt"/>
-              </a:rPr>
-              <a:t>Text</a:t>
-            </a:r>
-          </a:p>
-          <a:p>
-            <a:pPr eaLnBrk="1" hangingPunct="1">
-              <a:lnSpc>
-                <a:spcPct val="90000"/>
-              </a:lnSpc>
-            </a:pPr>
-            <a:endParaRPr lang="en-US" altLang="en-US" sz="2400" dirty="0">
-              <a:latin typeface="+mj-lt"/>
-            </a:endParaRPr>
-          </a:p>
-          <a:p>
-            <a:pPr marL="0" indent="0" eaLnBrk="1" hangingPunct="1">
-              <a:lnSpc>
-                <a:spcPct val="90000"/>
-              </a:lnSpc>
-              <a:buNone/>
-            </a:pPr>
-            <a:endParaRPr lang="en-US" altLang="en-US" sz="2400" dirty="0">
-              <a:latin typeface="+mj-lt"/>
-            </a:endParaRPr>
-          </a:p>
-        </p:txBody>
-      </p:sp>
-    </p:spTree>
-    <p:extLst>
-      <p:ext uri="{BB962C8B-B14F-4D97-AF65-F5344CB8AC3E}">
-        <p14:creationId xmlns:p14="http://schemas.microsoft.com/office/powerpoint/2010/main" val="2447733430"/>
-      </p:ext>
-    </p:extLst>
-  </p:cSld>
-  <p:clrMapOvr>
-    <a:masterClrMapping/>
-  </p:clrMapOvr>
-</p:sld>
-</file>
-
-<file path=ppt/slides/slide42.xml><?xml version="1.0" encoding="utf-8"?>
-<p:sld xmlns:a="http://schemas.openxmlformats.org/drawingml/2006/main" xmlns:r="http://schemas.openxmlformats.org/officeDocument/2006/relationships" xmlns:p="http://schemas.openxmlformats.org/presentationml/2006/main">
-  <p:cSld>
-    <p:spTree>
-      <p:nvGrpSpPr>
-        <p:cNvPr id="1" name=""/>
-        <p:cNvGrpSpPr/>
-        <p:nvPr/>
-      </p:nvGrpSpPr>
-      <p:grpSpPr>
-        <a:xfrm>
-          <a:off x="0" y="0"/>
-          <a:ext cx="0" cy="0"/>
-          <a:chOff x="0" y="0"/>
-          <a:chExt cx="0" cy="0"/>
-        </a:xfrm>
-      </p:grpSpPr>
-      <p:sp>
-        <p:nvSpPr>
-          <p:cNvPr id="17410" name="Title 1"/>
-          <p:cNvSpPr>
-            <a:spLocks noGrp="1"/>
-          </p:cNvSpPr>
-          <p:nvPr>
-            <p:ph type="title" idx="4294967295"/>
-          </p:nvPr>
-        </p:nvSpPr>
-        <p:spPr bwMode="auto">
-          <a:xfrm>
-            <a:off x="76200" y="76200"/>
-            <a:ext cx="12039600" cy="685800"/>
-          </a:xfrm>
-          <a:prstGeom prst="rect">
-            <a:avLst/>
-          </a:prstGeom>
-          <a:noFill/>
-          <a:extLst>
-            <a:ext uri="{909E8E84-426E-40DD-AFC4-6F175D3DCCD1}">
-              <a14:hiddenFill xmlns:a14="http://schemas.microsoft.com/office/drawing/2010/main">
-                <a:solidFill>
-                  <a:srgbClr val="FFFFFF"/>
-                </a:solidFill>
-              </a14:hiddenFill>
-            </a:ext>
-            <a:ext uri="{91240B29-F687-4F45-9708-019B960494DF}">
-              <a14:hiddenLine xmlns:a14="http://schemas.microsoft.com/office/drawing/2010/main" w="9525">
-                <a:solidFill>
-                  <a:srgbClr val="000000"/>
-                </a:solidFill>
-                <a:miter lim="800000"/>
-                <a:headEnd/>
-                <a:tailEnd/>
-              </a14:hiddenLine>
-            </a:ext>
-          </a:extLst>
-        </p:spPr>
-        <p:txBody>
-          <a:bodyPr vert="horz" wrap="square" lIns="91440" tIns="45720" rIns="91440" bIns="45720" numCol="1" anchor="t" anchorCtr="0" compatLnSpc="1">
-            <a:prstTxWarp prst="textNoShape">
-              <a:avLst/>
-            </a:prstTxWarp>
-          </a:bodyPr>
-          <a:lstStyle/>
-          <a:p>
-            <a:pPr>
-              <a:defRPr/>
-            </a:pPr>
-            <a:r>
-              <a:rPr lang="en-US" altLang="en-US" sz="3600" dirty="0">
-                <a:solidFill>
-                  <a:schemeClr val="accent3"/>
-                </a:solidFill>
-                <a:latin typeface="Arial" panose="020B0604020202020204" pitchFamily="34" charset="0"/>
-              </a:rPr>
-              <a:t>Title</a:t>
-            </a:r>
-          </a:p>
-        </p:txBody>
-      </p:sp>
-      <p:sp>
-        <p:nvSpPr>
-          <p:cNvPr id="17411" name="Content Placeholder 2"/>
-          <p:cNvSpPr>
-            <a:spLocks noGrp="1"/>
-          </p:cNvSpPr>
-          <p:nvPr>
-            <p:ph idx="1"/>
-          </p:nvPr>
-        </p:nvSpPr>
-        <p:spPr>
-          <a:xfrm>
-            <a:off x="419100" y="1676400"/>
-            <a:ext cx="11353800" cy="2667000"/>
-          </a:xfrm>
-        </p:spPr>
-        <p:txBody>
-          <a:bodyPr/>
-          <a:lstStyle/>
-          <a:p>
-            <a:pPr eaLnBrk="1" hangingPunct="1">
-              <a:lnSpc>
-                <a:spcPct val="90000"/>
-              </a:lnSpc>
-            </a:pPr>
-            <a:endParaRPr lang="en-US" altLang="en-US" sz="2400" dirty="0">
-              <a:latin typeface="+mj-lt"/>
-            </a:endParaRPr>
-          </a:p>
-          <a:p>
-            <a:pPr eaLnBrk="1" hangingPunct="1">
-              <a:lnSpc>
-                <a:spcPct val="90000"/>
-              </a:lnSpc>
-            </a:pPr>
-            <a:r>
-              <a:rPr lang="en-US" altLang="en-US" sz="2400" dirty="0">
-                <a:latin typeface="+mj-lt"/>
-              </a:rPr>
-              <a:t>Text</a:t>
-            </a:r>
-          </a:p>
-          <a:p>
-            <a:pPr eaLnBrk="1" hangingPunct="1">
-              <a:lnSpc>
-                <a:spcPct val="90000"/>
-              </a:lnSpc>
-            </a:pPr>
-            <a:endParaRPr lang="en-US" altLang="en-US" sz="2400" dirty="0">
-              <a:latin typeface="+mj-lt"/>
-            </a:endParaRPr>
-          </a:p>
-          <a:p>
-            <a:pPr marL="0" indent="0" eaLnBrk="1" hangingPunct="1">
-              <a:lnSpc>
-                <a:spcPct val="90000"/>
-              </a:lnSpc>
-              <a:buNone/>
-            </a:pPr>
-            <a:endParaRPr lang="en-US" altLang="en-US" sz="2400" dirty="0">
-              <a:latin typeface="+mj-lt"/>
-            </a:endParaRPr>
-          </a:p>
-        </p:txBody>
-      </p:sp>
-    </p:spTree>
-    <p:extLst>
-      <p:ext uri="{BB962C8B-B14F-4D97-AF65-F5344CB8AC3E}">
-        <p14:creationId xmlns:p14="http://schemas.microsoft.com/office/powerpoint/2010/main" val="4166385818"/>
-      </p:ext>
-    </p:extLst>
-  </p:cSld>
-  <p:clrMapOvr>
-    <a:masterClrMapping/>
-  </p:clrMapOvr>
-</p:sld>
-</file>
-
-<file path=ppt/slides/slide43.xml><?xml version="1.0" encoding="utf-8"?>
-<p:sld xmlns:a="http://schemas.openxmlformats.org/drawingml/2006/main" xmlns:r="http://schemas.openxmlformats.org/officeDocument/2006/relationships" xmlns:p="http://schemas.openxmlformats.org/presentationml/2006/main">
-  <p:cSld>
-    <p:spTree>
-      <p:nvGrpSpPr>
-        <p:cNvPr id="1" name=""/>
-        <p:cNvGrpSpPr/>
-        <p:nvPr/>
-      </p:nvGrpSpPr>
-      <p:grpSpPr>
-        <a:xfrm>
-          <a:off x="0" y="0"/>
-          <a:ext cx="0" cy="0"/>
-          <a:chOff x="0" y="0"/>
-          <a:chExt cx="0" cy="0"/>
-        </a:xfrm>
-      </p:grpSpPr>
-      <p:sp>
-        <p:nvSpPr>
-          <p:cNvPr id="17410" name="Title 1"/>
-          <p:cNvSpPr>
-            <a:spLocks noGrp="1"/>
-          </p:cNvSpPr>
-          <p:nvPr>
-            <p:ph type="title" idx="4294967295"/>
-          </p:nvPr>
-        </p:nvSpPr>
-        <p:spPr bwMode="auto">
-          <a:xfrm>
-            <a:off x="76200" y="76200"/>
-            <a:ext cx="12039600" cy="685800"/>
-          </a:xfrm>
-          <a:prstGeom prst="rect">
-            <a:avLst/>
-          </a:prstGeom>
-          <a:noFill/>
-          <a:extLst>
-            <a:ext uri="{909E8E84-426E-40DD-AFC4-6F175D3DCCD1}">
-              <a14:hiddenFill xmlns:a14="http://schemas.microsoft.com/office/drawing/2010/main">
-                <a:solidFill>
-                  <a:srgbClr val="FFFFFF"/>
-                </a:solidFill>
-              </a14:hiddenFill>
-            </a:ext>
-            <a:ext uri="{91240B29-F687-4F45-9708-019B960494DF}">
-              <a14:hiddenLine xmlns:a14="http://schemas.microsoft.com/office/drawing/2010/main" w="9525">
-                <a:solidFill>
-                  <a:srgbClr val="000000"/>
-                </a:solidFill>
-                <a:miter lim="800000"/>
-                <a:headEnd/>
-                <a:tailEnd/>
-              </a14:hiddenLine>
-            </a:ext>
-          </a:extLst>
-        </p:spPr>
-        <p:txBody>
-          <a:bodyPr vert="horz" wrap="square" lIns="91440" tIns="45720" rIns="91440" bIns="45720" numCol="1" anchor="t" anchorCtr="0" compatLnSpc="1">
-            <a:prstTxWarp prst="textNoShape">
-              <a:avLst/>
-            </a:prstTxWarp>
-          </a:bodyPr>
-          <a:lstStyle/>
-          <a:p>
-            <a:pPr>
-              <a:defRPr/>
-            </a:pPr>
-            <a:r>
-              <a:rPr lang="en-US" altLang="en-US" sz="3600" dirty="0">
-                <a:solidFill>
-                  <a:schemeClr val="accent3"/>
-                </a:solidFill>
-                <a:latin typeface="Arial" panose="020B0604020202020204" pitchFamily="34" charset="0"/>
-              </a:rPr>
-              <a:t>Title</a:t>
-            </a:r>
-          </a:p>
-        </p:txBody>
-      </p:sp>
-      <p:sp>
-        <p:nvSpPr>
-          <p:cNvPr id="17411" name="Content Placeholder 2"/>
-          <p:cNvSpPr>
-            <a:spLocks noGrp="1"/>
-          </p:cNvSpPr>
-          <p:nvPr>
-            <p:ph idx="1"/>
-          </p:nvPr>
-        </p:nvSpPr>
-        <p:spPr>
-          <a:xfrm>
-            <a:off x="419100" y="1676400"/>
-            <a:ext cx="11353800" cy="2667000"/>
-          </a:xfrm>
-        </p:spPr>
-        <p:txBody>
-          <a:bodyPr/>
-          <a:lstStyle/>
-          <a:p>
-            <a:pPr eaLnBrk="1" hangingPunct="1">
-              <a:lnSpc>
-                <a:spcPct val="90000"/>
-              </a:lnSpc>
-            </a:pPr>
-            <a:endParaRPr lang="en-US" altLang="en-US" sz="2400" dirty="0">
-              <a:latin typeface="+mj-lt"/>
-            </a:endParaRPr>
-          </a:p>
-          <a:p>
-            <a:pPr eaLnBrk="1" hangingPunct="1">
-              <a:lnSpc>
-                <a:spcPct val="90000"/>
-              </a:lnSpc>
-            </a:pPr>
-            <a:r>
-              <a:rPr lang="en-US" altLang="en-US" sz="2400" dirty="0">
-                <a:latin typeface="+mj-lt"/>
-              </a:rPr>
-              <a:t>Text</a:t>
-            </a:r>
-          </a:p>
-          <a:p>
-            <a:pPr eaLnBrk="1" hangingPunct="1">
-              <a:lnSpc>
-                <a:spcPct val="90000"/>
-              </a:lnSpc>
-            </a:pPr>
-            <a:endParaRPr lang="en-US" altLang="en-US" sz="2400" dirty="0">
-              <a:latin typeface="+mj-lt"/>
-            </a:endParaRPr>
-          </a:p>
-          <a:p>
-            <a:pPr marL="0" indent="0" eaLnBrk="1" hangingPunct="1">
-              <a:lnSpc>
-                <a:spcPct val="90000"/>
-              </a:lnSpc>
-              <a:buNone/>
-            </a:pPr>
-            <a:endParaRPr lang="en-US" altLang="en-US" sz="2400" dirty="0">
-              <a:latin typeface="+mj-lt"/>
-            </a:endParaRPr>
-          </a:p>
-        </p:txBody>
-      </p:sp>
-    </p:spTree>
-    <p:extLst>
-      <p:ext uri="{BB962C8B-B14F-4D97-AF65-F5344CB8AC3E}">
-        <p14:creationId xmlns:p14="http://schemas.microsoft.com/office/powerpoint/2010/main" val="117214023"/>
-      </p:ext>
-    </p:extLst>
-  </p:cSld>
-  <p:clrMapOvr>
-    <a:masterClrMapping/>
-  </p:clrMapOvr>
-</p:sld>
-</file>
-
-<file path=ppt/slides/slide44.xml><?xml version="1.0" encoding="utf-8"?>
-<p:sld xmlns:a="http://schemas.openxmlformats.org/drawingml/2006/main" xmlns:r="http://schemas.openxmlformats.org/officeDocument/2006/relationships" xmlns:p="http://schemas.openxmlformats.org/presentationml/2006/main">
-  <p:cSld>
-    <p:spTree>
-      <p:nvGrpSpPr>
-        <p:cNvPr id="1" name=""/>
-        <p:cNvGrpSpPr/>
-        <p:nvPr/>
-      </p:nvGrpSpPr>
-      <p:grpSpPr>
-        <a:xfrm>
-          <a:off x="0" y="0"/>
-          <a:ext cx="0" cy="0"/>
-          <a:chOff x="0" y="0"/>
-          <a:chExt cx="0" cy="0"/>
-        </a:xfrm>
-      </p:grpSpPr>
-      <p:sp>
-        <p:nvSpPr>
-          <p:cNvPr id="17410" name="Title 1"/>
-          <p:cNvSpPr>
-            <a:spLocks noGrp="1"/>
-          </p:cNvSpPr>
-          <p:nvPr>
-            <p:ph type="title" idx="4294967295"/>
-          </p:nvPr>
-        </p:nvSpPr>
-        <p:spPr bwMode="auto">
-          <a:xfrm>
-            <a:off x="76200" y="76200"/>
-            <a:ext cx="12039600" cy="685800"/>
-          </a:xfrm>
-          <a:prstGeom prst="rect">
-            <a:avLst/>
-          </a:prstGeom>
-          <a:noFill/>
-          <a:extLst>
-            <a:ext uri="{909E8E84-426E-40DD-AFC4-6F175D3DCCD1}">
-              <a14:hiddenFill xmlns:a14="http://schemas.microsoft.com/office/drawing/2010/main">
-                <a:solidFill>
-                  <a:srgbClr val="FFFFFF"/>
-                </a:solidFill>
-              </a14:hiddenFill>
-            </a:ext>
-            <a:ext uri="{91240B29-F687-4F45-9708-019B960494DF}">
-              <a14:hiddenLine xmlns:a14="http://schemas.microsoft.com/office/drawing/2010/main" w="9525">
-                <a:solidFill>
-                  <a:srgbClr val="000000"/>
-                </a:solidFill>
-                <a:miter lim="800000"/>
-                <a:headEnd/>
-                <a:tailEnd/>
-              </a14:hiddenLine>
-            </a:ext>
-          </a:extLst>
-        </p:spPr>
-        <p:txBody>
-          <a:bodyPr vert="horz" wrap="square" lIns="91440" tIns="45720" rIns="91440" bIns="45720" numCol="1" anchor="t" anchorCtr="0" compatLnSpc="1">
-            <a:prstTxWarp prst="textNoShape">
-              <a:avLst/>
-            </a:prstTxWarp>
-          </a:bodyPr>
-          <a:lstStyle/>
-          <a:p>
-            <a:pPr>
-              <a:defRPr/>
-            </a:pPr>
-            <a:r>
-              <a:rPr lang="en-US" altLang="en-US" sz="3600" dirty="0">
-                <a:solidFill>
-                  <a:schemeClr val="accent3"/>
-                </a:solidFill>
-                <a:latin typeface="Arial" panose="020B0604020202020204" pitchFamily="34" charset="0"/>
-              </a:rPr>
-              <a:t>Title</a:t>
-            </a:r>
-          </a:p>
-        </p:txBody>
-      </p:sp>
-      <p:sp>
-        <p:nvSpPr>
-          <p:cNvPr id="17411" name="Content Placeholder 2"/>
-          <p:cNvSpPr>
-            <a:spLocks noGrp="1"/>
-          </p:cNvSpPr>
-          <p:nvPr>
-            <p:ph idx="1"/>
-          </p:nvPr>
-        </p:nvSpPr>
-        <p:spPr>
-          <a:xfrm>
-            <a:off x="419100" y="1676400"/>
-            <a:ext cx="11353800" cy="2667000"/>
-          </a:xfrm>
-        </p:spPr>
-        <p:txBody>
-          <a:bodyPr/>
-          <a:lstStyle/>
-          <a:p>
-            <a:pPr eaLnBrk="1" hangingPunct="1">
-              <a:lnSpc>
-                <a:spcPct val="90000"/>
-              </a:lnSpc>
-            </a:pPr>
-            <a:endParaRPr lang="en-US" altLang="en-US" sz="2400" dirty="0">
-              <a:latin typeface="+mj-lt"/>
-            </a:endParaRPr>
-          </a:p>
-          <a:p>
-            <a:pPr eaLnBrk="1" hangingPunct="1">
-              <a:lnSpc>
-                <a:spcPct val="90000"/>
-              </a:lnSpc>
-            </a:pPr>
-            <a:r>
-              <a:rPr lang="en-US" altLang="en-US" sz="2400" dirty="0">
-                <a:latin typeface="+mj-lt"/>
-              </a:rPr>
-              <a:t>Text</a:t>
-            </a:r>
-          </a:p>
-          <a:p>
-            <a:pPr eaLnBrk="1" hangingPunct="1">
-              <a:lnSpc>
-                <a:spcPct val="90000"/>
-              </a:lnSpc>
-            </a:pPr>
-            <a:endParaRPr lang="en-US" altLang="en-US" sz="2400" dirty="0">
-              <a:latin typeface="+mj-lt"/>
-            </a:endParaRPr>
-          </a:p>
-          <a:p>
-            <a:pPr marL="0" indent="0" eaLnBrk="1" hangingPunct="1">
-              <a:lnSpc>
-                <a:spcPct val="90000"/>
-              </a:lnSpc>
-              <a:buNone/>
-            </a:pPr>
-            <a:endParaRPr lang="en-US" altLang="en-US" sz="2400" dirty="0">
-              <a:latin typeface="+mj-lt"/>
-            </a:endParaRPr>
-          </a:p>
-        </p:txBody>
-      </p:sp>
-    </p:spTree>
-    <p:extLst>
-      <p:ext uri="{BB962C8B-B14F-4D97-AF65-F5344CB8AC3E}">
-        <p14:creationId xmlns:p14="http://schemas.microsoft.com/office/powerpoint/2010/main" val="1466735998"/>
-      </p:ext>
-    </p:extLst>
-  </p:cSld>
-  <p:clrMapOvr>
-    <a:masterClrMapping/>
-  </p:clrMapOvr>
-</p:sld>
-</file>
-
-<file path=ppt/slides/slide45.xml><?xml version="1.0" encoding="utf-8"?>
-<p:sld xmlns:a="http://schemas.openxmlformats.org/drawingml/2006/main" xmlns:r="http://schemas.openxmlformats.org/officeDocument/2006/relationships" xmlns:p="http://schemas.openxmlformats.org/presentationml/2006/main">
-  <p:cSld>
-    <p:spTree>
-      <p:nvGrpSpPr>
-        <p:cNvPr id="1" name=""/>
-        <p:cNvGrpSpPr/>
-        <p:nvPr/>
-      </p:nvGrpSpPr>
-      <p:grpSpPr>
-        <a:xfrm>
-          <a:off x="0" y="0"/>
-          <a:ext cx="0" cy="0"/>
-          <a:chOff x="0" y="0"/>
-          <a:chExt cx="0" cy="0"/>
-        </a:xfrm>
-      </p:grpSpPr>
-      <p:sp>
-        <p:nvSpPr>
-          <p:cNvPr id="17410" name="Title 1"/>
-          <p:cNvSpPr>
-            <a:spLocks noGrp="1"/>
-          </p:cNvSpPr>
-          <p:nvPr>
-            <p:ph type="title" idx="4294967295"/>
-          </p:nvPr>
-        </p:nvSpPr>
-        <p:spPr bwMode="auto">
-          <a:xfrm>
-            <a:off x="76200" y="76200"/>
-            <a:ext cx="12039600" cy="685800"/>
-          </a:xfrm>
-          <a:prstGeom prst="rect">
-            <a:avLst/>
-          </a:prstGeom>
-          <a:noFill/>
-          <a:extLst>
-            <a:ext uri="{909E8E84-426E-40DD-AFC4-6F175D3DCCD1}">
-              <a14:hiddenFill xmlns:a14="http://schemas.microsoft.com/office/drawing/2010/main">
-                <a:solidFill>
-                  <a:srgbClr val="FFFFFF"/>
-                </a:solidFill>
-              </a14:hiddenFill>
-            </a:ext>
-            <a:ext uri="{91240B29-F687-4F45-9708-019B960494DF}">
-              <a14:hiddenLine xmlns:a14="http://schemas.microsoft.com/office/drawing/2010/main" w="9525">
-                <a:solidFill>
-                  <a:srgbClr val="000000"/>
-                </a:solidFill>
-                <a:miter lim="800000"/>
-                <a:headEnd/>
-                <a:tailEnd/>
-              </a14:hiddenLine>
-            </a:ext>
-          </a:extLst>
-        </p:spPr>
-        <p:txBody>
-          <a:bodyPr vert="horz" wrap="square" lIns="91440" tIns="45720" rIns="91440" bIns="45720" numCol="1" anchor="t" anchorCtr="0" compatLnSpc="1">
-            <a:prstTxWarp prst="textNoShape">
-              <a:avLst/>
-            </a:prstTxWarp>
-          </a:bodyPr>
-          <a:lstStyle/>
-          <a:p>
-            <a:pPr>
-              <a:defRPr/>
-            </a:pPr>
-            <a:r>
-              <a:rPr lang="en-US" altLang="en-US" sz="3600" dirty="0">
-                <a:solidFill>
-                  <a:schemeClr val="accent3"/>
-                </a:solidFill>
-                <a:latin typeface="Arial" panose="020B0604020202020204" pitchFamily="34" charset="0"/>
-              </a:rPr>
-              <a:t>Title</a:t>
-            </a:r>
-          </a:p>
-        </p:txBody>
-      </p:sp>
-      <p:sp>
-        <p:nvSpPr>
-          <p:cNvPr id="17411" name="Content Placeholder 2"/>
-          <p:cNvSpPr>
-            <a:spLocks noGrp="1"/>
-          </p:cNvSpPr>
-          <p:nvPr>
-            <p:ph idx="1"/>
-          </p:nvPr>
-        </p:nvSpPr>
-        <p:spPr>
-          <a:xfrm>
-            <a:off x="419100" y="1676400"/>
-            <a:ext cx="11353800" cy="2667000"/>
-          </a:xfrm>
-        </p:spPr>
-        <p:txBody>
-          <a:bodyPr/>
-          <a:lstStyle/>
-          <a:p>
-            <a:pPr eaLnBrk="1" hangingPunct="1">
-              <a:lnSpc>
-                <a:spcPct val="90000"/>
-              </a:lnSpc>
-            </a:pPr>
-            <a:endParaRPr lang="en-US" altLang="en-US" sz="2400" dirty="0">
-              <a:latin typeface="+mj-lt"/>
-            </a:endParaRPr>
-          </a:p>
-          <a:p>
-            <a:pPr eaLnBrk="1" hangingPunct="1">
-              <a:lnSpc>
-                <a:spcPct val="90000"/>
-              </a:lnSpc>
-            </a:pPr>
-            <a:r>
-              <a:rPr lang="en-US" altLang="en-US" sz="2400" dirty="0">
-                <a:latin typeface="+mj-lt"/>
-              </a:rPr>
-              <a:t>Text</a:t>
-            </a:r>
-          </a:p>
-          <a:p>
-            <a:pPr eaLnBrk="1" hangingPunct="1">
-              <a:lnSpc>
-                <a:spcPct val="90000"/>
-              </a:lnSpc>
-            </a:pPr>
-            <a:endParaRPr lang="en-US" altLang="en-US" sz="2400" dirty="0">
-              <a:latin typeface="+mj-lt"/>
-            </a:endParaRPr>
-          </a:p>
-          <a:p>
-            <a:pPr marL="0" indent="0" eaLnBrk="1" hangingPunct="1">
-              <a:lnSpc>
-                <a:spcPct val="90000"/>
-              </a:lnSpc>
-              <a:buNone/>
-            </a:pPr>
-            <a:endParaRPr lang="en-US" altLang="en-US" sz="2400" dirty="0">
-              <a:latin typeface="+mj-lt"/>
-            </a:endParaRPr>
-          </a:p>
-        </p:txBody>
-      </p:sp>
-    </p:spTree>
-    <p:extLst>
-      <p:ext uri="{BB962C8B-B14F-4D97-AF65-F5344CB8AC3E}">
-        <p14:creationId xmlns:p14="http://schemas.microsoft.com/office/powerpoint/2010/main" val="3703670381"/>
-      </p:ext>
-    </p:extLst>
-  </p:cSld>
-  <p:clrMapOvr>
-    <a:masterClrMapping/>
-  </p:clrMapOvr>
-</p:sld>
-</file>
-
-<file path=ppt/slides/slide46.xml><?xml version="1.0" encoding="utf-8"?>
-<p:sld xmlns:a="http://schemas.openxmlformats.org/drawingml/2006/main" xmlns:r="http://schemas.openxmlformats.org/officeDocument/2006/relationships" xmlns:p="http://schemas.openxmlformats.org/presentationml/2006/main">
-  <p:cSld>
-    <p:spTree>
-      <p:nvGrpSpPr>
-        <p:cNvPr id="1" name=""/>
-        <p:cNvGrpSpPr/>
-        <p:nvPr/>
-      </p:nvGrpSpPr>
-      <p:grpSpPr>
-        <a:xfrm>
-          <a:off x="0" y="0"/>
-          <a:ext cx="0" cy="0"/>
-          <a:chOff x="0" y="0"/>
-          <a:chExt cx="0" cy="0"/>
-        </a:xfrm>
-      </p:grpSpPr>
-      <p:sp>
-        <p:nvSpPr>
-          <p:cNvPr id="17410" name="Title 1"/>
-          <p:cNvSpPr>
-            <a:spLocks noGrp="1"/>
-          </p:cNvSpPr>
-          <p:nvPr>
-            <p:ph type="title" idx="4294967295"/>
-          </p:nvPr>
-        </p:nvSpPr>
-        <p:spPr bwMode="auto">
-          <a:xfrm>
-            <a:off x="76200" y="76200"/>
-            <a:ext cx="12039600" cy="685800"/>
-          </a:xfrm>
-          <a:prstGeom prst="rect">
-            <a:avLst/>
-          </a:prstGeom>
-          <a:noFill/>
-          <a:extLst>
-            <a:ext uri="{909E8E84-426E-40DD-AFC4-6F175D3DCCD1}">
-              <a14:hiddenFill xmlns:a14="http://schemas.microsoft.com/office/drawing/2010/main">
-                <a:solidFill>
-                  <a:srgbClr val="FFFFFF"/>
-                </a:solidFill>
-              </a14:hiddenFill>
-            </a:ext>
-            <a:ext uri="{91240B29-F687-4F45-9708-019B960494DF}">
-              <a14:hiddenLine xmlns:a14="http://schemas.microsoft.com/office/drawing/2010/main" w="9525">
-                <a:solidFill>
-                  <a:srgbClr val="000000"/>
-                </a:solidFill>
-                <a:miter lim="800000"/>
-                <a:headEnd/>
-                <a:tailEnd/>
-              </a14:hiddenLine>
-            </a:ext>
-          </a:extLst>
-        </p:spPr>
-        <p:txBody>
-          <a:bodyPr vert="horz" wrap="square" lIns="91440" tIns="45720" rIns="91440" bIns="45720" numCol="1" anchor="t" anchorCtr="0" compatLnSpc="1">
-            <a:prstTxWarp prst="textNoShape">
-              <a:avLst/>
-            </a:prstTxWarp>
-          </a:bodyPr>
-          <a:lstStyle/>
-          <a:p>
-            <a:pPr>
-              <a:defRPr/>
-            </a:pPr>
-            <a:r>
-              <a:rPr lang="en-US" altLang="en-US" sz="3600" dirty="0">
-                <a:solidFill>
-                  <a:schemeClr val="accent3"/>
-                </a:solidFill>
-                <a:latin typeface="Arial" panose="020B0604020202020204" pitchFamily="34" charset="0"/>
-              </a:rPr>
-              <a:t>Title</a:t>
-            </a:r>
-          </a:p>
-        </p:txBody>
-      </p:sp>
-      <p:sp>
-        <p:nvSpPr>
-          <p:cNvPr id="17411" name="Content Placeholder 2"/>
-          <p:cNvSpPr>
-            <a:spLocks noGrp="1"/>
-          </p:cNvSpPr>
-          <p:nvPr>
-            <p:ph idx="1"/>
-          </p:nvPr>
-        </p:nvSpPr>
-        <p:spPr>
-          <a:xfrm>
-            <a:off x="419100" y="1676400"/>
-            <a:ext cx="11353800" cy="2667000"/>
-          </a:xfrm>
-        </p:spPr>
-        <p:txBody>
-          <a:bodyPr/>
-          <a:lstStyle/>
-          <a:p>
-            <a:pPr eaLnBrk="1" hangingPunct="1">
-              <a:lnSpc>
-                <a:spcPct val="90000"/>
-              </a:lnSpc>
-            </a:pPr>
-            <a:endParaRPr lang="en-US" altLang="en-US" sz="2400" dirty="0">
-              <a:latin typeface="+mj-lt"/>
-            </a:endParaRPr>
-          </a:p>
-          <a:p>
-            <a:pPr eaLnBrk="1" hangingPunct="1">
-              <a:lnSpc>
-                <a:spcPct val="90000"/>
-              </a:lnSpc>
-            </a:pPr>
-            <a:r>
-              <a:rPr lang="en-US" altLang="en-US" sz="2400" dirty="0">
-                <a:latin typeface="+mj-lt"/>
-              </a:rPr>
-              <a:t>Text</a:t>
-            </a:r>
-          </a:p>
-          <a:p>
-            <a:pPr eaLnBrk="1" hangingPunct="1">
-              <a:lnSpc>
-                <a:spcPct val="90000"/>
-              </a:lnSpc>
-            </a:pPr>
-            <a:endParaRPr lang="en-US" altLang="en-US" sz="2400" dirty="0">
-              <a:latin typeface="+mj-lt"/>
-            </a:endParaRPr>
-          </a:p>
-          <a:p>
-            <a:pPr marL="0" indent="0" eaLnBrk="1" hangingPunct="1">
-              <a:lnSpc>
-                <a:spcPct val="90000"/>
-              </a:lnSpc>
-              <a:buNone/>
-            </a:pPr>
-            <a:endParaRPr lang="en-US" altLang="en-US" sz="2400" dirty="0">
-              <a:latin typeface="+mj-lt"/>
-            </a:endParaRPr>
-          </a:p>
-        </p:txBody>
-      </p:sp>
-    </p:spTree>
-    <p:extLst>
-      <p:ext uri="{BB962C8B-B14F-4D97-AF65-F5344CB8AC3E}">
-        <p14:creationId xmlns:p14="http://schemas.microsoft.com/office/powerpoint/2010/main" val="2299947142"/>
       </p:ext>
     </p:extLst>
   </p:cSld>
